--- a/chapters/ProximiTEE/images_new/figs.pptx
+++ b/chapters/ProximiTEE/images_new/figs.pptx
@@ -7,6 +7,8 @@
   <p:sldIdLst>
     <p:sldId id="256" r:id="rId2"/>
     <p:sldId id="257" r:id="rId3"/>
+    <p:sldId id="258" r:id="rId4"/>
+    <p:sldId id="259" r:id="rId5"/>
   </p:sldIdLst>
   <p:sldSz cx="12192000" cy="6858000"/>
   <p:notesSz cx="6858000" cy="9144000"/>
@@ -7694,7 +7696,7 @@
             </a:avLst>
           </a:prstGeom>
           <a:solidFill>
-            <a:srgbClr val="F2EE9C"/>
+            <a:srgbClr val="AFECAA"/>
           </a:solidFill>
           <a:ln w="19050" cap="flat" cmpd="sng" algn="ctr">
             <a:solidFill>
@@ -7758,7 +7760,7 @@
         <p:spPr>
           <a:xfrm>
             <a:off x="6084935" y="2903498"/>
-            <a:ext cx="897413" cy="1004921"/>
+            <a:ext cx="893514" cy="369332"/>
           </a:xfrm>
           <a:prstGeom prst="rect">
             <a:avLst/>
@@ -7771,10 +7773,9 @@
           <a:lstStyle/>
           <a:p>
             <a:r>
-              <a:rPr lang="en-US" b="1" dirty="0"/>
+              <a:rPr lang="en-US" dirty="0"/>
               <a:t>Enclave</a:t>
             </a:r>
-            <a:endParaRPr lang="en-US" dirty="0"/>
           </a:p>
         </p:txBody>
       </p:sp>
@@ -7932,7 +7933,7 @@
         <p:spPr>
           <a:xfrm>
             <a:off x="1728968" y="1071650"/>
-            <a:ext cx="5672149" cy="2478490"/>
+            <a:ext cx="5672149" cy="2552048"/>
           </a:xfrm>
           <a:prstGeom prst="roundRect">
             <a:avLst>
@@ -7979,7 +7980,7 @@
         </p:nvSpPr>
         <p:spPr>
           <a:xfrm>
-            <a:off x="3183833" y="3163065"/>
+            <a:off x="3101269" y="3201483"/>
             <a:ext cx="1464375" cy="369332"/>
           </a:xfrm>
           <a:prstGeom prst="rect">
@@ -7993,7 +7994,7 @@
           <a:lstStyle/>
           <a:p>
             <a:r>
-              <a:rPr lang="en-US" b="1" dirty="0"/>
+              <a:rPr lang="en-US" dirty="0"/>
               <a:t>Untrusted OS</a:t>
             </a:r>
           </a:p>
@@ -8013,7 +8014,7 @@
         </p:nvSpPr>
         <p:spPr>
           <a:xfrm>
-            <a:off x="3883696" y="3512171"/>
+            <a:off x="3910977" y="3643527"/>
             <a:ext cx="1661673" cy="369332"/>
           </a:xfrm>
           <a:prstGeom prst="rect">
@@ -8027,7 +8028,7 @@
           <a:lstStyle/>
           <a:p>
             <a:r>
-              <a:rPr lang="en-US" b="1" dirty="0"/>
+              <a:rPr lang="en-US" dirty="0"/>
               <a:t>Target platform</a:t>
             </a:r>
           </a:p>
@@ -8061,22 +8062,22 @@
           <a:lstStyle/>
           <a:p>
             <a:r>
-              <a:rPr lang="en-US" b="1" dirty="0"/>
+              <a:rPr lang="en-US" dirty="0"/>
               <a:t>P</a:t>
             </a:r>
             <a:r>
-              <a:rPr lang="en-US" sz="1400" b="1" dirty="0"/>
+              <a:rPr lang="en-US" sz="1400" dirty="0"/>
               <a:t>ROXIMI</a:t>
             </a:r>
             <a:r>
-              <a:rPr lang="en-US" b="1" dirty="0"/>
+              <a:rPr lang="en-US" dirty="0"/>
               <a:t>K</a:t>
             </a:r>
             <a:r>
-              <a:rPr lang="en-US" sz="1400" b="1" dirty="0"/>
+              <a:rPr lang="en-US" sz="1400" dirty="0"/>
               <a:t>EY</a:t>
             </a:r>
-            <a:endParaRPr lang="en-US" b="1" dirty="0"/>
+            <a:endParaRPr lang="en-US" dirty="0"/>
           </a:p>
         </p:txBody>
       </p:sp>
@@ -8496,7 +8497,23 @@
                   <a:srgbClr val="2F5597"/>
                 </a:solidFill>
               </a:rPr>
-              <a:t>Intel Attestation Server</a:t>
+              <a:t>Intel </a:t>
+            </a:r>
+            <a:r>
+              <a:rPr lang="en-US" dirty="0">
+                <a:solidFill>
+                  <a:srgbClr val="2F5597"/>
+                </a:solidFill>
+              </a:rPr>
+              <a:t>Attestation</a:t>
+            </a:r>
+            <a:r>
+              <a:rPr lang="en-US" b="1" dirty="0">
+                <a:solidFill>
+                  <a:srgbClr val="2F5597"/>
+                </a:solidFill>
+              </a:rPr>
+              <a:t> Server</a:t>
             </a:r>
           </a:p>
         </p:txBody>
@@ -8805,7 +8822,7 @@
           <a:p>
             <a:pPr algn="r"/>
             <a:r>
-              <a:rPr lang="en-US" b="1" dirty="0"/>
+              <a:rPr lang="en-US" dirty="0"/>
               <a:t>Trusted remote verifier</a:t>
             </a:r>
           </a:p>
@@ -9084,7 +9101,7 @@
           <a:p>
             <a:pPr algn="ctr"/>
             <a:r>
-              <a:rPr lang="en-US" b="1" dirty="0"/>
+              <a:rPr lang="en-US" dirty="0"/>
               <a:t>Network</a:t>
             </a:r>
           </a:p>
@@ -9326,7 +9343,7 @@
           <a:lstStyle/>
           <a:p>
             <a:r>
-              <a:rPr lang="en-US" b="1" dirty="0"/>
+              <a:rPr lang="en-US" dirty="0"/>
               <a:t>Untrusted App</a:t>
             </a:r>
           </a:p>
@@ -9692,6 +9709,4110 @@
     <p:extLst>
       <p:ext uri="{BB962C8B-B14F-4D97-AF65-F5344CB8AC3E}">
         <p14:creationId xmlns:p14="http://schemas.microsoft.com/office/powerpoint/2010/main" val="2703983841"/>
+      </p:ext>
+    </p:extLst>
+  </p:cSld>
+  <p:clrMapOvr>
+    <a:masterClrMapping/>
+  </p:clrMapOvr>
+</p:sld>
+</file>
+
+<file path=ppt/slides/slide3.xml><?xml version="1.0" encoding="utf-8"?>
+<p:sld xmlns:a="http://schemas.openxmlformats.org/drawingml/2006/main" xmlns:r="http://schemas.openxmlformats.org/officeDocument/2006/relationships" xmlns:p="http://schemas.openxmlformats.org/presentationml/2006/main">
+  <p:cSld>
+    <p:spTree>
+      <p:nvGrpSpPr>
+        <p:cNvPr id="1" name=""/>
+        <p:cNvGrpSpPr/>
+        <p:nvPr/>
+      </p:nvGrpSpPr>
+      <p:grpSpPr>
+        <a:xfrm>
+          <a:off x="0" y="0"/>
+          <a:ext cx="0" cy="0"/>
+          <a:chOff x="0" y="0"/>
+          <a:chExt cx="0" cy="0"/>
+        </a:xfrm>
+      </p:grpSpPr>
+      <p:pic>
+        <p:nvPicPr>
+          <p:cNvPr id="4" name="Picture 3">
+            <a:extLst>
+              <a:ext uri="{FF2B5EF4-FFF2-40B4-BE49-F238E27FC236}">
+                <a16:creationId xmlns:a16="http://schemas.microsoft.com/office/drawing/2014/main" id="{B3E27767-98A3-458D-8BDB-37BC7324AEC3}"/>
+              </a:ext>
+            </a:extLst>
+          </p:cNvPr>
+          <p:cNvPicPr>
+            <a:picLocks noChangeAspect="1"/>
+          </p:cNvPicPr>
+          <p:nvPr/>
+        </p:nvPicPr>
+        <p:blipFill rotWithShape="1">
+          <a:blip r:embed="rId2" cstate="print">
+            <a:extLst>
+              <a:ext uri="{28A0092B-C50C-407E-A947-70E740481C1C}">
+                <a14:useLocalDpi xmlns:a14="http://schemas.microsoft.com/office/drawing/2010/main" val="0"/>
+              </a:ext>
+            </a:extLst>
+          </a:blip>
+          <a:srcRect l="25696" r="25137"/>
+          <a:stretch/>
+        </p:blipFill>
+        <p:spPr>
+          <a:xfrm rot="1800000">
+            <a:off x="292804" y="298650"/>
+            <a:ext cx="396289" cy="806003"/>
+          </a:xfrm>
+          <a:prstGeom prst="rect">
+            <a:avLst/>
+          </a:prstGeom>
+        </p:spPr>
+      </p:pic>
+      <p:sp>
+        <p:nvSpPr>
+          <p:cNvPr id="5" name="Rounded Rectangle 5">
+            <a:extLst>
+              <a:ext uri="{FF2B5EF4-FFF2-40B4-BE49-F238E27FC236}">
+                <a16:creationId xmlns:a16="http://schemas.microsoft.com/office/drawing/2014/main" id="{9CF84BEC-85E4-4E94-8760-8ADF29CF472D}"/>
+              </a:ext>
+            </a:extLst>
+          </p:cNvPr>
+          <p:cNvSpPr/>
+          <p:nvPr/>
+        </p:nvSpPr>
+        <p:spPr>
+          <a:xfrm>
+            <a:off x="1768080" y="12192"/>
+            <a:ext cx="4460851" cy="1561039"/>
+          </a:xfrm>
+          <a:prstGeom prst="roundRect">
+            <a:avLst>
+              <a:gd name="adj" fmla="val 4456"/>
+            </a:avLst>
+          </a:prstGeom>
+          <a:noFill/>
+          <a:ln w="19050"/>
+        </p:spPr>
+        <p:style>
+          <a:lnRef idx="2">
+            <a:schemeClr val="dk1"/>
+          </a:lnRef>
+          <a:fillRef idx="1">
+            <a:schemeClr val="lt1"/>
+          </a:fillRef>
+          <a:effectRef idx="0">
+            <a:schemeClr val="dk1"/>
+          </a:effectRef>
+          <a:fontRef idx="minor">
+            <a:schemeClr val="dk1"/>
+          </a:fontRef>
+        </p:style>
+        <p:txBody>
+          <a:bodyPr rtlCol="0" anchor="ctr"/>
+          <a:lstStyle/>
+          <a:p>
+            <a:pPr algn="ctr"/>
+            <a:endParaRPr lang="en-US"/>
+          </a:p>
+        </p:txBody>
+      </p:sp>
+      <p:grpSp>
+        <p:nvGrpSpPr>
+          <p:cNvPr id="6" name="Group 5">
+            <a:extLst>
+              <a:ext uri="{FF2B5EF4-FFF2-40B4-BE49-F238E27FC236}">
+                <a16:creationId xmlns:a16="http://schemas.microsoft.com/office/drawing/2014/main" id="{96F4BE62-F50B-461D-B33F-3DC1850791C6}"/>
+              </a:ext>
+            </a:extLst>
+          </p:cNvPr>
+          <p:cNvGrpSpPr/>
+          <p:nvPr/>
+        </p:nvGrpSpPr>
+        <p:grpSpPr>
+          <a:xfrm>
+            <a:off x="1831824" y="295307"/>
+            <a:ext cx="2204471" cy="1138905"/>
+            <a:chOff x="5647054" y="2152567"/>
+            <a:chExt cx="2066107" cy="362557"/>
+          </a:xfrm>
+        </p:grpSpPr>
+        <p:sp>
+          <p:nvSpPr>
+            <p:cNvPr id="7" name="Rounded Rectangle 11">
+              <a:extLst>
+                <a:ext uri="{FF2B5EF4-FFF2-40B4-BE49-F238E27FC236}">
+                  <a16:creationId xmlns:a16="http://schemas.microsoft.com/office/drawing/2014/main" id="{637B8DC7-1480-4478-9471-398792F4BA04}"/>
+                </a:ext>
+              </a:extLst>
+            </p:cNvPr>
+            <p:cNvSpPr/>
+            <p:nvPr/>
+          </p:nvSpPr>
+          <p:spPr>
+            <a:xfrm>
+              <a:off x="5647054" y="2152567"/>
+              <a:ext cx="2066107" cy="355877"/>
+            </a:xfrm>
+            <a:prstGeom prst="roundRect">
+              <a:avLst>
+                <a:gd name="adj" fmla="val 4456"/>
+              </a:avLst>
+            </a:prstGeom>
+            <a:solidFill>
+              <a:srgbClr val="AFECAA"/>
+            </a:solidFill>
+            <a:ln w="19050">
+              <a:solidFill>
+                <a:schemeClr val="tx1"/>
+              </a:solidFill>
+            </a:ln>
+          </p:spPr>
+          <p:style>
+            <a:lnRef idx="2">
+              <a:schemeClr val="accent1">
+                <a:shade val="50000"/>
+              </a:schemeClr>
+            </a:lnRef>
+            <a:fillRef idx="1">
+              <a:schemeClr val="accent1"/>
+            </a:fillRef>
+            <a:effectRef idx="0">
+              <a:schemeClr val="accent1"/>
+            </a:effectRef>
+            <a:fontRef idx="minor">
+              <a:schemeClr val="lt1"/>
+            </a:fontRef>
+          </p:style>
+          <p:txBody>
+            <a:bodyPr rtlCol="0" anchor="b"/>
+            <a:lstStyle/>
+            <a:p>
+              <a:pPr algn="ctr"/>
+              <a:endParaRPr lang="en-US"/>
+            </a:p>
+          </p:txBody>
+        </p:sp>
+        <p:sp>
+          <p:nvSpPr>
+            <p:cNvPr id="8" name="Rectangle 7">
+              <a:extLst>
+                <a:ext uri="{FF2B5EF4-FFF2-40B4-BE49-F238E27FC236}">
+                  <a16:creationId xmlns:a16="http://schemas.microsoft.com/office/drawing/2014/main" id="{9952F140-0FCC-4484-95E7-252156A8BB39}"/>
+                </a:ext>
+              </a:extLst>
+            </p:cNvPr>
+            <p:cNvSpPr/>
+            <p:nvPr/>
+          </p:nvSpPr>
+          <p:spPr>
+            <a:xfrm>
+              <a:off x="5786615" y="2397551"/>
+              <a:ext cx="1791819" cy="117573"/>
+            </a:xfrm>
+            <a:prstGeom prst="rect">
+              <a:avLst/>
+            </a:prstGeom>
+          </p:spPr>
+          <p:txBody>
+            <a:bodyPr wrap="none" anchor="b">
+              <a:spAutoFit/>
+            </a:bodyPr>
+            <a:lstStyle/>
+            <a:p>
+              <a:pPr algn="ctr"/>
+              <a:r>
+                <a:rPr lang="en-US" dirty="0"/>
+                <a:t>Trusted processor</a:t>
+              </a:r>
+            </a:p>
+          </p:txBody>
+        </p:sp>
+      </p:grpSp>
+      <p:sp>
+        <p:nvSpPr>
+          <p:cNvPr id="9" name="TextBox 8">
+            <a:extLst>
+              <a:ext uri="{FF2B5EF4-FFF2-40B4-BE49-F238E27FC236}">
+                <a16:creationId xmlns:a16="http://schemas.microsoft.com/office/drawing/2014/main" id="{1F740F61-A7E3-411C-8F34-BE9C1FD2C749}"/>
+              </a:ext>
+            </a:extLst>
+          </p:cNvPr>
+          <p:cNvSpPr txBox="1"/>
+          <p:nvPr/>
+        </p:nvSpPr>
+        <p:spPr>
+          <a:xfrm>
+            <a:off x="3067901" y="383118"/>
+            <a:ext cx="916227" cy="646331"/>
+          </a:xfrm>
+          <a:prstGeom prst="rect">
+            <a:avLst/>
+          </a:prstGeom>
+          <a:solidFill>
+            <a:srgbClr val="AFECAA"/>
+          </a:solidFill>
+          <a:ln w="19050">
+            <a:solidFill>
+              <a:schemeClr val="tx1"/>
+            </a:solidFill>
+          </a:ln>
+        </p:spPr>
+        <p:txBody>
+          <a:bodyPr wrap="square" rtlCol="0">
+            <a:spAutoFit/>
+          </a:bodyPr>
+          <a:lstStyle/>
+          <a:p>
+            <a:pPr algn="ctr"/>
+            <a:r>
+              <a:rPr lang="en-US" dirty="0"/>
+              <a:t>App Enclave</a:t>
+            </a:r>
+          </a:p>
+        </p:txBody>
+      </p:sp>
+      <p:cxnSp>
+        <p:nvCxnSpPr>
+          <p:cNvPr id="10" name="Curved Connector 19">
+            <a:extLst>
+              <a:ext uri="{FF2B5EF4-FFF2-40B4-BE49-F238E27FC236}">
+                <a16:creationId xmlns:a16="http://schemas.microsoft.com/office/drawing/2014/main" id="{6BEFDEAA-CC78-4EC9-87AD-02A55F759CEE}"/>
+              </a:ext>
+            </a:extLst>
+          </p:cNvPr>
+          <p:cNvCxnSpPr>
+            <a:stCxn id="31" idx="0"/>
+            <a:endCxn id="9" idx="0"/>
+          </p:cNvCxnSpPr>
+          <p:nvPr/>
+        </p:nvCxnSpPr>
+        <p:spPr>
+          <a:xfrm rot="16200000" flipH="1">
+            <a:off x="2986736" y="-156161"/>
+            <a:ext cx="1501" cy="1077056"/>
+          </a:xfrm>
+          <a:prstGeom prst="curvedConnector3">
+            <a:avLst>
+              <a:gd name="adj1" fmla="val -15229847"/>
+            </a:avLst>
+          </a:prstGeom>
+          <a:ln w="19050">
+            <a:headEnd type="none" w="med" len="med"/>
+            <a:tailEnd type="triangle" w="med" len="med"/>
+          </a:ln>
+        </p:spPr>
+        <p:style>
+          <a:lnRef idx="1">
+            <a:schemeClr val="dk1"/>
+          </a:lnRef>
+          <a:fillRef idx="0">
+            <a:schemeClr val="dk1"/>
+          </a:fillRef>
+          <a:effectRef idx="0">
+            <a:schemeClr val="dk1"/>
+          </a:effectRef>
+          <a:fontRef idx="minor">
+            <a:schemeClr val="tx1"/>
+          </a:fontRef>
+        </p:style>
+      </p:cxnSp>
+      <p:sp>
+        <p:nvSpPr>
+          <p:cNvPr id="11" name="Rounded Rectangle 23">
+            <a:extLst>
+              <a:ext uri="{FF2B5EF4-FFF2-40B4-BE49-F238E27FC236}">
+                <a16:creationId xmlns:a16="http://schemas.microsoft.com/office/drawing/2014/main" id="{B6934B62-5E02-49E0-BF11-B111E6419941}"/>
+              </a:ext>
+            </a:extLst>
+          </p:cNvPr>
+          <p:cNvSpPr/>
+          <p:nvPr/>
+        </p:nvSpPr>
+        <p:spPr>
+          <a:xfrm>
+            <a:off x="4066112" y="295307"/>
+            <a:ext cx="2105693" cy="1132223"/>
+          </a:xfrm>
+          <a:prstGeom prst="roundRect">
+            <a:avLst>
+              <a:gd name="adj" fmla="val 4456"/>
+            </a:avLst>
+          </a:prstGeom>
+          <a:solidFill>
+            <a:srgbClr val="FDA1AC"/>
+          </a:solidFill>
+          <a:ln w="19050">
+            <a:solidFill>
+              <a:schemeClr val="tx1"/>
+            </a:solidFill>
+          </a:ln>
+        </p:spPr>
+        <p:style>
+          <a:lnRef idx="2">
+            <a:schemeClr val="accent1">
+              <a:shade val="50000"/>
+            </a:schemeClr>
+          </a:lnRef>
+          <a:fillRef idx="1">
+            <a:schemeClr val="accent1"/>
+          </a:fillRef>
+          <a:effectRef idx="0">
+            <a:schemeClr val="accent1"/>
+          </a:effectRef>
+          <a:fontRef idx="minor">
+            <a:schemeClr val="lt1"/>
+          </a:fontRef>
+        </p:style>
+        <p:txBody>
+          <a:bodyPr rtlCol="0" anchor="b"/>
+          <a:lstStyle/>
+          <a:p>
+            <a:pPr algn="ctr"/>
+            <a:r>
+              <a:rPr lang="en-US" dirty="0">
+                <a:solidFill>
+                  <a:schemeClr val="tx1"/>
+                </a:solidFill>
+              </a:rPr>
+              <a:t>Emulated processor</a:t>
+            </a:r>
+          </a:p>
+        </p:txBody>
+      </p:sp>
+      <p:sp>
+        <p:nvSpPr>
+          <p:cNvPr id="12" name="TextBox 11">
+            <a:extLst>
+              <a:ext uri="{FF2B5EF4-FFF2-40B4-BE49-F238E27FC236}">
+                <a16:creationId xmlns:a16="http://schemas.microsoft.com/office/drawing/2014/main" id="{84A400E2-6AC9-4487-952A-FD5DA432DCCD}"/>
+              </a:ext>
+            </a:extLst>
+          </p:cNvPr>
+          <p:cNvSpPr txBox="1"/>
+          <p:nvPr/>
+        </p:nvSpPr>
+        <p:spPr>
+          <a:xfrm>
+            <a:off x="4571091" y="370926"/>
+            <a:ext cx="1129368" cy="646331"/>
+          </a:xfrm>
+          <a:prstGeom prst="rect">
+            <a:avLst/>
+          </a:prstGeom>
+          <a:solidFill>
+            <a:srgbClr val="FDA1AC"/>
+          </a:solidFill>
+          <a:ln w="19050">
+            <a:solidFill>
+              <a:schemeClr val="tx1"/>
+            </a:solidFill>
+          </a:ln>
+        </p:spPr>
+        <p:txBody>
+          <a:bodyPr wrap="square" rtlCol="0">
+            <a:spAutoFit/>
+          </a:bodyPr>
+          <a:lstStyle/>
+          <a:p>
+            <a:pPr algn="ctr"/>
+            <a:r>
+              <a:rPr lang="en-US" dirty="0"/>
+              <a:t>Attacker’s Enclave</a:t>
+            </a:r>
+          </a:p>
+        </p:txBody>
+      </p:sp>
+      <p:grpSp>
+        <p:nvGrpSpPr>
+          <p:cNvPr id="14" name="Group 13">
+            <a:extLst>
+              <a:ext uri="{FF2B5EF4-FFF2-40B4-BE49-F238E27FC236}">
+                <a16:creationId xmlns:a16="http://schemas.microsoft.com/office/drawing/2014/main" id="{4E2395CA-9C71-4933-99B4-398E0E9F5592}"/>
+              </a:ext>
+            </a:extLst>
+          </p:cNvPr>
+          <p:cNvGrpSpPr/>
+          <p:nvPr/>
+        </p:nvGrpSpPr>
+        <p:grpSpPr>
+          <a:xfrm>
+            <a:off x="-22894" y="2149767"/>
+            <a:ext cx="1670329" cy="1205401"/>
+            <a:chOff x="195103" y="3148408"/>
+            <a:chExt cx="1670329" cy="1205401"/>
+          </a:xfrm>
+        </p:grpSpPr>
+        <p:pic>
+          <p:nvPicPr>
+            <p:cNvPr id="15" name="Picture 14">
+              <a:extLst>
+                <a:ext uri="{FF2B5EF4-FFF2-40B4-BE49-F238E27FC236}">
+                  <a16:creationId xmlns:a16="http://schemas.microsoft.com/office/drawing/2014/main" id="{7F297089-20F4-4771-B765-1E6DB4AB1A2D}"/>
+                </a:ext>
+              </a:extLst>
+            </p:cNvPr>
+            <p:cNvPicPr>
+              <a:picLocks noChangeAspect="1"/>
+            </p:cNvPicPr>
+            <p:nvPr/>
+          </p:nvPicPr>
+          <p:blipFill rotWithShape="1">
+            <a:blip r:embed="rId3" cstate="print">
+              <a:extLst>
+                <a:ext uri="{28A0092B-C50C-407E-A947-70E740481C1C}">
+                  <a14:useLocalDpi xmlns:a14="http://schemas.microsoft.com/office/drawing/2010/main" val="0"/>
+                </a:ext>
+              </a:extLst>
+            </a:blip>
+            <a:srcRect l="1487" t="16443" r="6804" b="16551"/>
+            <a:stretch/>
+          </p:blipFill>
+          <p:spPr>
+            <a:xfrm>
+              <a:off x="453848" y="3148408"/>
+              <a:ext cx="1152840" cy="842308"/>
+            </a:xfrm>
+            <a:prstGeom prst="rect">
+              <a:avLst/>
+            </a:prstGeom>
+          </p:spPr>
+        </p:pic>
+        <p:sp>
+          <p:nvSpPr>
+            <p:cNvPr id="16" name="Rectangle 15">
+              <a:extLst>
+                <a:ext uri="{FF2B5EF4-FFF2-40B4-BE49-F238E27FC236}">
+                  <a16:creationId xmlns:a16="http://schemas.microsoft.com/office/drawing/2014/main" id="{578D620D-D12E-4EC8-88FF-4006461895FD}"/>
+                </a:ext>
+              </a:extLst>
+            </p:cNvPr>
+            <p:cNvSpPr/>
+            <p:nvPr/>
+          </p:nvSpPr>
+          <p:spPr>
+            <a:xfrm>
+              <a:off x="195103" y="3984477"/>
+              <a:ext cx="1670329" cy="369332"/>
+            </a:xfrm>
+            <a:prstGeom prst="rect">
+              <a:avLst/>
+            </a:prstGeom>
+          </p:spPr>
+          <p:txBody>
+            <a:bodyPr wrap="none">
+              <a:spAutoFit/>
+            </a:bodyPr>
+            <a:lstStyle/>
+            <a:p>
+              <a:r>
+                <a:rPr lang="en-US" dirty="0"/>
+                <a:t>Remote verifier</a:t>
+              </a:r>
+            </a:p>
+          </p:txBody>
+        </p:sp>
+      </p:grpSp>
+      <p:sp>
+        <p:nvSpPr>
+          <p:cNvPr id="17" name="Rectangle 16">
+            <a:extLst>
+              <a:ext uri="{FF2B5EF4-FFF2-40B4-BE49-F238E27FC236}">
+                <a16:creationId xmlns:a16="http://schemas.microsoft.com/office/drawing/2014/main" id="{3A6939B9-77E5-4366-94F1-FAB542F41A36}"/>
+              </a:ext>
+            </a:extLst>
+          </p:cNvPr>
+          <p:cNvSpPr/>
+          <p:nvPr/>
+        </p:nvSpPr>
+        <p:spPr>
+          <a:xfrm>
+            <a:off x="-93152" y="1033348"/>
+            <a:ext cx="1289777" cy="369332"/>
+          </a:xfrm>
+          <a:prstGeom prst="rect">
+            <a:avLst/>
+          </a:prstGeom>
+        </p:spPr>
+        <p:txBody>
+          <a:bodyPr wrap="none">
+            <a:spAutoFit/>
+          </a:bodyPr>
+          <a:lstStyle/>
+          <a:p>
+            <a:r>
+              <a:rPr lang="en-US" dirty="0"/>
+              <a:t>P</a:t>
+            </a:r>
+            <a:r>
+              <a:rPr lang="en-US" sz="1600" dirty="0"/>
+              <a:t>ROXIMI</a:t>
+            </a:r>
+            <a:r>
+              <a:rPr lang="en-US" dirty="0"/>
+              <a:t>K</a:t>
+            </a:r>
+            <a:r>
+              <a:rPr lang="en-US" sz="1600" dirty="0"/>
+              <a:t>EY</a:t>
+            </a:r>
+            <a:endParaRPr lang="en-US" dirty="0"/>
+          </a:p>
+        </p:txBody>
+      </p:sp>
+      <p:sp>
+        <p:nvSpPr>
+          <p:cNvPr id="18" name="Rectangle 17">
+            <a:extLst>
+              <a:ext uri="{FF2B5EF4-FFF2-40B4-BE49-F238E27FC236}">
+                <a16:creationId xmlns:a16="http://schemas.microsoft.com/office/drawing/2014/main" id="{2E93D36D-DE9E-49CB-A585-7D64596CCC9F}"/>
+              </a:ext>
+            </a:extLst>
+          </p:cNvPr>
+          <p:cNvSpPr/>
+          <p:nvPr/>
+        </p:nvSpPr>
+        <p:spPr>
+          <a:xfrm>
+            <a:off x="3108067" y="1562632"/>
+            <a:ext cx="1661673" cy="369332"/>
+          </a:xfrm>
+          <a:prstGeom prst="rect">
+            <a:avLst/>
+          </a:prstGeom>
+        </p:spPr>
+        <p:txBody>
+          <a:bodyPr wrap="none">
+            <a:spAutoFit/>
+          </a:bodyPr>
+          <a:lstStyle/>
+          <a:p>
+            <a:r>
+              <a:rPr lang="en-US" dirty="0"/>
+              <a:t>Target platform</a:t>
+            </a:r>
+          </a:p>
+        </p:txBody>
+      </p:sp>
+      <p:cxnSp>
+        <p:nvCxnSpPr>
+          <p:cNvPr id="19" name="Straight Arrow Connector 18">
+            <a:extLst>
+              <a:ext uri="{FF2B5EF4-FFF2-40B4-BE49-F238E27FC236}">
+                <a16:creationId xmlns:a16="http://schemas.microsoft.com/office/drawing/2014/main" id="{25B4CED3-28E4-4DEC-9BBE-E64B0D6E48A0}"/>
+              </a:ext>
+            </a:extLst>
+          </p:cNvPr>
+          <p:cNvCxnSpPr>
+            <a:endCxn id="31" idx="1"/>
+          </p:cNvCxnSpPr>
+          <p:nvPr/>
+        </p:nvCxnSpPr>
+        <p:spPr>
+          <a:xfrm>
+            <a:off x="760067" y="706283"/>
+            <a:ext cx="1129065" cy="1067"/>
+          </a:xfrm>
+          <a:prstGeom prst="straightConnector1">
+            <a:avLst/>
+          </a:prstGeom>
+          <a:ln w="19050">
+            <a:tailEnd type="triangle"/>
+          </a:ln>
+        </p:spPr>
+        <p:style>
+          <a:lnRef idx="1">
+            <a:schemeClr val="dk1"/>
+          </a:lnRef>
+          <a:fillRef idx="0">
+            <a:schemeClr val="dk1"/>
+          </a:fillRef>
+          <a:effectRef idx="0">
+            <a:schemeClr val="dk1"/>
+          </a:effectRef>
+          <a:fontRef idx="minor">
+            <a:schemeClr val="tx1"/>
+          </a:fontRef>
+        </p:style>
+      </p:cxnSp>
+      <p:grpSp>
+        <p:nvGrpSpPr>
+          <p:cNvPr id="20" name="Group 19">
+            <a:extLst>
+              <a:ext uri="{FF2B5EF4-FFF2-40B4-BE49-F238E27FC236}">
+                <a16:creationId xmlns:a16="http://schemas.microsoft.com/office/drawing/2014/main" id="{673DC6E3-3F7E-47A5-8C3F-49AFF362125C}"/>
+              </a:ext>
+            </a:extLst>
+          </p:cNvPr>
+          <p:cNvGrpSpPr/>
+          <p:nvPr/>
+        </p:nvGrpSpPr>
+        <p:grpSpPr>
+          <a:xfrm>
+            <a:off x="3176049" y="-31953"/>
+            <a:ext cx="2091724" cy="369332"/>
+            <a:chOff x="5723463" y="804615"/>
+            <a:chExt cx="2091724" cy="369332"/>
+          </a:xfrm>
+        </p:grpSpPr>
+        <p:sp>
+          <p:nvSpPr>
+            <p:cNvPr id="21" name="Oval 20">
+              <a:extLst>
+                <a:ext uri="{FF2B5EF4-FFF2-40B4-BE49-F238E27FC236}">
+                  <a16:creationId xmlns:a16="http://schemas.microsoft.com/office/drawing/2014/main" id="{53D9B1D3-98FF-475D-B0FA-177C9FDD0CCB}"/>
+                </a:ext>
+              </a:extLst>
+            </p:cNvPr>
+            <p:cNvSpPr/>
+            <p:nvPr/>
+          </p:nvSpPr>
+          <p:spPr>
+            <a:xfrm>
+              <a:off x="5723463" y="899559"/>
+              <a:ext cx="202025" cy="211031"/>
+            </a:xfrm>
+            <a:prstGeom prst="ellipse">
+              <a:avLst/>
+            </a:prstGeom>
+            <a:ln w="19050"/>
+          </p:spPr>
+          <p:style>
+            <a:lnRef idx="2">
+              <a:schemeClr val="dk1"/>
+            </a:lnRef>
+            <a:fillRef idx="1">
+              <a:schemeClr val="lt1"/>
+            </a:fillRef>
+            <a:effectRef idx="0">
+              <a:schemeClr val="dk1"/>
+            </a:effectRef>
+            <a:fontRef idx="minor">
+              <a:schemeClr val="dk1"/>
+            </a:fontRef>
+          </p:style>
+          <p:txBody>
+            <a:bodyPr rtlCol="0" anchor="ctr"/>
+            <a:lstStyle/>
+            <a:p>
+              <a:pPr algn="ctr"/>
+              <a:r>
+                <a:rPr lang="en-US" b="1" dirty="0"/>
+                <a:t>3</a:t>
+              </a:r>
+            </a:p>
+          </p:txBody>
+        </p:sp>
+        <p:sp>
+          <p:nvSpPr>
+            <p:cNvPr id="22" name="Rectangle 21">
+              <a:extLst>
+                <a:ext uri="{FF2B5EF4-FFF2-40B4-BE49-F238E27FC236}">
+                  <a16:creationId xmlns:a16="http://schemas.microsoft.com/office/drawing/2014/main" id="{D31202AE-1189-4863-B05B-5B482427F81A}"/>
+                </a:ext>
+              </a:extLst>
+            </p:cNvPr>
+            <p:cNvSpPr/>
+            <p:nvPr/>
+          </p:nvSpPr>
+          <p:spPr>
+            <a:xfrm>
+              <a:off x="5871526" y="804615"/>
+              <a:ext cx="1943661" cy="369332"/>
+            </a:xfrm>
+            <a:prstGeom prst="rect">
+              <a:avLst/>
+            </a:prstGeom>
+          </p:spPr>
+          <p:txBody>
+            <a:bodyPr wrap="square">
+              <a:spAutoFit/>
+            </a:bodyPr>
+            <a:lstStyle/>
+            <a:p>
+              <a:r>
+                <a:rPr lang="en-US" dirty="0"/>
+                <a:t>Local Attestation</a:t>
+              </a:r>
+              <a:endParaRPr lang="en-US" sz="1600" dirty="0"/>
+            </a:p>
+          </p:txBody>
+        </p:sp>
+      </p:grpSp>
+      <p:cxnSp>
+        <p:nvCxnSpPr>
+          <p:cNvPr id="23" name="Curved Connector 63">
+            <a:extLst>
+              <a:ext uri="{FF2B5EF4-FFF2-40B4-BE49-F238E27FC236}">
+                <a16:creationId xmlns:a16="http://schemas.microsoft.com/office/drawing/2014/main" id="{A63E886E-72F4-4C48-B216-33753EFB73DF}"/>
+              </a:ext>
+            </a:extLst>
+          </p:cNvPr>
+          <p:cNvCxnSpPr>
+            <a:stCxn id="15" idx="3"/>
+            <a:endCxn id="8" idx="2"/>
+          </p:cNvCxnSpPr>
+          <p:nvPr/>
+        </p:nvCxnSpPr>
+        <p:spPr>
+          <a:xfrm flipV="1">
+            <a:off x="1388691" y="1434212"/>
+            <a:ext cx="1547947" cy="1136709"/>
+          </a:xfrm>
+          <a:prstGeom prst="curvedConnector2">
+            <a:avLst/>
+          </a:prstGeom>
+          <a:ln w="19050">
+            <a:tailEnd type="triangle"/>
+          </a:ln>
+        </p:spPr>
+        <p:style>
+          <a:lnRef idx="1">
+            <a:schemeClr val="dk1"/>
+          </a:lnRef>
+          <a:fillRef idx="0">
+            <a:schemeClr val="dk1"/>
+          </a:fillRef>
+          <a:effectRef idx="0">
+            <a:schemeClr val="dk1"/>
+          </a:effectRef>
+          <a:fontRef idx="minor">
+            <a:schemeClr val="tx1"/>
+          </a:fontRef>
+        </p:style>
+      </p:cxnSp>
+      <p:grpSp>
+        <p:nvGrpSpPr>
+          <p:cNvPr id="24" name="Group 23">
+            <a:extLst>
+              <a:ext uri="{FF2B5EF4-FFF2-40B4-BE49-F238E27FC236}">
+                <a16:creationId xmlns:a16="http://schemas.microsoft.com/office/drawing/2014/main" id="{B2A189F4-129E-484B-B1F6-75E3D2E92FBA}"/>
+              </a:ext>
+            </a:extLst>
+          </p:cNvPr>
+          <p:cNvGrpSpPr/>
+          <p:nvPr/>
+        </p:nvGrpSpPr>
+        <p:grpSpPr>
+          <a:xfrm>
+            <a:off x="2150848" y="2254882"/>
+            <a:ext cx="1564611" cy="369332"/>
+            <a:chOff x="5620702" y="820408"/>
+            <a:chExt cx="1564611" cy="369332"/>
+          </a:xfrm>
+        </p:grpSpPr>
+        <p:sp>
+          <p:nvSpPr>
+            <p:cNvPr id="25" name="Oval 24">
+              <a:extLst>
+                <a:ext uri="{FF2B5EF4-FFF2-40B4-BE49-F238E27FC236}">
+                  <a16:creationId xmlns:a16="http://schemas.microsoft.com/office/drawing/2014/main" id="{0BD633A0-9012-4A55-9346-0C1271DF352E}"/>
+                </a:ext>
+              </a:extLst>
+            </p:cNvPr>
+            <p:cNvSpPr/>
+            <p:nvPr/>
+          </p:nvSpPr>
+          <p:spPr>
+            <a:xfrm>
+              <a:off x="5620702" y="899559"/>
+              <a:ext cx="202025" cy="211031"/>
+            </a:xfrm>
+            <a:prstGeom prst="ellipse">
+              <a:avLst/>
+            </a:prstGeom>
+            <a:ln w="19050"/>
+          </p:spPr>
+          <p:style>
+            <a:lnRef idx="2">
+              <a:schemeClr val="dk1"/>
+            </a:lnRef>
+            <a:fillRef idx="1">
+              <a:schemeClr val="lt1"/>
+            </a:fillRef>
+            <a:effectRef idx="0">
+              <a:schemeClr val="dk1"/>
+            </a:effectRef>
+            <a:fontRef idx="minor">
+              <a:schemeClr val="dk1"/>
+            </a:fontRef>
+          </p:style>
+          <p:txBody>
+            <a:bodyPr rtlCol="0" anchor="ctr"/>
+            <a:lstStyle/>
+            <a:p>
+              <a:pPr algn="ctr"/>
+              <a:r>
+                <a:rPr lang="en-US" b="1" dirty="0"/>
+                <a:t>2</a:t>
+              </a:r>
+            </a:p>
+          </p:txBody>
+        </p:sp>
+        <p:sp>
+          <p:nvSpPr>
+            <p:cNvPr id="26" name="Rectangle 25">
+              <a:extLst>
+                <a:ext uri="{FF2B5EF4-FFF2-40B4-BE49-F238E27FC236}">
+                  <a16:creationId xmlns:a16="http://schemas.microsoft.com/office/drawing/2014/main" id="{0C836A4D-AF52-4A2D-90AD-A1FB3243B61F}"/>
+                </a:ext>
+              </a:extLst>
+            </p:cNvPr>
+            <p:cNvSpPr/>
+            <p:nvPr/>
+          </p:nvSpPr>
+          <p:spPr>
+            <a:xfrm>
+              <a:off x="5804471" y="820408"/>
+              <a:ext cx="1380842" cy="369332"/>
+            </a:xfrm>
+            <a:prstGeom prst="rect">
+              <a:avLst/>
+            </a:prstGeom>
+          </p:spPr>
+          <p:txBody>
+            <a:bodyPr wrap="square">
+              <a:spAutoFit/>
+            </a:bodyPr>
+            <a:lstStyle/>
+            <a:p>
+              <a:r>
+                <a:rPr lang="en-US" dirty="0"/>
+                <a:t>App enclave</a:t>
+              </a:r>
+              <a:endParaRPr lang="en-US" sz="1600" dirty="0"/>
+            </a:p>
+          </p:txBody>
+        </p:sp>
+      </p:grpSp>
+      <p:cxnSp>
+        <p:nvCxnSpPr>
+          <p:cNvPr id="27" name="Straight Arrow Connector 26">
+            <a:extLst>
+              <a:ext uri="{FF2B5EF4-FFF2-40B4-BE49-F238E27FC236}">
+                <a16:creationId xmlns:a16="http://schemas.microsoft.com/office/drawing/2014/main" id="{E862B4FE-D2BE-42AE-A9C2-DA881CE4DB24}"/>
+              </a:ext>
+            </a:extLst>
+          </p:cNvPr>
+          <p:cNvCxnSpPr/>
+          <p:nvPr/>
+        </p:nvCxnSpPr>
+        <p:spPr>
+          <a:xfrm flipV="1">
+            <a:off x="613908" y="1446015"/>
+            <a:ext cx="1333" cy="703752"/>
+          </a:xfrm>
+          <a:prstGeom prst="straightConnector1">
+            <a:avLst/>
+          </a:prstGeom>
+          <a:ln w="19050">
+            <a:headEnd type="triangle" w="med" len="med"/>
+            <a:tailEnd type="triangle" w="med" len="med"/>
+          </a:ln>
+        </p:spPr>
+        <p:style>
+          <a:lnRef idx="1">
+            <a:schemeClr val="dk1"/>
+          </a:lnRef>
+          <a:fillRef idx="0">
+            <a:schemeClr val="dk1"/>
+          </a:fillRef>
+          <a:effectRef idx="0">
+            <a:schemeClr val="dk1"/>
+          </a:effectRef>
+          <a:fontRef idx="minor">
+            <a:schemeClr val="tx1"/>
+          </a:fontRef>
+        </p:style>
+      </p:cxnSp>
+      <p:grpSp>
+        <p:nvGrpSpPr>
+          <p:cNvPr id="28" name="Group 27">
+            <a:extLst>
+              <a:ext uri="{FF2B5EF4-FFF2-40B4-BE49-F238E27FC236}">
+                <a16:creationId xmlns:a16="http://schemas.microsoft.com/office/drawing/2014/main" id="{AD9ED0F1-16BB-4C89-A0D1-62F3282F018A}"/>
+              </a:ext>
+            </a:extLst>
+          </p:cNvPr>
+          <p:cNvGrpSpPr/>
+          <p:nvPr/>
+        </p:nvGrpSpPr>
+        <p:grpSpPr>
+          <a:xfrm>
+            <a:off x="770006" y="1481830"/>
+            <a:ext cx="1564611" cy="369332"/>
+            <a:chOff x="5620702" y="820408"/>
+            <a:chExt cx="1564611" cy="369332"/>
+          </a:xfrm>
+        </p:grpSpPr>
+        <p:sp>
+          <p:nvSpPr>
+            <p:cNvPr id="29" name="Oval 28">
+              <a:extLst>
+                <a:ext uri="{FF2B5EF4-FFF2-40B4-BE49-F238E27FC236}">
+                  <a16:creationId xmlns:a16="http://schemas.microsoft.com/office/drawing/2014/main" id="{16017643-8915-4D69-A6FB-0062CD3CE575}"/>
+                </a:ext>
+              </a:extLst>
+            </p:cNvPr>
+            <p:cNvSpPr/>
+            <p:nvPr/>
+          </p:nvSpPr>
+          <p:spPr>
+            <a:xfrm>
+              <a:off x="5620702" y="899559"/>
+              <a:ext cx="202025" cy="211031"/>
+            </a:xfrm>
+            <a:prstGeom prst="ellipse">
+              <a:avLst/>
+            </a:prstGeom>
+            <a:ln w="19050"/>
+          </p:spPr>
+          <p:style>
+            <a:lnRef idx="2">
+              <a:schemeClr val="dk1"/>
+            </a:lnRef>
+            <a:fillRef idx="1">
+              <a:schemeClr val="lt1"/>
+            </a:fillRef>
+            <a:effectRef idx="0">
+              <a:schemeClr val="dk1"/>
+            </a:effectRef>
+            <a:fontRef idx="minor">
+              <a:schemeClr val="dk1"/>
+            </a:fontRef>
+          </p:style>
+          <p:txBody>
+            <a:bodyPr rtlCol="0" anchor="ctr"/>
+            <a:lstStyle/>
+            <a:p>
+              <a:pPr algn="ctr"/>
+              <a:r>
+                <a:rPr lang="en-US" b="1" dirty="0"/>
+                <a:t>4</a:t>
+              </a:r>
+            </a:p>
+          </p:txBody>
+        </p:sp>
+        <p:sp>
+          <p:nvSpPr>
+            <p:cNvPr id="30" name="Rectangle 29">
+              <a:extLst>
+                <a:ext uri="{FF2B5EF4-FFF2-40B4-BE49-F238E27FC236}">
+                  <a16:creationId xmlns:a16="http://schemas.microsoft.com/office/drawing/2014/main" id="{9D0233A1-0804-4B3A-BC2B-2BD34A3E362A}"/>
+                </a:ext>
+              </a:extLst>
+            </p:cNvPr>
+            <p:cNvSpPr/>
+            <p:nvPr/>
+          </p:nvSpPr>
+          <p:spPr>
+            <a:xfrm>
+              <a:off x="5804471" y="820408"/>
+              <a:ext cx="1380842" cy="369332"/>
+            </a:xfrm>
+            <a:prstGeom prst="rect">
+              <a:avLst/>
+            </a:prstGeom>
+          </p:spPr>
+          <p:txBody>
+            <a:bodyPr wrap="square">
+              <a:spAutoFit/>
+            </a:bodyPr>
+            <a:lstStyle/>
+            <a:p>
+              <a:r>
+                <a:rPr lang="en-US" dirty="0"/>
+                <a:t>Approve</a:t>
+              </a:r>
+              <a:endParaRPr lang="en-US" sz="1600" dirty="0"/>
+            </a:p>
+          </p:txBody>
+        </p:sp>
+      </p:grpSp>
+      <p:sp>
+        <p:nvSpPr>
+          <p:cNvPr id="31" name="Rectangle 30">
+            <a:extLst>
+              <a:ext uri="{FF2B5EF4-FFF2-40B4-BE49-F238E27FC236}">
+                <a16:creationId xmlns:a16="http://schemas.microsoft.com/office/drawing/2014/main" id="{A4110DFE-CFAB-4434-B0CA-EFC9E4DF7577}"/>
+              </a:ext>
+            </a:extLst>
+          </p:cNvPr>
+          <p:cNvSpPr/>
+          <p:nvPr/>
+        </p:nvSpPr>
+        <p:spPr>
+          <a:xfrm>
+            <a:off x="1889132" y="381617"/>
+            <a:ext cx="1119653" cy="651465"/>
+          </a:xfrm>
+          <a:prstGeom prst="rect">
+            <a:avLst/>
+          </a:prstGeom>
+          <a:solidFill>
+            <a:srgbClr val="AFECAA"/>
+          </a:solidFill>
+          <a:ln w="19050">
+            <a:solidFill>
+              <a:schemeClr val="tx1"/>
+            </a:solidFill>
+          </a:ln>
+        </p:spPr>
+        <p:style>
+          <a:lnRef idx="2">
+            <a:schemeClr val="accent6">
+              <a:shade val="50000"/>
+            </a:schemeClr>
+          </a:lnRef>
+          <a:fillRef idx="1">
+            <a:schemeClr val="accent6"/>
+          </a:fillRef>
+          <a:effectRef idx="0">
+            <a:schemeClr val="accent6"/>
+          </a:effectRef>
+          <a:fontRef idx="minor">
+            <a:schemeClr val="lt1"/>
+          </a:fontRef>
+        </p:style>
+        <p:txBody>
+          <a:bodyPr rtlCol="0" anchor="ctr"/>
+          <a:lstStyle/>
+          <a:p>
+            <a:pPr algn="ctr"/>
+            <a:endParaRPr lang="en-US"/>
+          </a:p>
+        </p:txBody>
+      </p:sp>
+      <p:sp>
+        <p:nvSpPr>
+          <p:cNvPr id="32" name="Rectangle 31">
+            <a:extLst>
+              <a:ext uri="{FF2B5EF4-FFF2-40B4-BE49-F238E27FC236}">
+                <a16:creationId xmlns:a16="http://schemas.microsoft.com/office/drawing/2014/main" id="{5554F4A9-6360-40A3-9C4C-5C3B16BBD928}"/>
+              </a:ext>
+            </a:extLst>
+          </p:cNvPr>
+          <p:cNvSpPr/>
+          <p:nvPr/>
+        </p:nvSpPr>
+        <p:spPr>
+          <a:xfrm>
+            <a:off x="1616913" y="370925"/>
+            <a:ext cx="1650210" cy="646331"/>
+          </a:xfrm>
+          <a:prstGeom prst="rect">
+            <a:avLst/>
+          </a:prstGeom>
+        </p:spPr>
+        <p:txBody>
+          <a:bodyPr wrap="square">
+            <a:spAutoFit/>
+          </a:bodyPr>
+          <a:lstStyle/>
+          <a:p>
+            <a:pPr algn="ctr"/>
+            <a:r>
+              <a:rPr lang="en-US" dirty="0"/>
+              <a:t>P</a:t>
+            </a:r>
+            <a:r>
+              <a:rPr lang="en-US" sz="1600" dirty="0"/>
+              <a:t>ROXIMI</a:t>
+            </a:r>
+            <a:r>
+              <a:rPr lang="en-US" dirty="0"/>
+              <a:t>T</a:t>
+            </a:r>
+            <a:r>
+              <a:rPr lang="en-US" sz="1600" dirty="0"/>
+              <a:t>EE</a:t>
+            </a:r>
+            <a:r>
+              <a:rPr lang="en-US" dirty="0"/>
+              <a:t> Enclave</a:t>
+            </a:r>
+          </a:p>
+        </p:txBody>
+      </p:sp>
+      <p:grpSp>
+        <p:nvGrpSpPr>
+          <p:cNvPr id="33" name="Group 32">
+            <a:extLst>
+              <a:ext uri="{FF2B5EF4-FFF2-40B4-BE49-F238E27FC236}">
+                <a16:creationId xmlns:a16="http://schemas.microsoft.com/office/drawing/2014/main" id="{8BCADB51-431E-423A-95DB-AD2E2BB178D5}"/>
+              </a:ext>
+            </a:extLst>
+          </p:cNvPr>
+          <p:cNvGrpSpPr/>
+          <p:nvPr/>
+        </p:nvGrpSpPr>
+        <p:grpSpPr>
+          <a:xfrm>
+            <a:off x="770006" y="1752075"/>
+            <a:ext cx="1854051" cy="369332"/>
+            <a:chOff x="5620702" y="820408"/>
+            <a:chExt cx="1854051" cy="369332"/>
+          </a:xfrm>
+        </p:grpSpPr>
+        <p:sp>
+          <p:nvSpPr>
+            <p:cNvPr id="34" name="Oval 33">
+              <a:extLst>
+                <a:ext uri="{FF2B5EF4-FFF2-40B4-BE49-F238E27FC236}">
+                  <a16:creationId xmlns:a16="http://schemas.microsoft.com/office/drawing/2014/main" id="{C01CA354-4884-438B-9E0F-C1454760D7BF}"/>
+                </a:ext>
+              </a:extLst>
+            </p:cNvPr>
+            <p:cNvSpPr/>
+            <p:nvPr/>
+          </p:nvSpPr>
+          <p:spPr>
+            <a:xfrm>
+              <a:off x="5620702" y="899559"/>
+              <a:ext cx="202025" cy="211031"/>
+            </a:xfrm>
+            <a:prstGeom prst="ellipse">
+              <a:avLst/>
+            </a:prstGeom>
+            <a:ln w="19050"/>
+          </p:spPr>
+          <p:style>
+            <a:lnRef idx="2">
+              <a:schemeClr val="dk1"/>
+            </a:lnRef>
+            <a:fillRef idx="1">
+              <a:schemeClr val="lt1"/>
+            </a:fillRef>
+            <a:effectRef idx="0">
+              <a:schemeClr val="dk1"/>
+            </a:effectRef>
+            <a:fontRef idx="minor">
+              <a:schemeClr val="dk1"/>
+            </a:fontRef>
+          </p:style>
+          <p:txBody>
+            <a:bodyPr rtlCol="0" anchor="ctr"/>
+            <a:lstStyle/>
+            <a:p>
+              <a:pPr algn="ctr"/>
+              <a:r>
+                <a:rPr lang="en-US" b="1" dirty="0"/>
+                <a:t>5</a:t>
+              </a:r>
+            </a:p>
+          </p:txBody>
+        </p:sp>
+        <p:sp>
+          <p:nvSpPr>
+            <p:cNvPr id="35" name="Rectangle 34">
+              <a:extLst>
+                <a:ext uri="{FF2B5EF4-FFF2-40B4-BE49-F238E27FC236}">
+                  <a16:creationId xmlns:a16="http://schemas.microsoft.com/office/drawing/2014/main" id="{7F62FAFB-B86E-4997-9F06-36784735399D}"/>
+                </a:ext>
+              </a:extLst>
+            </p:cNvPr>
+            <p:cNvSpPr/>
+            <p:nvPr/>
+          </p:nvSpPr>
+          <p:spPr>
+            <a:xfrm>
+              <a:off x="5804471" y="820408"/>
+              <a:ext cx="1670282" cy="369332"/>
+            </a:xfrm>
+            <a:prstGeom prst="rect">
+              <a:avLst/>
+            </a:prstGeom>
+          </p:spPr>
+          <p:txBody>
+            <a:bodyPr wrap="square">
+              <a:spAutoFit/>
+            </a:bodyPr>
+            <a:lstStyle/>
+            <a:p>
+              <a:r>
+                <a:rPr lang="en-US" dirty="0"/>
+                <a:t>Communication</a:t>
+              </a:r>
+              <a:endParaRPr lang="en-US" sz="1600" dirty="0"/>
+            </a:p>
+          </p:txBody>
+        </p:sp>
+      </p:grpSp>
+      <p:grpSp>
+        <p:nvGrpSpPr>
+          <p:cNvPr id="36" name="Group 35">
+            <a:extLst>
+              <a:ext uri="{FF2B5EF4-FFF2-40B4-BE49-F238E27FC236}">
+                <a16:creationId xmlns:a16="http://schemas.microsoft.com/office/drawing/2014/main" id="{FC039FB9-E7A0-46DA-B76E-81E4DFEEC479}"/>
+              </a:ext>
+            </a:extLst>
+          </p:cNvPr>
+          <p:cNvGrpSpPr/>
+          <p:nvPr/>
+        </p:nvGrpSpPr>
+        <p:grpSpPr>
+          <a:xfrm>
+            <a:off x="882379" y="372966"/>
+            <a:ext cx="1027712" cy="646331"/>
+            <a:chOff x="5799267" y="544031"/>
+            <a:chExt cx="1027712" cy="646331"/>
+          </a:xfrm>
+        </p:grpSpPr>
+        <p:sp>
+          <p:nvSpPr>
+            <p:cNvPr id="37" name="Oval 36">
+              <a:extLst>
+                <a:ext uri="{FF2B5EF4-FFF2-40B4-BE49-F238E27FC236}">
+                  <a16:creationId xmlns:a16="http://schemas.microsoft.com/office/drawing/2014/main" id="{9A49D685-3C3A-4F93-B9EC-24E0D07907BD}"/>
+                </a:ext>
+              </a:extLst>
+            </p:cNvPr>
+            <p:cNvSpPr/>
+            <p:nvPr/>
+          </p:nvSpPr>
+          <p:spPr>
+            <a:xfrm>
+              <a:off x="5799267" y="754333"/>
+              <a:ext cx="202025" cy="211031"/>
+            </a:xfrm>
+            <a:prstGeom prst="ellipse">
+              <a:avLst/>
+            </a:prstGeom>
+            <a:ln w="19050"/>
+          </p:spPr>
+          <p:style>
+            <a:lnRef idx="2">
+              <a:schemeClr val="dk1"/>
+            </a:lnRef>
+            <a:fillRef idx="1">
+              <a:schemeClr val="lt1"/>
+            </a:fillRef>
+            <a:effectRef idx="0">
+              <a:schemeClr val="dk1"/>
+            </a:effectRef>
+            <a:fontRef idx="minor">
+              <a:schemeClr val="dk1"/>
+            </a:fontRef>
+          </p:style>
+          <p:txBody>
+            <a:bodyPr rtlCol="0" anchor="ctr"/>
+            <a:lstStyle/>
+            <a:p>
+              <a:pPr algn="ctr"/>
+              <a:r>
+                <a:rPr lang="en-US" b="1" dirty="0"/>
+                <a:t>1</a:t>
+              </a:r>
+            </a:p>
+          </p:txBody>
+        </p:sp>
+        <p:sp>
+          <p:nvSpPr>
+            <p:cNvPr id="38" name="Rectangle 37">
+              <a:extLst>
+                <a:ext uri="{FF2B5EF4-FFF2-40B4-BE49-F238E27FC236}">
+                  <a16:creationId xmlns:a16="http://schemas.microsoft.com/office/drawing/2014/main" id="{09947B17-FF16-4A16-B2BF-AB847CE262AC}"/>
+                </a:ext>
+              </a:extLst>
+            </p:cNvPr>
+            <p:cNvSpPr/>
+            <p:nvPr/>
+          </p:nvSpPr>
+          <p:spPr>
+            <a:xfrm>
+              <a:off x="5858383" y="544031"/>
+              <a:ext cx="968596" cy="646331"/>
+            </a:xfrm>
+            <a:prstGeom prst="rect">
+              <a:avLst/>
+            </a:prstGeom>
+          </p:spPr>
+          <p:txBody>
+            <a:bodyPr wrap="square">
+              <a:spAutoFit/>
+            </a:bodyPr>
+            <a:lstStyle/>
+            <a:p>
+              <a:pPr algn="ctr"/>
+              <a:r>
+                <a:rPr lang="en-US" dirty="0"/>
+                <a:t>Sealed key</a:t>
+              </a:r>
+            </a:p>
+          </p:txBody>
+        </p:sp>
+      </p:grpSp>
+      <p:pic>
+        <p:nvPicPr>
+          <p:cNvPr id="39" name="Picture 38">
+            <a:extLst>
+              <a:ext uri="{FF2B5EF4-FFF2-40B4-BE49-F238E27FC236}">
+                <a16:creationId xmlns:a16="http://schemas.microsoft.com/office/drawing/2014/main" id="{D293BF81-FAF0-425A-BC31-75E975B8EB21}"/>
+              </a:ext>
+            </a:extLst>
+          </p:cNvPr>
+          <p:cNvPicPr>
+            <a:picLocks noChangeAspect="1"/>
+          </p:cNvPicPr>
+          <p:nvPr/>
+        </p:nvPicPr>
+        <p:blipFill>
+          <a:blip r:embed="rId4" cstate="print">
+            <a:extLst>
+              <a:ext uri="{28A0092B-C50C-407E-A947-70E740481C1C}">
+                <a14:useLocalDpi xmlns:a14="http://schemas.microsoft.com/office/drawing/2010/main" val="0"/>
+              </a:ext>
+            </a:extLst>
+          </a:blip>
+          <a:stretch>
+            <a:fillRect/>
+          </a:stretch>
+        </p:blipFill>
+        <p:spPr>
+          <a:xfrm>
+            <a:off x="5526040" y="646978"/>
+            <a:ext cx="502756" cy="502756"/>
+          </a:xfrm>
+          <a:prstGeom prst="rect">
+            <a:avLst/>
+          </a:prstGeom>
+        </p:spPr>
+      </p:pic>
+    </p:spTree>
+    <p:extLst>
+      <p:ext uri="{BB962C8B-B14F-4D97-AF65-F5344CB8AC3E}">
+        <p14:creationId xmlns:p14="http://schemas.microsoft.com/office/powerpoint/2010/main" val="16256485"/>
+      </p:ext>
+    </p:extLst>
+  </p:cSld>
+  <p:clrMapOvr>
+    <a:masterClrMapping/>
+  </p:clrMapOvr>
+  <p:timing>
+    <p:tnLst>
+      <p:par>
+        <p:cTn id="1" dur="indefinite" restart="never" nodeType="tmRoot">
+          <p:childTnLst>
+            <p:seq concurrent="1" nextAc="seek">
+              <p:cTn id="2" dur="indefinite" nodeType="mainSeq">
+                <p:childTnLst>
+                  <p:par>
+                    <p:cTn id="3" fill="hold">
+                      <p:stCondLst>
+                        <p:cond delay="indefinite"/>
+                        <p:cond evt="onBegin" delay="0">
+                          <p:tn val="2"/>
+                        </p:cond>
+                      </p:stCondLst>
+                      <p:childTnLst>
+                        <p:par>
+                          <p:cTn id="4" fill="hold">
+                            <p:stCondLst>
+                              <p:cond delay="0"/>
+                            </p:stCondLst>
+                            <p:childTnLst>
+                              <p:par>
+                                <p:cTn id="5" presetID="10" presetClass="entr" presetSubtype="0" fill="hold" nodeType="withEffect">
+                                  <p:stCondLst>
+                                    <p:cond delay="0"/>
+                                  </p:stCondLst>
+                                  <p:childTnLst>
+                                    <p:set>
+                                      <p:cBhvr>
+                                        <p:cTn id="6" dur="1" fill="hold">
+                                          <p:stCondLst>
+                                            <p:cond delay="0"/>
+                                          </p:stCondLst>
+                                        </p:cTn>
+                                        <p:tgtEl>
+                                          <p:spTgt spid="39"/>
+                                        </p:tgtEl>
+                                        <p:attrNameLst>
+                                          <p:attrName>style.visibility</p:attrName>
+                                        </p:attrNameLst>
+                                      </p:cBhvr>
+                                      <p:to>
+                                        <p:strVal val="visible"/>
+                                      </p:to>
+                                    </p:set>
+                                    <p:animEffect transition="in" filter="fade">
+                                      <p:cBhvr>
+                                        <p:cTn id="7" dur="500"/>
+                                        <p:tgtEl>
+                                          <p:spTgt spid="39"/>
+                                        </p:tgtEl>
+                                      </p:cBhvr>
+                                    </p:animEffect>
+                                  </p:childTnLst>
+                                </p:cTn>
+                              </p:par>
+                            </p:childTnLst>
+                          </p:cTn>
+                        </p:par>
+                      </p:childTnLst>
+                    </p:cTn>
+                  </p:par>
+                </p:childTnLst>
+              </p:cTn>
+              <p:prevCondLst>
+                <p:cond evt="onPrev" delay="0">
+                  <p:tgtEl>
+                    <p:sldTgt/>
+                  </p:tgtEl>
+                </p:cond>
+              </p:prevCondLst>
+              <p:nextCondLst>
+                <p:cond evt="onNext" delay="0">
+                  <p:tgtEl>
+                    <p:sldTgt/>
+                  </p:tgtEl>
+                </p:cond>
+              </p:nextCondLst>
+            </p:seq>
+          </p:childTnLst>
+        </p:cTn>
+      </p:par>
+    </p:tnLst>
+  </p:timing>
+</p:sld>
+</file>
+
+<file path=ppt/slides/slide4.xml><?xml version="1.0" encoding="utf-8"?>
+<p:sld xmlns:a="http://schemas.openxmlformats.org/drawingml/2006/main" xmlns:r="http://schemas.openxmlformats.org/officeDocument/2006/relationships" xmlns:p="http://schemas.openxmlformats.org/presentationml/2006/main">
+  <p:cSld>
+    <p:spTree>
+      <p:nvGrpSpPr>
+        <p:cNvPr id="1" name=""/>
+        <p:cNvGrpSpPr/>
+        <p:nvPr/>
+      </p:nvGrpSpPr>
+      <p:grpSpPr>
+        <a:xfrm>
+          <a:off x="0" y="0"/>
+          <a:ext cx="0" cy="0"/>
+          <a:chOff x="0" y="0"/>
+          <a:chExt cx="0" cy="0"/>
+        </a:xfrm>
+      </p:grpSpPr>
+      <p:pic>
+        <p:nvPicPr>
+          <p:cNvPr id="73" name="Picture 72">
+            <a:extLst>
+              <a:ext uri="{FF2B5EF4-FFF2-40B4-BE49-F238E27FC236}">
+                <a16:creationId xmlns:a16="http://schemas.microsoft.com/office/drawing/2014/main" id="{E222D269-1E04-4D76-B5C6-D83E73684E01}"/>
+              </a:ext>
+            </a:extLst>
+          </p:cNvPr>
+          <p:cNvPicPr>
+            <a:picLocks noChangeAspect="1"/>
+          </p:cNvPicPr>
+          <p:nvPr/>
+        </p:nvPicPr>
+        <p:blipFill>
+          <a:blip r:embed="rId2">
+            <a:extLst>
+              <a:ext uri="{28A0092B-C50C-407E-A947-70E740481C1C}">
+                <a14:useLocalDpi xmlns:a14="http://schemas.microsoft.com/office/drawing/2010/main" val="0"/>
+              </a:ext>
+            </a:extLst>
+          </a:blip>
+          <a:stretch>
+            <a:fillRect/>
+          </a:stretch>
+        </p:blipFill>
+        <p:spPr>
+          <a:xfrm>
+            <a:off x="2030482" y="0"/>
+            <a:ext cx="747094" cy="747094"/>
+          </a:xfrm>
+          <a:prstGeom prst="rect">
+            <a:avLst/>
+          </a:prstGeom>
+        </p:spPr>
+      </p:pic>
+      <p:cxnSp>
+        <p:nvCxnSpPr>
+          <p:cNvPr id="4" name="Straight Arrow Connector 3">
+            <a:extLst>
+              <a:ext uri="{FF2B5EF4-FFF2-40B4-BE49-F238E27FC236}">
+                <a16:creationId xmlns:a16="http://schemas.microsoft.com/office/drawing/2014/main" id="{AE5B4CCC-8B5E-4BBA-8FB4-8AAC0005C39C}"/>
+              </a:ext>
+            </a:extLst>
+          </p:cNvPr>
+          <p:cNvCxnSpPr>
+            <a:endCxn id="36" idx="0"/>
+          </p:cNvCxnSpPr>
+          <p:nvPr/>
+        </p:nvCxnSpPr>
+        <p:spPr>
+          <a:xfrm>
+            <a:off x="3963627" y="4386106"/>
+            <a:ext cx="0" cy="349163"/>
+          </a:xfrm>
+          <a:prstGeom prst="straightConnector1">
+            <a:avLst/>
+          </a:prstGeom>
+          <a:ln w="19050">
+            <a:headEnd type="none" w="med" len="med"/>
+            <a:tailEnd type="arrow" w="med" len="med"/>
+          </a:ln>
+        </p:spPr>
+        <p:style>
+          <a:lnRef idx="1">
+            <a:schemeClr val="dk1"/>
+          </a:lnRef>
+          <a:fillRef idx="0">
+            <a:schemeClr val="dk1"/>
+          </a:fillRef>
+          <a:effectRef idx="0">
+            <a:schemeClr val="dk1"/>
+          </a:effectRef>
+          <a:fontRef idx="minor">
+            <a:schemeClr val="tx1"/>
+          </a:fontRef>
+        </p:style>
+      </p:cxnSp>
+      <p:pic>
+        <p:nvPicPr>
+          <p:cNvPr id="9" name="Picture 8">
+            <a:extLst>
+              <a:ext uri="{FF2B5EF4-FFF2-40B4-BE49-F238E27FC236}">
+                <a16:creationId xmlns:a16="http://schemas.microsoft.com/office/drawing/2014/main" id="{29DC6C6A-5CF7-4AF8-AD06-2B0759D9DD2A}"/>
+              </a:ext>
+            </a:extLst>
+          </p:cNvPr>
+          <p:cNvPicPr>
+            <a:picLocks noChangeAspect="1"/>
+          </p:cNvPicPr>
+          <p:nvPr/>
+        </p:nvPicPr>
+        <p:blipFill rotWithShape="1">
+          <a:blip r:embed="rId3" cstate="print">
+            <a:extLst>
+              <a:ext uri="{28A0092B-C50C-407E-A947-70E740481C1C}">
+                <a14:useLocalDpi xmlns:a14="http://schemas.microsoft.com/office/drawing/2010/main" val="0"/>
+              </a:ext>
+            </a:extLst>
+          </a:blip>
+          <a:srcRect l="25696" r="25137"/>
+          <a:stretch/>
+        </p:blipFill>
+        <p:spPr>
+          <a:xfrm rot="1800000">
+            <a:off x="636185" y="90936"/>
+            <a:ext cx="323844" cy="658659"/>
+          </a:xfrm>
+          <a:prstGeom prst="rect">
+            <a:avLst/>
+          </a:prstGeom>
+        </p:spPr>
+      </p:pic>
+      <p:sp>
+        <p:nvSpPr>
+          <p:cNvPr id="10" name="Rectangle 9">
+            <a:extLst>
+              <a:ext uri="{FF2B5EF4-FFF2-40B4-BE49-F238E27FC236}">
+                <a16:creationId xmlns:a16="http://schemas.microsoft.com/office/drawing/2014/main" id="{C4005453-6D7C-49C2-A632-F80816D46F8C}"/>
+              </a:ext>
+            </a:extLst>
+          </p:cNvPr>
+          <p:cNvSpPr/>
+          <p:nvPr/>
+        </p:nvSpPr>
+        <p:spPr>
+          <a:xfrm>
+            <a:off x="163012" y="793476"/>
+            <a:ext cx="1209114" cy="369332"/>
+          </a:xfrm>
+          <a:prstGeom prst="rect">
+            <a:avLst/>
+          </a:prstGeom>
+        </p:spPr>
+        <p:txBody>
+          <a:bodyPr wrap="none">
+            <a:spAutoFit/>
+          </a:bodyPr>
+          <a:lstStyle/>
+          <a:p>
+            <a:r>
+              <a:rPr lang="en-US" dirty="0"/>
+              <a:t>P</a:t>
+            </a:r>
+            <a:r>
+              <a:rPr lang="en-US" sz="1400" dirty="0"/>
+              <a:t>ROXIMI</a:t>
+            </a:r>
+            <a:r>
+              <a:rPr lang="en-US" dirty="0"/>
+              <a:t>K</a:t>
+            </a:r>
+            <a:r>
+              <a:rPr lang="en-US" sz="1600" dirty="0"/>
+              <a:t>EY</a:t>
+            </a:r>
+            <a:endParaRPr lang="en-US" dirty="0"/>
+          </a:p>
+        </p:txBody>
+      </p:sp>
+      <p:sp>
+        <p:nvSpPr>
+          <p:cNvPr id="11" name="Rectangle 10">
+            <a:extLst>
+              <a:ext uri="{FF2B5EF4-FFF2-40B4-BE49-F238E27FC236}">
+                <a16:creationId xmlns:a16="http://schemas.microsoft.com/office/drawing/2014/main" id="{47838C61-516D-4802-88AC-1EA9749D11ED}"/>
+              </a:ext>
+            </a:extLst>
+          </p:cNvPr>
+          <p:cNvSpPr/>
+          <p:nvPr/>
+        </p:nvSpPr>
+        <p:spPr>
+          <a:xfrm>
+            <a:off x="1557122" y="793476"/>
+            <a:ext cx="1687065" cy="369332"/>
+          </a:xfrm>
+          <a:prstGeom prst="rect">
+            <a:avLst/>
+          </a:prstGeom>
+        </p:spPr>
+        <p:txBody>
+          <a:bodyPr wrap="none">
+            <a:spAutoFit/>
+          </a:bodyPr>
+          <a:lstStyle/>
+          <a:p>
+            <a:r>
+              <a:rPr lang="en-US" dirty="0"/>
+              <a:t>Platform owner</a:t>
+            </a:r>
+          </a:p>
+        </p:txBody>
+      </p:sp>
+      <p:sp>
+        <p:nvSpPr>
+          <p:cNvPr id="12" name="Rectangle 11">
+            <a:extLst>
+              <a:ext uri="{FF2B5EF4-FFF2-40B4-BE49-F238E27FC236}">
+                <a16:creationId xmlns:a16="http://schemas.microsoft.com/office/drawing/2014/main" id="{C3B82F41-8CF4-42A2-9FC2-4130744CE403}"/>
+              </a:ext>
+            </a:extLst>
+          </p:cNvPr>
+          <p:cNvSpPr/>
+          <p:nvPr/>
+        </p:nvSpPr>
+        <p:spPr>
+          <a:xfrm>
+            <a:off x="3175006" y="793476"/>
+            <a:ext cx="1661673" cy="369332"/>
+          </a:xfrm>
+          <a:prstGeom prst="rect">
+            <a:avLst/>
+          </a:prstGeom>
+        </p:spPr>
+        <p:txBody>
+          <a:bodyPr wrap="none">
+            <a:spAutoFit/>
+          </a:bodyPr>
+          <a:lstStyle/>
+          <a:p>
+            <a:r>
+              <a:rPr lang="en-US" dirty="0"/>
+              <a:t>Target Platform</a:t>
+            </a:r>
+          </a:p>
+        </p:txBody>
+      </p:sp>
+      <p:cxnSp>
+        <p:nvCxnSpPr>
+          <p:cNvPr id="13" name="Straight Connector 12">
+            <a:extLst>
+              <a:ext uri="{FF2B5EF4-FFF2-40B4-BE49-F238E27FC236}">
+                <a16:creationId xmlns:a16="http://schemas.microsoft.com/office/drawing/2014/main" id="{BE9817EE-AD4E-4A09-A527-C2F7F2163229}"/>
+              </a:ext>
+            </a:extLst>
+          </p:cNvPr>
+          <p:cNvCxnSpPr>
+            <a:cxnSpLocks/>
+          </p:cNvCxnSpPr>
+          <p:nvPr/>
+        </p:nvCxnSpPr>
+        <p:spPr>
+          <a:xfrm>
+            <a:off x="762586" y="1228848"/>
+            <a:ext cx="0" cy="4106662"/>
+          </a:xfrm>
+          <a:prstGeom prst="line">
+            <a:avLst/>
+          </a:prstGeom>
+          <a:ln w="19050"/>
+        </p:spPr>
+        <p:style>
+          <a:lnRef idx="1">
+            <a:schemeClr val="dk1"/>
+          </a:lnRef>
+          <a:fillRef idx="0">
+            <a:schemeClr val="dk1"/>
+          </a:fillRef>
+          <a:effectRef idx="0">
+            <a:schemeClr val="dk1"/>
+          </a:effectRef>
+          <a:fontRef idx="minor">
+            <a:schemeClr val="tx1"/>
+          </a:fontRef>
+        </p:style>
+      </p:cxnSp>
+      <p:cxnSp>
+        <p:nvCxnSpPr>
+          <p:cNvPr id="14" name="Straight Connector 13">
+            <a:extLst>
+              <a:ext uri="{FF2B5EF4-FFF2-40B4-BE49-F238E27FC236}">
+                <a16:creationId xmlns:a16="http://schemas.microsoft.com/office/drawing/2014/main" id="{455651E5-8966-4DFC-BE25-0CDF64E6F65D}"/>
+              </a:ext>
+            </a:extLst>
+          </p:cNvPr>
+          <p:cNvCxnSpPr>
+            <a:cxnSpLocks/>
+          </p:cNvCxnSpPr>
+          <p:nvPr/>
+        </p:nvCxnSpPr>
+        <p:spPr>
+          <a:xfrm>
+            <a:off x="3963715" y="1228848"/>
+            <a:ext cx="0" cy="4150872"/>
+          </a:xfrm>
+          <a:prstGeom prst="line">
+            <a:avLst/>
+          </a:prstGeom>
+          <a:ln w="19050"/>
+        </p:spPr>
+        <p:style>
+          <a:lnRef idx="1">
+            <a:schemeClr val="dk1"/>
+          </a:lnRef>
+          <a:fillRef idx="0">
+            <a:schemeClr val="dk1"/>
+          </a:fillRef>
+          <a:effectRef idx="0">
+            <a:schemeClr val="dk1"/>
+          </a:effectRef>
+          <a:fontRef idx="minor">
+            <a:schemeClr val="tx1"/>
+          </a:fontRef>
+        </p:style>
+      </p:cxnSp>
+      <p:grpSp>
+        <p:nvGrpSpPr>
+          <p:cNvPr id="15" name="Group 14">
+            <a:extLst>
+              <a:ext uri="{FF2B5EF4-FFF2-40B4-BE49-F238E27FC236}">
+                <a16:creationId xmlns:a16="http://schemas.microsoft.com/office/drawing/2014/main" id="{2781A90B-B74B-4551-A04F-9411576432DF}"/>
+              </a:ext>
+            </a:extLst>
+          </p:cNvPr>
+          <p:cNvGrpSpPr/>
+          <p:nvPr/>
+        </p:nvGrpSpPr>
+        <p:grpSpPr>
+          <a:xfrm rot="5400000">
+            <a:off x="3042778" y="612815"/>
+            <a:ext cx="297505" cy="1427986"/>
+            <a:chOff x="2945388" y="1890212"/>
+            <a:chExt cx="2435504" cy="1564285"/>
+          </a:xfrm>
+        </p:grpSpPr>
+        <p:cxnSp>
+          <p:nvCxnSpPr>
+            <p:cNvPr id="16" name="Straight Arrow Connector 15">
+              <a:extLst>
+                <a:ext uri="{FF2B5EF4-FFF2-40B4-BE49-F238E27FC236}">
+                  <a16:creationId xmlns:a16="http://schemas.microsoft.com/office/drawing/2014/main" id="{766DE8A0-91C2-4BBE-BC28-C7F164BC24FA}"/>
+                </a:ext>
+              </a:extLst>
+            </p:cNvPr>
+            <p:cNvCxnSpPr/>
+            <p:nvPr/>
+          </p:nvCxnSpPr>
+          <p:spPr>
+            <a:xfrm>
+              <a:off x="2945388" y="3453856"/>
+              <a:ext cx="2435504" cy="0"/>
+            </a:xfrm>
+            <a:prstGeom prst="straightConnector1">
+              <a:avLst/>
+            </a:prstGeom>
+            <a:ln w="19050">
+              <a:headEnd type="none" w="med" len="med"/>
+              <a:tailEnd type="none" w="med" len="med"/>
+            </a:ln>
+          </p:spPr>
+          <p:style>
+            <a:lnRef idx="1">
+              <a:schemeClr val="dk1"/>
+            </a:lnRef>
+            <a:fillRef idx="0">
+              <a:schemeClr val="dk1"/>
+            </a:fillRef>
+            <a:effectRef idx="0">
+              <a:schemeClr val="dk1"/>
+            </a:effectRef>
+            <a:fontRef idx="minor">
+              <a:schemeClr val="tx1"/>
+            </a:fontRef>
+          </p:style>
+        </p:cxnSp>
+        <p:cxnSp>
+          <p:nvCxnSpPr>
+            <p:cNvPr id="17" name="Straight Arrow Connector 16">
+              <a:extLst>
+                <a:ext uri="{FF2B5EF4-FFF2-40B4-BE49-F238E27FC236}">
+                  <a16:creationId xmlns:a16="http://schemas.microsoft.com/office/drawing/2014/main" id="{5A0D0796-114B-44D2-9A95-5A2DA26E1153}"/>
+                </a:ext>
+              </a:extLst>
+            </p:cNvPr>
+            <p:cNvCxnSpPr/>
+            <p:nvPr/>
+          </p:nvCxnSpPr>
+          <p:spPr>
+            <a:xfrm rot="16200000" flipV="1">
+              <a:off x="4583431" y="2668739"/>
+              <a:ext cx="1564285" cy="7231"/>
+            </a:xfrm>
+            <a:prstGeom prst="straightConnector1">
+              <a:avLst/>
+            </a:prstGeom>
+            <a:ln w="19050">
+              <a:headEnd type="none" w="med" len="med"/>
+              <a:tailEnd type="arrow" w="med" len="med"/>
+            </a:ln>
+          </p:spPr>
+          <p:style>
+            <a:lnRef idx="1">
+              <a:schemeClr val="dk1"/>
+            </a:lnRef>
+            <a:fillRef idx="0">
+              <a:schemeClr val="dk1"/>
+            </a:fillRef>
+            <a:effectRef idx="0">
+              <a:schemeClr val="dk1"/>
+            </a:effectRef>
+            <a:fontRef idx="minor">
+              <a:schemeClr val="tx1"/>
+            </a:fontRef>
+          </p:style>
+        </p:cxnSp>
+      </p:grpSp>
+      <p:sp>
+        <p:nvSpPr>
+          <p:cNvPr id="18" name="Rectangle 17">
+            <a:extLst>
+              <a:ext uri="{FF2B5EF4-FFF2-40B4-BE49-F238E27FC236}">
+                <a16:creationId xmlns:a16="http://schemas.microsoft.com/office/drawing/2014/main" id="{FCCB7832-6073-44DA-B853-424FAF2C09C8}"/>
+              </a:ext>
+            </a:extLst>
+          </p:cNvPr>
+          <p:cNvSpPr/>
+          <p:nvPr/>
+        </p:nvSpPr>
+        <p:spPr>
+          <a:xfrm>
+            <a:off x="2714643" y="1188100"/>
+            <a:ext cx="850105" cy="369332"/>
+          </a:xfrm>
+          <a:prstGeom prst="rect">
+            <a:avLst/>
+          </a:prstGeom>
+        </p:spPr>
+        <p:txBody>
+          <a:bodyPr wrap="none">
+            <a:spAutoFit/>
+          </a:bodyPr>
+          <a:lstStyle/>
+          <a:p>
+            <a:r>
+              <a:rPr lang="en-US" dirty="0"/>
+              <a:t>Restart</a:t>
+            </a:r>
+          </a:p>
+        </p:txBody>
+      </p:sp>
+      <p:grpSp>
+        <p:nvGrpSpPr>
+          <p:cNvPr id="19" name="Group 18">
+            <a:extLst>
+              <a:ext uri="{FF2B5EF4-FFF2-40B4-BE49-F238E27FC236}">
+                <a16:creationId xmlns:a16="http://schemas.microsoft.com/office/drawing/2014/main" id="{EDC0222E-49ED-4536-A743-87761CF288BE}"/>
+              </a:ext>
+            </a:extLst>
+          </p:cNvPr>
+          <p:cNvGrpSpPr/>
+          <p:nvPr/>
+        </p:nvGrpSpPr>
+        <p:grpSpPr>
+          <a:xfrm rot="5400000">
+            <a:off x="2637379" y="820823"/>
+            <a:ext cx="570794" cy="1384855"/>
+            <a:chOff x="1226944" y="1818079"/>
+            <a:chExt cx="4153948" cy="1641639"/>
+          </a:xfrm>
+        </p:grpSpPr>
+        <p:cxnSp>
+          <p:nvCxnSpPr>
+            <p:cNvPr id="20" name="Straight Arrow Connector 19">
+              <a:extLst>
+                <a:ext uri="{FF2B5EF4-FFF2-40B4-BE49-F238E27FC236}">
+                  <a16:creationId xmlns:a16="http://schemas.microsoft.com/office/drawing/2014/main" id="{2486F476-046E-455A-A94E-20DEB7BEC906}"/>
+                </a:ext>
+              </a:extLst>
+            </p:cNvPr>
+            <p:cNvCxnSpPr/>
+            <p:nvPr/>
+          </p:nvCxnSpPr>
+          <p:spPr>
+            <a:xfrm rot="16200000">
+              <a:off x="3303918" y="1376881"/>
+              <a:ext cx="0" cy="4153948"/>
+            </a:xfrm>
+            <a:prstGeom prst="straightConnector1">
+              <a:avLst/>
+            </a:prstGeom>
+            <a:ln w="19050">
+              <a:headEnd type="none" w="med" len="med"/>
+              <a:tailEnd type="none" w="med" len="med"/>
+            </a:ln>
+          </p:spPr>
+          <p:style>
+            <a:lnRef idx="1">
+              <a:schemeClr val="dk1"/>
+            </a:lnRef>
+            <a:fillRef idx="0">
+              <a:schemeClr val="dk1"/>
+            </a:fillRef>
+            <a:effectRef idx="0">
+              <a:schemeClr val="dk1"/>
+            </a:effectRef>
+            <a:fontRef idx="minor">
+              <a:schemeClr val="tx1"/>
+            </a:fontRef>
+          </p:style>
+        </p:cxnSp>
+        <p:cxnSp>
+          <p:nvCxnSpPr>
+            <p:cNvPr id="21" name="Straight Arrow Connector 20">
+              <a:extLst>
+                <a:ext uri="{FF2B5EF4-FFF2-40B4-BE49-F238E27FC236}">
+                  <a16:creationId xmlns:a16="http://schemas.microsoft.com/office/drawing/2014/main" id="{07D55372-CE8D-465E-BBD2-C7928A1F9691}"/>
+                </a:ext>
+              </a:extLst>
+            </p:cNvPr>
+            <p:cNvCxnSpPr/>
+            <p:nvPr/>
+          </p:nvCxnSpPr>
+          <p:spPr>
+            <a:xfrm flipV="1">
+              <a:off x="5369169" y="1818079"/>
+              <a:ext cx="0" cy="1641639"/>
+            </a:xfrm>
+            <a:prstGeom prst="straightConnector1">
+              <a:avLst/>
+            </a:prstGeom>
+            <a:ln w="19050">
+              <a:headEnd type="none" w="med" len="med"/>
+              <a:tailEnd type="arrow" w="med" len="med"/>
+            </a:ln>
+          </p:spPr>
+          <p:style>
+            <a:lnRef idx="1">
+              <a:schemeClr val="dk1"/>
+            </a:lnRef>
+            <a:fillRef idx="0">
+              <a:schemeClr val="dk1"/>
+            </a:fillRef>
+            <a:effectRef idx="0">
+              <a:schemeClr val="dk1"/>
+            </a:effectRef>
+            <a:fontRef idx="minor">
+              <a:schemeClr val="tx1"/>
+            </a:fontRef>
+          </p:style>
+        </p:cxnSp>
+      </p:grpSp>
+      <p:sp>
+        <p:nvSpPr>
+          <p:cNvPr id="22" name="Rounded Rectangle 24">
+            <a:extLst>
+              <a:ext uri="{FF2B5EF4-FFF2-40B4-BE49-F238E27FC236}">
+                <a16:creationId xmlns:a16="http://schemas.microsoft.com/office/drawing/2014/main" id="{064A488E-2D72-46CA-9A8D-ABFE42188CAD}"/>
+              </a:ext>
+            </a:extLst>
+          </p:cNvPr>
+          <p:cNvSpPr/>
+          <p:nvPr/>
+        </p:nvSpPr>
+        <p:spPr>
+          <a:xfrm>
+            <a:off x="3608853" y="1586108"/>
+            <a:ext cx="869950" cy="406400"/>
+          </a:xfrm>
+          <a:prstGeom prst="roundRect">
+            <a:avLst/>
+          </a:prstGeom>
+          <a:ln w="19050"/>
+        </p:spPr>
+        <p:style>
+          <a:lnRef idx="2">
+            <a:schemeClr val="dk1"/>
+          </a:lnRef>
+          <a:fillRef idx="1">
+            <a:schemeClr val="lt1"/>
+          </a:fillRef>
+          <a:effectRef idx="0">
+            <a:schemeClr val="dk1"/>
+          </a:effectRef>
+          <a:fontRef idx="minor">
+            <a:schemeClr val="dk1"/>
+          </a:fontRef>
+        </p:style>
+        <p:txBody>
+          <a:bodyPr rtlCol="0" anchor="ctr"/>
+          <a:lstStyle/>
+          <a:p>
+            <a:pPr algn="ctr"/>
+            <a:r>
+              <a:rPr lang="en-US" dirty="0"/>
+              <a:t>BIOS</a:t>
+            </a:r>
+          </a:p>
+        </p:txBody>
+      </p:sp>
+      <p:sp>
+        <p:nvSpPr>
+          <p:cNvPr id="23" name="Rectangle 22">
+            <a:extLst>
+              <a:ext uri="{FF2B5EF4-FFF2-40B4-BE49-F238E27FC236}">
+                <a16:creationId xmlns:a16="http://schemas.microsoft.com/office/drawing/2014/main" id="{DDC3BF84-F71F-4FCA-B8B1-C2F292FD5AF0}"/>
+              </a:ext>
+            </a:extLst>
+          </p:cNvPr>
+          <p:cNvSpPr/>
+          <p:nvPr/>
+        </p:nvSpPr>
+        <p:spPr>
+          <a:xfrm>
+            <a:off x="2266838" y="1510421"/>
+            <a:ext cx="1061509" cy="369332"/>
+          </a:xfrm>
+          <a:prstGeom prst="rect">
+            <a:avLst/>
+          </a:prstGeom>
+        </p:spPr>
+        <p:txBody>
+          <a:bodyPr wrap="none">
+            <a:spAutoFit/>
+          </a:bodyPr>
+          <a:lstStyle/>
+          <a:p>
+            <a:r>
+              <a:rPr lang="en-US" dirty="0"/>
+              <a:t>Boot USB</a:t>
+            </a:r>
+          </a:p>
+        </p:txBody>
+      </p:sp>
+      <p:grpSp>
+        <p:nvGrpSpPr>
+          <p:cNvPr id="24" name="Group 23">
+            <a:extLst>
+              <a:ext uri="{FF2B5EF4-FFF2-40B4-BE49-F238E27FC236}">
+                <a16:creationId xmlns:a16="http://schemas.microsoft.com/office/drawing/2014/main" id="{489F1C71-755B-4DC6-A09D-ABA06E4B76C3}"/>
+              </a:ext>
+            </a:extLst>
+          </p:cNvPr>
+          <p:cNvGrpSpPr/>
+          <p:nvPr/>
+        </p:nvGrpSpPr>
+        <p:grpSpPr>
+          <a:xfrm rot="5400000" flipV="1">
+            <a:off x="1251681" y="733557"/>
+            <a:ext cx="295168" cy="1285753"/>
+            <a:chOff x="2945388" y="1818079"/>
+            <a:chExt cx="2435504" cy="1641639"/>
+          </a:xfrm>
+        </p:grpSpPr>
+        <p:cxnSp>
+          <p:nvCxnSpPr>
+            <p:cNvPr id="25" name="Straight Arrow Connector 24">
+              <a:extLst>
+                <a:ext uri="{FF2B5EF4-FFF2-40B4-BE49-F238E27FC236}">
+                  <a16:creationId xmlns:a16="http://schemas.microsoft.com/office/drawing/2014/main" id="{E5F78FC5-EBC2-4ECA-B20A-507098552FA2}"/>
+                </a:ext>
+              </a:extLst>
+            </p:cNvPr>
+            <p:cNvCxnSpPr/>
+            <p:nvPr/>
+          </p:nvCxnSpPr>
+          <p:spPr>
+            <a:xfrm>
+              <a:off x="2945388" y="3453856"/>
+              <a:ext cx="2435504" cy="0"/>
+            </a:xfrm>
+            <a:prstGeom prst="straightConnector1">
+              <a:avLst/>
+            </a:prstGeom>
+            <a:ln w="19050">
+              <a:headEnd type="none" w="med" len="med"/>
+              <a:tailEnd type="none" w="med" len="med"/>
+            </a:ln>
+          </p:spPr>
+          <p:style>
+            <a:lnRef idx="1">
+              <a:schemeClr val="dk1"/>
+            </a:lnRef>
+            <a:fillRef idx="0">
+              <a:schemeClr val="dk1"/>
+            </a:fillRef>
+            <a:effectRef idx="0">
+              <a:schemeClr val="dk1"/>
+            </a:effectRef>
+            <a:fontRef idx="minor">
+              <a:schemeClr val="tx1"/>
+            </a:fontRef>
+          </p:style>
+        </p:cxnSp>
+        <p:cxnSp>
+          <p:nvCxnSpPr>
+            <p:cNvPr id="26" name="Straight Arrow Connector 25">
+              <a:extLst>
+                <a:ext uri="{FF2B5EF4-FFF2-40B4-BE49-F238E27FC236}">
+                  <a16:creationId xmlns:a16="http://schemas.microsoft.com/office/drawing/2014/main" id="{7D493956-298C-4D91-8B2F-D726F7566696}"/>
+                </a:ext>
+              </a:extLst>
+            </p:cNvPr>
+            <p:cNvCxnSpPr/>
+            <p:nvPr/>
+          </p:nvCxnSpPr>
+          <p:spPr>
+            <a:xfrm flipV="1">
+              <a:off x="5369169" y="1818079"/>
+              <a:ext cx="0" cy="1641639"/>
+            </a:xfrm>
+            <a:prstGeom prst="straightConnector1">
+              <a:avLst/>
+            </a:prstGeom>
+            <a:ln w="19050">
+              <a:headEnd type="none" w="med" len="med"/>
+              <a:tailEnd type="arrow" w="med" len="med"/>
+            </a:ln>
+          </p:spPr>
+          <p:style>
+            <a:lnRef idx="1">
+              <a:schemeClr val="dk1"/>
+            </a:lnRef>
+            <a:fillRef idx="0">
+              <a:schemeClr val="dk1"/>
+            </a:fillRef>
+            <a:effectRef idx="0">
+              <a:schemeClr val="dk1"/>
+            </a:effectRef>
+            <a:fontRef idx="minor">
+              <a:schemeClr val="tx1"/>
+            </a:fontRef>
+          </p:style>
+        </p:cxnSp>
+      </p:grpSp>
+      <p:sp>
+        <p:nvSpPr>
+          <p:cNvPr id="27" name="Rectangle 26">
+            <a:extLst>
+              <a:ext uri="{FF2B5EF4-FFF2-40B4-BE49-F238E27FC236}">
+                <a16:creationId xmlns:a16="http://schemas.microsoft.com/office/drawing/2014/main" id="{995B1915-969F-44C1-84B5-823C48D422F5}"/>
+              </a:ext>
+            </a:extLst>
+          </p:cNvPr>
+          <p:cNvSpPr/>
+          <p:nvPr/>
+        </p:nvSpPr>
+        <p:spPr>
+          <a:xfrm>
+            <a:off x="928220" y="1198266"/>
+            <a:ext cx="1018227" cy="369332"/>
+          </a:xfrm>
+          <a:prstGeom prst="rect">
+            <a:avLst/>
+          </a:prstGeom>
+        </p:spPr>
+        <p:txBody>
+          <a:bodyPr wrap="none">
+            <a:spAutoFit/>
+          </a:bodyPr>
+          <a:lstStyle/>
+          <a:p>
+            <a:r>
+              <a:rPr lang="en-US" dirty="0"/>
+              <a:t>Plug USB</a:t>
+            </a:r>
+          </a:p>
+        </p:txBody>
+      </p:sp>
+      <p:cxnSp>
+        <p:nvCxnSpPr>
+          <p:cNvPr id="28" name="Straight Arrow Connector 27">
+            <a:extLst>
+              <a:ext uri="{FF2B5EF4-FFF2-40B4-BE49-F238E27FC236}">
+                <a16:creationId xmlns:a16="http://schemas.microsoft.com/office/drawing/2014/main" id="{17A05025-1B0F-4250-8DA9-AF7E97DD85BB}"/>
+              </a:ext>
+            </a:extLst>
+          </p:cNvPr>
+          <p:cNvCxnSpPr/>
+          <p:nvPr/>
+        </p:nvCxnSpPr>
+        <p:spPr>
+          <a:xfrm flipH="1">
+            <a:off x="802688" y="4793542"/>
+            <a:ext cx="3150828" cy="6565"/>
+          </a:xfrm>
+          <a:prstGeom prst="straightConnector1">
+            <a:avLst/>
+          </a:prstGeom>
+          <a:ln w="19050">
+            <a:headEnd type="none" w="med" len="med"/>
+            <a:tailEnd type="arrow" w="med" len="med"/>
+          </a:ln>
+        </p:spPr>
+        <p:style>
+          <a:lnRef idx="1">
+            <a:schemeClr val="dk1"/>
+          </a:lnRef>
+          <a:fillRef idx="0">
+            <a:schemeClr val="dk1"/>
+          </a:fillRef>
+          <a:effectRef idx="0">
+            <a:schemeClr val="dk1"/>
+          </a:effectRef>
+          <a:fontRef idx="minor">
+            <a:schemeClr val="tx1"/>
+          </a:fontRef>
+        </p:style>
+      </p:cxnSp>
+      <p:sp>
+        <p:nvSpPr>
+          <p:cNvPr id="29" name="Rectangle 28">
+            <a:extLst>
+              <a:ext uri="{FF2B5EF4-FFF2-40B4-BE49-F238E27FC236}">
+                <a16:creationId xmlns:a16="http://schemas.microsoft.com/office/drawing/2014/main" id="{2C2472EE-C2CF-4492-B910-7394410E5E0D}"/>
+              </a:ext>
+            </a:extLst>
+          </p:cNvPr>
+          <p:cNvSpPr/>
+          <p:nvPr/>
+        </p:nvSpPr>
+        <p:spPr>
+          <a:xfrm>
+            <a:off x="1419119" y="1943907"/>
+            <a:ext cx="1902444" cy="646331"/>
+          </a:xfrm>
+          <a:prstGeom prst="rect">
+            <a:avLst/>
+          </a:prstGeom>
+        </p:spPr>
+        <p:txBody>
+          <a:bodyPr wrap="none">
+            <a:spAutoFit/>
+          </a:bodyPr>
+          <a:lstStyle/>
+          <a:p>
+            <a:pPr algn="ctr"/>
+            <a:r>
+              <a:rPr lang="en-US" dirty="0"/>
+              <a:t>P</a:t>
+            </a:r>
+            <a:r>
+              <a:rPr lang="en-US" sz="1400" dirty="0"/>
+              <a:t>ROXIMI</a:t>
+            </a:r>
+            <a:r>
+              <a:rPr lang="en-US" dirty="0"/>
+              <a:t>T</a:t>
+            </a:r>
+            <a:r>
+              <a:rPr lang="en-US" sz="1400" dirty="0"/>
+              <a:t>EE</a:t>
+            </a:r>
+            <a:r>
+              <a:rPr lang="en-US" dirty="0"/>
+              <a:t> kernel </a:t>
+            </a:r>
+          </a:p>
+          <a:p>
+            <a:pPr algn="ctr"/>
+            <a:r>
+              <a:rPr lang="en-US" dirty="0"/>
+              <a:t>P</a:t>
+            </a:r>
+            <a:r>
+              <a:rPr lang="en-US" sz="1400" dirty="0"/>
+              <a:t>ROXIMI</a:t>
+            </a:r>
+            <a:r>
+              <a:rPr lang="en-US" dirty="0"/>
+              <a:t>T</a:t>
+            </a:r>
+            <a:r>
+              <a:rPr lang="en-US" sz="1400" dirty="0"/>
+              <a:t>EE</a:t>
+            </a:r>
+            <a:r>
+              <a:rPr lang="en-US" dirty="0"/>
+              <a:t> enclave</a:t>
+            </a:r>
+          </a:p>
+        </p:txBody>
+      </p:sp>
+      <p:sp>
+        <p:nvSpPr>
+          <p:cNvPr id="30" name="Rounded Rectangle 43">
+            <a:extLst>
+              <a:ext uri="{FF2B5EF4-FFF2-40B4-BE49-F238E27FC236}">
+                <a16:creationId xmlns:a16="http://schemas.microsoft.com/office/drawing/2014/main" id="{7C508863-CB47-443F-BB31-B46EFEC2147D}"/>
+              </a:ext>
+            </a:extLst>
+          </p:cNvPr>
+          <p:cNvSpPr/>
+          <p:nvPr/>
+        </p:nvSpPr>
+        <p:spPr>
+          <a:xfrm>
+            <a:off x="3358202" y="2697232"/>
+            <a:ext cx="1190625" cy="501584"/>
+          </a:xfrm>
+          <a:prstGeom prst="roundRect">
+            <a:avLst/>
+          </a:prstGeom>
+          <a:ln w="19050"/>
+        </p:spPr>
+        <p:style>
+          <a:lnRef idx="2">
+            <a:schemeClr val="dk1"/>
+          </a:lnRef>
+          <a:fillRef idx="1">
+            <a:schemeClr val="lt1"/>
+          </a:fillRef>
+          <a:effectRef idx="0">
+            <a:schemeClr val="dk1"/>
+          </a:effectRef>
+          <a:fontRef idx="minor">
+            <a:schemeClr val="dk1"/>
+          </a:fontRef>
+        </p:style>
+        <p:txBody>
+          <a:bodyPr rtlCol="0" anchor="ctr"/>
+          <a:lstStyle/>
+          <a:p>
+            <a:pPr algn="ctr"/>
+            <a:r>
+              <a:rPr lang="en-US" dirty="0"/>
+              <a:t>P</a:t>
+            </a:r>
+            <a:r>
+              <a:rPr lang="en-US" sz="1400" dirty="0"/>
+              <a:t>ROXIMI</a:t>
+            </a:r>
+            <a:r>
+              <a:rPr lang="en-US" dirty="0"/>
+              <a:t>T</a:t>
+            </a:r>
+            <a:r>
+              <a:rPr lang="en-US" sz="1400" dirty="0"/>
+              <a:t>EE</a:t>
+            </a:r>
+            <a:r>
+              <a:rPr lang="en-US" dirty="0"/>
+              <a:t> kernel</a:t>
+            </a:r>
+          </a:p>
+        </p:txBody>
+      </p:sp>
+      <p:sp>
+        <p:nvSpPr>
+          <p:cNvPr id="31" name="Rectangle 30">
+            <a:extLst>
+              <a:ext uri="{FF2B5EF4-FFF2-40B4-BE49-F238E27FC236}">
+                <a16:creationId xmlns:a16="http://schemas.microsoft.com/office/drawing/2014/main" id="{DBD260C9-20EB-4512-BB18-79D05B37AA09}"/>
+              </a:ext>
+            </a:extLst>
+          </p:cNvPr>
+          <p:cNvSpPr/>
+          <p:nvPr/>
+        </p:nvSpPr>
+        <p:spPr>
+          <a:xfrm>
+            <a:off x="3969442" y="2252596"/>
+            <a:ext cx="630301" cy="369332"/>
+          </a:xfrm>
+          <a:prstGeom prst="rect">
+            <a:avLst/>
+          </a:prstGeom>
+        </p:spPr>
+        <p:txBody>
+          <a:bodyPr wrap="none">
+            <a:spAutoFit/>
+          </a:bodyPr>
+          <a:lstStyle/>
+          <a:p>
+            <a:r>
+              <a:rPr lang="en-US" dirty="0"/>
+              <a:t>Boot</a:t>
+            </a:r>
+          </a:p>
+        </p:txBody>
+      </p:sp>
+      <p:sp>
+        <p:nvSpPr>
+          <p:cNvPr id="32" name="Rounded Rectangle 60">
+            <a:extLst>
+              <a:ext uri="{FF2B5EF4-FFF2-40B4-BE49-F238E27FC236}">
+                <a16:creationId xmlns:a16="http://schemas.microsoft.com/office/drawing/2014/main" id="{6B75E3F2-F872-4095-80B3-C3D4C74174BB}"/>
+              </a:ext>
+            </a:extLst>
+          </p:cNvPr>
+          <p:cNvSpPr/>
+          <p:nvPr/>
+        </p:nvSpPr>
+        <p:spPr>
+          <a:xfrm>
+            <a:off x="3399295" y="3612465"/>
+            <a:ext cx="1225296" cy="503291"/>
+          </a:xfrm>
+          <a:prstGeom prst="roundRect">
+            <a:avLst/>
+          </a:prstGeom>
+          <a:ln w="19050"/>
+        </p:spPr>
+        <p:style>
+          <a:lnRef idx="2">
+            <a:schemeClr val="dk1"/>
+          </a:lnRef>
+          <a:fillRef idx="1">
+            <a:schemeClr val="lt1"/>
+          </a:fillRef>
+          <a:effectRef idx="0">
+            <a:schemeClr val="dk1"/>
+          </a:effectRef>
+          <a:fontRef idx="minor">
+            <a:schemeClr val="dk1"/>
+          </a:fontRef>
+        </p:style>
+        <p:txBody>
+          <a:bodyPr rtlCol="0" anchor="ctr"/>
+          <a:lstStyle/>
+          <a:p>
+            <a:pPr algn="ctr"/>
+            <a:r>
+              <a:rPr lang="en-US" dirty="0"/>
+              <a:t>P</a:t>
+            </a:r>
+            <a:r>
+              <a:rPr lang="en-US" sz="1400" dirty="0"/>
+              <a:t>ROXIMI</a:t>
+            </a:r>
+            <a:r>
+              <a:rPr lang="en-US" dirty="0"/>
+              <a:t>T</a:t>
+            </a:r>
+            <a:r>
+              <a:rPr lang="en-US" sz="1400" dirty="0"/>
+              <a:t>EE</a:t>
+            </a:r>
+            <a:r>
+              <a:rPr lang="en-US" dirty="0"/>
+              <a:t> enclave</a:t>
+            </a:r>
+          </a:p>
+        </p:txBody>
+      </p:sp>
+      <p:cxnSp>
+        <p:nvCxnSpPr>
+          <p:cNvPr id="33" name="Straight Arrow Connector 32">
+            <a:extLst>
+              <a:ext uri="{FF2B5EF4-FFF2-40B4-BE49-F238E27FC236}">
+                <a16:creationId xmlns:a16="http://schemas.microsoft.com/office/drawing/2014/main" id="{BCA8A467-6C41-4094-8B95-C3AE15F3B462}"/>
+              </a:ext>
+            </a:extLst>
+          </p:cNvPr>
+          <p:cNvCxnSpPr>
+            <a:cxnSpLocks/>
+          </p:cNvCxnSpPr>
+          <p:nvPr/>
+        </p:nvCxnSpPr>
+        <p:spPr>
+          <a:xfrm>
+            <a:off x="3963627" y="3196705"/>
+            <a:ext cx="0" cy="460165"/>
+          </a:xfrm>
+          <a:prstGeom prst="straightConnector1">
+            <a:avLst/>
+          </a:prstGeom>
+          <a:ln w="19050">
+            <a:headEnd type="none" w="med" len="med"/>
+            <a:tailEnd type="arrow" w="med" len="med"/>
+          </a:ln>
+        </p:spPr>
+        <p:style>
+          <a:lnRef idx="1">
+            <a:schemeClr val="dk1"/>
+          </a:lnRef>
+          <a:fillRef idx="0">
+            <a:schemeClr val="dk1"/>
+          </a:fillRef>
+          <a:effectRef idx="0">
+            <a:schemeClr val="dk1"/>
+          </a:effectRef>
+          <a:fontRef idx="minor">
+            <a:schemeClr val="tx1"/>
+          </a:fontRef>
+        </p:style>
+      </p:cxnSp>
+      <p:sp>
+        <p:nvSpPr>
+          <p:cNvPr id="34" name="Rectangle 33">
+            <a:extLst>
+              <a:ext uri="{FF2B5EF4-FFF2-40B4-BE49-F238E27FC236}">
+                <a16:creationId xmlns:a16="http://schemas.microsoft.com/office/drawing/2014/main" id="{3C2421BB-F5CD-409F-BEA3-729881D30DB3}"/>
+              </a:ext>
+            </a:extLst>
+          </p:cNvPr>
+          <p:cNvSpPr/>
+          <p:nvPr/>
+        </p:nvSpPr>
+        <p:spPr>
+          <a:xfrm>
+            <a:off x="3957260" y="3210113"/>
+            <a:ext cx="726481" cy="369332"/>
+          </a:xfrm>
+          <a:prstGeom prst="rect">
+            <a:avLst/>
+          </a:prstGeom>
+        </p:spPr>
+        <p:txBody>
+          <a:bodyPr wrap="none">
+            <a:spAutoFit/>
+          </a:bodyPr>
+          <a:lstStyle/>
+          <a:p>
+            <a:r>
+              <a:rPr lang="en-US" dirty="0"/>
+              <a:t>Loads</a:t>
+            </a:r>
+          </a:p>
+        </p:txBody>
+      </p:sp>
+      <p:sp>
+        <p:nvSpPr>
+          <p:cNvPr id="35" name="Rectangle 34">
+            <a:extLst>
+              <a:ext uri="{FF2B5EF4-FFF2-40B4-BE49-F238E27FC236}">
+                <a16:creationId xmlns:a16="http://schemas.microsoft.com/office/drawing/2014/main" id="{57430739-6A41-4388-8308-74FBF7EAA421}"/>
+              </a:ext>
+            </a:extLst>
+          </p:cNvPr>
+          <p:cNvSpPr/>
+          <p:nvPr/>
+        </p:nvSpPr>
+        <p:spPr>
+          <a:xfrm>
+            <a:off x="3854331" y="4150493"/>
+            <a:ext cx="860521" cy="646331"/>
+          </a:xfrm>
+          <a:prstGeom prst="rect">
+            <a:avLst/>
+          </a:prstGeom>
+        </p:spPr>
+        <p:txBody>
+          <a:bodyPr wrap="square">
+            <a:spAutoFit/>
+          </a:bodyPr>
+          <a:lstStyle/>
+          <a:p>
+            <a:pPr algn="ctr"/>
+            <a:r>
+              <a:rPr lang="en-US" dirty="0"/>
+              <a:t>Seals key</a:t>
+            </a:r>
+          </a:p>
+        </p:txBody>
+      </p:sp>
+      <p:sp>
+        <p:nvSpPr>
+          <p:cNvPr id="36" name="Rounded Rectangle 74">
+            <a:extLst>
+              <a:ext uri="{FF2B5EF4-FFF2-40B4-BE49-F238E27FC236}">
+                <a16:creationId xmlns:a16="http://schemas.microsoft.com/office/drawing/2014/main" id="{75CB3AAB-BB65-4AA6-83BB-D9AA83D20998}"/>
+              </a:ext>
+            </a:extLst>
+          </p:cNvPr>
+          <p:cNvSpPr/>
+          <p:nvPr/>
+        </p:nvSpPr>
+        <p:spPr>
+          <a:xfrm>
+            <a:off x="3907126" y="4735269"/>
+            <a:ext cx="113001" cy="114890"/>
+          </a:xfrm>
+          <a:prstGeom prst="roundRect">
+            <a:avLst>
+              <a:gd name="adj" fmla="val 0"/>
+            </a:avLst>
+          </a:prstGeom>
+          <a:ln/>
+        </p:spPr>
+        <p:style>
+          <a:lnRef idx="2">
+            <a:schemeClr val="dk1">
+              <a:shade val="50000"/>
+            </a:schemeClr>
+          </a:lnRef>
+          <a:fillRef idx="1">
+            <a:schemeClr val="dk1"/>
+          </a:fillRef>
+          <a:effectRef idx="0">
+            <a:schemeClr val="dk1"/>
+          </a:effectRef>
+          <a:fontRef idx="minor">
+            <a:schemeClr val="lt1"/>
+          </a:fontRef>
+        </p:style>
+        <p:txBody>
+          <a:bodyPr rtlCol="0" anchor="ctr"/>
+          <a:lstStyle/>
+          <a:p>
+            <a:pPr algn="ctr"/>
+            <a:endParaRPr lang="en-US" dirty="0"/>
+          </a:p>
+        </p:txBody>
+      </p:sp>
+      <p:sp>
+        <p:nvSpPr>
+          <p:cNvPr id="37" name="Rectangle 36">
+            <a:extLst>
+              <a:ext uri="{FF2B5EF4-FFF2-40B4-BE49-F238E27FC236}">
+                <a16:creationId xmlns:a16="http://schemas.microsoft.com/office/drawing/2014/main" id="{6673841C-E74D-4F71-9DFA-EF25433456AA}"/>
+              </a:ext>
+            </a:extLst>
+          </p:cNvPr>
+          <p:cNvSpPr/>
+          <p:nvPr/>
+        </p:nvSpPr>
+        <p:spPr>
+          <a:xfrm>
+            <a:off x="-329140" y="4431518"/>
+            <a:ext cx="1032061" cy="646331"/>
+          </a:xfrm>
+          <a:prstGeom prst="rect">
+            <a:avLst/>
+          </a:prstGeom>
+        </p:spPr>
+        <p:txBody>
+          <a:bodyPr wrap="square">
+            <a:spAutoFit/>
+          </a:bodyPr>
+          <a:lstStyle/>
+          <a:p>
+            <a:pPr algn="r"/>
+            <a:r>
+              <a:rPr lang="en-US" dirty="0"/>
+              <a:t>Stores seal</a:t>
+            </a:r>
+          </a:p>
+        </p:txBody>
+      </p:sp>
+      <p:sp>
+        <p:nvSpPr>
+          <p:cNvPr id="38" name="Rectangle 37">
+            <a:extLst>
+              <a:ext uri="{FF2B5EF4-FFF2-40B4-BE49-F238E27FC236}">
+                <a16:creationId xmlns:a16="http://schemas.microsoft.com/office/drawing/2014/main" id="{858D9CBC-64DE-4B67-8E44-753F1B50CBBD}"/>
+              </a:ext>
+            </a:extLst>
+          </p:cNvPr>
+          <p:cNvSpPr/>
+          <p:nvPr/>
+        </p:nvSpPr>
+        <p:spPr>
+          <a:xfrm>
+            <a:off x="1362214" y="4475225"/>
+            <a:ext cx="1832824" cy="369332"/>
+          </a:xfrm>
+          <a:prstGeom prst="rect">
+            <a:avLst/>
+          </a:prstGeom>
+        </p:spPr>
+        <p:txBody>
+          <a:bodyPr wrap="square">
+            <a:spAutoFit/>
+          </a:bodyPr>
+          <a:lstStyle/>
+          <a:p>
+            <a:r>
+              <a:rPr lang="en-US" dirty="0"/>
+              <a:t>Sends sealed key</a:t>
+            </a:r>
+          </a:p>
+        </p:txBody>
+      </p:sp>
+      <p:cxnSp>
+        <p:nvCxnSpPr>
+          <p:cNvPr id="39" name="Straight Arrow Connector 38">
+            <a:extLst>
+              <a:ext uri="{FF2B5EF4-FFF2-40B4-BE49-F238E27FC236}">
+                <a16:creationId xmlns:a16="http://schemas.microsoft.com/office/drawing/2014/main" id="{75104F10-97E1-41E8-8EBE-8D6FF9EDC106}"/>
+              </a:ext>
+            </a:extLst>
+          </p:cNvPr>
+          <p:cNvCxnSpPr>
+            <a:endCxn id="49" idx="1"/>
+          </p:cNvCxnSpPr>
+          <p:nvPr/>
+        </p:nvCxnSpPr>
+        <p:spPr>
+          <a:xfrm>
+            <a:off x="751308" y="2291586"/>
+            <a:ext cx="3144372" cy="342"/>
+          </a:xfrm>
+          <a:prstGeom prst="straightConnector1">
+            <a:avLst/>
+          </a:prstGeom>
+          <a:ln w="19050">
+            <a:headEnd type="none" w="med" len="med"/>
+            <a:tailEnd type="arrow" w="med" len="med"/>
+          </a:ln>
+        </p:spPr>
+        <p:style>
+          <a:lnRef idx="1">
+            <a:schemeClr val="dk1"/>
+          </a:lnRef>
+          <a:fillRef idx="0">
+            <a:schemeClr val="dk1"/>
+          </a:fillRef>
+          <a:effectRef idx="0">
+            <a:schemeClr val="dk1"/>
+          </a:effectRef>
+          <a:fontRef idx="minor">
+            <a:schemeClr val="tx1"/>
+          </a:fontRef>
+        </p:style>
+      </p:cxnSp>
+      <p:sp>
+        <p:nvSpPr>
+          <p:cNvPr id="40" name="Rectangle 39">
+            <a:extLst>
+              <a:ext uri="{FF2B5EF4-FFF2-40B4-BE49-F238E27FC236}">
+                <a16:creationId xmlns:a16="http://schemas.microsoft.com/office/drawing/2014/main" id="{96560075-B6EF-4CA2-A47B-E9003089F303}"/>
+              </a:ext>
+            </a:extLst>
+          </p:cNvPr>
+          <p:cNvSpPr/>
+          <p:nvPr/>
+        </p:nvSpPr>
+        <p:spPr>
+          <a:xfrm>
+            <a:off x="2714643" y="4966178"/>
+            <a:ext cx="850105" cy="369332"/>
+          </a:xfrm>
+          <a:prstGeom prst="rect">
+            <a:avLst/>
+          </a:prstGeom>
+        </p:spPr>
+        <p:txBody>
+          <a:bodyPr wrap="none">
+            <a:spAutoFit/>
+          </a:bodyPr>
+          <a:lstStyle/>
+          <a:p>
+            <a:r>
+              <a:rPr lang="en-US" dirty="0"/>
+              <a:t>Restart</a:t>
+            </a:r>
+          </a:p>
+        </p:txBody>
+      </p:sp>
+      <p:grpSp>
+        <p:nvGrpSpPr>
+          <p:cNvPr id="41" name="Group 40">
+            <a:extLst>
+              <a:ext uri="{FF2B5EF4-FFF2-40B4-BE49-F238E27FC236}">
+                <a16:creationId xmlns:a16="http://schemas.microsoft.com/office/drawing/2014/main" id="{D9AA8908-3C31-48ED-8ACB-C12CD7A6CD7A}"/>
+              </a:ext>
+            </a:extLst>
+          </p:cNvPr>
+          <p:cNvGrpSpPr/>
+          <p:nvPr/>
+        </p:nvGrpSpPr>
+        <p:grpSpPr>
+          <a:xfrm rot="5400000">
+            <a:off x="2946931" y="4257431"/>
+            <a:ext cx="470472" cy="1542696"/>
+            <a:chOff x="2945388" y="1818079"/>
+            <a:chExt cx="2435504" cy="1641639"/>
+          </a:xfrm>
+        </p:grpSpPr>
+        <p:cxnSp>
+          <p:nvCxnSpPr>
+            <p:cNvPr id="42" name="Straight Arrow Connector 41">
+              <a:extLst>
+                <a:ext uri="{FF2B5EF4-FFF2-40B4-BE49-F238E27FC236}">
+                  <a16:creationId xmlns:a16="http://schemas.microsoft.com/office/drawing/2014/main" id="{ECDAF8C9-35B7-4C60-B4AA-7D4EF6D529FB}"/>
+                </a:ext>
+              </a:extLst>
+            </p:cNvPr>
+            <p:cNvCxnSpPr/>
+            <p:nvPr/>
+          </p:nvCxnSpPr>
+          <p:spPr>
+            <a:xfrm>
+              <a:off x="2945388" y="3453856"/>
+              <a:ext cx="2435504" cy="0"/>
+            </a:xfrm>
+            <a:prstGeom prst="straightConnector1">
+              <a:avLst/>
+            </a:prstGeom>
+            <a:ln w="19050">
+              <a:headEnd type="none" w="med" len="med"/>
+              <a:tailEnd type="none" w="med" len="med"/>
+            </a:ln>
+          </p:spPr>
+          <p:style>
+            <a:lnRef idx="1">
+              <a:schemeClr val="dk1"/>
+            </a:lnRef>
+            <a:fillRef idx="0">
+              <a:schemeClr val="dk1"/>
+            </a:fillRef>
+            <a:effectRef idx="0">
+              <a:schemeClr val="dk1"/>
+            </a:effectRef>
+            <a:fontRef idx="minor">
+              <a:schemeClr val="tx1"/>
+            </a:fontRef>
+          </p:style>
+        </p:cxnSp>
+        <p:cxnSp>
+          <p:nvCxnSpPr>
+            <p:cNvPr id="43" name="Straight Arrow Connector 42">
+              <a:extLst>
+                <a:ext uri="{FF2B5EF4-FFF2-40B4-BE49-F238E27FC236}">
+                  <a16:creationId xmlns:a16="http://schemas.microsoft.com/office/drawing/2014/main" id="{2EBA83F1-D757-4C49-A41A-94278E0CD88F}"/>
+                </a:ext>
+              </a:extLst>
+            </p:cNvPr>
+            <p:cNvCxnSpPr/>
+            <p:nvPr/>
+          </p:nvCxnSpPr>
+          <p:spPr>
+            <a:xfrm flipV="1">
+              <a:off x="5369169" y="1818079"/>
+              <a:ext cx="0" cy="1641639"/>
+            </a:xfrm>
+            <a:prstGeom prst="straightConnector1">
+              <a:avLst/>
+            </a:prstGeom>
+            <a:ln w="19050">
+              <a:headEnd type="none" w="med" len="med"/>
+              <a:tailEnd type="arrow" w="med" len="med"/>
+            </a:ln>
+          </p:spPr>
+          <p:style>
+            <a:lnRef idx="1">
+              <a:schemeClr val="dk1"/>
+            </a:lnRef>
+            <a:fillRef idx="0">
+              <a:schemeClr val="dk1"/>
+            </a:fillRef>
+            <a:effectRef idx="0">
+              <a:schemeClr val="dk1"/>
+            </a:effectRef>
+            <a:fontRef idx="minor">
+              <a:schemeClr val="tx1"/>
+            </a:fontRef>
+          </p:style>
+        </p:cxnSp>
+      </p:grpSp>
+      <p:sp>
+        <p:nvSpPr>
+          <p:cNvPr id="44" name="Rounded Rectangle 55">
+            <a:extLst>
+              <a:ext uri="{FF2B5EF4-FFF2-40B4-BE49-F238E27FC236}">
+                <a16:creationId xmlns:a16="http://schemas.microsoft.com/office/drawing/2014/main" id="{EFD99C4D-AB15-4A2F-B903-B9FC1E667E17}"/>
+              </a:ext>
+            </a:extLst>
+          </p:cNvPr>
+          <p:cNvSpPr/>
+          <p:nvPr/>
+        </p:nvSpPr>
+        <p:spPr>
+          <a:xfrm>
+            <a:off x="706085" y="3752547"/>
+            <a:ext cx="113001" cy="114890"/>
+          </a:xfrm>
+          <a:prstGeom prst="roundRect">
+            <a:avLst>
+              <a:gd name="adj" fmla="val 0"/>
+            </a:avLst>
+          </a:prstGeom>
+          <a:ln/>
+        </p:spPr>
+        <p:style>
+          <a:lnRef idx="2">
+            <a:schemeClr val="dk1">
+              <a:shade val="50000"/>
+            </a:schemeClr>
+          </a:lnRef>
+          <a:fillRef idx="1">
+            <a:schemeClr val="dk1"/>
+          </a:fillRef>
+          <a:effectRef idx="0">
+            <a:schemeClr val="dk1"/>
+          </a:effectRef>
+          <a:fontRef idx="minor">
+            <a:schemeClr val="lt1"/>
+          </a:fontRef>
+        </p:style>
+        <p:txBody>
+          <a:bodyPr rtlCol="0" anchor="ctr"/>
+          <a:lstStyle/>
+          <a:p>
+            <a:pPr algn="ctr"/>
+            <a:endParaRPr lang="en-US" dirty="0"/>
+          </a:p>
+        </p:txBody>
+      </p:sp>
+      <p:cxnSp>
+        <p:nvCxnSpPr>
+          <p:cNvPr id="45" name="Straight Arrow Connector 44">
+            <a:extLst>
+              <a:ext uri="{FF2B5EF4-FFF2-40B4-BE49-F238E27FC236}">
+                <a16:creationId xmlns:a16="http://schemas.microsoft.com/office/drawing/2014/main" id="{A0C05DA6-C88F-4F38-ABBA-D0285497753E}"/>
+              </a:ext>
+            </a:extLst>
+          </p:cNvPr>
+          <p:cNvCxnSpPr/>
+          <p:nvPr/>
+        </p:nvCxnSpPr>
+        <p:spPr>
+          <a:xfrm>
+            <a:off x="771248" y="3809992"/>
+            <a:ext cx="2652593" cy="0"/>
+          </a:xfrm>
+          <a:prstGeom prst="straightConnector1">
+            <a:avLst/>
+          </a:prstGeom>
+          <a:ln w="19050">
+            <a:headEnd type="none" w="med" len="med"/>
+            <a:tailEnd type="arrow" w="med" len="med"/>
+          </a:ln>
+        </p:spPr>
+        <p:style>
+          <a:lnRef idx="1">
+            <a:schemeClr val="dk1"/>
+          </a:lnRef>
+          <a:fillRef idx="0">
+            <a:schemeClr val="dk1"/>
+          </a:fillRef>
+          <a:effectRef idx="0">
+            <a:schemeClr val="dk1"/>
+          </a:effectRef>
+          <a:fontRef idx="minor">
+            <a:schemeClr val="tx1"/>
+          </a:fontRef>
+        </p:style>
+      </p:cxnSp>
+      <p:sp>
+        <p:nvSpPr>
+          <p:cNvPr id="46" name="Rectangle 45">
+            <a:extLst>
+              <a:ext uri="{FF2B5EF4-FFF2-40B4-BE49-F238E27FC236}">
+                <a16:creationId xmlns:a16="http://schemas.microsoft.com/office/drawing/2014/main" id="{A07A67C2-2AD8-4539-A9DF-CA82239AAAB9}"/>
+              </a:ext>
+            </a:extLst>
+          </p:cNvPr>
+          <p:cNvSpPr/>
+          <p:nvPr/>
+        </p:nvSpPr>
+        <p:spPr>
+          <a:xfrm>
+            <a:off x="1683799" y="3489100"/>
+            <a:ext cx="1107098" cy="369332"/>
+          </a:xfrm>
+          <a:prstGeom prst="rect">
+            <a:avLst/>
+          </a:prstGeom>
+        </p:spPr>
+        <p:txBody>
+          <a:bodyPr wrap="none">
+            <a:spAutoFit/>
+          </a:bodyPr>
+          <a:lstStyle/>
+          <a:p>
+            <a:pPr algn="ctr"/>
+            <a:r>
+              <a:rPr lang="en-US" dirty="0"/>
+              <a:t>Sends key</a:t>
+            </a:r>
+          </a:p>
+        </p:txBody>
+      </p:sp>
+      <p:sp>
+        <p:nvSpPr>
+          <p:cNvPr id="47" name="Rectangle 46">
+            <a:extLst>
+              <a:ext uri="{FF2B5EF4-FFF2-40B4-BE49-F238E27FC236}">
+                <a16:creationId xmlns:a16="http://schemas.microsoft.com/office/drawing/2014/main" id="{C8991B66-FF20-4866-9857-2D7FBD1BD6E6}"/>
+              </a:ext>
+            </a:extLst>
+          </p:cNvPr>
+          <p:cNvSpPr/>
+          <p:nvPr/>
+        </p:nvSpPr>
+        <p:spPr>
+          <a:xfrm>
+            <a:off x="98537" y="2940855"/>
+            <a:ext cx="778852" cy="646331"/>
+          </a:xfrm>
+          <a:prstGeom prst="rect">
+            <a:avLst/>
+          </a:prstGeom>
+        </p:spPr>
+        <p:txBody>
+          <a:bodyPr wrap="square">
+            <a:spAutoFit/>
+          </a:bodyPr>
+          <a:lstStyle/>
+          <a:p>
+            <a:pPr algn="ctr"/>
+            <a:r>
+              <a:rPr lang="en-US" dirty="0"/>
+              <a:t>Key gen</a:t>
+            </a:r>
+          </a:p>
+        </p:txBody>
+      </p:sp>
+      <p:sp>
+        <p:nvSpPr>
+          <p:cNvPr id="48" name="Rounded Rectangle 73">
+            <a:extLst>
+              <a:ext uri="{FF2B5EF4-FFF2-40B4-BE49-F238E27FC236}">
+                <a16:creationId xmlns:a16="http://schemas.microsoft.com/office/drawing/2014/main" id="{49ACB08C-A711-488C-8BF9-400269847AC2}"/>
+              </a:ext>
+            </a:extLst>
+          </p:cNvPr>
+          <p:cNvSpPr/>
+          <p:nvPr/>
+        </p:nvSpPr>
+        <p:spPr>
+          <a:xfrm>
+            <a:off x="706667" y="4742447"/>
+            <a:ext cx="113001" cy="114890"/>
+          </a:xfrm>
+          <a:prstGeom prst="roundRect">
+            <a:avLst>
+              <a:gd name="adj" fmla="val 0"/>
+            </a:avLst>
+          </a:prstGeom>
+          <a:ln/>
+        </p:spPr>
+        <p:style>
+          <a:lnRef idx="2">
+            <a:schemeClr val="dk1">
+              <a:shade val="50000"/>
+            </a:schemeClr>
+          </a:lnRef>
+          <a:fillRef idx="1">
+            <a:schemeClr val="dk1"/>
+          </a:fillRef>
+          <a:effectRef idx="0">
+            <a:schemeClr val="dk1"/>
+          </a:effectRef>
+          <a:fontRef idx="minor">
+            <a:schemeClr val="lt1"/>
+          </a:fontRef>
+        </p:style>
+        <p:txBody>
+          <a:bodyPr rtlCol="0" anchor="ctr"/>
+          <a:lstStyle/>
+          <a:p>
+            <a:pPr algn="ctr"/>
+            <a:endParaRPr lang="en-US" dirty="0"/>
+          </a:p>
+        </p:txBody>
+      </p:sp>
+      <p:sp>
+        <p:nvSpPr>
+          <p:cNvPr id="49" name="Rounded Rectangle 75">
+            <a:extLst>
+              <a:ext uri="{FF2B5EF4-FFF2-40B4-BE49-F238E27FC236}">
+                <a16:creationId xmlns:a16="http://schemas.microsoft.com/office/drawing/2014/main" id="{3FFB2F73-59F2-4D05-9E4A-DE392E68C2D6}"/>
+              </a:ext>
+            </a:extLst>
+          </p:cNvPr>
+          <p:cNvSpPr/>
+          <p:nvPr/>
+        </p:nvSpPr>
+        <p:spPr>
+          <a:xfrm>
+            <a:off x="3895680" y="2234483"/>
+            <a:ext cx="113001" cy="114890"/>
+          </a:xfrm>
+          <a:prstGeom prst="roundRect">
+            <a:avLst>
+              <a:gd name="adj" fmla="val 0"/>
+            </a:avLst>
+          </a:prstGeom>
+          <a:ln/>
+        </p:spPr>
+        <p:style>
+          <a:lnRef idx="2">
+            <a:schemeClr val="dk1">
+              <a:shade val="50000"/>
+            </a:schemeClr>
+          </a:lnRef>
+          <a:fillRef idx="1">
+            <a:schemeClr val="dk1"/>
+          </a:fillRef>
+          <a:effectRef idx="0">
+            <a:schemeClr val="dk1"/>
+          </a:effectRef>
+          <a:fontRef idx="minor">
+            <a:schemeClr val="lt1"/>
+          </a:fontRef>
+        </p:style>
+        <p:txBody>
+          <a:bodyPr rtlCol="0" anchor="ctr"/>
+          <a:lstStyle/>
+          <a:p>
+            <a:pPr algn="ctr"/>
+            <a:endParaRPr lang="en-US" dirty="0"/>
+          </a:p>
+        </p:txBody>
+      </p:sp>
+      <p:sp>
+        <p:nvSpPr>
+          <p:cNvPr id="50" name="Rounded Rectangle 79">
+            <a:extLst>
+              <a:ext uri="{FF2B5EF4-FFF2-40B4-BE49-F238E27FC236}">
+                <a16:creationId xmlns:a16="http://schemas.microsoft.com/office/drawing/2014/main" id="{C8017E84-C62B-417A-AAC3-44174D994E16}"/>
+              </a:ext>
+            </a:extLst>
+          </p:cNvPr>
+          <p:cNvSpPr/>
+          <p:nvPr/>
+        </p:nvSpPr>
+        <p:spPr>
+          <a:xfrm>
+            <a:off x="3900760" y="1409127"/>
+            <a:ext cx="113001" cy="114890"/>
+          </a:xfrm>
+          <a:prstGeom prst="roundRect">
+            <a:avLst>
+              <a:gd name="adj" fmla="val 0"/>
+            </a:avLst>
+          </a:prstGeom>
+          <a:ln/>
+        </p:spPr>
+        <p:style>
+          <a:lnRef idx="2">
+            <a:schemeClr val="dk1">
+              <a:shade val="50000"/>
+            </a:schemeClr>
+          </a:lnRef>
+          <a:fillRef idx="1">
+            <a:schemeClr val="dk1"/>
+          </a:fillRef>
+          <a:effectRef idx="0">
+            <a:schemeClr val="dk1"/>
+          </a:effectRef>
+          <a:fontRef idx="minor">
+            <a:schemeClr val="lt1"/>
+          </a:fontRef>
+        </p:style>
+        <p:txBody>
+          <a:bodyPr rtlCol="0" anchor="ctr"/>
+          <a:lstStyle/>
+          <a:p>
+            <a:pPr algn="ctr"/>
+            <a:endParaRPr lang="en-US" dirty="0"/>
+          </a:p>
+        </p:txBody>
+      </p:sp>
+      <p:sp>
+        <p:nvSpPr>
+          <p:cNvPr id="51" name="Oval 50">
+            <a:extLst>
+              <a:ext uri="{FF2B5EF4-FFF2-40B4-BE49-F238E27FC236}">
+                <a16:creationId xmlns:a16="http://schemas.microsoft.com/office/drawing/2014/main" id="{76192638-423C-4E84-87EE-5E01AD8EF1F9}"/>
+              </a:ext>
+            </a:extLst>
+          </p:cNvPr>
+          <p:cNvSpPr/>
+          <p:nvPr/>
+        </p:nvSpPr>
+        <p:spPr>
+          <a:xfrm>
+            <a:off x="689520" y="1149363"/>
+            <a:ext cx="133735" cy="133735"/>
+          </a:xfrm>
+          <a:prstGeom prst="ellipse">
+            <a:avLst/>
+          </a:prstGeom>
+        </p:spPr>
+        <p:style>
+          <a:lnRef idx="2">
+            <a:schemeClr val="dk1">
+              <a:shade val="50000"/>
+            </a:schemeClr>
+          </a:lnRef>
+          <a:fillRef idx="1">
+            <a:schemeClr val="dk1"/>
+          </a:fillRef>
+          <a:effectRef idx="0">
+            <a:schemeClr val="dk1"/>
+          </a:effectRef>
+          <a:fontRef idx="minor">
+            <a:schemeClr val="lt1"/>
+          </a:fontRef>
+        </p:style>
+        <p:txBody>
+          <a:bodyPr rtlCol="0" anchor="ctr"/>
+          <a:lstStyle/>
+          <a:p>
+            <a:pPr algn="ctr"/>
+            <a:endParaRPr lang="en-US"/>
+          </a:p>
+        </p:txBody>
+      </p:sp>
+      <p:sp>
+        <p:nvSpPr>
+          <p:cNvPr id="52" name="Oval 51">
+            <a:extLst>
+              <a:ext uri="{FF2B5EF4-FFF2-40B4-BE49-F238E27FC236}">
+                <a16:creationId xmlns:a16="http://schemas.microsoft.com/office/drawing/2014/main" id="{B53FF7B2-32EC-4F94-850C-5C979BBB18C4}"/>
+              </a:ext>
+            </a:extLst>
+          </p:cNvPr>
+          <p:cNvSpPr/>
+          <p:nvPr/>
+        </p:nvSpPr>
+        <p:spPr>
+          <a:xfrm>
+            <a:off x="1963038" y="1149363"/>
+            <a:ext cx="133735" cy="133735"/>
+          </a:xfrm>
+          <a:prstGeom prst="ellipse">
+            <a:avLst/>
+          </a:prstGeom>
+        </p:spPr>
+        <p:style>
+          <a:lnRef idx="2">
+            <a:schemeClr val="dk1">
+              <a:shade val="50000"/>
+            </a:schemeClr>
+          </a:lnRef>
+          <a:fillRef idx="1">
+            <a:schemeClr val="dk1"/>
+          </a:fillRef>
+          <a:effectRef idx="0">
+            <a:schemeClr val="dk1"/>
+          </a:effectRef>
+          <a:fontRef idx="minor">
+            <a:schemeClr val="lt1"/>
+          </a:fontRef>
+        </p:style>
+        <p:txBody>
+          <a:bodyPr rtlCol="0" anchor="ctr"/>
+          <a:lstStyle/>
+          <a:p>
+            <a:pPr algn="ctr"/>
+            <a:endParaRPr lang="en-US"/>
+          </a:p>
+        </p:txBody>
+      </p:sp>
+      <p:sp>
+        <p:nvSpPr>
+          <p:cNvPr id="53" name="Oval 52">
+            <a:extLst>
+              <a:ext uri="{FF2B5EF4-FFF2-40B4-BE49-F238E27FC236}">
+                <a16:creationId xmlns:a16="http://schemas.microsoft.com/office/drawing/2014/main" id="{D7F47D05-2608-4B64-AA82-23D4993B734C}"/>
+              </a:ext>
+            </a:extLst>
+          </p:cNvPr>
+          <p:cNvSpPr/>
+          <p:nvPr/>
+        </p:nvSpPr>
+        <p:spPr>
+          <a:xfrm>
+            <a:off x="2170481" y="1149363"/>
+            <a:ext cx="133735" cy="133735"/>
+          </a:xfrm>
+          <a:prstGeom prst="ellipse">
+            <a:avLst/>
+          </a:prstGeom>
+        </p:spPr>
+        <p:style>
+          <a:lnRef idx="2">
+            <a:schemeClr val="dk1">
+              <a:shade val="50000"/>
+            </a:schemeClr>
+          </a:lnRef>
+          <a:fillRef idx="1">
+            <a:schemeClr val="dk1"/>
+          </a:fillRef>
+          <a:effectRef idx="0">
+            <a:schemeClr val="dk1"/>
+          </a:effectRef>
+          <a:fontRef idx="minor">
+            <a:schemeClr val="lt1"/>
+          </a:fontRef>
+        </p:style>
+        <p:txBody>
+          <a:bodyPr rtlCol="0" anchor="ctr"/>
+          <a:lstStyle/>
+          <a:p>
+            <a:pPr algn="ctr"/>
+            <a:endParaRPr lang="en-US"/>
+          </a:p>
+        </p:txBody>
+      </p:sp>
+      <p:sp>
+        <p:nvSpPr>
+          <p:cNvPr id="54" name="Oval 53">
+            <a:extLst>
+              <a:ext uri="{FF2B5EF4-FFF2-40B4-BE49-F238E27FC236}">
+                <a16:creationId xmlns:a16="http://schemas.microsoft.com/office/drawing/2014/main" id="{496E0DE8-C286-4D97-A1E6-95BE4E9A2BFD}"/>
+              </a:ext>
+            </a:extLst>
+          </p:cNvPr>
+          <p:cNvSpPr/>
+          <p:nvPr/>
+        </p:nvSpPr>
+        <p:spPr>
+          <a:xfrm>
+            <a:off x="2409181" y="1149363"/>
+            <a:ext cx="133735" cy="133735"/>
+          </a:xfrm>
+          <a:prstGeom prst="ellipse">
+            <a:avLst/>
+          </a:prstGeom>
+        </p:spPr>
+        <p:style>
+          <a:lnRef idx="2">
+            <a:schemeClr val="dk1">
+              <a:shade val="50000"/>
+            </a:schemeClr>
+          </a:lnRef>
+          <a:fillRef idx="1">
+            <a:schemeClr val="dk1"/>
+          </a:fillRef>
+          <a:effectRef idx="0">
+            <a:schemeClr val="dk1"/>
+          </a:effectRef>
+          <a:fontRef idx="minor">
+            <a:schemeClr val="lt1"/>
+          </a:fontRef>
+        </p:style>
+        <p:txBody>
+          <a:bodyPr rtlCol="0" anchor="ctr"/>
+          <a:lstStyle/>
+          <a:p>
+            <a:pPr algn="ctr"/>
+            <a:endParaRPr lang="en-US"/>
+          </a:p>
+        </p:txBody>
+      </p:sp>
+      <p:sp>
+        <p:nvSpPr>
+          <p:cNvPr id="55" name="Oval 54">
+            <a:extLst>
+              <a:ext uri="{FF2B5EF4-FFF2-40B4-BE49-F238E27FC236}">
+                <a16:creationId xmlns:a16="http://schemas.microsoft.com/office/drawing/2014/main" id="{7520C0EA-F43D-496C-B4FE-8A0166AC1273}"/>
+              </a:ext>
+            </a:extLst>
+          </p:cNvPr>
+          <p:cNvSpPr/>
+          <p:nvPr/>
+        </p:nvSpPr>
+        <p:spPr>
+          <a:xfrm>
+            <a:off x="3897607" y="1149363"/>
+            <a:ext cx="133735" cy="133735"/>
+          </a:xfrm>
+          <a:prstGeom prst="ellipse">
+            <a:avLst/>
+          </a:prstGeom>
+        </p:spPr>
+        <p:style>
+          <a:lnRef idx="2">
+            <a:schemeClr val="dk1">
+              <a:shade val="50000"/>
+            </a:schemeClr>
+          </a:lnRef>
+          <a:fillRef idx="1">
+            <a:schemeClr val="dk1"/>
+          </a:fillRef>
+          <a:effectRef idx="0">
+            <a:schemeClr val="dk1"/>
+          </a:effectRef>
+          <a:fontRef idx="minor">
+            <a:schemeClr val="lt1"/>
+          </a:fontRef>
+        </p:style>
+        <p:txBody>
+          <a:bodyPr rtlCol="0" anchor="ctr"/>
+          <a:lstStyle/>
+          <a:p>
+            <a:pPr algn="ctr"/>
+            <a:endParaRPr lang="en-US"/>
+          </a:p>
+        </p:txBody>
+      </p:sp>
+      <p:cxnSp>
+        <p:nvCxnSpPr>
+          <p:cNvPr id="56" name="Straight Arrow Connector 55">
+            <a:extLst>
+              <a:ext uri="{FF2B5EF4-FFF2-40B4-BE49-F238E27FC236}">
+                <a16:creationId xmlns:a16="http://schemas.microsoft.com/office/drawing/2014/main" id="{DD7680DC-EAF7-40BD-B70A-548616BFADBD}"/>
+              </a:ext>
+            </a:extLst>
+          </p:cNvPr>
+          <p:cNvCxnSpPr>
+            <a:cxnSpLocks/>
+          </p:cNvCxnSpPr>
+          <p:nvPr/>
+        </p:nvCxnSpPr>
+        <p:spPr>
+          <a:xfrm>
+            <a:off x="3962341" y="2349373"/>
+            <a:ext cx="1334" cy="347859"/>
+          </a:xfrm>
+          <a:prstGeom prst="straightConnector1">
+            <a:avLst/>
+          </a:prstGeom>
+          <a:ln w="19050">
+            <a:headEnd type="none" w="med" len="med"/>
+            <a:tailEnd type="arrow" w="med" len="med"/>
+          </a:ln>
+        </p:spPr>
+        <p:style>
+          <a:lnRef idx="1">
+            <a:schemeClr val="dk1"/>
+          </a:lnRef>
+          <a:fillRef idx="0">
+            <a:schemeClr val="dk1"/>
+          </a:fillRef>
+          <a:effectRef idx="0">
+            <a:schemeClr val="dk1"/>
+          </a:effectRef>
+          <a:fontRef idx="minor">
+            <a:schemeClr val="tx1"/>
+          </a:fontRef>
+        </p:style>
+      </p:cxnSp>
+      <p:sp>
+        <p:nvSpPr>
+          <p:cNvPr id="57" name="Rounded Rectangle 89">
+            <a:extLst>
+              <a:ext uri="{FF2B5EF4-FFF2-40B4-BE49-F238E27FC236}">
+                <a16:creationId xmlns:a16="http://schemas.microsoft.com/office/drawing/2014/main" id="{9E6FC69D-8E7F-41EC-B2A2-97CE0834867C}"/>
+              </a:ext>
+            </a:extLst>
+          </p:cNvPr>
+          <p:cNvSpPr/>
+          <p:nvPr/>
+        </p:nvSpPr>
+        <p:spPr>
+          <a:xfrm>
+            <a:off x="699436" y="2931853"/>
+            <a:ext cx="113001" cy="114890"/>
+          </a:xfrm>
+          <a:prstGeom prst="roundRect">
+            <a:avLst>
+              <a:gd name="adj" fmla="val 0"/>
+            </a:avLst>
+          </a:prstGeom>
+          <a:ln/>
+        </p:spPr>
+        <p:style>
+          <a:lnRef idx="2">
+            <a:schemeClr val="dk1">
+              <a:shade val="50000"/>
+            </a:schemeClr>
+          </a:lnRef>
+          <a:fillRef idx="1">
+            <a:schemeClr val="dk1"/>
+          </a:fillRef>
+          <a:effectRef idx="0">
+            <a:schemeClr val="dk1"/>
+          </a:effectRef>
+          <a:fontRef idx="minor">
+            <a:schemeClr val="lt1"/>
+          </a:fontRef>
+        </p:style>
+        <p:txBody>
+          <a:bodyPr rtlCol="0" anchor="ctr"/>
+          <a:lstStyle/>
+          <a:p>
+            <a:pPr algn="ctr"/>
+            <a:endParaRPr lang="en-US" dirty="0"/>
+          </a:p>
+        </p:txBody>
+      </p:sp>
+      <p:cxnSp>
+        <p:nvCxnSpPr>
+          <p:cNvPr id="58" name="Straight Arrow Connector 57">
+            <a:extLst>
+              <a:ext uri="{FF2B5EF4-FFF2-40B4-BE49-F238E27FC236}">
+                <a16:creationId xmlns:a16="http://schemas.microsoft.com/office/drawing/2014/main" id="{ADBEB8E9-082A-4138-BE51-1E2FF262DB43}"/>
+              </a:ext>
+            </a:extLst>
+          </p:cNvPr>
+          <p:cNvCxnSpPr/>
+          <p:nvPr/>
+        </p:nvCxnSpPr>
+        <p:spPr>
+          <a:xfrm>
+            <a:off x="765464" y="2958130"/>
+            <a:ext cx="0" cy="647097"/>
+          </a:xfrm>
+          <a:prstGeom prst="straightConnector1">
+            <a:avLst/>
+          </a:prstGeom>
+          <a:ln w="19050">
+            <a:headEnd type="none" w="med" len="med"/>
+            <a:tailEnd type="arrow" w="med" len="med"/>
+          </a:ln>
+        </p:spPr>
+        <p:style>
+          <a:lnRef idx="1">
+            <a:schemeClr val="dk1"/>
+          </a:lnRef>
+          <a:fillRef idx="0">
+            <a:schemeClr val="dk1"/>
+          </a:fillRef>
+          <a:effectRef idx="0">
+            <a:schemeClr val="dk1"/>
+          </a:effectRef>
+          <a:fontRef idx="minor">
+            <a:schemeClr val="tx1"/>
+          </a:fontRef>
+        </p:style>
+      </p:cxnSp>
+      <p:sp>
+        <p:nvSpPr>
+          <p:cNvPr id="59" name="Oval 58">
+            <a:extLst>
+              <a:ext uri="{FF2B5EF4-FFF2-40B4-BE49-F238E27FC236}">
+                <a16:creationId xmlns:a16="http://schemas.microsoft.com/office/drawing/2014/main" id="{EFDA7241-2651-48D4-9D8C-FBE7755537B9}"/>
+              </a:ext>
+            </a:extLst>
+          </p:cNvPr>
+          <p:cNvSpPr/>
+          <p:nvPr/>
+        </p:nvSpPr>
+        <p:spPr>
+          <a:xfrm>
+            <a:off x="2170481" y="2711657"/>
+            <a:ext cx="133735" cy="133735"/>
+          </a:xfrm>
+          <a:prstGeom prst="ellipse">
+            <a:avLst/>
+          </a:prstGeom>
+        </p:spPr>
+        <p:style>
+          <a:lnRef idx="2">
+            <a:schemeClr val="dk1">
+              <a:shade val="50000"/>
+            </a:schemeClr>
+          </a:lnRef>
+          <a:fillRef idx="1">
+            <a:schemeClr val="dk1"/>
+          </a:fillRef>
+          <a:effectRef idx="0">
+            <a:schemeClr val="dk1"/>
+          </a:effectRef>
+          <a:fontRef idx="minor">
+            <a:schemeClr val="lt1"/>
+          </a:fontRef>
+        </p:style>
+        <p:txBody>
+          <a:bodyPr rtlCol="0" anchor="ctr"/>
+          <a:lstStyle/>
+          <a:p>
+            <a:pPr algn="ctr"/>
+            <a:endParaRPr lang="en-US"/>
+          </a:p>
+        </p:txBody>
+      </p:sp>
+      <p:grpSp>
+        <p:nvGrpSpPr>
+          <p:cNvPr id="60" name="Group 59">
+            <a:extLst>
+              <a:ext uri="{FF2B5EF4-FFF2-40B4-BE49-F238E27FC236}">
+                <a16:creationId xmlns:a16="http://schemas.microsoft.com/office/drawing/2014/main" id="{77411753-D5ED-4A8B-933F-703DBA11FBAB}"/>
+              </a:ext>
+            </a:extLst>
+          </p:cNvPr>
+          <p:cNvGrpSpPr/>
+          <p:nvPr/>
+        </p:nvGrpSpPr>
+        <p:grpSpPr>
+          <a:xfrm rot="5400000" flipV="1">
+            <a:off x="1402199" y="2149655"/>
+            <a:ext cx="219978" cy="1477718"/>
+            <a:chOff x="1226944" y="1818079"/>
+            <a:chExt cx="4153948" cy="1641639"/>
+          </a:xfrm>
+        </p:grpSpPr>
+        <p:cxnSp>
+          <p:nvCxnSpPr>
+            <p:cNvPr id="61" name="Straight Arrow Connector 60">
+              <a:extLst>
+                <a:ext uri="{FF2B5EF4-FFF2-40B4-BE49-F238E27FC236}">
+                  <a16:creationId xmlns:a16="http://schemas.microsoft.com/office/drawing/2014/main" id="{DF601D1C-976D-424D-BC30-1523B634B9C4}"/>
+                </a:ext>
+              </a:extLst>
+            </p:cNvPr>
+            <p:cNvCxnSpPr/>
+            <p:nvPr/>
+          </p:nvCxnSpPr>
+          <p:spPr>
+            <a:xfrm rot="16200000">
+              <a:off x="3303918" y="1376881"/>
+              <a:ext cx="0" cy="4153948"/>
+            </a:xfrm>
+            <a:prstGeom prst="straightConnector1">
+              <a:avLst/>
+            </a:prstGeom>
+            <a:ln w="19050">
+              <a:headEnd type="none" w="med" len="med"/>
+              <a:tailEnd type="none" w="med" len="med"/>
+            </a:ln>
+          </p:spPr>
+          <p:style>
+            <a:lnRef idx="1">
+              <a:schemeClr val="dk1"/>
+            </a:lnRef>
+            <a:fillRef idx="0">
+              <a:schemeClr val="dk1"/>
+            </a:fillRef>
+            <a:effectRef idx="0">
+              <a:schemeClr val="dk1"/>
+            </a:effectRef>
+            <a:fontRef idx="minor">
+              <a:schemeClr val="tx1"/>
+            </a:fontRef>
+          </p:style>
+        </p:cxnSp>
+        <p:cxnSp>
+          <p:nvCxnSpPr>
+            <p:cNvPr id="62" name="Straight Arrow Connector 61">
+              <a:extLst>
+                <a:ext uri="{FF2B5EF4-FFF2-40B4-BE49-F238E27FC236}">
+                  <a16:creationId xmlns:a16="http://schemas.microsoft.com/office/drawing/2014/main" id="{ABA648E8-E571-405B-A255-14521E51B480}"/>
+                </a:ext>
+              </a:extLst>
+            </p:cNvPr>
+            <p:cNvCxnSpPr/>
+            <p:nvPr/>
+          </p:nvCxnSpPr>
+          <p:spPr>
+            <a:xfrm flipV="1">
+              <a:off x="5369169" y="1818079"/>
+              <a:ext cx="0" cy="1641639"/>
+            </a:xfrm>
+            <a:prstGeom prst="straightConnector1">
+              <a:avLst/>
+            </a:prstGeom>
+            <a:ln w="19050">
+              <a:headEnd type="none" w="med" len="med"/>
+              <a:tailEnd type="arrow" w="med" len="med"/>
+            </a:ln>
+          </p:spPr>
+          <p:style>
+            <a:lnRef idx="1">
+              <a:schemeClr val="dk1"/>
+            </a:lnRef>
+            <a:fillRef idx="0">
+              <a:schemeClr val="dk1"/>
+            </a:fillRef>
+            <a:effectRef idx="0">
+              <a:schemeClr val="dk1"/>
+            </a:effectRef>
+            <a:fontRef idx="minor">
+              <a:schemeClr val="tx1"/>
+            </a:fontRef>
+          </p:style>
+        </p:cxnSp>
+      </p:grpSp>
+      <p:sp>
+        <p:nvSpPr>
+          <p:cNvPr id="63" name="Rectangle 62">
+            <a:extLst>
+              <a:ext uri="{FF2B5EF4-FFF2-40B4-BE49-F238E27FC236}">
+                <a16:creationId xmlns:a16="http://schemas.microsoft.com/office/drawing/2014/main" id="{584C852C-65D7-4B5A-9D19-2328471527F0}"/>
+              </a:ext>
+            </a:extLst>
+          </p:cNvPr>
+          <p:cNvSpPr/>
+          <p:nvPr/>
+        </p:nvSpPr>
+        <p:spPr>
+          <a:xfrm>
+            <a:off x="895639" y="2702573"/>
+            <a:ext cx="1363963" cy="369332"/>
+          </a:xfrm>
+          <a:prstGeom prst="rect">
+            <a:avLst/>
+          </a:prstGeom>
+        </p:spPr>
+        <p:txBody>
+          <a:bodyPr wrap="none">
+            <a:spAutoFit/>
+          </a:bodyPr>
+          <a:lstStyle/>
+          <a:p>
+            <a:r>
+              <a:rPr lang="en-US" dirty="0"/>
+              <a:t>Press button</a:t>
+            </a:r>
+          </a:p>
+        </p:txBody>
+      </p:sp>
+      <p:sp>
+        <p:nvSpPr>
+          <p:cNvPr id="64" name="Oval 63">
+            <a:extLst>
+              <a:ext uri="{FF2B5EF4-FFF2-40B4-BE49-F238E27FC236}">
+                <a16:creationId xmlns:a16="http://schemas.microsoft.com/office/drawing/2014/main" id="{46DE6722-A1D5-4AB2-9C77-A16759152A19}"/>
+              </a:ext>
+            </a:extLst>
+          </p:cNvPr>
+          <p:cNvSpPr/>
+          <p:nvPr/>
+        </p:nvSpPr>
+        <p:spPr>
+          <a:xfrm>
+            <a:off x="2028323" y="653824"/>
+            <a:ext cx="202025" cy="211031"/>
+          </a:xfrm>
+          <a:prstGeom prst="ellipse">
+            <a:avLst/>
+          </a:prstGeom>
+          <a:ln w="19050"/>
+        </p:spPr>
+        <p:style>
+          <a:lnRef idx="2">
+            <a:schemeClr val="dk1"/>
+          </a:lnRef>
+          <a:fillRef idx="1">
+            <a:schemeClr val="lt1"/>
+          </a:fillRef>
+          <a:effectRef idx="0">
+            <a:schemeClr val="dk1"/>
+          </a:effectRef>
+          <a:fontRef idx="minor">
+            <a:schemeClr val="dk1"/>
+          </a:fontRef>
+        </p:style>
+        <p:txBody>
+          <a:bodyPr rtlCol="0" anchor="ctr"/>
+          <a:lstStyle/>
+          <a:p>
+            <a:pPr algn="ctr"/>
+            <a:r>
+              <a:rPr lang="en-US" b="1" dirty="0"/>
+              <a:t>1</a:t>
+            </a:r>
+          </a:p>
+        </p:txBody>
+      </p:sp>
+      <p:sp>
+        <p:nvSpPr>
+          <p:cNvPr id="65" name="Oval 64">
+            <a:extLst>
+              <a:ext uri="{FF2B5EF4-FFF2-40B4-BE49-F238E27FC236}">
+                <a16:creationId xmlns:a16="http://schemas.microsoft.com/office/drawing/2014/main" id="{0125F3B5-1148-43D4-882A-0DF929E7A72C}"/>
+              </a:ext>
+            </a:extLst>
+          </p:cNvPr>
+          <p:cNvSpPr/>
+          <p:nvPr/>
+        </p:nvSpPr>
+        <p:spPr>
+          <a:xfrm>
+            <a:off x="1275033" y="2166451"/>
+            <a:ext cx="202025" cy="211031"/>
+          </a:xfrm>
+          <a:prstGeom prst="ellipse">
+            <a:avLst/>
+          </a:prstGeom>
+          <a:ln w="19050"/>
+        </p:spPr>
+        <p:style>
+          <a:lnRef idx="2">
+            <a:schemeClr val="dk1"/>
+          </a:lnRef>
+          <a:fillRef idx="1">
+            <a:schemeClr val="lt1"/>
+          </a:fillRef>
+          <a:effectRef idx="0">
+            <a:schemeClr val="dk1"/>
+          </a:effectRef>
+          <a:fontRef idx="minor">
+            <a:schemeClr val="dk1"/>
+          </a:fontRef>
+        </p:style>
+        <p:txBody>
+          <a:bodyPr rtlCol="0" anchor="ctr"/>
+          <a:lstStyle/>
+          <a:p>
+            <a:pPr algn="ctr"/>
+            <a:r>
+              <a:rPr lang="en-US" b="1" dirty="0"/>
+              <a:t>2</a:t>
+            </a:r>
+          </a:p>
+        </p:txBody>
+      </p:sp>
+      <p:sp>
+        <p:nvSpPr>
+          <p:cNvPr id="66" name="Oval 65">
+            <a:extLst>
+              <a:ext uri="{FF2B5EF4-FFF2-40B4-BE49-F238E27FC236}">
+                <a16:creationId xmlns:a16="http://schemas.microsoft.com/office/drawing/2014/main" id="{34EFE8A0-0557-403D-8220-3FFEBED53628}"/>
+              </a:ext>
+            </a:extLst>
+          </p:cNvPr>
+          <p:cNvSpPr/>
+          <p:nvPr/>
+        </p:nvSpPr>
+        <p:spPr>
+          <a:xfrm>
+            <a:off x="425122" y="2812074"/>
+            <a:ext cx="202025" cy="211031"/>
+          </a:xfrm>
+          <a:prstGeom prst="ellipse">
+            <a:avLst/>
+          </a:prstGeom>
+          <a:ln w="19050"/>
+        </p:spPr>
+        <p:style>
+          <a:lnRef idx="2">
+            <a:schemeClr val="dk1"/>
+          </a:lnRef>
+          <a:fillRef idx="1">
+            <a:schemeClr val="lt1"/>
+          </a:fillRef>
+          <a:effectRef idx="0">
+            <a:schemeClr val="dk1"/>
+          </a:effectRef>
+          <a:fontRef idx="minor">
+            <a:schemeClr val="dk1"/>
+          </a:fontRef>
+        </p:style>
+        <p:txBody>
+          <a:bodyPr rtlCol="0" anchor="ctr"/>
+          <a:lstStyle/>
+          <a:p>
+            <a:pPr algn="ctr"/>
+            <a:r>
+              <a:rPr lang="en-US" b="1"/>
+              <a:t>3</a:t>
+            </a:r>
+            <a:endParaRPr lang="en-US" b="1" dirty="0"/>
+          </a:p>
+        </p:txBody>
+      </p:sp>
+      <p:sp>
+        <p:nvSpPr>
+          <p:cNvPr id="67" name="Oval 66">
+            <a:extLst>
+              <a:ext uri="{FF2B5EF4-FFF2-40B4-BE49-F238E27FC236}">
+                <a16:creationId xmlns:a16="http://schemas.microsoft.com/office/drawing/2014/main" id="{CAA97267-4855-45D8-8021-CC2CEA63AB7B}"/>
+              </a:ext>
+            </a:extLst>
+          </p:cNvPr>
+          <p:cNvSpPr/>
+          <p:nvPr/>
+        </p:nvSpPr>
+        <p:spPr>
+          <a:xfrm>
+            <a:off x="1533732" y="3551355"/>
+            <a:ext cx="202025" cy="211031"/>
+          </a:xfrm>
+          <a:prstGeom prst="ellipse">
+            <a:avLst/>
+          </a:prstGeom>
+          <a:ln w="19050"/>
+        </p:spPr>
+        <p:style>
+          <a:lnRef idx="2">
+            <a:schemeClr val="dk1"/>
+          </a:lnRef>
+          <a:fillRef idx="1">
+            <a:schemeClr val="lt1"/>
+          </a:fillRef>
+          <a:effectRef idx="0">
+            <a:schemeClr val="dk1"/>
+          </a:effectRef>
+          <a:fontRef idx="minor">
+            <a:schemeClr val="dk1"/>
+          </a:fontRef>
+        </p:style>
+        <p:txBody>
+          <a:bodyPr rtlCol="0" anchor="ctr"/>
+          <a:lstStyle/>
+          <a:p>
+            <a:pPr algn="ctr"/>
+            <a:r>
+              <a:rPr lang="en-US" b="1" dirty="0"/>
+              <a:t>4</a:t>
+            </a:r>
+          </a:p>
+        </p:txBody>
+      </p:sp>
+      <p:sp>
+        <p:nvSpPr>
+          <p:cNvPr id="68" name="Oval 67">
+            <a:extLst>
+              <a:ext uri="{FF2B5EF4-FFF2-40B4-BE49-F238E27FC236}">
+                <a16:creationId xmlns:a16="http://schemas.microsoft.com/office/drawing/2014/main" id="{A2928BA7-A065-492C-B9BC-6181F5EB1D07}"/>
+              </a:ext>
+            </a:extLst>
+          </p:cNvPr>
+          <p:cNvSpPr/>
+          <p:nvPr/>
+        </p:nvSpPr>
+        <p:spPr>
+          <a:xfrm>
+            <a:off x="3081154" y="4543653"/>
+            <a:ext cx="202025" cy="211031"/>
+          </a:xfrm>
+          <a:prstGeom prst="ellipse">
+            <a:avLst/>
+          </a:prstGeom>
+          <a:ln w="19050"/>
+        </p:spPr>
+        <p:style>
+          <a:lnRef idx="2">
+            <a:schemeClr val="dk1"/>
+          </a:lnRef>
+          <a:fillRef idx="1">
+            <a:schemeClr val="lt1"/>
+          </a:fillRef>
+          <a:effectRef idx="0">
+            <a:schemeClr val="dk1"/>
+          </a:effectRef>
+          <a:fontRef idx="minor">
+            <a:schemeClr val="dk1"/>
+          </a:fontRef>
+        </p:style>
+        <p:txBody>
+          <a:bodyPr rtlCol="0" anchor="ctr"/>
+          <a:lstStyle/>
+          <a:p>
+            <a:pPr algn="ctr"/>
+            <a:r>
+              <a:rPr lang="en-US" b="1" dirty="0"/>
+              <a:t>5</a:t>
+            </a:r>
+          </a:p>
+        </p:txBody>
+      </p:sp>
+      <p:sp>
+        <p:nvSpPr>
+          <p:cNvPr id="69" name="Oval 68">
+            <a:extLst>
+              <a:ext uri="{FF2B5EF4-FFF2-40B4-BE49-F238E27FC236}">
+                <a16:creationId xmlns:a16="http://schemas.microsoft.com/office/drawing/2014/main" id="{39A4E94E-3DB1-4262-B4B2-F63E78D791D8}"/>
+              </a:ext>
+            </a:extLst>
+          </p:cNvPr>
+          <p:cNvSpPr/>
+          <p:nvPr/>
+        </p:nvSpPr>
+        <p:spPr>
+          <a:xfrm>
+            <a:off x="2578039" y="5028402"/>
+            <a:ext cx="202025" cy="211031"/>
+          </a:xfrm>
+          <a:prstGeom prst="ellipse">
+            <a:avLst/>
+          </a:prstGeom>
+          <a:ln w="19050"/>
+        </p:spPr>
+        <p:style>
+          <a:lnRef idx="2">
+            <a:schemeClr val="dk1"/>
+          </a:lnRef>
+          <a:fillRef idx="1">
+            <a:schemeClr val="lt1"/>
+          </a:fillRef>
+          <a:effectRef idx="0">
+            <a:schemeClr val="dk1"/>
+          </a:effectRef>
+          <a:fontRef idx="minor">
+            <a:schemeClr val="dk1"/>
+          </a:fontRef>
+        </p:style>
+        <p:txBody>
+          <a:bodyPr rtlCol="0" anchor="ctr"/>
+          <a:lstStyle/>
+          <a:p>
+            <a:pPr algn="ctr"/>
+            <a:r>
+              <a:rPr lang="en-US" b="1" dirty="0"/>
+              <a:t>6</a:t>
+            </a:r>
+          </a:p>
+        </p:txBody>
+      </p:sp>
+      <p:pic>
+        <p:nvPicPr>
+          <p:cNvPr id="71" name="Picture 70">
+            <a:extLst>
+              <a:ext uri="{FF2B5EF4-FFF2-40B4-BE49-F238E27FC236}">
+                <a16:creationId xmlns:a16="http://schemas.microsoft.com/office/drawing/2014/main" id="{005559AE-5124-40DD-B2B5-CF139A287BA3}"/>
+              </a:ext>
+            </a:extLst>
+          </p:cNvPr>
+          <p:cNvPicPr>
+            <a:picLocks noChangeAspect="1"/>
+          </p:cNvPicPr>
+          <p:nvPr/>
+        </p:nvPicPr>
+        <p:blipFill>
+          <a:blip r:embed="rId4">
+            <a:extLst>
+              <a:ext uri="{28A0092B-C50C-407E-A947-70E740481C1C}">
+                <a14:useLocalDpi xmlns:a14="http://schemas.microsoft.com/office/drawing/2010/main" val="0"/>
+              </a:ext>
+            </a:extLst>
+          </a:blip>
+          <a:stretch>
+            <a:fillRect/>
+          </a:stretch>
+        </p:blipFill>
+        <p:spPr>
+          <a:xfrm>
+            <a:off x="3657316" y="110863"/>
+            <a:ext cx="663184" cy="663184"/>
+          </a:xfrm>
+          <a:prstGeom prst="rect">
+            <a:avLst/>
+          </a:prstGeom>
+        </p:spPr>
+      </p:pic>
+    </p:spTree>
+    <p:extLst>
+      <p:ext uri="{BB962C8B-B14F-4D97-AF65-F5344CB8AC3E}">
+        <p14:creationId xmlns:p14="http://schemas.microsoft.com/office/powerpoint/2010/main" val="171339356"/>
       </p:ext>
     </p:extLst>
   </p:cSld>

--- a/chapters/ProximiTEE/images_new/figs.pptx
+++ b/chapters/ProximiTEE/images_new/figs.pptx
@@ -9,6 +9,7 @@
     <p:sldId id="257" r:id="rId3"/>
     <p:sldId id="258" r:id="rId4"/>
     <p:sldId id="259" r:id="rId5"/>
+    <p:sldId id="345" r:id="rId6"/>
   </p:sldIdLst>
   <p:sldSz cx="12192000" cy="6858000"/>
   <p:notesSz cx="6858000" cy="9144000"/>
@@ -107,6 +108,11 @@
       </a:defRPr>
     </a:lvl9pPr>
   </p:defaultTextStyle>
+  <p:extLst>
+    <p:ext uri="{EFAFB233-063F-42B5-8137-9DF3F51BA10A}">
+      <p15:sldGuideLst xmlns:p15="http://schemas.microsoft.com/office/powerpoint/2012/main"/>
+    </p:ext>
+  </p:extLst>
 </p:presentation>
 </file>
 
@@ -257,7 +263,7 @@
           <a:p>
             <a:fld id="{4A6819D7-BF49-4B36-8485-C90B38BA0940}" type="datetimeFigureOut">
               <a:rPr lang="en-US" smtClean="0"/>
-              <a:t>1/23/2021</a:t>
+              <a:t>3/31/2021</a:t>
             </a:fld>
             <a:endParaRPr lang="en-US"/>
           </a:p>
@@ -455,7 +461,7 @@
           <a:p>
             <a:fld id="{4A6819D7-BF49-4B36-8485-C90B38BA0940}" type="datetimeFigureOut">
               <a:rPr lang="en-US" smtClean="0"/>
-              <a:t>1/23/2021</a:t>
+              <a:t>3/31/2021</a:t>
             </a:fld>
             <a:endParaRPr lang="en-US"/>
           </a:p>
@@ -663,7 +669,7 @@
           <a:p>
             <a:fld id="{4A6819D7-BF49-4B36-8485-C90B38BA0940}" type="datetimeFigureOut">
               <a:rPr lang="en-US" smtClean="0"/>
-              <a:t>1/23/2021</a:t>
+              <a:t>3/31/2021</a:t>
             </a:fld>
             <a:endParaRPr lang="en-US"/>
           </a:p>
@@ -861,7 +867,7 @@
           <a:p>
             <a:fld id="{4A6819D7-BF49-4B36-8485-C90B38BA0940}" type="datetimeFigureOut">
               <a:rPr lang="en-US" smtClean="0"/>
-              <a:t>1/23/2021</a:t>
+              <a:t>3/31/2021</a:t>
             </a:fld>
             <a:endParaRPr lang="en-US"/>
           </a:p>
@@ -1136,7 +1142,7 @@
           <a:p>
             <a:fld id="{4A6819D7-BF49-4B36-8485-C90B38BA0940}" type="datetimeFigureOut">
               <a:rPr lang="en-US" smtClean="0"/>
-              <a:t>1/23/2021</a:t>
+              <a:t>3/31/2021</a:t>
             </a:fld>
             <a:endParaRPr lang="en-US"/>
           </a:p>
@@ -1401,7 +1407,7 @@
           <a:p>
             <a:fld id="{4A6819D7-BF49-4B36-8485-C90B38BA0940}" type="datetimeFigureOut">
               <a:rPr lang="en-US" smtClean="0"/>
-              <a:t>1/23/2021</a:t>
+              <a:t>3/31/2021</a:t>
             </a:fld>
             <a:endParaRPr lang="en-US"/>
           </a:p>
@@ -1813,7 +1819,7 @@
           <a:p>
             <a:fld id="{4A6819D7-BF49-4B36-8485-C90B38BA0940}" type="datetimeFigureOut">
               <a:rPr lang="en-US" smtClean="0"/>
-              <a:t>1/23/2021</a:t>
+              <a:t>3/31/2021</a:t>
             </a:fld>
             <a:endParaRPr lang="en-US"/>
           </a:p>
@@ -1954,7 +1960,7 @@
           <a:p>
             <a:fld id="{4A6819D7-BF49-4B36-8485-C90B38BA0940}" type="datetimeFigureOut">
               <a:rPr lang="en-US" smtClean="0"/>
-              <a:t>1/23/2021</a:t>
+              <a:t>3/31/2021</a:t>
             </a:fld>
             <a:endParaRPr lang="en-US"/>
           </a:p>
@@ -2067,7 +2073,7 @@
           <a:p>
             <a:fld id="{4A6819D7-BF49-4B36-8485-C90B38BA0940}" type="datetimeFigureOut">
               <a:rPr lang="en-US" smtClean="0"/>
-              <a:t>1/23/2021</a:t>
+              <a:t>3/31/2021</a:t>
             </a:fld>
             <a:endParaRPr lang="en-US"/>
           </a:p>
@@ -2378,7 +2384,7 @@
           <a:p>
             <a:fld id="{4A6819D7-BF49-4B36-8485-C90B38BA0940}" type="datetimeFigureOut">
               <a:rPr lang="en-US" smtClean="0"/>
-              <a:t>1/23/2021</a:t>
+              <a:t>3/31/2021</a:t>
             </a:fld>
             <a:endParaRPr lang="en-US"/>
           </a:p>
@@ -2666,7 +2672,7 @@
           <a:p>
             <a:fld id="{4A6819D7-BF49-4B36-8485-C90B38BA0940}" type="datetimeFigureOut">
               <a:rPr lang="en-US" smtClean="0"/>
-              <a:t>1/23/2021</a:t>
+              <a:t>3/31/2021</a:t>
             </a:fld>
             <a:endParaRPr lang="en-US"/>
           </a:p>
@@ -2907,7 +2913,7 @@
           <a:p>
             <a:fld id="{4A6819D7-BF49-4B36-8485-C90B38BA0940}" type="datetimeFigureOut">
               <a:rPr lang="en-US" smtClean="0"/>
-              <a:t>1/23/2021</a:t>
+              <a:t>3/31/2021</a:t>
             </a:fld>
             <a:endParaRPr lang="en-US"/>
           </a:p>
@@ -13822,6 +13828,2415 @@
 </p:sld>
 </file>
 
+<file path=ppt/slides/slide5.xml><?xml version="1.0" encoding="utf-8"?>
+<p:sld xmlns:a="http://schemas.openxmlformats.org/drawingml/2006/main" xmlns:r="http://schemas.openxmlformats.org/officeDocument/2006/relationships" xmlns:p="http://schemas.openxmlformats.org/presentationml/2006/main">
+  <p:cSld>
+    <p:spTree>
+      <p:nvGrpSpPr>
+        <p:cNvPr id="1" name=""/>
+        <p:cNvGrpSpPr/>
+        <p:nvPr/>
+      </p:nvGrpSpPr>
+      <p:grpSpPr>
+        <a:xfrm>
+          <a:off x="0" y="0"/>
+          <a:ext cx="0" cy="0"/>
+          <a:chOff x="0" y="0"/>
+          <a:chExt cx="0" cy="0"/>
+        </a:xfrm>
+      </p:grpSpPr>
+      <p:cxnSp>
+        <p:nvCxnSpPr>
+          <p:cNvPr id="30" name="Straight Connector 29">
+            <a:extLst>
+              <a:ext uri="{FF2B5EF4-FFF2-40B4-BE49-F238E27FC236}">
+                <a16:creationId xmlns:a16="http://schemas.microsoft.com/office/drawing/2014/main" id="{3B1184A6-A487-465A-B5A7-51A55A407455}"/>
+              </a:ext>
+            </a:extLst>
+          </p:cNvPr>
+          <p:cNvCxnSpPr>
+            <a:cxnSpLocks/>
+            <a:stCxn id="24" idx="2"/>
+            <a:endCxn id="83" idx="0"/>
+          </p:cNvCxnSpPr>
+          <p:nvPr/>
+        </p:nvCxnSpPr>
+        <p:spPr>
+          <a:xfrm>
+            <a:off x="4904483" y="427191"/>
+            <a:ext cx="9052" cy="2962883"/>
+          </a:xfrm>
+          <a:prstGeom prst="line">
+            <a:avLst/>
+          </a:prstGeom>
+          <a:ln w="12700">
+            <a:solidFill>
+              <a:srgbClr val="F28A00"/>
+            </a:solidFill>
+            <a:prstDash val="sysDash"/>
+          </a:ln>
+        </p:spPr>
+        <p:style>
+          <a:lnRef idx="1">
+            <a:schemeClr val="accent2"/>
+          </a:lnRef>
+          <a:fillRef idx="0">
+            <a:schemeClr val="accent2"/>
+          </a:fillRef>
+          <a:effectRef idx="0">
+            <a:schemeClr val="accent2"/>
+          </a:effectRef>
+          <a:fontRef idx="minor">
+            <a:schemeClr val="tx1"/>
+          </a:fontRef>
+        </p:style>
+      </p:cxnSp>
+      <p:cxnSp>
+        <p:nvCxnSpPr>
+          <p:cNvPr id="5" name="Straight Arrow Connector 4">
+            <a:extLst>
+              <a:ext uri="{FF2B5EF4-FFF2-40B4-BE49-F238E27FC236}">
+                <a16:creationId xmlns:a16="http://schemas.microsoft.com/office/drawing/2014/main" id="{BB1A3B95-0A04-4CD0-A8D7-7F6009C1D026}"/>
+              </a:ext>
+            </a:extLst>
+          </p:cNvPr>
+          <p:cNvCxnSpPr>
+            <a:cxnSpLocks/>
+          </p:cNvCxnSpPr>
+          <p:nvPr/>
+        </p:nvCxnSpPr>
+        <p:spPr>
+          <a:xfrm>
+            <a:off x="2889316" y="165581"/>
+            <a:ext cx="0" cy="3500370"/>
+          </a:xfrm>
+          <a:prstGeom prst="straightConnector1">
+            <a:avLst/>
+          </a:prstGeom>
+          <a:ln w="12700">
+            <a:solidFill>
+              <a:schemeClr val="tx1"/>
+            </a:solidFill>
+            <a:tailEnd type="triangle"/>
+          </a:ln>
+        </p:spPr>
+        <p:style>
+          <a:lnRef idx="1">
+            <a:schemeClr val="accent1"/>
+          </a:lnRef>
+          <a:fillRef idx="0">
+            <a:schemeClr val="accent1"/>
+          </a:fillRef>
+          <a:effectRef idx="0">
+            <a:schemeClr val="accent1"/>
+          </a:effectRef>
+          <a:fontRef idx="minor">
+            <a:schemeClr val="tx1"/>
+          </a:fontRef>
+        </p:style>
+      </p:cxnSp>
+      <p:sp>
+        <p:nvSpPr>
+          <p:cNvPr id="7" name="TextBox 6">
+            <a:extLst>
+              <a:ext uri="{FF2B5EF4-FFF2-40B4-BE49-F238E27FC236}">
+                <a16:creationId xmlns:a16="http://schemas.microsoft.com/office/drawing/2014/main" id="{D9934F4D-8D97-4E6E-9949-A1574F4C1905}"/>
+              </a:ext>
+            </a:extLst>
+          </p:cNvPr>
+          <p:cNvSpPr txBox="1"/>
+          <p:nvPr/>
+        </p:nvSpPr>
+        <p:spPr>
+          <a:xfrm rot="16200000">
+            <a:off x="2587139" y="2166298"/>
+            <a:ext cx="546945" cy="307777"/>
+          </a:xfrm>
+          <a:prstGeom prst="rect">
+            <a:avLst/>
+          </a:prstGeom>
+          <a:solidFill>
+            <a:schemeClr val="bg1"/>
+          </a:solidFill>
+        </p:spPr>
+        <p:txBody>
+          <a:bodyPr wrap="none" rtlCol="0">
+            <a:spAutoFit/>
+          </a:bodyPr>
+          <a:lstStyle/>
+          <a:p>
+            <a:r>
+              <a:rPr lang="en-US" sz="1400" dirty="0"/>
+              <a:t>Time</a:t>
+            </a:r>
+          </a:p>
+        </p:txBody>
+      </p:sp>
+      <p:cxnSp>
+        <p:nvCxnSpPr>
+          <p:cNvPr id="9" name="Straight Connector 8">
+            <a:extLst>
+              <a:ext uri="{FF2B5EF4-FFF2-40B4-BE49-F238E27FC236}">
+                <a16:creationId xmlns:a16="http://schemas.microsoft.com/office/drawing/2014/main" id="{1405188C-B248-4117-A58E-67164A0614F6}"/>
+              </a:ext>
+            </a:extLst>
+          </p:cNvPr>
+          <p:cNvCxnSpPr>
+            <a:cxnSpLocks/>
+            <a:stCxn id="10" idx="2"/>
+            <a:endCxn id="58" idx="0"/>
+          </p:cNvCxnSpPr>
+          <p:nvPr/>
+        </p:nvCxnSpPr>
+        <p:spPr>
+          <a:xfrm flipH="1">
+            <a:off x="1324129" y="427191"/>
+            <a:ext cx="8012" cy="2962883"/>
+          </a:xfrm>
+          <a:prstGeom prst="line">
+            <a:avLst/>
+          </a:prstGeom>
+          <a:ln w="12700">
+            <a:solidFill>
+              <a:srgbClr val="F28A00"/>
+            </a:solidFill>
+            <a:prstDash val="sysDash"/>
+          </a:ln>
+        </p:spPr>
+        <p:style>
+          <a:lnRef idx="1">
+            <a:schemeClr val="accent2"/>
+          </a:lnRef>
+          <a:fillRef idx="0">
+            <a:schemeClr val="accent2"/>
+          </a:fillRef>
+          <a:effectRef idx="0">
+            <a:schemeClr val="accent2"/>
+          </a:effectRef>
+          <a:fontRef idx="minor">
+            <a:schemeClr val="tx1"/>
+          </a:fontRef>
+        </p:style>
+      </p:cxnSp>
+      <p:sp>
+        <p:nvSpPr>
+          <p:cNvPr id="10" name="TextBox 9">
+            <a:extLst>
+              <a:ext uri="{FF2B5EF4-FFF2-40B4-BE49-F238E27FC236}">
+                <a16:creationId xmlns:a16="http://schemas.microsoft.com/office/drawing/2014/main" id="{C8035BDA-8EB5-433B-BCB6-372D0012BCB3}"/>
+              </a:ext>
+            </a:extLst>
+          </p:cNvPr>
+          <p:cNvSpPr txBox="1"/>
+          <p:nvPr/>
+        </p:nvSpPr>
+        <p:spPr>
+          <a:xfrm>
+            <a:off x="742086" y="-96029"/>
+            <a:ext cx="1180109" cy="523220"/>
+          </a:xfrm>
+          <a:prstGeom prst="rect">
+            <a:avLst/>
+          </a:prstGeom>
+          <a:noFill/>
+        </p:spPr>
+        <p:txBody>
+          <a:bodyPr wrap="square" rtlCol="0">
+            <a:spAutoFit/>
+          </a:bodyPr>
+          <a:lstStyle/>
+          <a:p>
+            <a:pPr algn="ctr"/>
+            <a:r>
+              <a:rPr lang="en-US" sz="1400" dirty="0"/>
+              <a:t>Security</a:t>
+            </a:r>
+          </a:p>
+          <a:p>
+            <a:pPr algn="ctr"/>
+            <a:r>
+              <a:rPr lang="en-US" sz="1400" dirty="0"/>
+              <a:t>boundary</a:t>
+            </a:r>
+          </a:p>
+        </p:txBody>
+      </p:sp>
+      <p:cxnSp>
+        <p:nvCxnSpPr>
+          <p:cNvPr id="13" name="Straight Arrow Connector 12">
+            <a:extLst>
+              <a:ext uri="{FF2B5EF4-FFF2-40B4-BE49-F238E27FC236}">
+                <a16:creationId xmlns:a16="http://schemas.microsoft.com/office/drawing/2014/main" id="{C2CAE2C1-6E5B-4F17-903F-F5022B48CE2A}"/>
+              </a:ext>
+            </a:extLst>
+          </p:cNvPr>
+          <p:cNvCxnSpPr>
+            <a:cxnSpLocks/>
+          </p:cNvCxnSpPr>
+          <p:nvPr/>
+        </p:nvCxnSpPr>
+        <p:spPr>
+          <a:xfrm>
+            <a:off x="376150" y="769618"/>
+            <a:ext cx="960991" cy="146622"/>
+          </a:xfrm>
+          <a:prstGeom prst="straightConnector1">
+            <a:avLst/>
+          </a:prstGeom>
+          <a:ln w="12700">
+            <a:tailEnd type="triangle"/>
+          </a:ln>
+        </p:spPr>
+        <p:style>
+          <a:lnRef idx="1">
+            <a:schemeClr val="dk1"/>
+          </a:lnRef>
+          <a:fillRef idx="0">
+            <a:schemeClr val="dk1"/>
+          </a:fillRef>
+          <a:effectRef idx="0">
+            <a:schemeClr val="dk1"/>
+          </a:effectRef>
+          <a:fontRef idx="minor">
+            <a:schemeClr val="tx1"/>
+          </a:fontRef>
+        </p:style>
+      </p:cxnSp>
+      <p:sp>
+        <p:nvSpPr>
+          <p:cNvPr id="17" name="TextBox 16">
+            <a:extLst>
+              <a:ext uri="{FF2B5EF4-FFF2-40B4-BE49-F238E27FC236}">
+                <a16:creationId xmlns:a16="http://schemas.microsoft.com/office/drawing/2014/main" id="{B65AB612-2B9E-4A00-9E90-263D7C02645E}"/>
+              </a:ext>
+            </a:extLst>
+          </p:cNvPr>
+          <p:cNvSpPr txBox="1"/>
+          <p:nvPr/>
+        </p:nvSpPr>
+        <p:spPr>
+          <a:xfrm>
+            <a:off x="1693626" y="-94486"/>
+            <a:ext cx="1180109" cy="523220"/>
+          </a:xfrm>
+          <a:prstGeom prst="rect">
+            <a:avLst/>
+          </a:prstGeom>
+          <a:noFill/>
+        </p:spPr>
+        <p:txBody>
+          <a:bodyPr wrap="square" rtlCol="0">
+            <a:spAutoFit/>
+          </a:bodyPr>
+          <a:lstStyle/>
+          <a:p>
+            <a:pPr algn="ctr"/>
+            <a:r>
+              <a:rPr lang="en-US" sz="1400" dirty="0"/>
+              <a:t>Enclave</a:t>
+            </a:r>
+          </a:p>
+          <a:p>
+            <a:pPr algn="ctr"/>
+            <a:r>
+              <a:rPr lang="en-US" sz="1400" dirty="0"/>
+              <a:t>context</a:t>
+            </a:r>
+          </a:p>
+        </p:txBody>
+      </p:sp>
+      <p:sp>
+        <p:nvSpPr>
+          <p:cNvPr id="18" name="TextBox 17">
+            <a:extLst>
+              <a:ext uri="{FF2B5EF4-FFF2-40B4-BE49-F238E27FC236}">
+                <a16:creationId xmlns:a16="http://schemas.microsoft.com/office/drawing/2014/main" id="{624E3BDE-776D-47E4-8123-2FDCEBCF7214}"/>
+              </a:ext>
+            </a:extLst>
+          </p:cNvPr>
+          <p:cNvSpPr txBox="1"/>
+          <p:nvPr/>
+        </p:nvSpPr>
+        <p:spPr>
+          <a:xfrm>
+            <a:off x="-231843" y="-96029"/>
+            <a:ext cx="1180109" cy="523220"/>
+          </a:xfrm>
+          <a:prstGeom prst="rect">
+            <a:avLst/>
+          </a:prstGeom>
+          <a:noFill/>
+        </p:spPr>
+        <p:txBody>
+          <a:bodyPr wrap="square" rtlCol="0">
+            <a:spAutoFit/>
+          </a:bodyPr>
+          <a:lstStyle/>
+          <a:p>
+            <a:pPr algn="ctr"/>
+            <a:r>
+              <a:rPr lang="en-US" sz="1400" dirty="0"/>
+              <a:t>Untrusted</a:t>
+            </a:r>
+          </a:p>
+          <a:p>
+            <a:pPr algn="ctr"/>
+            <a:r>
+              <a:rPr lang="en-US" sz="1400" dirty="0"/>
+              <a:t>context</a:t>
+            </a:r>
+          </a:p>
+        </p:txBody>
+      </p:sp>
+      <p:cxnSp>
+        <p:nvCxnSpPr>
+          <p:cNvPr id="19" name="Straight Arrow Connector 18">
+            <a:extLst>
+              <a:ext uri="{FF2B5EF4-FFF2-40B4-BE49-F238E27FC236}">
+                <a16:creationId xmlns:a16="http://schemas.microsoft.com/office/drawing/2014/main" id="{0CCC95DD-AD75-4644-A8FC-0BB5E4B7DE6F}"/>
+              </a:ext>
+            </a:extLst>
+          </p:cNvPr>
+          <p:cNvCxnSpPr>
+            <a:cxnSpLocks/>
+          </p:cNvCxnSpPr>
+          <p:nvPr/>
+        </p:nvCxnSpPr>
+        <p:spPr>
+          <a:xfrm flipH="1">
+            <a:off x="1337141" y="1507141"/>
+            <a:ext cx="911599" cy="251941"/>
+          </a:xfrm>
+          <a:prstGeom prst="straightConnector1">
+            <a:avLst/>
+          </a:prstGeom>
+          <a:ln w="12700">
+            <a:tailEnd type="triangle"/>
+          </a:ln>
+        </p:spPr>
+        <p:style>
+          <a:lnRef idx="1">
+            <a:schemeClr val="dk1"/>
+          </a:lnRef>
+          <a:fillRef idx="0">
+            <a:schemeClr val="dk1"/>
+          </a:fillRef>
+          <a:effectRef idx="0">
+            <a:schemeClr val="dk1"/>
+          </a:effectRef>
+          <a:fontRef idx="minor">
+            <a:schemeClr val="tx1"/>
+          </a:fontRef>
+        </p:style>
+      </p:cxnSp>
+      <p:cxnSp>
+        <p:nvCxnSpPr>
+          <p:cNvPr id="29" name="Straight Arrow Connector 28">
+            <a:extLst>
+              <a:ext uri="{FF2B5EF4-FFF2-40B4-BE49-F238E27FC236}">
+                <a16:creationId xmlns:a16="http://schemas.microsoft.com/office/drawing/2014/main" id="{6A6CECA7-48C8-4334-A32C-C08B05166912}"/>
+              </a:ext>
+            </a:extLst>
+          </p:cNvPr>
+          <p:cNvCxnSpPr>
+            <a:cxnSpLocks/>
+          </p:cNvCxnSpPr>
+          <p:nvPr/>
+        </p:nvCxnSpPr>
+        <p:spPr>
+          <a:xfrm>
+            <a:off x="2237907" y="1052411"/>
+            <a:ext cx="0" cy="459566"/>
+          </a:xfrm>
+          <a:prstGeom prst="straightConnector1">
+            <a:avLst/>
+          </a:prstGeom>
+          <a:ln w="12700">
+            <a:solidFill>
+              <a:srgbClr val="00B050"/>
+            </a:solidFill>
+            <a:tailEnd type="triangle"/>
+          </a:ln>
+        </p:spPr>
+        <p:style>
+          <a:lnRef idx="1">
+            <a:schemeClr val="dk1"/>
+          </a:lnRef>
+          <a:fillRef idx="0">
+            <a:schemeClr val="dk1"/>
+          </a:fillRef>
+          <a:effectRef idx="0">
+            <a:schemeClr val="dk1"/>
+          </a:effectRef>
+          <a:fontRef idx="minor">
+            <a:schemeClr val="tx1"/>
+          </a:fontRef>
+        </p:style>
+      </p:cxnSp>
+      <p:cxnSp>
+        <p:nvCxnSpPr>
+          <p:cNvPr id="32" name="Straight Arrow Connector 31">
+            <a:extLst>
+              <a:ext uri="{FF2B5EF4-FFF2-40B4-BE49-F238E27FC236}">
+                <a16:creationId xmlns:a16="http://schemas.microsoft.com/office/drawing/2014/main" id="{9134A7AA-1667-40F2-B62B-D81141CE3A74}"/>
+              </a:ext>
+            </a:extLst>
+          </p:cNvPr>
+          <p:cNvCxnSpPr>
+            <a:cxnSpLocks/>
+          </p:cNvCxnSpPr>
+          <p:nvPr/>
+        </p:nvCxnSpPr>
+        <p:spPr>
+          <a:xfrm>
+            <a:off x="438875" y="2004314"/>
+            <a:ext cx="0" cy="459566"/>
+          </a:xfrm>
+          <a:prstGeom prst="straightConnector1">
+            <a:avLst/>
+          </a:prstGeom>
+          <a:ln w="12700">
+            <a:solidFill>
+              <a:srgbClr val="FF0000"/>
+            </a:solidFill>
+            <a:tailEnd type="triangle"/>
+          </a:ln>
+        </p:spPr>
+        <p:style>
+          <a:lnRef idx="1">
+            <a:schemeClr val="dk1"/>
+          </a:lnRef>
+          <a:fillRef idx="0">
+            <a:schemeClr val="dk1"/>
+          </a:fillRef>
+          <a:effectRef idx="0">
+            <a:schemeClr val="dk1"/>
+          </a:effectRef>
+          <a:fontRef idx="minor">
+            <a:schemeClr val="tx1"/>
+          </a:fontRef>
+        </p:style>
+      </p:cxnSp>
+      <p:sp>
+        <p:nvSpPr>
+          <p:cNvPr id="37" name="Oval 36">
+            <a:extLst>
+              <a:ext uri="{FF2B5EF4-FFF2-40B4-BE49-F238E27FC236}">
+                <a16:creationId xmlns:a16="http://schemas.microsoft.com/office/drawing/2014/main" id="{70C687BA-C455-495F-A5D3-B15273815D1B}"/>
+              </a:ext>
+            </a:extLst>
+          </p:cNvPr>
+          <p:cNvSpPr/>
+          <p:nvPr/>
+        </p:nvSpPr>
+        <p:spPr>
+          <a:xfrm>
+            <a:off x="1221372" y="791550"/>
+            <a:ext cx="231539" cy="231539"/>
+          </a:xfrm>
+          <a:prstGeom prst="ellipse">
+            <a:avLst/>
+          </a:prstGeom>
+          <a:noFill/>
+          <a:ln w="9525">
+            <a:solidFill>
+              <a:srgbClr val="FF0000"/>
+            </a:solidFill>
+          </a:ln>
+        </p:spPr>
+        <p:style>
+          <a:lnRef idx="2">
+            <a:schemeClr val="accent1">
+              <a:shade val="50000"/>
+            </a:schemeClr>
+          </a:lnRef>
+          <a:fillRef idx="1">
+            <a:schemeClr val="accent1"/>
+          </a:fillRef>
+          <a:effectRef idx="0">
+            <a:schemeClr val="accent1"/>
+          </a:effectRef>
+          <a:fontRef idx="minor">
+            <a:schemeClr val="lt1"/>
+          </a:fontRef>
+        </p:style>
+        <p:txBody>
+          <a:bodyPr rtlCol="0" anchor="ctr"/>
+          <a:lstStyle/>
+          <a:p>
+            <a:pPr algn="ctr"/>
+            <a:endParaRPr lang="en-US"/>
+          </a:p>
+        </p:txBody>
+      </p:sp>
+      <p:sp>
+        <p:nvSpPr>
+          <p:cNvPr id="38" name="Oval 37">
+            <a:extLst>
+              <a:ext uri="{FF2B5EF4-FFF2-40B4-BE49-F238E27FC236}">
+                <a16:creationId xmlns:a16="http://schemas.microsoft.com/office/drawing/2014/main" id="{413E9BF5-C58D-4A7D-855D-82B39B78438B}"/>
+              </a:ext>
+            </a:extLst>
+          </p:cNvPr>
+          <p:cNvSpPr/>
+          <p:nvPr/>
+        </p:nvSpPr>
+        <p:spPr>
+          <a:xfrm>
+            <a:off x="1221372" y="1653715"/>
+            <a:ext cx="231539" cy="231539"/>
+          </a:xfrm>
+          <a:prstGeom prst="ellipse">
+            <a:avLst/>
+          </a:prstGeom>
+          <a:noFill/>
+          <a:ln w="9525">
+            <a:solidFill>
+              <a:srgbClr val="FF0000"/>
+            </a:solidFill>
+          </a:ln>
+        </p:spPr>
+        <p:style>
+          <a:lnRef idx="2">
+            <a:schemeClr val="accent1">
+              <a:shade val="50000"/>
+            </a:schemeClr>
+          </a:lnRef>
+          <a:fillRef idx="1">
+            <a:schemeClr val="accent1"/>
+          </a:fillRef>
+          <a:effectRef idx="0">
+            <a:schemeClr val="accent1"/>
+          </a:effectRef>
+          <a:fontRef idx="minor">
+            <a:schemeClr val="lt1"/>
+          </a:fontRef>
+        </p:style>
+        <p:txBody>
+          <a:bodyPr rtlCol="0" anchor="ctr"/>
+          <a:lstStyle/>
+          <a:p>
+            <a:pPr algn="ctr"/>
+            <a:endParaRPr lang="en-US"/>
+          </a:p>
+        </p:txBody>
+      </p:sp>
+      <p:cxnSp>
+        <p:nvCxnSpPr>
+          <p:cNvPr id="46" name="Straight Arrow Connector 45">
+            <a:extLst>
+              <a:ext uri="{FF2B5EF4-FFF2-40B4-BE49-F238E27FC236}">
+                <a16:creationId xmlns:a16="http://schemas.microsoft.com/office/drawing/2014/main" id="{64CCEB20-A5DC-48BB-87AF-A66B85D9EAE2}"/>
+              </a:ext>
+            </a:extLst>
+          </p:cNvPr>
+          <p:cNvCxnSpPr>
+            <a:cxnSpLocks/>
+          </p:cNvCxnSpPr>
+          <p:nvPr/>
+        </p:nvCxnSpPr>
+        <p:spPr>
+          <a:xfrm>
+            <a:off x="404810" y="427191"/>
+            <a:ext cx="0" cy="373279"/>
+          </a:xfrm>
+          <a:prstGeom prst="straightConnector1">
+            <a:avLst/>
+          </a:prstGeom>
+          <a:ln w="12700">
+            <a:solidFill>
+              <a:srgbClr val="FF0000"/>
+            </a:solidFill>
+            <a:tailEnd type="triangle"/>
+          </a:ln>
+        </p:spPr>
+        <p:style>
+          <a:lnRef idx="1">
+            <a:schemeClr val="dk1"/>
+          </a:lnRef>
+          <a:fillRef idx="0">
+            <a:schemeClr val="dk1"/>
+          </a:fillRef>
+          <a:effectRef idx="0">
+            <a:schemeClr val="dk1"/>
+          </a:effectRef>
+          <a:fontRef idx="minor">
+            <a:schemeClr val="tx1"/>
+          </a:fontRef>
+        </p:style>
+      </p:cxnSp>
+      <p:cxnSp>
+        <p:nvCxnSpPr>
+          <p:cNvPr id="48" name="Straight Arrow Connector 47">
+            <a:extLst>
+              <a:ext uri="{FF2B5EF4-FFF2-40B4-BE49-F238E27FC236}">
+                <a16:creationId xmlns:a16="http://schemas.microsoft.com/office/drawing/2014/main" id="{F2B6C2C8-0895-4C82-BD85-E1CDE2813ED3}"/>
+              </a:ext>
+            </a:extLst>
+          </p:cNvPr>
+          <p:cNvCxnSpPr>
+            <a:cxnSpLocks/>
+          </p:cNvCxnSpPr>
+          <p:nvPr/>
+        </p:nvCxnSpPr>
+        <p:spPr>
+          <a:xfrm>
+            <a:off x="431739" y="2454289"/>
+            <a:ext cx="903085" cy="224162"/>
+          </a:xfrm>
+          <a:prstGeom prst="straightConnector1">
+            <a:avLst/>
+          </a:prstGeom>
+          <a:ln w="12700">
+            <a:tailEnd type="triangle"/>
+          </a:ln>
+        </p:spPr>
+        <p:style>
+          <a:lnRef idx="1">
+            <a:schemeClr val="dk1"/>
+          </a:lnRef>
+          <a:fillRef idx="0">
+            <a:schemeClr val="dk1"/>
+          </a:fillRef>
+          <a:effectRef idx="0">
+            <a:schemeClr val="dk1"/>
+          </a:effectRef>
+          <a:fontRef idx="minor">
+            <a:schemeClr val="tx1"/>
+          </a:fontRef>
+        </p:style>
+      </p:cxnSp>
+      <p:sp>
+        <p:nvSpPr>
+          <p:cNvPr id="50" name="Oval 49">
+            <a:extLst>
+              <a:ext uri="{FF2B5EF4-FFF2-40B4-BE49-F238E27FC236}">
+                <a16:creationId xmlns:a16="http://schemas.microsoft.com/office/drawing/2014/main" id="{C1FB0A6B-10DA-4C75-939F-1A0578FCE6CD}"/>
+              </a:ext>
+            </a:extLst>
+          </p:cNvPr>
+          <p:cNvSpPr/>
+          <p:nvPr/>
+        </p:nvSpPr>
+        <p:spPr>
+          <a:xfrm>
+            <a:off x="1208360" y="2558192"/>
+            <a:ext cx="231539" cy="231539"/>
+          </a:xfrm>
+          <a:prstGeom prst="ellipse">
+            <a:avLst/>
+          </a:prstGeom>
+          <a:noFill/>
+          <a:ln w="9525">
+            <a:solidFill>
+              <a:srgbClr val="FF0000"/>
+            </a:solidFill>
+          </a:ln>
+        </p:spPr>
+        <p:style>
+          <a:lnRef idx="2">
+            <a:schemeClr val="accent1">
+              <a:shade val="50000"/>
+            </a:schemeClr>
+          </a:lnRef>
+          <a:fillRef idx="1">
+            <a:schemeClr val="accent1"/>
+          </a:fillRef>
+          <a:effectRef idx="0">
+            <a:schemeClr val="accent1"/>
+          </a:effectRef>
+          <a:fontRef idx="minor">
+            <a:schemeClr val="lt1"/>
+          </a:fontRef>
+        </p:style>
+        <p:txBody>
+          <a:bodyPr rtlCol="0" anchor="ctr"/>
+          <a:lstStyle/>
+          <a:p>
+            <a:pPr algn="ctr"/>
+            <a:endParaRPr lang="en-US"/>
+          </a:p>
+        </p:txBody>
+      </p:sp>
+      <p:cxnSp>
+        <p:nvCxnSpPr>
+          <p:cNvPr id="51" name="Straight Arrow Connector 50">
+            <a:extLst>
+              <a:ext uri="{FF2B5EF4-FFF2-40B4-BE49-F238E27FC236}">
+                <a16:creationId xmlns:a16="http://schemas.microsoft.com/office/drawing/2014/main" id="{4A5A4994-31D1-4869-9AFA-0C0FFDF27B79}"/>
+              </a:ext>
+            </a:extLst>
+          </p:cNvPr>
+          <p:cNvCxnSpPr>
+            <a:cxnSpLocks/>
+          </p:cNvCxnSpPr>
+          <p:nvPr/>
+        </p:nvCxnSpPr>
+        <p:spPr>
+          <a:xfrm>
+            <a:off x="2184582" y="2894800"/>
+            <a:ext cx="0" cy="396815"/>
+          </a:xfrm>
+          <a:prstGeom prst="straightConnector1">
+            <a:avLst/>
+          </a:prstGeom>
+          <a:ln w="12700">
+            <a:solidFill>
+              <a:srgbClr val="00B050"/>
+            </a:solidFill>
+            <a:tailEnd type="triangle"/>
+          </a:ln>
+        </p:spPr>
+        <p:style>
+          <a:lnRef idx="1">
+            <a:schemeClr val="dk1"/>
+          </a:lnRef>
+          <a:fillRef idx="0">
+            <a:schemeClr val="dk1"/>
+          </a:fillRef>
+          <a:effectRef idx="0">
+            <a:schemeClr val="dk1"/>
+          </a:effectRef>
+          <a:fontRef idx="minor">
+            <a:schemeClr val="tx1"/>
+          </a:fontRef>
+        </p:style>
+      </p:cxnSp>
+      <p:sp>
+        <p:nvSpPr>
+          <p:cNvPr id="56" name="Rectangle 55">
+            <a:extLst>
+              <a:ext uri="{FF2B5EF4-FFF2-40B4-BE49-F238E27FC236}">
+                <a16:creationId xmlns:a16="http://schemas.microsoft.com/office/drawing/2014/main" id="{95143E2A-BA48-4C13-B2FB-CBC3966DBE79}"/>
+              </a:ext>
+            </a:extLst>
+          </p:cNvPr>
+          <p:cNvSpPr/>
+          <p:nvPr/>
+        </p:nvSpPr>
+        <p:spPr>
+          <a:xfrm>
+            <a:off x="365712" y="514419"/>
+            <a:ext cx="536814" cy="307777"/>
+          </a:xfrm>
+          <a:prstGeom prst="rect">
+            <a:avLst/>
+          </a:prstGeom>
+        </p:spPr>
+        <p:txBody>
+          <a:bodyPr wrap="none">
+            <a:spAutoFit/>
+          </a:bodyPr>
+          <a:lstStyle/>
+          <a:p>
+            <a:r>
+              <a:rPr lang="en-US" sz="1400" dirty="0" err="1"/>
+              <a:t>ECall</a:t>
+            </a:r>
+            <a:endParaRPr lang="en-US" sz="1400" dirty="0"/>
+          </a:p>
+        </p:txBody>
+      </p:sp>
+      <p:sp>
+        <p:nvSpPr>
+          <p:cNvPr id="57" name="Rectangle 56">
+            <a:extLst>
+              <a:ext uri="{FF2B5EF4-FFF2-40B4-BE49-F238E27FC236}">
+                <a16:creationId xmlns:a16="http://schemas.microsoft.com/office/drawing/2014/main" id="{89FCF8F8-5C67-4B4F-8898-5D205162937E}"/>
+              </a:ext>
+            </a:extLst>
+          </p:cNvPr>
+          <p:cNvSpPr/>
+          <p:nvPr/>
+        </p:nvSpPr>
+        <p:spPr>
+          <a:xfrm>
+            <a:off x="2217517" y="1340323"/>
+            <a:ext cx="569387" cy="307777"/>
+          </a:xfrm>
+          <a:prstGeom prst="rect">
+            <a:avLst/>
+          </a:prstGeom>
+        </p:spPr>
+        <p:txBody>
+          <a:bodyPr wrap="none">
+            <a:spAutoFit/>
+          </a:bodyPr>
+          <a:lstStyle/>
+          <a:p>
+            <a:r>
+              <a:rPr lang="en-US" sz="1400" dirty="0" err="1"/>
+              <a:t>OCall</a:t>
+            </a:r>
+            <a:endParaRPr lang="en-US" sz="1400" dirty="0"/>
+          </a:p>
+        </p:txBody>
+      </p:sp>
+      <p:sp>
+        <p:nvSpPr>
+          <p:cNvPr id="58" name="Rectangle 57">
+            <a:extLst>
+              <a:ext uri="{FF2B5EF4-FFF2-40B4-BE49-F238E27FC236}">
+                <a16:creationId xmlns:a16="http://schemas.microsoft.com/office/drawing/2014/main" id="{C74DCAB9-DC8B-4D70-912F-76F7A8167C4A}"/>
+              </a:ext>
+            </a:extLst>
+          </p:cNvPr>
+          <p:cNvSpPr/>
+          <p:nvPr/>
+        </p:nvSpPr>
+        <p:spPr>
+          <a:xfrm>
+            <a:off x="1105960" y="3390074"/>
+            <a:ext cx="436338" cy="369332"/>
+          </a:xfrm>
+          <a:prstGeom prst="rect">
+            <a:avLst/>
+          </a:prstGeom>
+        </p:spPr>
+        <p:txBody>
+          <a:bodyPr wrap="none">
+            <a:spAutoFit/>
+          </a:bodyPr>
+          <a:lstStyle/>
+          <a:p>
+            <a:r>
+              <a:rPr lang="en-US" dirty="0"/>
+              <a:t>(a)</a:t>
+            </a:r>
+          </a:p>
+        </p:txBody>
+      </p:sp>
+      <p:sp>
+        <p:nvSpPr>
+          <p:cNvPr id="24" name="TextBox 23">
+            <a:extLst>
+              <a:ext uri="{FF2B5EF4-FFF2-40B4-BE49-F238E27FC236}">
+                <a16:creationId xmlns:a16="http://schemas.microsoft.com/office/drawing/2014/main" id="{A7C92807-DAF0-4703-B1E8-F57856701306}"/>
+              </a:ext>
+            </a:extLst>
+          </p:cNvPr>
+          <p:cNvSpPr txBox="1"/>
+          <p:nvPr/>
+        </p:nvSpPr>
+        <p:spPr>
+          <a:xfrm>
+            <a:off x="4314428" y="-96029"/>
+            <a:ext cx="1180109" cy="523220"/>
+          </a:xfrm>
+          <a:prstGeom prst="rect">
+            <a:avLst/>
+          </a:prstGeom>
+          <a:noFill/>
+        </p:spPr>
+        <p:txBody>
+          <a:bodyPr wrap="square" rtlCol="0">
+            <a:spAutoFit/>
+          </a:bodyPr>
+          <a:lstStyle/>
+          <a:p>
+            <a:pPr algn="ctr"/>
+            <a:r>
+              <a:rPr lang="en-US" sz="1400" dirty="0"/>
+              <a:t>Security</a:t>
+            </a:r>
+          </a:p>
+          <a:p>
+            <a:pPr algn="ctr"/>
+            <a:r>
+              <a:rPr lang="en-US" sz="1400" dirty="0"/>
+              <a:t>boundary</a:t>
+            </a:r>
+          </a:p>
+        </p:txBody>
+      </p:sp>
+      <p:sp>
+        <p:nvSpPr>
+          <p:cNvPr id="25" name="TextBox 24">
+            <a:extLst>
+              <a:ext uri="{FF2B5EF4-FFF2-40B4-BE49-F238E27FC236}">
+                <a16:creationId xmlns:a16="http://schemas.microsoft.com/office/drawing/2014/main" id="{A73E2444-EC64-404A-B7C3-420FE4A2C978}"/>
+              </a:ext>
+            </a:extLst>
+          </p:cNvPr>
+          <p:cNvSpPr txBox="1"/>
+          <p:nvPr/>
+        </p:nvSpPr>
+        <p:spPr>
+          <a:xfrm>
+            <a:off x="5625901" y="-94486"/>
+            <a:ext cx="1180109" cy="523220"/>
+          </a:xfrm>
+          <a:prstGeom prst="rect">
+            <a:avLst/>
+          </a:prstGeom>
+          <a:noFill/>
+        </p:spPr>
+        <p:txBody>
+          <a:bodyPr wrap="square" rtlCol="0">
+            <a:spAutoFit/>
+          </a:bodyPr>
+          <a:lstStyle/>
+          <a:p>
+            <a:pPr algn="ctr"/>
+            <a:r>
+              <a:rPr lang="en-US" sz="1400" dirty="0"/>
+              <a:t>Enclave</a:t>
+            </a:r>
+          </a:p>
+          <a:p>
+            <a:pPr algn="ctr"/>
+            <a:r>
+              <a:rPr lang="en-US" sz="1400" dirty="0"/>
+              <a:t>context</a:t>
+            </a:r>
+          </a:p>
+        </p:txBody>
+      </p:sp>
+      <p:sp>
+        <p:nvSpPr>
+          <p:cNvPr id="26" name="TextBox 25">
+            <a:extLst>
+              <a:ext uri="{FF2B5EF4-FFF2-40B4-BE49-F238E27FC236}">
+                <a16:creationId xmlns:a16="http://schemas.microsoft.com/office/drawing/2014/main" id="{3CEBD65B-E6E2-4F97-835B-710E5F4A10C1}"/>
+              </a:ext>
+            </a:extLst>
+          </p:cNvPr>
+          <p:cNvSpPr txBox="1"/>
+          <p:nvPr/>
+        </p:nvSpPr>
+        <p:spPr>
+          <a:xfrm>
+            <a:off x="3001403" y="-96029"/>
+            <a:ext cx="1180109" cy="523220"/>
+          </a:xfrm>
+          <a:prstGeom prst="rect">
+            <a:avLst/>
+          </a:prstGeom>
+          <a:noFill/>
+        </p:spPr>
+        <p:txBody>
+          <a:bodyPr wrap="square" rtlCol="0">
+            <a:spAutoFit/>
+          </a:bodyPr>
+          <a:lstStyle/>
+          <a:p>
+            <a:pPr algn="ctr"/>
+            <a:r>
+              <a:rPr lang="en-US" sz="1400" dirty="0"/>
+              <a:t>Untrusted</a:t>
+            </a:r>
+          </a:p>
+          <a:p>
+            <a:pPr algn="ctr"/>
+            <a:r>
+              <a:rPr lang="en-US" sz="1400" dirty="0"/>
+              <a:t>context</a:t>
+            </a:r>
+          </a:p>
+        </p:txBody>
+      </p:sp>
+      <p:cxnSp>
+        <p:nvCxnSpPr>
+          <p:cNvPr id="27" name="Straight Arrow Connector 26">
+            <a:extLst>
+              <a:ext uri="{FF2B5EF4-FFF2-40B4-BE49-F238E27FC236}">
+                <a16:creationId xmlns:a16="http://schemas.microsoft.com/office/drawing/2014/main" id="{9E02BF74-9976-4397-A6CD-EE22E7060457}"/>
+              </a:ext>
+            </a:extLst>
+          </p:cNvPr>
+          <p:cNvCxnSpPr>
+            <a:cxnSpLocks/>
+          </p:cNvCxnSpPr>
+          <p:nvPr/>
+        </p:nvCxnSpPr>
+        <p:spPr>
+          <a:xfrm>
+            <a:off x="3638056" y="427191"/>
+            <a:ext cx="0" cy="373279"/>
+          </a:xfrm>
+          <a:prstGeom prst="straightConnector1">
+            <a:avLst/>
+          </a:prstGeom>
+          <a:ln w="12700">
+            <a:solidFill>
+              <a:srgbClr val="FF0000"/>
+            </a:solidFill>
+            <a:tailEnd type="triangle"/>
+          </a:ln>
+        </p:spPr>
+        <p:style>
+          <a:lnRef idx="1">
+            <a:schemeClr val="dk1"/>
+          </a:lnRef>
+          <a:fillRef idx="0">
+            <a:schemeClr val="dk1"/>
+          </a:fillRef>
+          <a:effectRef idx="0">
+            <a:schemeClr val="dk1"/>
+          </a:effectRef>
+          <a:fontRef idx="minor">
+            <a:schemeClr val="tx1"/>
+          </a:fontRef>
+        </p:style>
+      </p:cxnSp>
+      <p:sp>
+        <p:nvSpPr>
+          <p:cNvPr id="2" name="Rectangle 1">
+            <a:extLst>
+              <a:ext uri="{FF2B5EF4-FFF2-40B4-BE49-F238E27FC236}">
+                <a16:creationId xmlns:a16="http://schemas.microsoft.com/office/drawing/2014/main" id="{341E6F26-70FF-40BD-A576-90F0FBFBEE6A}"/>
+              </a:ext>
+            </a:extLst>
+          </p:cNvPr>
+          <p:cNvSpPr/>
+          <p:nvPr/>
+        </p:nvSpPr>
+        <p:spPr>
+          <a:xfrm>
+            <a:off x="3923439" y="474848"/>
+            <a:ext cx="1964434" cy="329852"/>
+          </a:xfrm>
+          <a:prstGeom prst="rect">
+            <a:avLst/>
+          </a:prstGeom>
+          <a:solidFill>
+            <a:schemeClr val="bg1"/>
+          </a:solidFill>
+          <a:ln w="12700">
+            <a:solidFill>
+              <a:schemeClr val="tx1"/>
+            </a:solidFill>
+          </a:ln>
+        </p:spPr>
+        <p:style>
+          <a:lnRef idx="2">
+            <a:schemeClr val="accent1">
+              <a:shade val="50000"/>
+            </a:schemeClr>
+          </a:lnRef>
+          <a:fillRef idx="1">
+            <a:schemeClr val="accent1"/>
+          </a:fillRef>
+          <a:effectRef idx="0">
+            <a:schemeClr val="accent1"/>
+          </a:effectRef>
+          <a:fontRef idx="minor">
+            <a:schemeClr val="lt1"/>
+          </a:fontRef>
+        </p:style>
+        <p:txBody>
+          <a:bodyPr rtlCol="0" anchor="ctr"/>
+          <a:lstStyle/>
+          <a:p>
+            <a:pPr algn="ctr"/>
+            <a:r>
+              <a:rPr lang="en-US" dirty="0">
+                <a:solidFill>
+                  <a:schemeClr val="tx1"/>
+                </a:solidFill>
+              </a:rPr>
+              <a:t>Shared memory</a:t>
+            </a:r>
+          </a:p>
+        </p:txBody>
+      </p:sp>
+      <p:cxnSp>
+        <p:nvCxnSpPr>
+          <p:cNvPr id="33" name="Straight Arrow Connector 32">
+            <a:extLst>
+              <a:ext uri="{FF2B5EF4-FFF2-40B4-BE49-F238E27FC236}">
+                <a16:creationId xmlns:a16="http://schemas.microsoft.com/office/drawing/2014/main" id="{454A5A4D-54BC-462D-B25D-F3252651C874}"/>
+              </a:ext>
+            </a:extLst>
+          </p:cNvPr>
+          <p:cNvCxnSpPr>
+            <a:cxnSpLocks/>
+          </p:cNvCxnSpPr>
+          <p:nvPr/>
+        </p:nvCxnSpPr>
+        <p:spPr>
+          <a:xfrm>
+            <a:off x="3638056" y="778075"/>
+            <a:ext cx="1296354" cy="305114"/>
+          </a:xfrm>
+          <a:prstGeom prst="straightConnector1">
+            <a:avLst/>
+          </a:prstGeom>
+          <a:ln w="12700">
+            <a:tailEnd type="triangle"/>
+          </a:ln>
+        </p:spPr>
+        <p:style>
+          <a:lnRef idx="1">
+            <a:schemeClr val="dk1"/>
+          </a:lnRef>
+          <a:fillRef idx="0">
+            <a:schemeClr val="dk1"/>
+          </a:fillRef>
+          <a:effectRef idx="0">
+            <a:schemeClr val="dk1"/>
+          </a:effectRef>
+          <a:fontRef idx="minor">
+            <a:schemeClr val="tx1"/>
+          </a:fontRef>
+        </p:style>
+      </p:cxnSp>
+      <p:cxnSp>
+        <p:nvCxnSpPr>
+          <p:cNvPr id="40" name="Straight Arrow Connector 39">
+            <a:extLst>
+              <a:ext uri="{FF2B5EF4-FFF2-40B4-BE49-F238E27FC236}">
+                <a16:creationId xmlns:a16="http://schemas.microsoft.com/office/drawing/2014/main" id="{7173DED7-1CF3-4D7D-B0E7-0F7B331E4B41}"/>
+              </a:ext>
+            </a:extLst>
+          </p:cNvPr>
+          <p:cNvCxnSpPr>
+            <a:cxnSpLocks/>
+          </p:cNvCxnSpPr>
+          <p:nvPr/>
+        </p:nvCxnSpPr>
+        <p:spPr>
+          <a:xfrm>
+            <a:off x="4904482" y="1083189"/>
+            <a:ext cx="1296354" cy="305114"/>
+          </a:xfrm>
+          <a:prstGeom prst="straightConnector1">
+            <a:avLst/>
+          </a:prstGeom>
+          <a:ln w="12700">
+            <a:tailEnd type="triangle"/>
+          </a:ln>
+        </p:spPr>
+        <p:style>
+          <a:lnRef idx="1">
+            <a:schemeClr val="dk1"/>
+          </a:lnRef>
+          <a:fillRef idx="0">
+            <a:schemeClr val="dk1"/>
+          </a:fillRef>
+          <a:effectRef idx="0">
+            <a:schemeClr val="dk1"/>
+          </a:effectRef>
+          <a:fontRef idx="minor">
+            <a:schemeClr val="tx1"/>
+          </a:fontRef>
+        </p:style>
+      </p:cxnSp>
+      <p:cxnSp>
+        <p:nvCxnSpPr>
+          <p:cNvPr id="41" name="Straight Arrow Connector 40">
+            <a:extLst>
+              <a:ext uri="{FF2B5EF4-FFF2-40B4-BE49-F238E27FC236}">
+                <a16:creationId xmlns:a16="http://schemas.microsoft.com/office/drawing/2014/main" id="{A614194A-1B0D-4564-AEE1-A706CA09012B}"/>
+              </a:ext>
+            </a:extLst>
+          </p:cNvPr>
+          <p:cNvCxnSpPr>
+            <a:cxnSpLocks/>
+          </p:cNvCxnSpPr>
+          <p:nvPr/>
+        </p:nvCxnSpPr>
+        <p:spPr>
+          <a:xfrm>
+            <a:off x="6200836" y="1388303"/>
+            <a:ext cx="0" cy="323587"/>
+          </a:xfrm>
+          <a:prstGeom prst="straightConnector1">
+            <a:avLst/>
+          </a:prstGeom>
+          <a:ln w="12700">
+            <a:solidFill>
+              <a:srgbClr val="00B050"/>
+            </a:solidFill>
+            <a:tailEnd type="triangle"/>
+          </a:ln>
+        </p:spPr>
+        <p:style>
+          <a:lnRef idx="1">
+            <a:schemeClr val="dk1"/>
+          </a:lnRef>
+          <a:fillRef idx="0">
+            <a:schemeClr val="dk1"/>
+          </a:fillRef>
+          <a:effectRef idx="0">
+            <a:schemeClr val="dk1"/>
+          </a:effectRef>
+          <a:fontRef idx="minor">
+            <a:schemeClr val="tx1"/>
+          </a:fontRef>
+        </p:style>
+      </p:cxnSp>
+      <p:sp>
+        <p:nvSpPr>
+          <p:cNvPr id="42" name="Rectangle 41">
+            <a:extLst>
+              <a:ext uri="{FF2B5EF4-FFF2-40B4-BE49-F238E27FC236}">
+                <a16:creationId xmlns:a16="http://schemas.microsoft.com/office/drawing/2014/main" id="{9D1C1B0C-F1B0-45D2-A8B5-D3458322DF66}"/>
+              </a:ext>
+            </a:extLst>
+          </p:cNvPr>
+          <p:cNvSpPr/>
+          <p:nvPr/>
+        </p:nvSpPr>
+        <p:spPr>
+          <a:xfrm>
+            <a:off x="3923439" y="1658626"/>
+            <a:ext cx="1964434" cy="329852"/>
+          </a:xfrm>
+          <a:prstGeom prst="rect">
+            <a:avLst/>
+          </a:prstGeom>
+          <a:solidFill>
+            <a:schemeClr val="bg1"/>
+          </a:solidFill>
+          <a:ln w="12700">
+            <a:solidFill>
+              <a:schemeClr val="tx1"/>
+            </a:solidFill>
+          </a:ln>
+        </p:spPr>
+        <p:style>
+          <a:lnRef idx="2">
+            <a:schemeClr val="accent1">
+              <a:shade val="50000"/>
+            </a:schemeClr>
+          </a:lnRef>
+          <a:fillRef idx="1">
+            <a:schemeClr val="accent1"/>
+          </a:fillRef>
+          <a:effectRef idx="0">
+            <a:schemeClr val="accent1"/>
+          </a:effectRef>
+          <a:fontRef idx="minor">
+            <a:schemeClr val="lt1"/>
+          </a:fontRef>
+        </p:style>
+        <p:txBody>
+          <a:bodyPr rtlCol="0" anchor="ctr"/>
+          <a:lstStyle/>
+          <a:p>
+            <a:pPr algn="ctr"/>
+            <a:r>
+              <a:rPr lang="en-US" sz="1300" dirty="0">
+                <a:solidFill>
+                  <a:schemeClr val="tx1"/>
+                </a:solidFill>
+              </a:rPr>
+              <a:t>Request, </a:t>
+            </a:r>
+            <a:r>
+              <a:rPr lang="en-US" sz="1300" dirty="0" err="1">
+                <a:solidFill>
+                  <a:schemeClr val="tx1"/>
+                </a:solidFill>
+              </a:rPr>
+              <a:t>FunctionID</a:t>
+            </a:r>
+            <a:r>
+              <a:rPr lang="en-US" sz="1300" dirty="0">
+                <a:solidFill>
+                  <a:schemeClr val="tx1"/>
+                </a:solidFill>
+              </a:rPr>
+              <a:t>, </a:t>
+            </a:r>
+            <a:r>
+              <a:rPr lang="en-US" sz="1300" dirty="0" err="1">
+                <a:solidFill>
+                  <a:schemeClr val="tx1"/>
+                </a:solidFill>
+              </a:rPr>
+              <a:t>args</a:t>
+            </a:r>
+            <a:endParaRPr lang="en-US" sz="1300" dirty="0">
+              <a:solidFill>
+                <a:schemeClr val="tx1"/>
+              </a:solidFill>
+            </a:endParaRPr>
+          </a:p>
+        </p:txBody>
+      </p:sp>
+      <p:cxnSp>
+        <p:nvCxnSpPr>
+          <p:cNvPr id="43" name="Straight Arrow Connector 42">
+            <a:extLst>
+              <a:ext uri="{FF2B5EF4-FFF2-40B4-BE49-F238E27FC236}">
+                <a16:creationId xmlns:a16="http://schemas.microsoft.com/office/drawing/2014/main" id="{64FE28C7-4FEE-474C-8902-94322E339EB8}"/>
+              </a:ext>
+            </a:extLst>
+          </p:cNvPr>
+          <p:cNvCxnSpPr>
+            <a:cxnSpLocks/>
+            <a:endCxn id="42" idx="3"/>
+          </p:cNvCxnSpPr>
+          <p:nvPr/>
+        </p:nvCxnSpPr>
+        <p:spPr>
+          <a:xfrm flipH="1">
+            <a:off x="5887873" y="1726236"/>
+            <a:ext cx="312964" cy="97316"/>
+          </a:xfrm>
+          <a:prstGeom prst="straightConnector1">
+            <a:avLst/>
+          </a:prstGeom>
+          <a:ln w="12700">
+            <a:tailEnd type="triangle"/>
+          </a:ln>
+        </p:spPr>
+        <p:style>
+          <a:lnRef idx="1">
+            <a:schemeClr val="dk1"/>
+          </a:lnRef>
+          <a:fillRef idx="0">
+            <a:schemeClr val="dk1"/>
+          </a:fillRef>
+          <a:effectRef idx="0">
+            <a:schemeClr val="dk1"/>
+          </a:effectRef>
+          <a:fontRef idx="minor">
+            <a:schemeClr val="tx1"/>
+          </a:fontRef>
+        </p:style>
+      </p:cxnSp>
+      <p:cxnSp>
+        <p:nvCxnSpPr>
+          <p:cNvPr id="52" name="Straight Arrow Connector 51">
+            <a:extLst>
+              <a:ext uri="{FF2B5EF4-FFF2-40B4-BE49-F238E27FC236}">
+                <a16:creationId xmlns:a16="http://schemas.microsoft.com/office/drawing/2014/main" id="{F4FB0A9F-ED59-43DF-AFEB-33D107F28F6E}"/>
+              </a:ext>
+            </a:extLst>
+          </p:cNvPr>
+          <p:cNvCxnSpPr>
+            <a:cxnSpLocks/>
+            <a:stCxn id="42" idx="1"/>
+          </p:cNvCxnSpPr>
+          <p:nvPr/>
+        </p:nvCxnSpPr>
+        <p:spPr>
+          <a:xfrm flipH="1">
+            <a:off x="3622869" y="1823552"/>
+            <a:ext cx="300570" cy="127813"/>
+          </a:xfrm>
+          <a:prstGeom prst="straightConnector1">
+            <a:avLst/>
+          </a:prstGeom>
+          <a:ln w="12700">
+            <a:tailEnd type="triangle"/>
+          </a:ln>
+        </p:spPr>
+        <p:style>
+          <a:lnRef idx="1">
+            <a:schemeClr val="dk1"/>
+          </a:lnRef>
+          <a:fillRef idx="0">
+            <a:schemeClr val="dk1"/>
+          </a:fillRef>
+          <a:effectRef idx="0">
+            <a:schemeClr val="dk1"/>
+          </a:effectRef>
+          <a:fontRef idx="minor">
+            <a:schemeClr val="tx1"/>
+          </a:fontRef>
+        </p:style>
+      </p:cxnSp>
+      <p:cxnSp>
+        <p:nvCxnSpPr>
+          <p:cNvPr id="53" name="Straight Arrow Connector 52">
+            <a:extLst>
+              <a:ext uri="{FF2B5EF4-FFF2-40B4-BE49-F238E27FC236}">
+                <a16:creationId xmlns:a16="http://schemas.microsoft.com/office/drawing/2014/main" id="{C48654CE-6C49-4994-B94A-B71C954734BC}"/>
+              </a:ext>
+            </a:extLst>
+          </p:cNvPr>
+          <p:cNvCxnSpPr>
+            <a:cxnSpLocks/>
+          </p:cNvCxnSpPr>
+          <p:nvPr/>
+        </p:nvCxnSpPr>
+        <p:spPr>
+          <a:xfrm>
+            <a:off x="3638056" y="1961257"/>
+            <a:ext cx="0" cy="373279"/>
+          </a:xfrm>
+          <a:prstGeom prst="straightConnector1">
+            <a:avLst/>
+          </a:prstGeom>
+          <a:ln w="12700">
+            <a:solidFill>
+              <a:srgbClr val="FF0000"/>
+            </a:solidFill>
+            <a:tailEnd type="triangle"/>
+          </a:ln>
+        </p:spPr>
+        <p:style>
+          <a:lnRef idx="1">
+            <a:schemeClr val="dk1"/>
+          </a:lnRef>
+          <a:fillRef idx="0">
+            <a:schemeClr val="dk1"/>
+          </a:fillRef>
+          <a:effectRef idx="0">
+            <a:schemeClr val="dk1"/>
+          </a:effectRef>
+          <a:fontRef idx="minor">
+            <a:schemeClr val="tx1"/>
+          </a:fontRef>
+        </p:style>
+      </p:cxnSp>
+      <p:sp>
+        <p:nvSpPr>
+          <p:cNvPr id="54" name="Rectangle 53">
+            <a:extLst>
+              <a:ext uri="{FF2B5EF4-FFF2-40B4-BE49-F238E27FC236}">
+                <a16:creationId xmlns:a16="http://schemas.microsoft.com/office/drawing/2014/main" id="{A29612D7-04B8-48A4-8DAC-DBA1037F43F1}"/>
+              </a:ext>
+            </a:extLst>
+          </p:cNvPr>
+          <p:cNvSpPr/>
+          <p:nvPr/>
+        </p:nvSpPr>
+        <p:spPr>
+          <a:xfrm>
+            <a:off x="3923439" y="2263807"/>
+            <a:ext cx="1964434" cy="329852"/>
+          </a:xfrm>
+          <a:prstGeom prst="rect">
+            <a:avLst/>
+          </a:prstGeom>
+          <a:solidFill>
+            <a:schemeClr val="bg1"/>
+          </a:solidFill>
+          <a:ln w="12700">
+            <a:solidFill>
+              <a:schemeClr val="tx1"/>
+            </a:solidFill>
+          </a:ln>
+        </p:spPr>
+        <p:style>
+          <a:lnRef idx="2">
+            <a:schemeClr val="accent1">
+              <a:shade val="50000"/>
+            </a:schemeClr>
+          </a:lnRef>
+          <a:fillRef idx="1">
+            <a:schemeClr val="accent1"/>
+          </a:fillRef>
+          <a:effectRef idx="0">
+            <a:schemeClr val="accent1"/>
+          </a:effectRef>
+          <a:fontRef idx="minor">
+            <a:schemeClr val="lt1"/>
+          </a:fontRef>
+        </p:style>
+        <p:txBody>
+          <a:bodyPr rtlCol="0" anchor="ctr"/>
+          <a:lstStyle/>
+          <a:p>
+            <a:pPr algn="ctr"/>
+            <a:r>
+              <a:rPr lang="en-US" sz="1300" dirty="0">
+                <a:solidFill>
+                  <a:schemeClr val="tx1"/>
+                </a:solidFill>
+              </a:rPr>
+              <a:t>Return values</a:t>
+            </a:r>
+          </a:p>
+        </p:txBody>
+      </p:sp>
+      <p:cxnSp>
+        <p:nvCxnSpPr>
+          <p:cNvPr id="55" name="Straight Arrow Connector 54">
+            <a:extLst>
+              <a:ext uri="{FF2B5EF4-FFF2-40B4-BE49-F238E27FC236}">
+                <a16:creationId xmlns:a16="http://schemas.microsoft.com/office/drawing/2014/main" id="{EDCDC93B-1EB2-457E-8DA8-D90EA1A61B2D}"/>
+              </a:ext>
+            </a:extLst>
+          </p:cNvPr>
+          <p:cNvCxnSpPr>
+            <a:cxnSpLocks/>
+            <a:endCxn id="54" idx="1"/>
+          </p:cNvCxnSpPr>
+          <p:nvPr/>
+        </p:nvCxnSpPr>
+        <p:spPr>
+          <a:xfrm>
+            <a:off x="3636363" y="2334536"/>
+            <a:ext cx="287076" cy="94197"/>
+          </a:xfrm>
+          <a:prstGeom prst="straightConnector1">
+            <a:avLst/>
+          </a:prstGeom>
+          <a:ln w="12700">
+            <a:tailEnd type="triangle"/>
+          </a:ln>
+        </p:spPr>
+        <p:style>
+          <a:lnRef idx="1">
+            <a:schemeClr val="dk1"/>
+          </a:lnRef>
+          <a:fillRef idx="0">
+            <a:schemeClr val="dk1"/>
+          </a:fillRef>
+          <a:effectRef idx="0">
+            <a:schemeClr val="dk1"/>
+          </a:effectRef>
+          <a:fontRef idx="minor">
+            <a:schemeClr val="tx1"/>
+          </a:fontRef>
+        </p:style>
+      </p:cxnSp>
+      <p:cxnSp>
+        <p:nvCxnSpPr>
+          <p:cNvPr id="59" name="Straight Arrow Connector 58">
+            <a:extLst>
+              <a:ext uri="{FF2B5EF4-FFF2-40B4-BE49-F238E27FC236}">
+                <a16:creationId xmlns:a16="http://schemas.microsoft.com/office/drawing/2014/main" id="{AA5EFF5D-0540-4646-80A7-4F52346CEA30}"/>
+              </a:ext>
+            </a:extLst>
+          </p:cNvPr>
+          <p:cNvCxnSpPr>
+            <a:cxnSpLocks/>
+          </p:cNvCxnSpPr>
+          <p:nvPr/>
+        </p:nvCxnSpPr>
+        <p:spPr>
+          <a:xfrm>
+            <a:off x="5883834" y="2403866"/>
+            <a:ext cx="287076" cy="94197"/>
+          </a:xfrm>
+          <a:prstGeom prst="straightConnector1">
+            <a:avLst/>
+          </a:prstGeom>
+          <a:ln w="12700">
+            <a:tailEnd type="triangle"/>
+          </a:ln>
+        </p:spPr>
+        <p:style>
+          <a:lnRef idx="1">
+            <a:schemeClr val="dk1"/>
+          </a:lnRef>
+          <a:fillRef idx="0">
+            <a:schemeClr val="dk1"/>
+          </a:fillRef>
+          <a:effectRef idx="0">
+            <a:schemeClr val="dk1"/>
+          </a:effectRef>
+          <a:fontRef idx="minor">
+            <a:schemeClr val="tx1"/>
+          </a:fontRef>
+        </p:style>
+      </p:cxnSp>
+      <p:cxnSp>
+        <p:nvCxnSpPr>
+          <p:cNvPr id="60" name="Straight Arrow Connector 59">
+            <a:extLst>
+              <a:ext uri="{FF2B5EF4-FFF2-40B4-BE49-F238E27FC236}">
+                <a16:creationId xmlns:a16="http://schemas.microsoft.com/office/drawing/2014/main" id="{189C9DE5-859C-4368-81A1-01703F74CB07}"/>
+              </a:ext>
+            </a:extLst>
+          </p:cNvPr>
+          <p:cNvCxnSpPr>
+            <a:cxnSpLocks/>
+          </p:cNvCxnSpPr>
+          <p:nvPr/>
+        </p:nvCxnSpPr>
+        <p:spPr>
+          <a:xfrm>
+            <a:off x="6170910" y="2498063"/>
+            <a:ext cx="0" cy="458921"/>
+          </a:xfrm>
+          <a:prstGeom prst="straightConnector1">
+            <a:avLst/>
+          </a:prstGeom>
+          <a:ln w="12700">
+            <a:solidFill>
+              <a:srgbClr val="00B050"/>
+            </a:solidFill>
+            <a:tailEnd type="triangle"/>
+          </a:ln>
+        </p:spPr>
+        <p:style>
+          <a:lnRef idx="1">
+            <a:schemeClr val="dk1"/>
+          </a:lnRef>
+          <a:fillRef idx="0">
+            <a:schemeClr val="dk1"/>
+          </a:fillRef>
+          <a:effectRef idx="0">
+            <a:schemeClr val="dk1"/>
+          </a:effectRef>
+          <a:fontRef idx="minor">
+            <a:schemeClr val="tx1"/>
+          </a:fontRef>
+        </p:style>
+      </p:cxnSp>
+      <p:sp>
+        <p:nvSpPr>
+          <p:cNvPr id="44" name="Arrow: Curved Left 43">
+            <a:extLst>
+              <a:ext uri="{FF2B5EF4-FFF2-40B4-BE49-F238E27FC236}">
+                <a16:creationId xmlns:a16="http://schemas.microsoft.com/office/drawing/2014/main" id="{F5BE5B79-BEDB-4955-AE26-278F27191394}"/>
+              </a:ext>
+            </a:extLst>
+          </p:cNvPr>
+          <p:cNvSpPr/>
+          <p:nvPr/>
+        </p:nvSpPr>
+        <p:spPr>
+          <a:xfrm flipH="1">
+            <a:off x="6044354" y="1830644"/>
+            <a:ext cx="505205" cy="241441"/>
+          </a:xfrm>
+          <a:prstGeom prst="curvedLeftArrow">
+            <a:avLst>
+              <a:gd name="adj1" fmla="val 11942"/>
+              <a:gd name="adj2" fmla="val 29284"/>
+              <a:gd name="adj3" fmla="val 49884"/>
+            </a:avLst>
+          </a:prstGeom>
+          <a:solidFill>
+            <a:srgbClr val="00B050"/>
+          </a:solidFill>
+          <a:ln>
+            <a:noFill/>
+          </a:ln>
+        </p:spPr>
+        <p:style>
+          <a:lnRef idx="2">
+            <a:schemeClr val="accent1">
+              <a:shade val="50000"/>
+            </a:schemeClr>
+          </a:lnRef>
+          <a:fillRef idx="1">
+            <a:schemeClr val="accent1"/>
+          </a:fillRef>
+          <a:effectRef idx="0">
+            <a:schemeClr val="accent1"/>
+          </a:effectRef>
+          <a:fontRef idx="minor">
+            <a:schemeClr val="lt1"/>
+          </a:fontRef>
+        </p:style>
+        <p:txBody>
+          <a:bodyPr rtlCol="0" anchor="ctr"/>
+          <a:lstStyle/>
+          <a:p>
+            <a:pPr algn="ctr"/>
+            <a:endParaRPr lang="en-US">
+              <a:solidFill>
+                <a:schemeClr val="tx1"/>
+              </a:solidFill>
+            </a:endParaRPr>
+          </a:p>
+        </p:txBody>
+      </p:sp>
+      <p:sp>
+        <p:nvSpPr>
+          <p:cNvPr id="61" name="Arrow: Curved Left 60">
+            <a:extLst>
+              <a:ext uri="{FF2B5EF4-FFF2-40B4-BE49-F238E27FC236}">
+                <a16:creationId xmlns:a16="http://schemas.microsoft.com/office/drawing/2014/main" id="{B57B8616-D72F-4334-9E7F-4ACB96200B1C}"/>
+              </a:ext>
+            </a:extLst>
+          </p:cNvPr>
+          <p:cNvSpPr/>
+          <p:nvPr/>
+        </p:nvSpPr>
+        <p:spPr>
+          <a:xfrm flipH="1">
+            <a:off x="6044354" y="2136436"/>
+            <a:ext cx="505205" cy="241441"/>
+          </a:xfrm>
+          <a:prstGeom prst="curvedLeftArrow">
+            <a:avLst>
+              <a:gd name="adj1" fmla="val 11942"/>
+              <a:gd name="adj2" fmla="val 29284"/>
+              <a:gd name="adj3" fmla="val 49884"/>
+            </a:avLst>
+          </a:prstGeom>
+          <a:solidFill>
+            <a:srgbClr val="00B050"/>
+          </a:solidFill>
+          <a:ln>
+            <a:noFill/>
+          </a:ln>
+        </p:spPr>
+        <p:style>
+          <a:lnRef idx="2">
+            <a:schemeClr val="accent1">
+              <a:shade val="50000"/>
+            </a:schemeClr>
+          </a:lnRef>
+          <a:fillRef idx="1">
+            <a:schemeClr val="accent1"/>
+          </a:fillRef>
+          <a:effectRef idx="0">
+            <a:schemeClr val="accent1"/>
+          </a:effectRef>
+          <a:fontRef idx="minor">
+            <a:schemeClr val="lt1"/>
+          </a:fontRef>
+        </p:style>
+        <p:txBody>
+          <a:bodyPr rtlCol="0" anchor="ctr"/>
+          <a:lstStyle/>
+          <a:p>
+            <a:pPr algn="ctr"/>
+            <a:endParaRPr lang="en-US">
+              <a:solidFill>
+                <a:schemeClr val="tx1"/>
+              </a:solidFill>
+            </a:endParaRPr>
+          </a:p>
+        </p:txBody>
+      </p:sp>
+      <p:sp>
+        <p:nvSpPr>
+          <p:cNvPr id="62" name="Arrow: Curved Left 61">
+            <a:extLst>
+              <a:ext uri="{FF2B5EF4-FFF2-40B4-BE49-F238E27FC236}">
+                <a16:creationId xmlns:a16="http://schemas.microsoft.com/office/drawing/2014/main" id="{E4B27289-23C9-48C4-AC1C-9B8B1AE9E22B}"/>
+              </a:ext>
+            </a:extLst>
+          </p:cNvPr>
+          <p:cNvSpPr/>
+          <p:nvPr/>
+        </p:nvSpPr>
+        <p:spPr>
+          <a:xfrm>
+            <a:off x="3474436" y="950664"/>
+            <a:ext cx="505205" cy="241441"/>
+          </a:xfrm>
+          <a:prstGeom prst="curvedLeftArrow">
+            <a:avLst>
+              <a:gd name="adj1" fmla="val 11942"/>
+              <a:gd name="adj2" fmla="val 29284"/>
+              <a:gd name="adj3" fmla="val 49884"/>
+            </a:avLst>
+          </a:prstGeom>
+          <a:solidFill>
+            <a:srgbClr val="FF0000"/>
+          </a:solidFill>
+          <a:ln>
+            <a:noFill/>
+          </a:ln>
+        </p:spPr>
+        <p:style>
+          <a:lnRef idx="2">
+            <a:schemeClr val="accent1">
+              <a:shade val="50000"/>
+            </a:schemeClr>
+          </a:lnRef>
+          <a:fillRef idx="1">
+            <a:schemeClr val="accent1"/>
+          </a:fillRef>
+          <a:effectRef idx="0">
+            <a:schemeClr val="accent1"/>
+          </a:effectRef>
+          <a:fontRef idx="minor">
+            <a:schemeClr val="lt1"/>
+          </a:fontRef>
+        </p:style>
+        <p:txBody>
+          <a:bodyPr rtlCol="0" anchor="ctr"/>
+          <a:lstStyle/>
+          <a:p>
+            <a:pPr algn="ctr"/>
+            <a:endParaRPr lang="en-US">
+              <a:solidFill>
+                <a:schemeClr val="tx1"/>
+              </a:solidFill>
+            </a:endParaRPr>
+          </a:p>
+        </p:txBody>
+      </p:sp>
+      <p:sp>
+        <p:nvSpPr>
+          <p:cNvPr id="63" name="Arrow: Curved Left 62">
+            <a:extLst>
+              <a:ext uri="{FF2B5EF4-FFF2-40B4-BE49-F238E27FC236}">
+                <a16:creationId xmlns:a16="http://schemas.microsoft.com/office/drawing/2014/main" id="{FEE43740-DBC8-4C67-831A-6310FA530100}"/>
+              </a:ext>
+            </a:extLst>
+          </p:cNvPr>
+          <p:cNvSpPr/>
+          <p:nvPr/>
+        </p:nvSpPr>
+        <p:spPr>
+          <a:xfrm>
+            <a:off x="3474436" y="1353512"/>
+            <a:ext cx="505205" cy="241441"/>
+          </a:xfrm>
+          <a:prstGeom prst="curvedLeftArrow">
+            <a:avLst>
+              <a:gd name="adj1" fmla="val 11942"/>
+              <a:gd name="adj2" fmla="val 29284"/>
+              <a:gd name="adj3" fmla="val 49884"/>
+            </a:avLst>
+          </a:prstGeom>
+          <a:solidFill>
+            <a:srgbClr val="FF0000"/>
+          </a:solidFill>
+          <a:ln>
+            <a:noFill/>
+          </a:ln>
+        </p:spPr>
+        <p:style>
+          <a:lnRef idx="2">
+            <a:schemeClr val="accent1">
+              <a:shade val="50000"/>
+            </a:schemeClr>
+          </a:lnRef>
+          <a:fillRef idx="1">
+            <a:schemeClr val="accent1"/>
+          </a:fillRef>
+          <a:effectRef idx="0">
+            <a:schemeClr val="accent1"/>
+          </a:effectRef>
+          <a:fontRef idx="minor">
+            <a:schemeClr val="lt1"/>
+          </a:fontRef>
+        </p:style>
+        <p:txBody>
+          <a:bodyPr rtlCol="0" anchor="ctr"/>
+          <a:lstStyle/>
+          <a:p>
+            <a:pPr algn="ctr"/>
+            <a:endParaRPr lang="en-US">
+              <a:solidFill>
+                <a:schemeClr val="tx1"/>
+              </a:solidFill>
+            </a:endParaRPr>
+          </a:p>
+        </p:txBody>
+      </p:sp>
+      <p:sp>
+        <p:nvSpPr>
+          <p:cNvPr id="64" name="Arrow: Curved Left 63">
+            <a:extLst>
+              <a:ext uri="{FF2B5EF4-FFF2-40B4-BE49-F238E27FC236}">
+                <a16:creationId xmlns:a16="http://schemas.microsoft.com/office/drawing/2014/main" id="{4884FC48-29EF-40F4-9807-2B7B8A3E1C75}"/>
+              </a:ext>
+            </a:extLst>
+          </p:cNvPr>
+          <p:cNvSpPr/>
+          <p:nvPr/>
+        </p:nvSpPr>
+        <p:spPr>
+          <a:xfrm>
+            <a:off x="3474436" y="2727523"/>
+            <a:ext cx="505205" cy="241441"/>
+          </a:xfrm>
+          <a:prstGeom prst="curvedLeftArrow">
+            <a:avLst>
+              <a:gd name="adj1" fmla="val 11942"/>
+              <a:gd name="adj2" fmla="val 29284"/>
+              <a:gd name="adj3" fmla="val 49884"/>
+            </a:avLst>
+          </a:prstGeom>
+          <a:solidFill>
+            <a:srgbClr val="FF0000"/>
+          </a:solidFill>
+          <a:ln>
+            <a:noFill/>
+          </a:ln>
+        </p:spPr>
+        <p:style>
+          <a:lnRef idx="2">
+            <a:schemeClr val="accent1">
+              <a:shade val="50000"/>
+            </a:schemeClr>
+          </a:lnRef>
+          <a:fillRef idx="1">
+            <a:schemeClr val="accent1"/>
+          </a:fillRef>
+          <a:effectRef idx="0">
+            <a:schemeClr val="accent1"/>
+          </a:effectRef>
+          <a:fontRef idx="minor">
+            <a:schemeClr val="lt1"/>
+          </a:fontRef>
+        </p:style>
+        <p:txBody>
+          <a:bodyPr rtlCol="0" anchor="ctr"/>
+          <a:lstStyle/>
+          <a:p>
+            <a:pPr algn="ctr"/>
+            <a:endParaRPr lang="en-US">
+              <a:solidFill>
+                <a:schemeClr val="tx1"/>
+              </a:solidFill>
+            </a:endParaRPr>
+          </a:p>
+        </p:txBody>
+      </p:sp>
+      <p:sp>
+        <p:nvSpPr>
+          <p:cNvPr id="65" name="Arrow: Curved Left 64">
+            <a:extLst>
+              <a:ext uri="{FF2B5EF4-FFF2-40B4-BE49-F238E27FC236}">
+                <a16:creationId xmlns:a16="http://schemas.microsoft.com/office/drawing/2014/main" id="{8938A1A3-8F2B-46C2-BB70-6C1C62183910}"/>
+              </a:ext>
+            </a:extLst>
+          </p:cNvPr>
+          <p:cNvSpPr/>
+          <p:nvPr/>
+        </p:nvSpPr>
+        <p:spPr>
+          <a:xfrm>
+            <a:off x="3474436" y="3120063"/>
+            <a:ext cx="505205" cy="241441"/>
+          </a:xfrm>
+          <a:prstGeom prst="curvedLeftArrow">
+            <a:avLst>
+              <a:gd name="adj1" fmla="val 11942"/>
+              <a:gd name="adj2" fmla="val 29284"/>
+              <a:gd name="adj3" fmla="val 49884"/>
+            </a:avLst>
+          </a:prstGeom>
+          <a:solidFill>
+            <a:srgbClr val="FF0000"/>
+          </a:solidFill>
+          <a:ln>
+            <a:noFill/>
+          </a:ln>
+        </p:spPr>
+        <p:style>
+          <a:lnRef idx="2">
+            <a:schemeClr val="accent1">
+              <a:shade val="50000"/>
+            </a:schemeClr>
+          </a:lnRef>
+          <a:fillRef idx="1">
+            <a:schemeClr val="accent1"/>
+          </a:fillRef>
+          <a:effectRef idx="0">
+            <a:schemeClr val="accent1"/>
+          </a:effectRef>
+          <a:fontRef idx="minor">
+            <a:schemeClr val="lt1"/>
+          </a:fontRef>
+        </p:style>
+        <p:txBody>
+          <a:bodyPr rtlCol="0" anchor="ctr"/>
+          <a:lstStyle/>
+          <a:p>
+            <a:pPr algn="ctr"/>
+            <a:endParaRPr lang="en-US">
+              <a:solidFill>
+                <a:schemeClr val="tx1"/>
+              </a:solidFill>
+            </a:endParaRPr>
+          </a:p>
+        </p:txBody>
+      </p:sp>
+      <p:sp>
+        <p:nvSpPr>
+          <p:cNvPr id="47" name="Rectangle 46">
+            <a:extLst>
+              <a:ext uri="{FF2B5EF4-FFF2-40B4-BE49-F238E27FC236}">
+                <a16:creationId xmlns:a16="http://schemas.microsoft.com/office/drawing/2014/main" id="{57DD7809-4D64-48BC-9ABB-B5E808EBBAE1}"/>
+              </a:ext>
+            </a:extLst>
+          </p:cNvPr>
+          <p:cNvSpPr/>
+          <p:nvPr/>
+        </p:nvSpPr>
+        <p:spPr>
+          <a:xfrm>
+            <a:off x="3073455" y="1106962"/>
+            <a:ext cx="673197" cy="307777"/>
+          </a:xfrm>
+          <a:prstGeom prst="rect">
+            <a:avLst/>
+          </a:prstGeom>
+        </p:spPr>
+        <p:txBody>
+          <a:bodyPr wrap="none">
+            <a:spAutoFit/>
+          </a:bodyPr>
+          <a:lstStyle/>
+          <a:p>
+            <a:pPr algn="ctr"/>
+            <a:r>
+              <a:rPr lang="en-US" sz="1400" dirty="0"/>
+              <a:t>Polling</a:t>
+            </a:r>
+          </a:p>
+        </p:txBody>
+      </p:sp>
+      <p:sp>
+        <p:nvSpPr>
+          <p:cNvPr id="66" name="Rectangle 65">
+            <a:extLst>
+              <a:ext uri="{FF2B5EF4-FFF2-40B4-BE49-F238E27FC236}">
+                <a16:creationId xmlns:a16="http://schemas.microsoft.com/office/drawing/2014/main" id="{98BE3AFB-AA80-4F20-93E8-420C7DA8EA31}"/>
+              </a:ext>
+            </a:extLst>
+          </p:cNvPr>
+          <p:cNvSpPr/>
+          <p:nvPr/>
+        </p:nvSpPr>
+        <p:spPr>
+          <a:xfrm>
+            <a:off x="3014534" y="2419746"/>
+            <a:ext cx="673197" cy="307777"/>
+          </a:xfrm>
+          <a:prstGeom prst="rect">
+            <a:avLst/>
+          </a:prstGeom>
+        </p:spPr>
+        <p:txBody>
+          <a:bodyPr wrap="none">
+            <a:spAutoFit/>
+          </a:bodyPr>
+          <a:lstStyle/>
+          <a:p>
+            <a:pPr algn="ctr"/>
+            <a:r>
+              <a:rPr lang="en-US" sz="1400" dirty="0"/>
+              <a:t>Polling</a:t>
+            </a:r>
+          </a:p>
+        </p:txBody>
+      </p:sp>
+      <p:sp>
+        <p:nvSpPr>
+          <p:cNvPr id="67" name="Rectangle 66">
+            <a:extLst>
+              <a:ext uri="{FF2B5EF4-FFF2-40B4-BE49-F238E27FC236}">
+                <a16:creationId xmlns:a16="http://schemas.microsoft.com/office/drawing/2014/main" id="{317AD71C-E727-4A06-B57B-CA9CF1757C11}"/>
+              </a:ext>
+            </a:extLst>
+          </p:cNvPr>
+          <p:cNvSpPr/>
+          <p:nvPr/>
+        </p:nvSpPr>
+        <p:spPr>
+          <a:xfrm>
+            <a:off x="6188443" y="1583742"/>
+            <a:ext cx="673197" cy="307777"/>
+          </a:xfrm>
+          <a:prstGeom prst="rect">
+            <a:avLst/>
+          </a:prstGeom>
+        </p:spPr>
+        <p:txBody>
+          <a:bodyPr wrap="none">
+            <a:spAutoFit/>
+          </a:bodyPr>
+          <a:lstStyle/>
+          <a:p>
+            <a:pPr algn="ctr"/>
+            <a:r>
+              <a:rPr lang="en-US" sz="1400" dirty="0"/>
+              <a:t>Polling</a:t>
+            </a:r>
+          </a:p>
+        </p:txBody>
+      </p:sp>
+      <p:sp>
+        <p:nvSpPr>
+          <p:cNvPr id="68" name="Rectangle 67">
+            <a:extLst>
+              <a:ext uri="{FF2B5EF4-FFF2-40B4-BE49-F238E27FC236}">
+                <a16:creationId xmlns:a16="http://schemas.microsoft.com/office/drawing/2014/main" id="{8E562856-EDBE-498F-9A76-2B92A14B7504}"/>
+              </a:ext>
+            </a:extLst>
+          </p:cNvPr>
+          <p:cNvSpPr/>
+          <p:nvPr/>
+        </p:nvSpPr>
+        <p:spPr>
+          <a:xfrm>
+            <a:off x="2856691" y="473087"/>
+            <a:ext cx="844590" cy="307777"/>
+          </a:xfrm>
+          <a:prstGeom prst="rect">
+            <a:avLst/>
+          </a:prstGeom>
+        </p:spPr>
+        <p:txBody>
+          <a:bodyPr wrap="none">
+            <a:spAutoFit/>
+          </a:bodyPr>
+          <a:lstStyle/>
+          <a:p>
+            <a:r>
+              <a:rPr lang="en-US" sz="1400" dirty="0"/>
+              <a:t>Hot </a:t>
+            </a:r>
+            <a:r>
+              <a:rPr lang="en-US" sz="1400" dirty="0" err="1"/>
+              <a:t>ECall</a:t>
+            </a:r>
+            <a:endParaRPr lang="en-US" sz="1400" dirty="0"/>
+          </a:p>
+        </p:txBody>
+      </p:sp>
+      <p:sp>
+        <p:nvSpPr>
+          <p:cNvPr id="69" name="Rectangle 68">
+            <a:extLst>
+              <a:ext uri="{FF2B5EF4-FFF2-40B4-BE49-F238E27FC236}">
+                <a16:creationId xmlns:a16="http://schemas.microsoft.com/office/drawing/2014/main" id="{79BBF0A8-C9DF-435B-832B-3D843B14FC0E}"/>
+              </a:ext>
+            </a:extLst>
+          </p:cNvPr>
+          <p:cNvSpPr/>
+          <p:nvPr/>
+        </p:nvSpPr>
+        <p:spPr>
+          <a:xfrm>
+            <a:off x="5942721" y="1043400"/>
+            <a:ext cx="877163" cy="307777"/>
+          </a:xfrm>
+          <a:prstGeom prst="rect">
+            <a:avLst/>
+          </a:prstGeom>
+        </p:spPr>
+        <p:txBody>
+          <a:bodyPr wrap="none">
+            <a:spAutoFit/>
+          </a:bodyPr>
+          <a:lstStyle/>
+          <a:p>
+            <a:r>
+              <a:rPr lang="en-US" sz="1400" dirty="0"/>
+              <a:t>Hot </a:t>
+            </a:r>
+            <a:r>
+              <a:rPr lang="en-US" sz="1400" dirty="0" err="1"/>
+              <a:t>OCall</a:t>
+            </a:r>
+            <a:endParaRPr lang="en-US" sz="1400" dirty="0"/>
+          </a:p>
+        </p:txBody>
+      </p:sp>
+      <p:sp>
+        <p:nvSpPr>
+          <p:cNvPr id="70" name="Oval 69">
+            <a:extLst>
+              <a:ext uri="{FF2B5EF4-FFF2-40B4-BE49-F238E27FC236}">
+                <a16:creationId xmlns:a16="http://schemas.microsoft.com/office/drawing/2014/main" id="{65804BD3-55B5-4804-9224-909FE7C31C98}"/>
+              </a:ext>
+            </a:extLst>
+          </p:cNvPr>
+          <p:cNvSpPr/>
+          <p:nvPr/>
+        </p:nvSpPr>
+        <p:spPr>
+          <a:xfrm>
+            <a:off x="4784678" y="974968"/>
+            <a:ext cx="231539" cy="231539"/>
+          </a:xfrm>
+          <a:prstGeom prst="ellipse">
+            <a:avLst/>
+          </a:prstGeom>
+          <a:noFill/>
+          <a:ln w="9525">
+            <a:solidFill>
+              <a:srgbClr val="FF0000"/>
+            </a:solidFill>
+          </a:ln>
+        </p:spPr>
+        <p:style>
+          <a:lnRef idx="2">
+            <a:schemeClr val="accent1">
+              <a:shade val="50000"/>
+            </a:schemeClr>
+          </a:lnRef>
+          <a:fillRef idx="1">
+            <a:schemeClr val="accent1"/>
+          </a:fillRef>
+          <a:effectRef idx="0">
+            <a:schemeClr val="accent1"/>
+          </a:effectRef>
+          <a:fontRef idx="minor">
+            <a:schemeClr val="lt1"/>
+          </a:fontRef>
+        </p:style>
+        <p:txBody>
+          <a:bodyPr rtlCol="0" anchor="ctr"/>
+          <a:lstStyle/>
+          <a:p>
+            <a:pPr algn="ctr"/>
+            <a:endParaRPr lang="en-US"/>
+          </a:p>
+        </p:txBody>
+      </p:sp>
+      <p:cxnSp>
+        <p:nvCxnSpPr>
+          <p:cNvPr id="73" name="Straight Arrow Connector 72">
+            <a:extLst>
+              <a:ext uri="{FF2B5EF4-FFF2-40B4-BE49-F238E27FC236}">
+                <a16:creationId xmlns:a16="http://schemas.microsoft.com/office/drawing/2014/main" id="{A5DD62A1-B0F8-43A8-86DC-1DEBCFBA738D}"/>
+              </a:ext>
+            </a:extLst>
+          </p:cNvPr>
+          <p:cNvCxnSpPr>
+            <a:cxnSpLocks/>
+          </p:cNvCxnSpPr>
+          <p:nvPr/>
+        </p:nvCxnSpPr>
+        <p:spPr>
+          <a:xfrm>
+            <a:off x="1319165" y="915282"/>
+            <a:ext cx="960991" cy="146622"/>
+          </a:xfrm>
+          <a:prstGeom prst="straightConnector1">
+            <a:avLst/>
+          </a:prstGeom>
+          <a:ln w="12700">
+            <a:tailEnd type="triangle"/>
+          </a:ln>
+        </p:spPr>
+        <p:style>
+          <a:lnRef idx="1">
+            <a:schemeClr val="dk1"/>
+          </a:lnRef>
+          <a:fillRef idx="0">
+            <a:schemeClr val="dk1"/>
+          </a:fillRef>
+          <a:effectRef idx="0">
+            <a:schemeClr val="dk1"/>
+          </a:effectRef>
+          <a:fontRef idx="minor">
+            <a:schemeClr val="tx1"/>
+          </a:fontRef>
+        </p:style>
+      </p:cxnSp>
+      <p:cxnSp>
+        <p:nvCxnSpPr>
+          <p:cNvPr id="75" name="Straight Arrow Connector 74">
+            <a:extLst>
+              <a:ext uri="{FF2B5EF4-FFF2-40B4-BE49-F238E27FC236}">
+                <a16:creationId xmlns:a16="http://schemas.microsoft.com/office/drawing/2014/main" id="{8996AFD5-F09B-4CB0-B8CE-4ECE64FC677A}"/>
+              </a:ext>
+            </a:extLst>
+          </p:cNvPr>
+          <p:cNvCxnSpPr>
+            <a:cxnSpLocks/>
+          </p:cNvCxnSpPr>
+          <p:nvPr/>
+        </p:nvCxnSpPr>
+        <p:spPr>
+          <a:xfrm flipH="1">
+            <a:off x="438875" y="1752373"/>
+            <a:ext cx="911599" cy="251941"/>
+          </a:xfrm>
+          <a:prstGeom prst="straightConnector1">
+            <a:avLst/>
+          </a:prstGeom>
+          <a:ln w="12700">
+            <a:tailEnd type="triangle"/>
+          </a:ln>
+        </p:spPr>
+        <p:style>
+          <a:lnRef idx="1">
+            <a:schemeClr val="dk1"/>
+          </a:lnRef>
+          <a:fillRef idx="0">
+            <a:schemeClr val="dk1"/>
+          </a:fillRef>
+          <a:effectRef idx="0">
+            <a:schemeClr val="dk1"/>
+          </a:effectRef>
+          <a:fontRef idx="minor">
+            <a:schemeClr val="tx1"/>
+          </a:fontRef>
+        </p:style>
+      </p:cxnSp>
+      <p:cxnSp>
+        <p:nvCxnSpPr>
+          <p:cNvPr id="79" name="Straight Arrow Connector 78">
+            <a:extLst>
+              <a:ext uri="{FF2B5EF4-FFF2-40B4-BE49-F238E27FC236}">
+                <a16:creationId xmlns:a16="http://schemas.microsoft.com/office/drawing/2014/main" id="{4BBD7AA2-115E-425B-A82A-E99E0BE95C31}"/>
+              </a:ext>
+            </a:extLst>
+          </p:cNvPr>
+          <p:cNvCxnSpPr>
+            <a:cxnSpLocks/>
+          </p:cNvCxnSpPr>
+          <p:nvPr/>
+        </p:nvCxnSpPr>
+        <p:spPr>
+          <a:xfrm>
+            <a:off x="1316607" y="2670671"/>
+            <a:ext cx="903085" cy="224162"/>
+          </a:xfrm>
+          <a:prstGeom prst="straightConnector1">
+            <a:avLst/>
+          </a:prstGeom>
+          <a:ln w="12700">
+            <a:tailEnd type="triangle"/>
+          </a:ln>
+        </p:spPr>
+        <p:style>
+          <a:lnRef idx="1">
+            <a:schemeClr val="dk1"/>
+          </a:lnRef>
+          <a:fillRef idx="0">
+            <a:schemeClr val="dk1"/>
+          </a:fillRef>
+          <a:effectRef idx="0">
+            <a:schemeClr val="dk1"/>
+          </a:effectRef>
+          <a:fontRef idx="minor">
+            <a:schemeClr val="tx1"/>
+          </a:fontRef>
+        </p:style>
+      </p:cxnSp>
+      <p:sp>
+        <p:nvSpPr>
+          <p:cNvPr id="83" name="Rectangle 82">
+            <a:extLst>
+              <a:ext uri="{FF2B5EF4-FFF2-40B4-BE49-F238E27FC236}">
+                <a16:creationId xmlns:a16="http://schemas.microsoft.com/office/drawing/2014/main" id="{2B26A89E-C5A6-4003-9581-A11588149A6D}"/>
+              </a:ext>
+            </a:extLst>
+          </p:cNvPr>
+          <p:cNvSpPr/>
+          <p:nvPr/>
+        </p:nvSpPr>
+        <p:spPr>
+          <a:xfrm>
+            <a:off x="4689756" y="3390074"/>
+            <a:ext cx="447558" cy="369332"/>
+          </a:xfrm>
+          <a:prstGeom prst="rect">
+            <a:avLst/>
+          </a:prstGeom>
+        </p:spPr>
+        <p:txBody>
+          <a:bodyPr wrap="none">
+            <a:spAutoFit/>
+          </a:bodyPr>
+          <a:lstStyle/>
+          <a:p>
+            <a:r>
+              <a:rPr lang="en-US" dirty="0"/>
+              <a:t>(b)</a:t>
+            </a:r>
+          </a:p>
+        </p:txBody>
+      </p:sp>
+    </p:spTree>
+    <p:extLst>
+      <p:ext uri="{BB962C8B-B14F-4D97-AF65-F5344CB8AC3E}">
+        <p14:creationId xmlns:p14="http://schemas.microsoft.com/office/powerpoint/2010/main" val="3819514340"/>
+      </p:ext>
+    </p:extLst>
+  </p:cSld>
+  <p:clrMapOvr>
+    <a:masterClrMapping/>
+  </p:clrMapOvr>
+</p:sld>
+</file>
+
 <file path=ppt/theme/theme1.xml><?xml version="1.0" encoding="utf-8"?>
 <a:theme xmlns:a="http://schemas.openxmlformats.org/drawingml/2006/main" name="Office Theme">
   <a:themeElements>

--- a/chapters/ProximiTEE/images_new/figs.pptx
+++ b/chapters/ProximiTEE/images_new/figs.pptx
@@ -4,12 +4,17 @@
   <p:sldMasterIdLst>
     <p:sldMasterId id="2147483648" r:id="rId1"/>
   </p:sldMasterIdLst>
+  <p:notesMasterIdLst>
+    <p:notesMasterId r:id="rId9"/>
+  </p:notesMasterIdLst>
   <p:sldIdLst>
     <p:sldId id="256" r:id="rId2"/>
     <p:sldId id="257" r:id="rId3"/>
     <p:sldId id="258" r:id="rId4"/>
-    <p:sldId id="259" r:id="rId5"/>
-    <p:sldId id="345" r:id="rId6"/>
+    <p:sldId id="315" r:id="rId5"/>
+    <p:sldId id="259" r:id="rId6"/>
+    <p:sldId id="270" r:id="rId7"/>
+    <p:sldId id="345" r:id="rId8"/>
   </p:sldIdLst>
   <p:sldSz cx="12192000" cy="6858000"/>
   <p:notesSz cx="6858000" cy="9144000"/>
@@ -116,6 +121,543 @@
 </p:presentation>
 </file>
 
+<file path=ppt/notesMasters/notesMaster1.xml><?xml version="1.0" encoding="utf-8"?>
+<p:notesMaster xmlns:a="http://schemas.openxmlformats.org/drawingml/2006/main" xmlns:r="http://schemas.openxmlformats.org/officeDocument/2006/relationships" xmlns:p="http://schemas.openxmlformats.org/presentationml/2006/main">
+  <p:cSld>
+    <p:bg>
+      <p:bgRef idx="1001">
+        <a:schemeClr val="bg1"/>
+      </p:bgRef>
+    </p:bg>
+    <p:spTree>
+      <p:nvGrpSpPr>
+        <p:cNvPr id="1" name=""/>
+        <p:cNvGrpSpPr/>
+        <p:nvPr/>
+      </p:nvGrpSpPr>
+      <p:grpSpPr>
+        <a:xfrm>
+          <a:off x="0" y="0"/>
+          <a:ext cx="0" cy="0"/>
+          <a:chOff x="0" y="0"/>
+          <a:chExt cx="0" cy="0"/>
+        </a:xfrm>
+      </p:grpSpPr>
+      <p:sp>
+        <p:nvSpPr>
+          <p:cNvPr id="2" name="Header Placeholder 1"/>
+          <p:cNvSpPr>
+            <a:spLocks noGrp="1"/>
+          </p:cNvSpPr>
+          <p:nvPr>
+            <p:ph type="hdr" sz="quarter"/>
+          </p:nvPr>
+        </p:nvSpPr>
+        <p:spPr>
+          <a:xfrm>
+            <a:off x="0" y="0"/>
+            <a:ext cx="2971800" cy="458788"/>
+          </a:xfrm>
+          <a:prstGeom prst="rect">
+            <a:avLst/>
+          </a:prstGeom>
+        </p:spPr>
+        <p:txBody>
+          <a:bodyPr vert="horz" lIns="91440" tIns="45720" rIns="91440" bIns="45720" rtlCol="0"/>
+          <a:lstStyle>
+            <a:lvl1pPr algn="l">
+              <a:defRPr sz="1200"/>
+            </a:lvl1pPr>
+          </a:lstStyle>
+          <a:p>
+            <a:endParaRPr lang="en-US"/>
+          </a:p>
+        </p:txBody>
+      </p:sp>
+      <p:sp>
+        <p:nvSpPr>
+          <p:cNvPr id="3" name="Date Placeholder 2"/>
+          <p:cNvSpPr>
+            <a:spLocks noGrp="1"/>
+          </p:cNvSpPr>
+          <p:nvPr>
+            <p:ph type="dt" idx="1"/>
+          </p:nvPr>
+        </p:nvSpPr>
+        <p:spPr>
+          <a:xfrm>
+            <a:off x="3884613" y="0"/>
+            <a:ext cx="2971800" cy="458788"/>
+          </a:xfrm>
+          <a:prstGeom prst="rect">
+            <a:avLst/>
+          </a:prstGeom>
+        </p:spPr>
+        <p:txBody>
+          <a:bodyPr vert="horz" lIns="91440" tIns="45720" rIns="91440" bIns="45720" rtlCol="0"/>
+          <a:lstStyle>
+            <a:lvl1pPr algn="r">
+              <a:defRPr sz="1200"/>
+            </a:lvl1pPr>
+          </a:lstStyle>
+          <a:p>
+            <a:fld id="{1E3EFD5B-42B8-406D-BED0-9529F757B511}" type="datetimeFigureOut">
+              <a:rPr lang="en-US" smtClean="0"/>
+              <a:t>4/2/2021</a:t>
+            </a:fld>
+            <a:endParaRPr lang="en-US"/>
+          </a:p>
+        </p:txBody>
+      </p:sp>
+      <p:sp>
+        <p:nvSpPr>
+          <p:cNvPr id="4" name="Slide Image Placeholder 3"/>
+          <p:cNvSpPr>
+            <a:spLocks noGrp="1" noRot="1" noChangeAspect="1"/>
+          </p:cNvSpPr>
+          <p:nvPr>
+            <p:ph type="sldImg" idx="2"/>
+          </p:nvPr>
+        </p:nvSpPr>
+        <p:spPr>
+          <a:xfrm>
+            <a:off x="685800" y="1143000"/>
+            <a:ext cx="5486400" cy="3086100"/>
+          </a:xfrm>
+          <a:prstGeom prst="rect">
+            <a:avLst/>
+          </a:prstGeom>
+          <a:noFill/>
+          <a:ln w="12700">
+            <a:solidFill>
+              <a:prstClr val="black"/>
+            </a:solidFill>
+          </a:ln>
+        </p:spPr>
+        <p:txBody>
+          <a:bodyPr vert="horz" lIns="91440" tIns="45720" rIns="91440" bIns="45720" rtlCol="0" anchor="ctr"/>
+          <a:lstStyle/>
+          <a:p>
+            <a:endParaRPr lang="en-US"/>
+          </a:p>
+        </p:txBody>
+      </p:sp>
+      <p:sp>
+        <p:nvSpPr>
+          <p:cNvPr id="5" name="Notes Placeholder 4"/>
+          <p:cNvSpPr>
+            <a:spLocks noGrp="1"/>
+          </p:cNvSpPr>
+          <p:nvPr>
+            <p:ph type="body" sz="quarter" idx="3"/>
+          </p:nvPr>
+        </p:nvSpPr>
+        <p:spPr>
+          <a:xfrm>
+            <a:off x="685800" y="4400550"/>
+            <a:ext cx="5486400" cy="3600450"/>
+          </a:xfrm>
+          <a:prstGeom prst="rect">
+            <a:avLst/>
+          </a:prstGeom>
+        </p:spPr>
+        <p:txBody>
+          <a:bodyPr vert="horz" lIns="91440" tIns="45720" rIns="91440" bIns="45720" rtlCol="0"/>
+          <a:lstStyle/>
+          <a:p>
+            <a:pPr lvl="0"/>
+            <a:r>
+              <a:rPr lang="en-US"/>
+              <a:t>Edit Master text styles</a:t>
+            </a:r>
+          </a:p>
+          <a:p>
+            <a:pPr lvl="1"/>
+            <a:r>
+              <a:rPr lang="en-US"/>
+              <a:t>Second level</a:t>
+            </a:r>
+          </a:p>
+          <a:p>
+            <a:pPr lvl="2"/>
+            <a:r>
+              <a:rPr lang="en-US"/>
+              <a:t>Third level</a:t>
+            </a:r>
+          </a:p>
+          <a:p>
+            <a:pPr lvl="3"/>
+            <a:r>
+              <a:rPr lang="en-US"/>
+              <a:t>Fourth level</a:t>
+            </a:r>
+          </a:p>
+          <a:p>
+            <a:pPr lvl="4"/>
+            <a:r>
+              <a:rPr lang="en-US"/>
+              <a:t>Fifth level</a:t>
+            </a:r>
+          </a:p>
+        </p:txBody>
+      </p:sp>
+      <p:sp>
+        <p:nvSpPr>
+          <p:cNvPr id="6" name="Footer Placeholder 5"/>
+          <p:cNvSpPr>
+            <a:spLocks noGrp="1"/>
+          </p:cNvSpPr>
+          <p:nvPr>
+            <p:ph type="ftr" sz="quarter" idx="4"/>
+          </p:nvPr>
+        </p:nvSpPr>
+        <p:spPr>
+          <a:xfrm>
+            <a:off x="0" y="8685213"/>
+            <a:ext cx="2971800" cy="458787"/>
+          </a:xfrm>
+          <a:prstGeom prst="rect">
+            <a:avLst/>
+          </a:prstGeom>
+        </p:spPr>
+        <p:txBody>
+          <a:bodyPr vert="horz" lIns="91440" tIns="45720" rIns="91440" bIns="45720" rtlCol="0" anchor="b"/>
+          <a:lstStyle>
+            <a:lvl1pPr algn="l">
+              <a:defRPr sz="1200"/>
+            </a:lvl1pPr>
+          </a:lstStyle>
+          <a:p>
+            <a:endParaRPr lang="en-US"/>
+          </a:p>
+        </p:txBody>
+      </p:sp>
+      <p:sp>
+        <p:nvSpPr>
+          <p:cNvPr id="7" name="Slide Number Placeholder 6"/>
+          <p:cNvSpPr>
+            <a:spLocks noGrp="1"/>
+          </p:cNvSpPr>
+          <p:nvPr>
+            <p:ph type="sldNum" sz="quarter" idx="5"/>
+          </p:nvPr>
+        </p:nvSpPr>
+        <p:spPr>
+          <a:xfrm>
+            <a:off x="3884613" y="8685213"/>
+            <a:ext cx="2971800" cy="458787"/>
+          </a:xfrm>
+          <a:prstGeom prst="rect">
+            <a:avLst/>
+          </a:prstGeom>
+        </p:spPr>
+        <p:txBody>
+          <a:bodyPr vert="horz" lIns="91440" tIns="45720" rIns="91440" bIns="45720" rtlCol="0" anchor="b"/>
+          <a:lstStyle>
+            <a:lvl1pPr algn="r">
+              <a:defRPr sz="1200"/>
+            </a:lvl1pPr>
+          </a:lstStyle>
+          <a:p>
+            <a:fld id="{072F0EBA-48DD-4AD2-85CE-937D6E10FAC8}" type="slidenum">
+              <a:rPr lang="en-US" smtClean="0"/>
+              <a:t>‹#›</a:t>
+            </a:fld>
+            <a:endParaRPr lang="en-US"/>
+          </a:p>
+        </p:txBody>
+      </p:sp>
+    </p:spTree>
+    <p:extLst>
+      <p:ext uri="{BB962C8B-B14F-4D97-AF65-F5344CB8AC3E}">
+        <p14:creationId xmlns:p14="http://schemas.microsoft.com/office/powerpoint/2010/main" val="2872563435"/>
+      </p:ext>
+    </p:extLst>
+  </p:cSld>
+  <p:clrMap bg1="lt1" tx1="dk1" bg2="lt2" tx2="dk2" accent1="accent1" accent2="accent2" accent3="accent3" accent4="accent4" accent5="accent5" accent6="accent6" hlink="hlink" folHlink="folHlink"/>
+  <p:notesStyle>
+    <a:lvl1pPr marL="0" algn="l" defTabSz="914400" rtl="0" eaLnBrk="1" latinLnBrk="0" hangingPunct="1">
+      <a:defRPr sz="1200" kern="1200">
+        <a:solidFill>
+          <a:schemeClr val="tx1"/>
+        </a:solidFill>
+        <a:latin typeface="+mn-lt"/>
+        <a:ea typeface="+mn-ea"/>
+        <a:cs typeface="+mn-cs"/>
+      </a:defRPr>
+    </a:lvl1pPr>
+    <a:lvl2pPr marL="457200" algn="l" defTabSz="914400" rtl="0" eaLnBrk="1" latinLnBrk="0" hangingPunct="1">
+      <a:defRPr sz="1200" kern="1200">
+        <a:solidFill>
+          <a:schemeClr val="tx1"/>
+        </a:solidFill>
+        <a:latin typeface="+mn-lt"/>
+        <a:ea typeface="+mn-ea"/>
+        <a:cs typeface="+mn-cs"/>
+      </a:defRPr>
+    </a:lvl2pPr>
+    <a:lvl3pPr marL="914400" algn="l" defTabSz="914400" rtl="0" eaLnBrk="1" latinLnBrk="0" hangingPunct="1">
+      <a:defRPr sz="1200" kern="1200">
+        <a:solidFill>
+          <a:schemeClr val="tx1"/>
+        </a:solidFill>
+        <a:latin typeface="+mn-lt"/>
+        <a:ea typeface="+mn-ea"/>
+        <a:cs typeface="+mn-cs"/>
+      </a:defRPr>
+    </a:lvl3pPr>
+    <a:lvl4pPr marL="1371600" algn="l" defTabSz="914400" rtl="0" eaLnBrk="1" latinLnBrk="0" hangingPunct="1">
+      <a:defRPr sz="1200" kern="1200">
+        <a:solidFill>
+          <a:schemeClr val="tx1"/>
+        </a:solidFill>
+        <a:latin typeface="+mn-lt"/>
+        <a:ea typeface="+mn-ea"/>
+        <a:cs typeface="+mn-cs"/>
+      </a:defRPr>
+    </a:lvl4pPr>
+    <a:lvl5pPr marL="1828800" algn="l" defTabSz="914400" rtl="0" eaLnBrk="1" latinLnBrk="0" hangingPunct="1">
+      <a:defRPr sz="1200" kern="1200">
+        <a:solidFill>
+          <a:schemeClr val="tx1"/>
+        </a:solidFill>
+        <a:latin typeface="+mn-lt"/>
+        <a:ea typeface="+mn-ea"/>
+        <a:cs typeface="+mn-cs"/>
+      </a:defRPr>
+    </a:lvl5pPr>
+    <a:lvl6pPr marL="2286000" algn="l" defTabSz="914400" rtl="0" eaLnBrk="1" latinLnBrk="0" hangingPunct="1">
+      <a:defRPr sz="1200" kern="1200">
+        <a:solidFill>
+          <a:schemeClr val="tx1"/>
+        </a:solidFill>
+        <a:latin typeface="+mn-lt"/>
+        <a:ea typeface="+mn-ea"/>
+        <a:cs typeface="+mn-cs"/>
+      </a:defRPr>
+    </a:lvl6pPr>
+    <a:lvl7pPr marL="2743200" algn="l" defTabSz="914400" rtl="0" eaLnBrk="1" latinLnBrk="0" hangingPunct="1">
+      <a:defRPr sz="1200" kern="1200">
+        <a:solidFill>
+          <a:schemeClr val="tx1"/>
+        </a:solidFill>
+        <a:latin typeface="+mn-lt"/>
+        <a:ea typeface="+mn-ea"/>
+        <a:cs typeface="+mn-cs"/>
+      </a:defRPr>
+    </a:lvl7pPr>
+    <a:lvl8pPr marL="3200400" algn="l" defTabSz="914400" rtl="0" eaLnBrk="1" latinLnBrk="0" hangingPunct="1">
+      <a:defRPr sz="1200" kern="1200">
+        <a:solidFill>
+          <a:schemeClr val="tx1"/>
+        </a:solidFill>
+        <a:latin typeface="+mn-lt"/>
+        <a:ea typeface="+mn-ea"/>
+        <a:cs typeface="+mn-cs"/>
+      </a:defRPr>
+    </a:lvl8pPr>
+    <a:lvl9pPr marL="3657600" algn="l" defTabSz="914400" rtl="0" eaLnBrk="1" latinLnBrk="0" hangingPunct="1">
+      <a:defRPr sz="1200" kern="1200">
+        <a:solidFill>
+          <a:schemeClr val="tx1"/>
+        </a:solidFill>
+        <a:latin typeface="+mn-lt"/>
+        <a:ea typeface="+mn-ea"/>
+        <a:cs typeface="+mn-cs"/>
+      </a:defRPr>
+    </a:lvl9pPr>
+  </p:notesStyle>
+</p:notesMaster>
+</file>
+
+<file path=ppt/notesSlides/notesSlide1.xml><?xml version="1.0" encoding="utf-8"?>
+<p:notes xmlns:a="http://schemas.openxmlformats.org/drawingml/2006/main" xmlns:r="http://schemas.openxmlformats.org/officeDocument/2006/relationships" xmlns:p="http://schemas.openxmlformats.org/presentationml/2006/main">
+  <p:cSld>
+    <p:spTree>
+      <p:nvGrpSpPr>
+        <p:cNvPr id="1" name=""/>
+        <p:cNvGrpSpPr/>
+        <p:nvPr/>
+      </p:nvGrpSpPr>
+      <p:grpSpPr>
+        <a:xfrm>
+          <a:off x="0" y="0"/>
+          <a:ext cx="0" cy="0"/>
+          <a:chOff x="0" y="0"/>
+          <a:chExt cx="0" cy="0"/>
+        </a:xfrm>
+      </p:grpSpPr>
+      <p:sp>
+        <p:nvSpPr>
+          <p:cNvPr id="2" name="Slide Image Placeholder 1"/>
+          <p:cNvSpPr>
+            <a:spLocks noGrp="1" noRot="1" noChangeAspect="1"/>
+          </p:cNvSpPr>
+          <p:nvPr>
+            <p:ph type="sldImg"/>
+          </p:nvPr>
+        </p:nvSpPr>
+        <p:spPr/>
+      </p:sp>
+      <p:sp>
+        <p:nvSpPr>
+          <p:cNvPr id="3" name="Notes Placeholder 2"/>
+          <p:cNvSpPr>
+            <a:spLocks noGrp="1"/>
+          </p:cNvSpPr>
+          <p:nvPr>
+            <p:ph type="body" idx="1"/>
+          </p:nvPr>
+        </p:nvSpPr>
+        <p:spPr/>
+        <p:txBody>
+          <a:bodyPr/>
+          <a:lstStyle/>
+          <a:p>
+            <a:r>
+              <a:rPr lang="en-US" dirty="0"/>
+              <a:t>Local platform verification</a:t>
+            </a:r>
+            <a:r>
+              <a:rPr lang="en-US" baseline="0" dirty="0"/>
+              <a:t> for trusted path revised 1</a:t>
+            </a:r>
+            <a:endParaRPr lang="en-US" dirty="0"/>
+          </a:p>
+        </p:txBody>
+      </p:sp>
+      <p:sp>
+        <p:nvSpPr>
+          <p:cNvPr id="4" name="Slide Number Placeholder 3"/>
+          <p:cNvSpPr>
+            <a:spLocks noGrp="1"/>
+          </p:cNvSpPr>
+          <p:nvPr>
+            <p:ph type="sldNum" sz="quarter" idx="10"/>
+          </p:nvPr>
+        </p:nvSpPr>
+        <p:spPr/>
+        <p:txBody>
+          <a:bodyPr/>
+          <a:lstStyle/>
+          <a:p>
+            <a:fld id="{CC7A9D0F-5606-420A-A738-28C65A282F9E}" type="slidenum">
+              <a:rPr lang="en-US" smtClean="0"/>
+              <a:t>4</a:t>
+            </a:fld>
+            <a:endParaRPr lang="en-US"/>
+          </a:p>
+        </p:txBody>
+      </p:sp>
+    </p:spTree>
+    <p:extLst>
+      <p:ext uri="{BB962C8B-B14F-4D97-AF65-F5344CB8AC3E}">
+        <p14:creationId xmlns:p14="http://schemas.microsoft.com/office/powerpoint/2010/main" val="3475760737"/>
+      </p:ext>
+    </p:extLst>
+  </p:cSld>
+  <p:clrMapOvr>
+    <a:masterClrMapping/>
+  </p:clrMapOvr>
+</p:notes>
+</file>
+
+<file path=ppt/notesSlides/notesSlide2.xml><?xml version="1.0" encoding="utf-8"?>
+<p:notes xmlns:a="http://schemas.openxmlformats.org/drawingml/2006/main" xmlns:r="http://schemas.openxmlformats.org/officeDocument/2006/relationships" xmlns:p="http://schemas.openxmlformats.org/presentationml/2006/main">
+  <p:cSld>
+    <p:spTree>
+      <p:nvGrpSpPr>
+        <p:cNvPr id="1" name=""/>
+        <p:cNvGrpSpPr/>
+        <p:nvPr/>
+      </p:nvGrpSpPr>
+      <p:grpSpPr>
+        <a:xfrm>
+          <a:off x="0" y="0"/>
+          <a:ext cx="0" cy="0"/>
+          <a:chOff x="0" y="0"/>
+          <a:chExt cx="0" cy="0"/>
+        </a:xfrm>
+      </p:grpSpPr>
+      <p:sp>
+        <p:nvSpPr>
+          <p:cNvPr id="2" name="Slide Image Placeholder 1"/>
+          <p:cNvSpPr>
+            <a:spLocks noGrp="1" noRot="1" noChangeAspect="1"/>
+          </p:cNvSpPr>
+          <p:nvPr>
+            <p:ph type="sldImg"/>
+          </p:nvPr>
+        </p:nvSpPr>
+        <p:spPr/>
+      </p:sp>
+      <p:sp>
+        <p:nvSpPr>
+          <p:cNvPr id="3" name="Notes Placeholder 2"/>
+          <p:cNvSpPr>
+            <a:spLocks noGrp="1"/>
+          </p:cNvSpPr>
+          <p:nvPr>
+            <p:ph type="body" idx="1"/>
+          </p:nvPr>
+        </p:nvSpPr>
+        <p:spPr/>
+        <p:txBody>
+          <a:bodyPr/>
+          <a:lstStyle/>
+          <a:p>
+            <a:r>
+              <a:rPr lang="en-US" dirty="0"/>
+              <a:t>Remote host verification</a:t>
+            </a:r>
+            <a:r>
+              <a:rPr lang="en-US" baseline="0" dirty="0"/>
+              <a:t> </a:t>
+            </a:r>
+            <a:r>
+              <a:rPr lang="en-US" baseline="0"/>
+              <a:t>for trusted path</a:t>
+            </a:r>
+            <a:endParaRPr lang="en-US" dirty="0"/>
+          </a:p>
+        </p:txBody>
+      </p:sp>
+      <p:sp>
+        <p:nvSpPr>
+          <p:cNvPr id="4" name="Slide Number Placeholder 3"/>
+          <p:cNvSpPr>
+            <a:spLocks noGrp="1"/>
+          </p:cNvSpPr>
+          <p:nvPr>
+            <p:ph type="sldNum" sz="quarter" idx="10"/>
+          </p:nvPr>
+        </p:nvSpPr>
+        <p:spPr/>
+        <p:txBody>
+          <a:bodyPr/>
+          <a:lstStyle/>
+          <a:p>
+            <a:fld id="{CC7A9D0F-5606-420A-A738-28C65A282F9E}" type="slidenum">
+              <a:rPr lang="en-US" smtClean="0"/>
+              <a:t>6</a:t>
+            </a:fld>
+            <a:endParaRPr lang="en-US"/>
+          </a:p>
+        </p:txBody>
+      </p:sp>
+    </p:spTree>
+    <p:extLst>
+      <p:ext uri="{BB962C8B-B14F-4D97-AF65-F5344CB8AC3E}">
+        <p14:creationId xmlns:p14="http://schemas.microsoft.com/office/powerpoint/2010/main" val="1519776513"/>
+      </p:ext>
+    </p:extLst>
+  </p:cSld>
+  <p:clrMapOvr>
+    <a:masterClrMapping/>
+  </p:clrMapOvr>
+</p:notes>
+</file>
+
 <file path=ppt/slideLayouts/slideLayout1.xml><?xml version="1.0" encoding="utf-8"?>
 <p:sldLayout xmlns:a="http://schemas.openxmlformats.org/drawingml/2006/main" xmlns:r="http://schemas.openxmlformats.org/officeDocument/2006/relationships" xmlns:p="http://schemas.openxmlformats.org/presentationml/2006/main" type="title" preserve="1">
   <p:cSld name="Title Slide">
@@ -263,7 +805,7 @@
           <a:p>
             <a:fld id="{4A6819D7-BF49-4B36-8485-C90B38BA0940}" type="datetimeFigureOut">
               <a:rPr lang="en-US" smtClean="0"/>
-              <a:t>3/31/2021</a:t>
+              <a:t>4/2/2021</a:t>
             </a:fld>
             <a:endParaRPr lang="en-US"/>
           </a:p>
@@ -461,7 +1003,7 @@
           <a:p>
             <a:fld id="{4A6819D7-BF49-4B36-8485-C90B38BA0940}" type="datetimeFigureOut">
               <a:rPr lang="en-US" smtClean="0"/>
-              <a:t>3/31/2021</a:t>
+              <a:t>4/2/2021</a:t>
             </a:fld>
             <a:endParaRPr lang="en-US"/>
           </a:p>
@@ -669,7 +1211,7 @@
           <a:p>
             <a:fld id="{4A6819D7-BF49-4B36-8485-C90B38BA0940}" type="datetimeFigureOut">
               <a:rPr lang="en-US" smtClean="0"/>
-              <a:t>3/31/2021</a:t>
+              <a:t>4/2/2021</a:t>
             </a:fld>
             <a:endParaRPr lang="en-US"/>
           </a:p>
@@ -867,7 +1409,7 @@
           <a:p>
             <a:fld id="{4A6819D7-BF49-4B36-8485-C90B38BA0940}" type="datetimeFigureOut">
               <a:rPr lang="en-US" smtClean="0"/>
-              <a:t>3/31/2021</a:t>
+              <a:t>4/2/2021</a:t>
             </a:fld>
             <a:endParaRPr lang="en-US"/>
           </a:p>
@@ -1142,7 +1684,7 @@
           <a:p>
             <a:fld id="{4A6819D7-BF49-4B36-8485-C90B38BA0940}" type="datetimeFigureOut">
               <a:rPr lang="en-US" smtClean="0"/>
-              <a:t>3/31/2021</a:t>
+              <a:t>4/2/2021</a:t>
             </a:fld>
             <a:endParaRPr lang="en-US"/>
           </a:p>
@@ -1407,7 +1949,7 @@
           <a:p>
             <a:fld id="{4A6819D7-BF49-4B36-8485-C90B38BA0940}" type="datetimeFigureOut">
               <a:rPr lang="en-US" smtClean="0"/>
-              <a:t>3/31/2021</a:t>
+              <a:t>4/2/2021</a:t>
             </a:fld>
             <a:endParaRPr lang="en-US"/>
           </a:p>
@@ -1819,7 +2361,7 @@
           <a:p>
             <a:fld id="{4A6819D7-BF49-4B36-8485-C90B38BA0940}" type="datetimeFigureOut">
               <a:rPr lang="en-US" smtClean="0"/>
-              <a:t>3/31/2021</a:t>
+              <a:t>4/2/2021</a:t>
             </a:fld>
             <a:endParaRPr lang="en-US"/>
           </a:p>
@@ -1960,7 +2502,7 @@
           <a:p>
             <a:fld id="{4A6819D7-BF49-4B36-8485-C90B38BA0940}" type="datetimeFigureOut">
               <a:rPr lang="en-US" smtClean="0"/>
-              <a:t>3/31/2021</a:t>
+              <a:t>4/2/2021</a:t>
             </a:fld>
             <a:endParaRPr lang="en-US"/>
           </a:p>
@@ -2073,7 +2615,7 @@
           <a:p>
             <a:fld id="{4A6819D7-BF49-4B36-8485-C90B38BA0940}" type="datetimeFigureOut">
               <a:rPr lang="en-US" smtClean="0"/>
-              <a:t>3/31/2021</a:t>
+              <a:t>4/2/2021</a:t>
             </a:fld>
             <a:endParaRPr lang="en-US"/>
           </a:p>
@@ -2384,7 +2926,7 @@
           <a:p>
             <a:fld id="{4A6819D7-BF49-4B36-8485-C90B38BA0940}" type="datetimeFigureOut">
               <a:rPr lang="en-US" smtClean="0"/>
-              <a:t>3/31/2021</a:t>
+              <a:t>4/2/2021</a:t>
             </a:fld>
             <a:endParaRPr lang="en-US"/>
           </a:p>
@@ -2672,7 +3214,7 @@
           <a:p>
             <a:fld id="{4A6819D7-BF49-4B36-8485-C90B38BA0940}" type="datetimeFigureOut">
               <a:rPr lang="en-US" smtClean="0"/>
-              <a:t>3/31/2021</a:t>
+              <a:t>4/2/2021</a:t>
             </a:fld>
             <a:endParaRPr lang="en-US"/>
           </a:p>
@@ -2913,7 +3455,7 @@
           <a:p>
             <a:fld id="{4A6819D7-BF49-4B36-8485-C90B38BA0940}" type="datetimeFigureOut">
               <a:rPr lang="en-US" smtClean="0"/>
-              <a:t>3/31/2021</a:t>
+              <a:t>4/2/2021</a:t>
             </a:fld>
             <a:endParaRPr lang="en-US"/>
           </a:p>
@@ -11201,6 +11743,1107 @@
           <a:chExt cx="0" cy="0"/>
         </a:xfrm>
       </p:grpSpPr>
+      <p:sp>
+        <p:nvSpPr>
+          <p:cNvPr id="4" name="Rounded Rectangle 3"/>
+          <p:cNvSpPr/>
+          <p:nvPr/>
+        </p:nvSpPr>
+        <p:spPr>
+          <a:xfrm>
+            <a:off x="2376177" y="356078"/>
+            <a:ext cx="2452830" cy="1883972"/>
+          </a:xfrm>
+          <a:prstGeom prst="roundRect">
+            <a:avLst>
+              <a:gd name="adj" fmla="val 4940"/>
+            </a:avLst>
+          </a:prstGeom>
+          <a:noFill/>
+          <a:ln w="28575"/>
+        </p:spPr>
+        <p:style>
+          <a:lnRef idx="2">
+            <a:schemeClr val="dk1"/>
+          </a:lnRef>
+          <a:fillRef idx="1">
+            <a:schemeClr val="lt1"/>
+          </a:fillRef>
+          <a:effectRef idx="0">
+            <a:schemeClr val="dk1"/>
+          </a:effectRef>
+          <a:fontRef idx="minor">
+            <a:schemeClr val="dk1"/>
+          </a:fontRef>
+        </p:style>
+        <p:txBody>
+          <a:bodyPr rtlCol="0" anchor="ctr"/>
+          <a:lstStyle/>
+          <a:p>
+            <a:pPr algn="ctr"/>
+            <a:endParaRPr lang="en-US"/>
+          </a:p>
+        </p:txBody>
+      </p:sp>
+      <p:sp>
+        <p:nvSpPr>
+          <p:cNvPr id="6" name="Rounded Rectangle 5"/>
+          <p:cNvSpPr/>
+          <p:nvPr/>
+        </p:nvSpPr>
+        <p:spPr>
+          <a:xfrm>
+            <a:off x="2456981" y="440360"/>
+            <a:ext cx="1270291" cy="1473784"/>
+          </a:xfrm>
+          <a:prstGeom prst="roundRect">
+            <a:avLst>
+              <a:gd name="adj" fmla="val 8797"/>
+            </a:avLst>
+          </a:prstGeom>
+          <a:solidFill>
+            <a:srgbClr val="FDA1AC"/>
+          </a:solidFill>
+          <a:ln w="28575"/>
+        </p:spPr>
+        <p:style>
+          <a:lnRef idx="2">
+            <a:schemeClr val="dk1"/>
+          </a:lnRef>
+          <a:fillRef idx="1">
+            <a:schemeClr val="lt1"/>
+          </a:fillRef>
+          <a:effectRef idx="0">
+            <a:schemeClr val="dk1"/>
+          </a:effectRef>
+          <a:fontRef idx="minor">
+            <a:schemeClr val="dk1"/>
+          </a:fontRef>
+        </p:style>
+        <p:txBody>
+          <a:bodyPr rtlCol="0" anchor="ctr"/>
+          <a:lstStyle/>
+          <a:p>
+            <a:pPr algn="ctr"/>
+            <a:endParaRPr lang="en-US"/>
+          </a:p>
+        </p:txBody>
+      </p:sp>
+      <p:sp>
+        <p:nvSpPr>
+          <p:cNvPr id="7" name="Rectangle 6"/>
+          <p:cNvSpPr/>
+          <p:nvPr/>
+        </p:nvSpPr>
+        <p:spPr>
+          <a:xfrm>
+            <a:off x="2425953" y="1879340"/>
+            <a:ext cx="1464375" cy="369332"/>
+          </a:xfrm>
+          <a:prstGeom prst="rect">
+            <a:avLst/>
+          </a:prstGeom>
+        </p:spPr>
+        <p:txBody>
+          <a:bodyPr wrap="none">
+            <a:spAutoFit/>
+          </a:bodyPr>
+          <a:lstStyle/>
+          <a:p>
+            <a:r>
+              <a:rPr lang="en-US" dirty="0"/>
+              <a:t>Untrusted OS</a:t>
+            </a:r>
+          </a:p>
+        </p:txBody>
+      </p:sp>
+      <p:pic>
+        <p:nvPicPr>
+          <p:cNvPr id="8" name="Picture 7"/>
+          <p:cNvPicPr>
+            <a:picLocks noChangeAspect="1"/>
+          </p:cNvPicPr>
+          <p:nvPr/>
+        </p:nvPicPr>
+        <p:blipFill rotWithShape="1">
+          <a:blip r:embed="rId3" cstate="print">
+            <a:extLst>
+              <a:ext uri="{28A0092B-C50C-407E-A947-70E740481C1C}">
+                <a14:useLocalDpi xmlns:a14="http://schemas.microsoft.com/office/drawing/2010/main" val="0"/>
+              </a:ext>
+            </a:extLst>
+          </a:blip>
+          <a:srcRect t="11878" b="11402"/>
+          <a:stretch/>
+        </p:blipFill>
+        <p:spPr>
+          <a:xfrm>
+            <a:off x="2531456" y="568774"/>
+            <a:ext cx="1122311" cy="861032"/>
+          </a:xfrm>
+          <a:prstGeom prst="rect">
+            <a:avLst/>
+          </a:prstGeom>
+        </p:spPr>
+      </p:pic>
+      <p:sp>
+        <p:nvSpPr>
+          <p:cNvPr id="9" name="Rectangle 8"/>
+          <p:cNvSpPr/>
+          <p:nvPr/>
+        </p:nvSpPr>
+        <p:spPr>
+          <a:xfrm>
+            <a:off x="2527393" y="1320633"/>
+            <a:ext cx="1199880" cy="646331"/>
+          </a:xfrm>
+          <a:prstGeom prst="rect">
+            <a:avLst/>
+          </a:prstGeom>
+        </p:spPr>
+        <p:txBody>
+          <a:bodyPr wrap="none">
+            <a:spAutoFit/>
+          </a:bodyPr>
+          <a:lstStyle/>
+          <a:p>
+            <a:r>
+              <a:rPr lang="en-US" dirty="0"/>
+              <a:t>Untrusted </a:t>
+            </a:r>
+          </a:p>
+          <a:p>
+            <a:pPr algn="ctr"/>
+            <a:r>
+              <a:rPr lang="en-US" dirty="0"/>
+              <a:t>App</a:t>
+            </a:r>
+          </a:p>
+        </p:txBody>
+      </p:sp>
+      <p:sp>
+        <p:nvSpPr>
+          <p:cNvPr id="11" name="Rectangle 10"/>
+          <p:cNvSpPr/>
+          <p:nvPr/>
+        </p:nvSpPr>
+        <p:spPr>
+          <a:xfrm>
+            <a:off x="2823628" y="2188223"/>
+            <a:ext cx="1557927" cy="369332"/>
+          </a:xfrm>
+          <a:prstGeom prst="rect">
+            <a:avLst/>
+          </a:prstGeom>
+        </p:spPr>
+        <p:txBody>
+          <a:bodyPr wrap="none">
+            <a:spAutoFit/>
+          </a:bodyPr>
+          <a:lstStyle/>
+          <a:p>
+            <a:r>
+              <a:rPr lang="en-US" dirty="0"/>
+              <a:t>Local platform</a:t>
+            </a:r>
+          </a:p>
+        </p:txBody>
+      </p:sp>
+      <p:pic>
+        <p:nvPicPr>
+          <p:cNvPr id="12" name="Picture 11"/>
+          <p:cNvPicPr>
+            <a:picLocks noChangeAspect="1"/>
+          </p:cNvPicPr>
+          <p:nvPr/>
+        </p:nvPicPr>
+        <p:blipFill rotWithShape="1">
+          <a:blip r:embed="rId4" cstate="print">
+            <a:extLst>
+              <a:ext uri="{28A0092B-C50C-407E-A947-70E740481C1C}">
+                <a14:useLocalDpi xmlns:a14="http://schemas.microsoft.com/office/drawing/2010/main" val="0"/>
+              </a:ext>
+            </a:extLst>
+          </a:blip>
+          <a:srcRect t="12685" b="12552"/>
+          <a:stretch/>
+        </p:blipFill>
+        <p:spPr>
+          <a:xfrm flipH="1">
+            <a:off x="80503" y="4956"/>
+            <a:ext cx="709618" cy="541133"/>
+          </a:xfrm>
+          <a:prstGeom prst="rect">
+            <a:avLst/>
+          </a:prstGeom>
+        </p:spPr>
+      </p:pic>
+      <p:pic>
+        <p:nvPicPr>
+          <p:cNvPr id="13" name="Picture 12"/>
+          <p:cNvPicPr>
+            <a:picLocks noChangeAspect="1"/>
+          </p:cNvPicPr>
+          <p:nvPr/>
+        </p:nvPicPr>
+        <p:blipFill rotWithShape="1">
+          <a:blip r:embed="rId5" cstate="print">
+            <a:grayscl/>
+            <a:extLst>
+              <a:ext uri="{28A0092B-C50C-407E-A947-70E740481C1C}">
+                <a14:useLocalDpi xmlns:a14="http://schemas.microsoft.com/office/drawing/2010/main" val="0"/>
+              </a:ext>
+            </a:extLst>
+          </a:blip>
+          <a:srcRect t="9232" b="8798"/>
+          <a:stretch/>
+        </p:blipFill>
+        <p:spPr>
+          <a:xfrm>
+            <a:off x="39046" y="802399"/>
+            <a:ext cx="609059" cy="499246"/>
+          </a:xfrm>
+          <a:prstGeom prst="rect">
+            <a:avLst/>
+          </a:prstGeom>
+        </p:spPr>
+      </p:pic>
+      <p:grpSp>
+        <p:nvGrpSpPr>
+          <p:cNvPr id="15" name="Group 14"/>
+          <p:cNvGrpSpPr/>
+          <p:nvPr/>
+        </p:nvGrpSpPr>
+        <p:grpSpPr>
+          <a:xfrm>
+            <a:off x="794612" y="347565"/>
+            <a:ext cx="215276" cy="1579982"/>
+            <a:chOff x="1068265" y="386859"/>
+            <a:chExt cx="511000" cy="2357182"/>
+          </a:xfrm>
+        </p:grpSpPr>
+        <p:grpSp>
+          <p:nvGrpSpPr>
+            <p:cNvPr id="16" name="Group 15"/>
+            <p:cNvGrpSpPr/>
+            <p:nvPr/>
+          </p:nvGrpSpPr>
+          <p:grpSpPr>
+            <a:xfrm>
+              <a:off x="1068265" y="386859"/>
+              <a:ext cx="506237" cy="1169182"/>
+              <a:chOff x="1686102" y="1307436"/>
+              <a:chExt cx="506237" cy="1169182"/>
+            </a:xfrm>
+          </p:grpSpPr>
+          <p:cxnSp>
+            <p:nvCxnSpPr>
+              <p:cNvPr id="20" name="Straight Connector 19"/>
+              <p:cNvCxnSpPr/>
+              <p:nvPr/>
+            </p:nvCxnSpPr>
+            <p:spPr>
+              <a:xfrm>
+                <a:off x="1686102" y="1307436"/>
+                <a:ext cx="506237" cy="0"/>
+              </a:xfrm>
+              <a:prstGeom prst="line">
+                <a:avLst/>
+              </a:prstGeom>
+              <a:ln w="19050">
+                <a:headEnd type="arrow" w="med" len="med"/>
+                <a:tailEnd type="none" w="med" len="med"/>
+              </a:ln>
+            </p:spPr>
+            <p:style>
+              <a:lnRef idx="1">
+                <a:schemeClr val="dk1"/>
+              </a:lnRef>
+              <a:fillRef idx="0">
+                <a:schemeClr val="dk1"/>
+              </a:fillRef>
+              <a:effectRef idx="0">
+                <a:schemeClr val="dk1"/>
+              </a:effectRef>
+              <a:fontRef idx="minor">
+                <a:schemeClr val="tx1"/>
+              </a:fontRef>
+            </p:style>
+          </p:cxnSp>
+          <p:cxnSp>
+            <p:nvCxnSpPr>
+              <p:cNvPr id="21" name="Straight Connector 20"/>
+              <p:cNvCxnSpPr/>
+              <p:nvPr/>
+            </p:nvCxnSpPr>
+            <p:spPr>
+              <a:xfrm>
+                <a:off x="2187576" y="1307436"/>
+                <a:ext cx="0" cy="1169182"/>
+              </a:xfrm>
+              <a:prstGeom prst="line">
+                <a:avLst/>
+              </a:prstGeom>
+              <a:ln w="19050"/>
+            </p:spPr>
+            <p:style>
+              <a:lnRef idx="1">
+                <a:schemeClr val="dk1"/>
+              </a:lnRef>
+              <a:fillRef idx="0">
+                <a:schemeClr val="dk1"/>
+              </a:fillRef>
+              <a:effectRef idx="0">
+                <a:schemeClr val="dk1"/>
+              </a:effectRef>
+              <a:fontRef idx="minor">
+                <a:schemeClr val="tx1"/>
+              </a:fontRef>
+            </p:style>
+          </p:cxnSp>
+        </p:grpSp>
+        <p:grpSp>
+          <p:nvGrpSpPr>
+            <p:cNvPr id="17" name="Group 16"/>
+            <p:cNvGrpSpPr/>
+            <p:nvPr/>
+          </p:nvGrpSpPr>
+          <p:grpSpPr>
+            <a:xfrm flipV="1">
+              <a:off x="1073028" y="1502519"/>
+              <a:ext cx="506237" cy="1241522"/>
+              <a:chOff x="1690863" y="1307436"/>
+              <a:chExt cx="506237" cy="1229126"/>
+            </a:xfrm>
+          </p:grpSpPr>
+          <p:cxnSp>
+            <p:nvCxnSpPr>
+              <p:cNvPr id="18" name="Straight Connector 17"/>
+              <p:cNvCxnSpPr/>
+              <p:nvPr/>
+            </p:nvCxnSpPr>
+            <p:spPr>
+              <a:xfrm>
+                <a:off x="1690863" y="1309817"/>
+                <a:ext cx="506237" cy="0"/>
+              </a:xfrm>
+              <a:prstGeom prst="line">
+                <a:avLst/>
+              </a:prstGeom>
+              <a:ln w="19050">
+                <a:headEnd type="arrow" w="med" len="med"/>
+                <a:tailEnd type="none" w="med" len="med"/>
+              </a:ln>
+            </p:spPr>
+            <p:style>
+              <a:lnRef idx="1">
+                <a:schemeClr val="dk1"/>
+              </a:lnRef>
+              <a:fillRef idx="0">
+                <a:schemeClr val="dk1"/>
+              </a:fillRef>
+              <a:effectRef idx="0">
+                <a:schemeClr val="dk1"/>
+              </a:effectRef>
+              <a:fontRef idx="minor">
+                <a:schemeClr val="tx1"/>
+              </a:fontRef>
+            </p:style>
+          </p:cxnSp>
+          <p:cxnSp>
+            <p:nvCxnSpPr>
+              <p:cNvPr id="19" name="Straight Connector 18"/>
+              <p:cNvCxnSpPr>
+                <a:cxnSpLocks/>
+              </p:cNvCxnSpPr>
+              <p:nvPr/>
+            </p:nvCxnSpPr>
+            <p:spPr>
+              <a:xfrm>
+                <a:off x="2187577" y="1307436"/>
+                <a:ext cx="0" cy="1229126"/>
+              </a:xfrm>
+              <a:prstGeom prst="line">
+                <a:avLst/>
+              </a:prstGeom>
+              <a:ln w="19050"/>
+            </p:spPr>
+            <p:style>
+              <a:lnRef idx="1">
+                <a:schemeClr val="dk1"/>
+              </a:lnRef>
+              <a:fillRef idx="0">
+                <a:schemeClr val="dk1"/>
+              </a:fillRef>
+              <a:effectRef idx="0">
+                <a:schemeClr val="dk1"/>
+              </a:effectRef>
+              <a:fontRef idx="minor">
+                <a:schemeClr val="tx1"/>
+              </a:fontRef>
+            </p:style>
+          </p:cxnSp>
+        </p:grpSp>
+      </p:grpSp>
+      <p:cxnSp>
+        <p:nvCxnSpPr>
+          <p:cNvPr id="26" name="Straight Arrow Connector 25"/>
+          <p:cNvCxnSpPr/>
+          <p:nvPr/>
+        </p:nvCxnSpPr>
+        <p:spPr>
+          <a:xfrm>
+            <a:off x="790121" y="1071769"/>
+            <a:ext cx="430829" cy="0"/>
+          </a:xfrm>
+          <a:prstGeom prst="straightConnector1">
+            <a:avLst/>
+          </a:prstGeom>
+          <a:ln w="19050">
+            <a:solidFill>
+              <a:schemeClr val="tx1"/>
+            </a:solidFill>
+            <a:headEnd type="arrow" w="med" len="med"/>
+            <a:tailEnd type="arrow" w="med" len="med"/>
+          </a:ln>
+        </p:spPr>
+        <p:style>
+          <a:lnRef idx="1">
+            <a:schemeClr val="accent1"/>
+          </a:lnRef>
+          <a:fillRef idx="0">
+            <a:schemeClr val="accent1"/>
+          </a:fillRef>
+          <a:effectRef idx="0">
+            <a:schemeClr val="accent1"/>
+          </a:effectRef>
+          <a:fontRef idx="minor">
+            <a:schemeClr val="tx1"/>
+          </a:fontRef>
+        </p:style>
+      </p:cxnSp>
+      <p:sp>
+        <p:nvSpPr>
+          <p:cNvPr id="28" name="Rectangle 27"/>
+          <p:cNvSpPr/>
+          <p:nvPr/>
+        </p:nvSpPr>
+        <p:spPr>
+          <a:xfrm>
+            <a:off x="-102600" y="2183858"/>
+            <a:ext cx="1182183" cy="369332"/>
+          </a:xfrm>
+          <a:prstGeom prst="rect">
+            <a:avLst/>
+          </a:prstGeom>
+        </p:spPr>
+        <p:txBody>
+          <a:bodyPr wrap="none">
+            <a:spAutoFit/>
+          </a:bodyPr>
+          <a:lstStyle/>
+          <a:p>
+            <a:r>
+              <a:rPr lang="en-US" dirty="0"/>
+              <a:t>IO Devices</a:t>
+            </a:r>
+          </a:p>
+        </p:txBody>
+      </p:sp>
+      <p:pic>
+        <p:nvPicPr>
+          <p:cNvPr id="37" name="Picture 36"/>
+          <p:cNvPicPr>
+            <a:picLocks noChangeAspect="1"/>
+          </p:cNvPicPr>
+          <p:nvPr/>
+        </p:nvPicPr>
+        <p:blipFill rotWithShape="1">
+          <a:blip r:embed="rId6" cstate="print">
+            <a:extLst>
+              <a:ext uri="{28A0092B-C50C-407E-A947-70E740481C1C}">
+                <a14:useLocalDpi xmlns:a14="http://schemas.microsoft.com/office/drawing/2010/main" val="0"/>
+              </a:ext>
+            </a:extLst>
+          </a:blip>
+          <a:srcRect l="25696" r="25137"/>
+          <a:stretch/>
+        </p:blipFill>
+        <p:spPr>
+          <a:xfrm rot="1089322">
+            <a:off x="1310813" y="645759"/>
+            <a:ext cx="420925" cy="856109"/>
+          </a:xfrm>
+          <a:prstGeom prst="rect">
+            <a:avLst/>
+          </a:prstGeom>
+        </p:spPr>
+      </p:pic>
+      <p:sp>
+        <p:nvSpPr>
+          <p:cNvPr id="61" name="Rectangle 60"/>
+          <p:cNvSpPr/>
+          <p:nvPr/>
+        </p:nvSpPr>
+        <p:spPr>
+          <a:xfrm>
+            <a:off x="946365" y="1558086"/>
+            <a:ext cx="1183466" cy="369332"/>
+          </a:xfrm>
+          <a:prstGeom prst="rect">
+            <a:avLst/>
+          </a:prstGeom>
+        </p:spPr>
+        <p:txBody>
+          <a:bodyPr wrap="none">
+            <a:spAutoFit/>
+          </a:bodyPr>
+          <a:lstStyle/>
+          <a:p>
+            <a:pPr algn="ctr"/>
+            <a:r>
+              <a:rPr lang="en-US" dirty="0"/>
+              <a:t>P</a:t>
+            </a:r>
+            <a:r>
+              <a:rPr lang="en-US" sz="1400" dirty="0"/>
+              <a:t>ROXIMI</a:t>
+            </a:r>
+            <a:r>
+              <a:rPr lang="en-US" dirty="0"/>
+              <a:t>K</a:t>
+            </a:r>
+            <a:r>
+              <a:rPr lang="en-US" sz="1400" dirty="0"/>
+              <a:t>EY</a:t>
+            </a:r>
+            <a:endParaRPr lang="en-US" dirty="0"/>
+          </a:p>
+        </p:txBody>
+      </p:sp>
+      <p:grpSp>
+        <p:nvGrpSpPr>
+          <p:cNvPr id="72" name="Group 71"/>
+          <p:cNvGrpSpPr/>
+          <p:nvPr/>
+        </p:nvGrpSpPr>
+        <p:grpSpPr>
+          <a:xfrm>
+            <a:off x="858614" y="2002427"/>
+            <a:ext cx="1628377" cy="338554"/>
+            <a:chOff x="5470336" y="702509"/>
+            <a:chExt cx="1628377" cy="338554"/>
+          </a:xfrm>
+        </p:grpSpPr>
+        <p:sp>
+          <p:nvSpPr>
+            <p:cNvPr id="73" name="Oval 72"/>
+            <p:cNvSpPr/>
+            <p:nvPr/>
+          </p:nvSpPr>
+          <p:spPr>
+            <a:xfrm>
+              <a:off x="5847195" y="764132"/>
+              <a:ext cx="202025" cy="211031"/>
+            </a:xfrm>
+            <a:prstGeom prst="ellipse">
+              <a:avLst/>
+            </a:prstGeom>
+            <a:ln w="19050"/>
+          </p:spPr>
+          <p:style>
+            <a:lnRef idx="2">
+              <a:schemeClr val="dk1"/>
+            </a:lnRef>
+            <a:fillRef idx="1">
+              <a:schemeClr val="lt1"/>
+            </a:fillRef>
+            <a:effectRef idx="0">
+              <a:schemeClr val="dk1"/>
+            </a:effectRef>
+            <a:fontRef idx="minor">
+              <a:schemeClr val="dk1"/>
+            </a:fontRef>
+          </p:style>
+          <p:txBody>
+            <a:bodyPr rtlCol="0" anchor="ctr"/>
+            <a:lstStyle/>
+            <a:p>
+              <a:pPr algn="ctr"/>
+              <a:r>
+                <a:rPr lang="en-US" dirty="0"/>
+                <a:t>3</a:t>
+              </a:r>
+            </a:p>
+          </p:txBody>
+        </p:sp>
+        <p:sp>
+          <p:nvSpPr>
+            <p:cNvPr id="74" name="Rectangle 73"/>
+            <p:cNvSpPr/>
+            <p:nvPr/>
+          </p:nvSpPr>
+          <p:spPr>
+            <a:xfrm>
+              <a:off x="5470336" y="702509"/>
+              <a:ext cx="1628377" cy="338554"/>
+            </a:xfrm>
+            <a:prstGeom prst="rect">
+              <a:avLst/>
+            </a:prstGeom>
+          </p:spPr>
+          <p:txBody>
+            <a:bodyPr wrap="square">
+              <a:spAutoFit/>
+            </a:bodyPr>
+            <a:lstStyle/>
+            <a:p>
+              <a:pPr algn="ctr"/>
+              <a:r>
+                <a:rPr lang="en-US" sz="1600" dirty="0"/>
+                <a:t>I/O</a:t>
+              </a:r>
+            </a:p>
+          </p:txBody>
+        </p:sp>
+      </p:grpSp>
+      <p:pic>
+        <p:nvPicPr>
+          <p:cNvPr id="2" name="Picture 1"/>
+          <p:cNvPicPr>
+            <a:picLocks noChangeAspect="1"/>
+          </p:cNvPicPr>
+          <p:nvPr/>
+        </p:nvPicPr>
+        <p:blipFill rotWithShape="1">
+          <a:blip r:embed="rId7" cstate="print">
+            <a:extLst>
+              <a:ext uri="{28A0092B-C50C-407E-A947-70E740481C1C}">
+                <a14:useLocalDpi xmlns:a14="http://schemas.microsoft.com/office/drawing/2010/main" val="0"/>
+              </a:ext>
+            </a:extLst>
+          </a:blip>
+          <a:srcRect t="9223" b="8899"/>
+          <a:stretch/>
+        </p:blipFill>
+        <p:spPr>
+          <a:xfrm flipH="1">
+            <a:off x="143746" y="1691225"/>
+            <a:ext cx="619796" cy="507481"/>
+          </a:xfrm>
+          <a:prstGeom prst="rect">
+            <a:avLst/>
+          </a:prstGeom>
+        </p:spPr>
+      </p:pic>
+      <p:grpSp>
+        <p:nvGrpSpPr>
+          <p:cNvPr id="68" name="Group 67"/>
+          <p:cNvGrpSpPr/>
+          <p:nvPr/>
+        </p:nvGrpSpPr>
+        <p:grpSpPr>
+          <a:xfrm>
+            <a:off x="1027025" y="17523"/>
+            <a:ext cx="1796604" cy="338554"/>
+            <a:chOff x="5620702" y="702509"/>
+            <a:chExt cx="1796604" cy="338554"/>
+          </a:xfrm>
+        </p:grpSpPr>
+        <p:sp>
+          <p:nvSpPr>
+            <p:cNvPr id="69" name="Oval 68"/>
+            <p:cNvSpPr/>
+            <p:nvPr/>
+          </p:nvSpPr>
+          <p:spPr>
+            <a:xfrm>
+              <a:off x="5620702" y="764132"/>
+              <a:ext cx="202025" cy="211031"/>
+            </a:xfrm>
+            <a:prstGeom prst="ellipse">
+              <a:avLst/>
+            </a:prstGeom>
+            <a:ln w="19050"/>
+          </p:spPr>
+          <p:style>
+            <a:lnRef idx="2">
+              <a:schemeClr val="dk1"/>
+            </a:lnRef>
+            <a:fillRef idx="1">
+              <a:schemeClr val="lt1"/>
+            </a:fillRef>
+            <a:effectRef idx="0">
+              <a:schemeClr val="dk1"/>
+            </a:effectRef>
+            <a:fontRef idx="minor">
+              <a:schemeClr val="dk1"/>
+            </a:fontRef>
+          </p:style>
+          <p:txBody>
+            <a:bodyPr rtlCol="0" anchor="ctr"/>
+            <a:lstStyle/>
+            <a:p>
+              <a:pPr algn="ctr"/>
+              <a:r>
+                <a:rPr lang="en-US" dirty="0"/>
+                <a:t>1</a:t>
+              </a:r>
+            </a:p>
+          </p:txBody>
+        </p:sp>
+        <p:sp>
+          <p:nvSpPr>
+            <p:cNvPr id="70" name="Rectangle 69"/>
+            <p:cNvSpPr/>
+            <p:nvPr/>
+          </p:nvSpPr>
+          <p:spPr>
+            <a:xfrm>
+              <a:off x="5772488" y="702509"/>
+              <a:ext cx="1644818" cy="338554"/>
+            </a:xfrm>
+            <a:prstGeom prst="rect">
+              <a:avLst/>
+            </a:prstGeom>
+          </p:spPr>
+          <p:txBody>
+            <a:bodyPr wrap="square">
+              <a:spAutoFit/>
+            </a:bodyPr>
+            <a:lstStyle/>
+            <a:p>
+              <a:r>
+                <a:rPr lang="en-US" sz="1600" dirty="0"/>
+                <a:t>User initialization</a:t>
+              </a:r>
+            </a:p>
+          </p:txBody>
+        </p:sp>
+      </p:grpSp>
+      <p:sp>
+        <p:nvSpPr>
+          <p:cNvPr id="39" name="TextBox 38"/>
+          <p:cNvSpPr txBox="1"/>
+          <p:nvPr/>
+        </p:nvSpPr>
+        <p:spPr>
+          <a:xfrm>
+            <a:off x="3828175" y="772480"/>
+            <a:ext cx="909552" cy="646331"/>
+          </a:xfrm>
+          <a:prstGeom prst="rect">
+            <a:avLst/>
+          </a:prstGeom>
+          <a:solidFill>
+            <a:srgbClr val="AFECAA"/>
+          </a:solidFill>
+          <a:ln w="19050">
+            <a:solidFill>
+              <a:schemeClr val="tx1"/>
+            </a:solidFill>
+          </a:ln>
+        </p:spPr>
+        <p:txBody>
+          <a:bodyPr wrap="square" rtlCol="0">
+            <a:spAutoFit/>
+          </a:bodyPr>
+          <a:lstStyle/>
+          <a:p>
+            <a:pPr algn="ctr"/>
+            <a:r>
+              <a:rPr lang="en-US" dirty="0"/>
+              <a:t>App Enclave</a:t>
+            </a:r>
+          </a:p>
+        </p:txBody>
+      </p:sp>
+      <p:sp>
+        <p:nvSpPr>
+          <p:cNvPr id="54" name="Left-Right Arrow 53"/>
+          <p:cNvSpPr/>
+          <p:nvPr/>
+        </p:nvSpPr>
+        <p:spPr>
+          <a:xfrm>
+            <a:off x="1755351" y="856460"/>
+            <a:ext cx="2205128" cy="568474"/>
+          </a:xfrm>
+          <a:prstGeom prst="leftRightArrow">
+            <a:avLst>
+              <a:gd name="adj1" fmla="val 60739"/>
+              <a:gd name="adj2" fmla="val 45214"/>
+            </a:avLst>
+          </a:prstGeom>
+          <a:solidFill>
+            <a:schemeClr val="bg1">
+              <a:lumMod val="85000"/>
+            </a:schemeClr>
+          </a:solidFill>
+          <a:ln w="12700"/>
+        </p:spPr>
+        <p:style>
+          <a:lnRef idx="2">
+            <a:schemeClr val="dk1">
+              <a:shade val="50000"/>
+            </a:schemeClr>
+          </a:lnRef>
+          <a:fillRef idx="1">
+            <a:schemeClr val="dk1"/>
+          </a:fillRef>
+          <a:effectRef idx="0">
+            <a:schemeClr val="dk1"/>
+          </a:effectRef>
+          <a:fontRef idx="minor">
+            <a:schemeClr val="lt1"/>
+          </a:fontRef>
+        </p:style>
+        <p:txBody>
+          <a:bodyPr rtlCol="0" anchor="ctr"/>
+          <a:lstStyle/>
+          <a:p>
+            <a:pPr algn="ctr"/>
+            <a:endParaRPr lang="en-US"/>
+          </a:p>
+        </p:txBody>
+      </p:sp>
+      <p:grpSp>
+        <p:nvGrpSpPr>
+          <p:cNvPr id="119" name="Group 118"/>
+          <p:cNvGrpSpPr/>
+          <p:nvPr/>
+        </p:nvGrpSpPr>
+        <p:grpSpPr>
+          <a:xfrm>
+            <a:off x="2041691" y="970122"/>
+            <a:ext cx="1719588" cy="338554"/>
+            <a:chOff x="5620702" y="702509"/>
+            <a:chExt cx="1719588" cy="338554"/>
+          </a:xfrm>
+        </p:grpSpPr>
+        <p:sp>
+          <p:nvSpPr>
+            <p:cNvPr id="120" name="Oval 119"/>
+            <p:cNvSpPr/>
+            <p:nvPr/>
+          </p:nvSpPr>
+          <p:spPr>
+            <a:xfrm>
+              <a:off x="5620702" y="764132"/>
+              <a:ext cx="202025" cy="211031"/>
+            </a:xfrm>
+            <a:prstGeom prst="ellipse">
+              <a:avLst/>
+            </a:prstGeom>
+            <a:ln w="19050"/>
+          </p:spPr>
+          <p:style>
+            <a:lnRef idx="2">
+              <a:schemeClr val="dk1"/>
+            </a:lnRef>
+            <a:fillRef idx="1">
+              <a:schemeClr val="lt1"/>
+            </a:fillRef>
+            <a:effectRef idx="0">
+              <a:schemeClr val="dk1"/>
+            </a:effectRef>
+            <a:fontRef idx="minor">
+              <a:schemeClr val="dk1"/>
+            </a:fontRef>
+          </p:style>
+          <p:txBody>
+            <a:bodyPr rtlCol="0" anchor="ctr"/>
+            <a:lstStyle/>
+            <a:p>
+              <a:pPr algn="ctr"/>
+              <a:r>
+                <a:rPr lang="en-US" dirty="0"/>
+                <a:t>2</a:t>
+              </a:r>
+            </a:p>
+          </p:txBody>
+        </p:sp>
+        <p:sp>
+          <p:nvSpPr>
+            <p:cNvPr id="121" name="Rectangle 120"/>
+            <p:cNvSpPr/>
+            <p:nvPr/>
+          </p:nvSpPr>
+          <p:spPr>
+            <a:xfrm>
+              <a:off x="5753828" y="702509"/>
+              <a:ext cx="1586462" cy="338554"/>
+            </a:xfrm>
+            <a:prstGeom prst="rect">
+              <a:avLst/>
+            </a:prstGeom>
+          </p:spPr>
+          <p:txBody>
+            <a:bodyPr wrap="square">
+              <a:spAutoFit/>
+            </a:bodyPr>
+            <a:lstStyle/>
+            <a:p>
+              <a:r>
+                <a:rPr lang="en-US" sz="1600" dirty="0"/>
+                <a:t>Attestation + TLS</a:t>
+              </a:r>
+            </a:p>
+          </p:txBody>
+        </p:sp>
+      </p:grpSp>
+      <p:pic>
+        <p:nvPicPr>
+          <p:cNvPr id="34" name="Picture 33">
+            <a:extLst>
+              <a:ext uri="{FF2B5EF4-FFF2-40B4-BE49-F238E27FC236}">
+                <a16:creationId xmlns:a16="http://schemas.microsoft.com/office/drawing/2014/main" id="{07D6C13B-6CF6-46D4-A64F-BA23FDDEA4E9}"/>
+              </a:ext>
+            </a:extLst>
+          </p:cNvPr>
+          <p:cNvPicPr>
+            <a:picLocks noChangeAspect="1"/>
+          </p:cNvPicPr>
+          <p:nvPr/>
+        </p:nvPicPr>
+        <p:blipFill>
+          <a:blip r:embed="rId8" cstate="print">
+            <a:extLst>
+              <a:ext uri="{28A0092B-C50C-407E-A947-70E740481C1C}">
+                <a14:useLocalDpi xmlns:a14="http://schemas.microsoft.com/office/drawing/2010/main" val="0"/>
+              </a:ext>
+            </a:extLst>
+          </a:blip>
+          <a:stretch>
+            <a:fillRect/>
+          </a:stretch>
+        </p:blipFill>
+        <p:spPr>
+          <a:xfrm>
+            <a:off x="3259938" y="229566"/>
+            <a:ext cx="614937" cy="614937"/>
+          </a:xfrm>
+          <a:prstGeom prst="rect">
+            <a:avLst/>
+          </a:prstGeom>
+        </p:spPr>
+      </p:pic>
+    </p:spTree>
+    <p:extLst>
+      <p:ext uri="{BB962C8B-B14F-4D97-AF65-F5344CB8AC3E}">
+        <p14:creationId xmlns:p14="http://schemas.microsoft.com/office/powerpoint/2010/main" val="4098105980"/>
+      </p:ext>
+    </p:extLst>
+  </p:cSld>
+  <p:clrMapOvr>
+    <a:masterClrMapping/>
+  </p:clrMapOvr>
+  <p:timing>
+    <p:tnLst>
+      <p:par>
+        <p:cTn id="1" dur="indefinite" restart="never" nodeType="tmRoot">
+          <p:childTnLst>
+            <p:seq concurrent="1" nextAc="seek">
+              <p:cTn id="2" dur="indefinite" nodeType="mainSeq">
+                <p:childTnLst>
+                  <p:par>
+                    <p:cTn id="3" fill="hold">
+                      <p:stCondLst>
+                        <p:cond delay="indefinite"/>
+                        <p:cond evt="onBegin" delay="0">
+                          <p:tn val="2"/>
+                        </p:cond>
+                      </p:stCondLst>
+                      <p:childTnLst>
+                        <p:par>
+                          <p:cTn id="4" fill="hold">
+                            <p:stCondLst>
+                              <p:cond delay="0"/>
+                            </p:stCondLst>
+                            <p:childTnLst>
+                              <p:par>
+                                <p:cTn id="5" presetID="10" presetClass="entr" presetSubtype="0" fill="hold" nodeType="withEffect">
+                                  <p:stCondLst>
+                                    <p:cond delay="0"/>
+                                  </p:stCondLst>
+                                  <p:childTnLst>
+                                    <p:set>
+                                      <p:cBhvr>
+                                        <p:cTn id="6" dur="1" fill="hold">
+                                          <p:stCondLst>
+                                            <p:cond delay="0"/>
+                                          </p:stCondLst>
+                                        </p:cTn>
+                                        <p:tgtEl>
+                                          <p:spTgt spid="34"/>
+                                        </p:tgtEl>
+                                        <p:attrNameLst>
+                                          <p:attrName>style.visibility</p:attrName>
+                                        </p:attrNameLst>
+                                      </p:cBhvr>
+                                      <p:to>
+                                        <p:strVal val="visible"/>
+                                      </p:to>
+                                    </p:set>
+                                    <p:animEffect transition="in" filter="fade">
+                                      <p:cBhvr>
+                                        <p:cTn id="7" dur="500"/>
+                                        <p:tgtEl>
+                                          <p:spTgt spid="34"/>
+                                        </p:tgtEl>
+                                      </p:cBhvr>
+                                    </p:animEffect>
+                                  </p:childTnLst>
+                                </p:cTn>
+                              </p:par>
+                            </p:childTnLst>
+                          </p:cTn>
+                        </p:par>
+                      </p:childTnLst>
+                    </p:cTn>
+                  </p:par>
+                </p:childTnLst>
+              </p:cTn>
+              <p:prevCondLst>
+                <p:cond evt="onPrev" delay="0">
+                  <p:tgtEl>
+                    <p:sldTgt/>
+                  </p:tgtEl>
+                </p:cond>
+              </p:prevCondLst>
+              <p:nextCondLst>
+                <p:cond evt="onNext" delay="0">
+                  <p:tgtEl>
+                    <p:sldTgt/>
+                  </p:tgtEl>
+                </p:cond>
+              </p:nextCondLst>
+            </p:seq>
+          </p:childTnLst>
+        </p:cTn>
+      </p:par>
+    </p:tnLst>
+  </p:timing>
+</p:sld>
+</file>
+
+<file path=ppt/slides/slide5.xml><?xml version="1.0" encoding="utf-8"?>
+<p:sld xmlns:a="http://schemas.openxmlformats.org/drawingml/2006/main" xmlns:r="http://schemas.openxmlformats.org/officeDocument/2006/relationships" xmlns:p="http://schemas.openxmlformats.org/presentationml/2006/main">
+  <p:cSld>
+    <p:spTree>
+      <p:nvGrpSpPr>
+        <p:cNvPr id="1" name=""/>
+        <p:cNvGrpSpPr/>
+        <p:nvPr/>
+      </p:nvGrpSpPr>
+      <p:grpSpPr>
+        <a:xfrm>
+          <a:off x="0" y="0"/>
+          <a:ext cx="0" cy="0"/>
+          <a:chOff x="0" y="0"/>
+          <a:chExt cx="0" cy="0"/>
+        </a:xfrm>
+      </p:grpSpPr>
       <p:pic>
         <p:nvPicPr>
           <p:cNvPr id="73" name="Picture 72">
@@ -13828,7 +15471,1875 @@
 </p:sld>
 </file>
 
-<file path=ppt/slides/slide5.xml><?xml version="1.0" encoding="utf-8"?>
+<file path=ppt/slides/slide6.xml><?xml version="1.0" encoding="utf-8"?>
+<p:sld xmlns:a="http://schemas.openxmlformats.org/drawingml/2006/main" xmlns:r="http://schemas.openxmlformats.org/officeDocument/2006/relationships" xmlns:p="http://schemas.openxmlformats.org/presentationml/2006/main">
+  <p:cSld>
+    <p:spTree>
+      <p:nvGrpSpPr>
+        <p:cNvPr id="1" name=""/>
+        <p:cNvGrpSpPr/>
+        <p:nvPr/>
+      </p:nvGrpSpPr>
+      <p:grpSpPr>
+        <a:xfrm>
+          <a:off x="0" y="0"/>
+          <a:ext cx="0" cy="0"/>
+          <a:chOff x="0" y="0"/>
+          <a:chExt cx="0" cy="0"/>
+        </a:xfrm>
+      </p:grpSpPr>
+      <p:pic>
+        <p:nvPicPr>
+          <p:cNvPr id="66" name="Picture 65"/>
+          <p:cNvPicPr>
+            <a:picLocks noChangeAspect="1"/>
+          </p:cNvPicPr>
+          <p:nvPr/>
+        </p:nvPicPr>
+        <p:blipFill rotWithShape="1">
+          <a:blip r:embed="rId3" cstate="print">
+            <a:extLst>
+              <a:ext uri="{28A0092B-C50C-407E-A947-70E740481C1C}">
+                <a14:useLocalDpi xmlns:a14="http://schemas.microsoft.com/office/drawing/2010/main" val="0"/>
+              </a:ext>
+            </a:extLst>
+          </a:blip>
+          <a:srcRect t="16372" b="16431"/>
+          <a:stretch/>
+        </p:blipFill>
+        <p:spPr>
+          <a:xfrm>
+            <a:off x="3898922" y="1727796"/>
+            <a:ext cx="590748" cy="396969"/>
+          </a:xfrm>
+          <a:prstGeom prst="rect">
+            <a:avLst/>
+          </a:prstGeom>
+        </p:spPr>
+      </p:pic>
+      <p:sp>
+        <p:nvSpPr>
+          <p:cNvPr id="4" name="Rounded Rectangle 3"/>
+          <p:cNvSpPr/>
+          <p:nvPr/>
+        </p:nvSpPr>
+        <p:spPr>
+          <a:xfrm>
+            <a:off x="4623505" y="1144622"/>
+            <a:ext cx="3067020" cy="2120561"/>
+          </a:xfrm>
+          <a:prstGeom prst="roundRect">
+            <a:avLst>
+              <a:gd name="adj" fmla="val 4940"/>
+            </a:avLst>
+          </a:prstGeom>
+          <a:noFill/>
+          <a:ln w="28575"/>
+        </p:spPr>
+        <p:style>
+          <a:lnRef idx="2">
+            <a:schemeClr val="dk1"/>
+          </a:lnRef>
+          <a:fillRef idx="1">
+            <a:schemeClr val="lt1"/>
+          </a:fillRef>
+          <a:effectRef idx="0">
+            <a:schemeClr val="dk1"/>
+          </a:effectRef>
+          <a:fontRef idx="minor">
+            <a:schemeClr val="dk1"/>
+          </a:fontRef>
+        </p:style>
+        <p:txBody>
+          <a:bodyPr rtlCol="0" anchor="ctr"/>
+          <a:lstStyle/>
+          <a:p>
+            <a:pPr algn="ctr"/>
+            <a:endParaRPr lang="en-US"/>
+          </a:p>
+        </p:txBody>
+      </p:sp>
+      <p:sp>
+        <p:nvSpPr>
+          <p:cNvPr id="5" name="Rectangle 4"/>
+          <p:cNvSpPr/>
+          <p:nvPr/>
+        </p:nvSpPr>
+        <p:spPr>
+          <a:xfrm>
+            <a:off x="6295036" y="2635367"/>
+            <a:ext cx="1121972" cy="646331"/>
+          </a:xfrm>
+          <a:prstGeom prst="rect">
+            <a:avLst/>
+          </a:prstGeom>
+        </p:spPr>
+        <p:txBody>
+          <a:bodyPr wrap="square">
+            <a:spAutoFit/>
+          </a:bodyPr>
+          <a:lstStyle/>
+          <a:p>
+            <a:pPr algn="ctr"/>
+            <a:r>
+              <a:rPr lang="en-US" dirty="0"/>
+              <a:t>Intel SGX </a:t>
+            </a:r>
+          </a:p>
+          <a:p>
+            <a:pPr algn="ctr"/>
+            <a:r>
+              <a:rPr lang="en-US" dirty="0"/>
+              <a:t>processor</a:t>
+            </a:r>
+          </a:p>
+        </p:txBody>
+      </p:sp>
+      <p:sp>
+        <p:nvSpPr>
+          <p:cNvPr id="6" name="Rounded Rectangle 5"/>
+          <p:cNvSpPr/>
+          <p:nvPr/>
+        </p:nvSpPr>
+        <p:spPr>
+          <a:xfrm>
+            <a:off x="4685988" y="1247139"/>
+            <a:ext cx="1447268" cy="1527164"/>
+          </a:xfrm>
+          <a:prstGeom prst="roundRect">
+            <a:avLst>
+              <a:gd name="adj" fmla="val 8797"/>
+            </a:avLst>
+          </a:prstGeom>
+          <a:ln w="28575"/>
+        </p:spPr>
+        <p:style>
+          <a:lnRef idx="2">
+            <a:schemeClr val="dk1"/>
+          </a:lnRef>
+          <a:fillRef idx="1">
+            <a:schemeClr val="lt1"/>
+          </a:fillRef>
+          <a:effectRef idx="0">
+            <a:schemeClr val="dk1"/>
+          </a:effectRef>
+          <a:fontRef idx="minor">
+            <a:schemeClr val="dk1"/>
+          </a:fontRef>
+        </p:style>
+        <p:txBody>
+          <a:bodyPr rtlCol="0" anchor="ctr"/>
+          <a:lstStyle/>
+          <a:p>
+            <a:pPr algn="ctr"/>
+            <a:endParaRPr lang="en-US"/>
+          </a:p>
+        </p:txBody>
+      </p:sp>
+      <p:sp>
+        <p:nvSpPr>
+          <p:cNvPr id="7" name="Rectangle 6"/>
+          <p:cNvSpPr/>
+          <p:nvPr/>
+        </p:nvSpPr>
+        <p:spPr>
+          <a:xfrm>
+            <a:off x="4719901" y="2734774"/>
+            <a:ext cx="1464375" cy="369332"/>
+          </a:xfrm>
+          <a:prstGeom prst="rect">
+            <a:avLst/>
+          </a:prstGeom>
+        </p:spPr>
+        <p:txBody>
+          <a:bodyPr wrap="none">
+            <a:spAutoFit/>
+          </a:bodyPr>
+          <a:lstStyle/>
+          <a:p>
+            <a:r>
+              <a:rPr lang="en-US" dirty="0"/>
+              <a:t>Untrusted OS</a:t>
+            </a:r>
+          </a:p>
+        </p:txBody>
+      </p:sp>
+      <p:pic>
+        <p:nvPicPr>
+          <p:cNvPr id="8" name="Picture 7"/>
+          <p:cNvPicPr>
+            <a:picLocks noChangeAspect="1"/>
+          </p:cNvPicPr>
+          <p:nvPr/>
+        </p:nvPicPr>
+        <p:blipFill rotWithShape="1">
+          <a:blip r:embed="rId4" cstate="print">
+            <a:extLst>
+              <a:ext uri="{28A0092B-C50C-407E-A947-70E740481C1C}">
+                <a14:useLocalDpi xmlns:a14="http://schemas.microsoft.com/office/drawing/2010/main" val="0"/>
+              </a:ext>
+            </a:extLst>
+          </a:blip>
+          <a:srcRect t="11878" b="11402"/>
+          <a:stretch/>
+        </p:blipFill>
+        <p:spPr>
+          <a:xfrm>
+            <a:off x="4876501" y="1594397"/>
+            <a:ext cx="1027759" cy="788491"/>
+          </a:xfrm>
+          <a:prstGeom prst="rect">
+            <a:avLst/>
+          </a:prstGeom>
+        </p:spPr>
+      </p:pic>
+      <p:sp>
+        <p:nvSpPr>
+          <p:cNvPr id="9" name="Rectangle 8"/>
+          <p:cNvSpPr/>
+          <p:nvPr/>
+        </p:nvSpPr>
+        <p:spPr>
+          <a:xfrm>
+            <a:off x="4737290" y="2332395"/>
+            <a:ext cx="1344663" cy="369332"/>
+          </a:xfrm>
+          <a:prstGeom prst="rect">
+            <a:avLst/>
+          </a:prstGeom>
+        </p:spPr>
+        <p:txBody>
+          <a:bodyPr wrap="none">
+            <a:spAutoFit/>
+          </a:bodyPr>
+          <a:lstStyle/>
+          <a:p>
+            <a:r>
+              <a:rPr lang="en-US" dirty="0"/>
+              <a:t>Enclave App</a:t>
+            </a:r>
+          </a:p>
+        </p:txBody>
+      </p:sp>
+      <p:sp>
+        <p:nvSpPr>
+          <p:cNvPr id="11" name="Rectangle 10"/>
+          <p:cNvSpPr/>
+          <p:nvPr/>
+        </p:nvSpPr>
+        <p:spPr>
+          <a:xfrm>
+            <a:off x="5350526" y="3242794"/>
+            <a:ext cx="1817549" cy="369332"/>
+          </a:xfrm>
+          <a:prstGeom prst="rect">
+            <a:avLst/>
+          </a:prstGeom>
+        </p:spPr>
+        <p:txBody>
+          <a:bodyPr wrap="none">
+            <a:spAutoFit/>
+          </a:bodyPr>
+          <a:lstStyle/>
+          <a:p>
+            <a:r>
+              <a:rPr lang="en-US" dirty="0"/>
+              <a:t>Remote platform</a:t>
+            </a:r>
+          </a:p>
+        </p:txBody>
+      </p:sp>
+      <p:pic>
+        <p:nvPicPr>
+          <p:cNvPr id="12" name="Picture 11"/>
+          <p:cNvPicPr>
+            <a:picLocks noChangeAspect="1"/>
+          </p:cNvPicPr>
+          <p:nvPr/>
+        </p:nvPicPr>
+        <p:blipFill rotWithShape="1">
+          <a:blip r:embed="rId5" cstate="print">
+            <a:extLst>
+              <a:ext uri="{28A0092B-C50C-407E-A947-70E740481C1C}">
+                <a14:useLocalDpi xmlns:a14="http://schemas.microsoft.com/office/drawing/2010/main" val="0"/>
+              </a:ext>
+            </a:extLst>
+          </a:blip>
+          <a:srcRect t="12685" b="12552"/>
+          <a:stretch/>
+        </p:blipFill>
+        <p:spPr>
+          <a:xfrm flipH="1">
+            <a:off x="8533" y="634992"/>
+            <a:ext cx="827942" cy="631363"/>
+          </a:xfrm>
+          <a:prstGeom prst="rect">
+            <a:avLst/>
+          </a:prstGeom>
+        </p:spPr>
+      </p:pic>
+      <p:pic>
+        <p:nvPicPr>
+          <p:cNvPr id="13" name="Picture 12"/>
+          <p:cNvPicPr>
+            <a:picLocks noChangeAspect="1"/>
+          </p:cNvPicPr>
+          <p:nvPr/>
+        </p:nvPicPr>
+        <p:blipFill rotWithShape="1">
+          <a:blip r:embed="rId6" cstate="print">
+            <a:grayscl/>
+            <a:extLst>
+              <a:ext uri="{28A0092B-C50C-407E-A947-70E740481C1C}">
+                <a14:useLocalDpi xmlns:a14="http://schemas.microsoft.com/office/drawing/2010/main" val="0"/>
+              </a:ext>
+            </a:extLst>
+          </a:blip>
+          <a:srcRect t="9232" b="8798"/>
+          <a:stretch/>
+        </p:blipFill>
+        <p:spPr>
+          <a:xfrm>
+            <a:off x="114393" y="1661459"/>
+            <a:ext cx="722082" cy="591891"/>
+          </a:xfrm>
+          <a:prstGeom prst="rect">
+            <a:avLst/>
+          </a:prstGeom>
+        </p:spPr>
+      </p:pic>
+      <p:grpSp>
+        <p:nvGrpSpPr>
+          <p:cNvPr id="15" name="Group 14"/>
+          <p:cNvGrpSpPr/>
+          <p:nvPr/>
+        </p:nvGrpSpPr>
+        <p:grpSpPr>
+          <a:xfrm>
+            <a:off x="817830" y="1020096"/>
+            <a:ext cx="183825" cy="1944836"/>
+            <a:chOff x="1068265" y="386859"/>
+            <a:chExt cx="511000" cy="2357183"/>
+          </a:xfrm>
+        </p:grpSpPr>
+        <p:grpSp>
+          <p:nvGrpSpPr>
+            <p:cNvPr id="16" name="Group 15"/>
+            <p:cNvGrpSpPr/>
+            <p:nvPr/>
+          </p:nvGrpSpPr>
+          <p:grpSpPr>
+            <a:xfrm>
+              <a:off x="1068265" y="386859"/>
+              <a:ext cx="506237" cy="1169182"/>
+              <a:chOff x="1686102" y="1307436"/>
+              <a:chExt cx="506237" cy="1169182"/>
+            </a:xfrm>
+          </p:grpSpPr>
+          <p:cxnSp>
+            <p:nvCxnSpPr>
+              <p:cNvPr id="20" name="Straight Connector 19"/>
+              <p:cNvCxnSpPr/>
+              <p:nvPr/>
+            </p:nvCxnSpPr>
+            <p:spPr>
+              <a:xfrm>
+                <a:off x="1686102" y="1307436"/>
+                <a:ext cx="506237" cy="0"/>
+              </a:xfrm>
+              <a:prstGeom prst="line">
+                <a:avLst/>
+              </a:prstGeom>
+              <a:ln w="19050">
+                <a:headEnd type="arrow" w="med" len="med"/>
+                <a:tailEnd type="none" w="med" len="med"/>
+              </a:ln>
+            </p:spPr>
+            <p:style>
+              <a:lnRef idx="1">
+                <a:schemeClr val="dk1"/>
+              </a:lnRef>
+              <a:fillRef idx="0">
+                <a:schemeClr val="dk1"/>
+              </a:fillRef>
+              <a:effectRef idx="0">
+                <a:schemeClr val="dk1"/>
+              </a:effectRef>
+              <a:fontRef idx="minor">
+                <a:schemeClr val="tx1"/>
+              </a:fontRef>
+            </p:style>
+          </p:cxnSp>
+          <p:cxnSp>
+            <p:nvCxnSpPr>
+              <p:cNvPr id="21" name="Straight Connector 20"/>
+              <p:cNvCxnSpPr/>
+              <p:nvPr/>
+            </p:nvCxnSpPr>
+            <p:spPr>
+              <a:xfrm>
+                <a:off x="2187576" y="1307436"/>
+                <a:ext cx="0" cy="1169182"/>
+              </a:xfrm>
+              <a:prstGeom prst="line">
+                <a:avLst/>
+              </a:prstGeom>
+              <a:ln w="19050"/>
+            </p:spPr>
+            <p:style>
+              <a:lnRef idx="1">
+                <a:schemeClr val="dk1"/>
+              </a:lnRef>
+              <a:fillRef idx="0">
+                <a:schemeClr val="dk1"/>
+              </a:fillRef>
+              <a:effectRef idx="0">
+                <a:schemeClr val="dk1"/>
+              </a:effectRef>
+              <a:fontRef idx="minor">
+                <a:schemeClr val="tx1"/>
+              </a:fontRef>
+            </p:style>
+          </p:cxnSp>
+        </p:grpSp>
+        <p:grpSp>
+          <p:nvGrpSpPr>
+            <p:cNvPr id="17" name="Group 16"/>
+            <p:cNvGrpSpPr/>
+            <p:nvPr/>
+          </p:nvGrpSpPr>
+          <p:grpSpPr>
+            <a:xfrm flipV="1">
+              <a:off x="1073028" y="1563069"/>
+              <a:ext cx="506237" cy="1180973"/>
+              <a:chOff x="1690863" y="1307436"/>
+              <a:chExt cx="506237" cy="1169182"/>
+            </a:xfrm>
+          </p:grpSpPr>
+          <p:cxnSp>
+            <p:nvCxnSpPr>
+              <p:cNvPr id="18" name="Straight Connector 17"/>
+              <p:cNvCxnSpPr/>
+              <p:nvPr/>
+            </p:nvCxnSpPr>
+            <p:spPr>
+              <a:xfrm>
+                <a:off x="1690863" y="1309817"/>
+                <a:ext cx="506237" cy="0"/>
+              </a:xfrm>
+              <a:prstGeom prst="line">
+                <a:avLst/>
+              </a:prstGeom>
+              <a:ln w="19050">
+                <a:headEnd type="arrow" w="med" len="med"/>
+                <a:tailEnd type="none" w="med" len="med"/>
+              </a:ln>
+            </p:spPr>
+            <p:style>
+              <a:lnRef idx="1">
+                <a:schemeClr val="dk1"/>
+              </a:lnRef>
+              <a:fillRef idx="0">
+                <a:schemeClr val="dk1"/>
+              </a:fillRef>
+              <a:effectRef idx="0">
+                <a:schemeClr val="dk1"/>
+              </a:effectRef>
+              <a:fontRef idx="minor">
+                <a:schemeClr val="tx1"/>
+              </a:fontRef>
+            </p:style>
+          </p:cxnSp>
+          <p:cxnSp>
+            <p:nvCxnSpPr>
+              <p:cNvPr id="19" name="Straight Connector 18"/>
+              <p:cNvCxnSpPr/>
+              <p:nvPr/>
+            </p:nvCxnSpPr>
+            <p:spPr>
+              <a:xfrm>
+                <a:off x="2187576" y="1307436"/>
+                <a:ext cx="0" cy="1169182"/>
+              </a:xfrm>
+              <a:prstGeom prst="line">
+                <a:avLst/>
+              </a:prstGeom>
+              <a:ln w="19050"/>
+            </p:spPr>
+            <p:style>
+              <a:lnRef idx="1">
+                <a:schemeClr val="dk1"/>
+              </a:lnRef>
+              <a:fillRef idx="0">
+                <a:schemeClr val="dk1"/>
+              </a:fillRef>
+              <a:effectRef idx="0">
+                <a:schemeClr val="dk1"/>
+              </a:effectRef>
+              <a:fontRef idx="minor">
+                <a:schemeClr val="tx1"/>
+              </a:fontRef>
+            </p:style>
+          </p:cxnSp>
+        </p:grpSp>
+      </p:grpSp>
+      <p:grpSp>
+        <p:nvGrpSpPr>
+          <p:cNvPr id="22" name="Group 21"/>
+          <p:cNvGrpSpPr/>
+          <p:nvPr/>
+        </p:nvGrpSpPr>
+        <p:grpSpPr>
+          <a:xfrm>
+            <a:off x="6222026" y="1320684"/>
+            <a:ext cx="1346356" cy="1346356"/>
+            <a:chOff x="9955693" y="2421909"/>
+            <a:chExt cx="1605295" cy="1605295"/>
+          </a:xfrm>
+        </p:grpSpPr>
+        <p:pic>
+          <p:nvPicPr>
+            <p:cNvPr id="23" name="Picture 22"/>
+            <p:cNvPicPr>
+              <a:picLocks noChangeAspect="1"/>
+            </p:cNvPicPr>
+            <p:nvPr/>
+          </p:nvPicPr>
+          <p:blipFill>
+            <a:blip r:embed="rId7" cstate="print">
+              <a:extLst>
+                <a:ext uri="{28A0092B-C50C-407E-A947-70E740481C1C}">
+                  <a14:useLocalDpi xmlns:a14="http://schemas.microsoft.com/office/drawing/2010/main" val="0"/>
+                </a:ext>
+              </a:extLst>
+            </a:blip>
+            <a:stretch>
+              <a:fillRect/>
+            </a:stretch>
+          </p:blipFill>
+          <p:spPr>
+            <a:xfrm>
+              <a:off x="9955693" y="2421909"/>
+              <a:ext cx="1605295" cy="1605295"/>
+            </a:xfrm>
+            <a:prstGeom prst="rect">
+              <a:avLst/>
+            </a:prstGeom>
+          </p:spPr>
+        </p:pic>
+        <p:sp>
+          <p:nvSpPr>
+            <p:cNvPr id="24" name="Rounded Rectangle 23"/>
+            <p:cNvSpPr/>
+            <p:nvPr/>
+          </p:nvSpPr>
+          <p:spPr>
+            <a:xfrm>
+              <a:off x="10201525" y="2831468"/>
+              <a:ext cx="1053215" cy="740234"/>
+            </a:xfrm>
+            <a:prstGeom prst="roundRect">
+              <a:avLst/>
+            </a:prstGeom>
+            <a:solidFill>
+              <a:srgbClr val="3ABFC8"/>
+            </a:solidFill>
+            <a:ln w="28575">
+              <a:solidFill>
+                <a:srgbClr val="3ABFC8"/>
+              </a:solidFill>
+            </a:ln>
+          </p:spPr>
+          <p:style>
+            <a:lnRef idx="2">
+              <a:schemeClr val="dk1"/>
+            </a:lnRef>
+            <a:fillRef idx="1">
+              <a:schemeClr val="lt1"/>
+            </a:fillRef>
+            <a:effectRef idx="0">
+              <a:schemeClr val="dk1"/>
+            </a:effectRef>
+            <a:fontRef idx="minor">
+              <a:schemeClr val="dk1"/>
+            </a:fontRef>
+          </p:style>
+          <p:txBody>
+            <a:bodyPr rtlCol="0" anchor="ctr"/>
+            <a:lstStyle/>
+            <a:p>
+              <a:pPr algn="ctr"/>
+              <a:endParaRPr lang="en-US">
+                <a:solidFill>
+                  <a:srgbClr val="3ABFC8"/>
+                </a:solidFill>
+              </a:endParaRPr>
+            </a:p>
+          </p:txBody>
+        </p:sp>
+      </p:grpSp>
+      <p:sp>
+        <p:nvSpPr>
+          <p:cNvPr id="25" name="TextBox 24"/>
+          <p:cNvSpPr txBox="1"/>
+          <p:nvPr/>
+        </p:nvSpPr>
+        <p:spPr>
+          <a:xfrm>
+            <a:off x="6443213" y="1808825"/>
+            <a:ext cx="905441" cy="369332"/>
+          </a:xfrm>
+          <a:prstGeom prst="rect">
+            <a:avLst/>
+          </a:prstGeom>
+          <a:solidFill>
+            <a:schemeClr val="bg2"/>
+          </a:solidFill>
+          <a:ln w="19050">
+            <a:solidFill>
+              <a:schemeClr val="tx1"/>
+            </a:solidFill>
+          </a:ln>
+        </p:spPr>
+        <p:txBody>
+          <a:bodyPr wrap="none" rtlCol="0">
+            <a:spAutoFit/>
+          </a:bodyPr>
+          <a:lstStyle/>
+          <a:p>
+            <a:r>
+              <a:rPr lang="en-US" dirty="0"/>
+              <a:t>Enclave</a:t>
+            </a:r>
+          </a:p>
+        </p:txBody>
+      </p:sp>
+      <p:cxnSp>
+        <p:nvCxnSpPr>
+          <p:cNvPr id="26" name="Straight Arrow Connector 25"/>
+          <p:cNvCxnSpPr>
+            <a:stCxn id="13" idx="3"/>
+          </p:cNvCxnSpPr>
+          <p:nvPr/>
+        </p:nvCxnSpPr>
+        <p:spPr>
+          <a:xfrm>
+            <a:off x="836475" y="1957405"/>
+            <a:ext cx="764269" cy="0"/>
+          </a:xfrm>
+          <a:prstGeom prst="straightConnector1">
+            <a:avLst/>
+          </a:prstGeom>
+          <a:ln w="19050">
+            <a:solidFill>
+              <a:schemeClr val="tx1"/>
+            </a:solidFill>
+            <a:headEnd type="arrow" w="med" len="med"/>
+            <a:tailEnd type="arrow" w="med" len="med"/>
+          </a:ln>
+        </p:spPr>
+        <p:style>
+          <a:lnRef idx="1">
+            <a:schemeClr val="accent1"/>
+          </a:lnRef>
+          <a:fillRef idx="0">
+            <a:schemeClr val="accent1"/>
+          </a:fillRef>
+          <a:effectRef idx="0">
+            <a:schemeClr val="accent1"/>
+          </a:effectRef>
+          <a:fontRef idx="minor">
+            <a:schemeClr val="tx1"/>
+          </a:fontRef>
+        </p:style>
+      </p:cxnSp>
+      <p:sp>
+        <p:nvSpPr>
+          <p:cNvPr id="28" name="Rectangle 27"/>
+          <p:cNvSpPr/>
+          <p:nvPr/>
+        </p:nvSpPr>
+        <p:spPr>
+          <a:xfrm>
+            <a:off x="-87552" y="3261696"/>
+            <a:ext cx="1182183" cy="369332"/>
+          </a:xfrm>
+          <a:prstGeom prst="rect">
+            <a:avLst/>
+          </a:prstGeom>
+        </p:spPr>
+        <p:txBody>
+          <a:bodyPr wrap="none">
+            <a:spAutoFit/>
+          </a:bodyPr>
+          <a:lstStyle/>
+          <a:p>
+            <a:r>
+              <a:rPr lang="en-US" dirty="0"/>
+              <a:t>IO Devices</a:t>
+            </a:r>
+          </a:p>
+        </p:txBody>
+      </p:sp>
+      <p:pic>
+        <p:nvPicPr>
+          <p:cNvPr id="30" name="Picture 29"/>
+          <p:cNvPicPr>
+            <a:picLocks noChangeAspect="1"/>
+          </p:cNvPicPr>
+          <p:nvPr/>
+        </p:nvPicPr>
+        <p:blipFill rotWithShape="1">
+          <a:blip r:embed="rId8" cstate="print">
+            <a:extLst>
+              <a:ext uri="{28A0092B-C50C-407E-A947-70E740481C1C}">
+                <a14:useLocalDpi xmlns:a14="http://schemas.microsoft.com/office/drawing/2010/main" val="0"/>
+              </a:ext>
+            </a:extLst>
+          </a:blip>
+          <a:srcRect l="16719" t="12343" r="17117" b="26431"/>
+          <a:stretch/>
+        </p:blipFill>
+        <p:spPr>
+          <a:xfrm>
+            <a:off x="2766030" y="1645688"/>
+            <a:ext cx="893904" cy="928423"/>
+          </a:xfrm>
+          <a:prstGeom prst="rect">
+            <a:avLst/>
+          </a:prstGeom>
+        </p:spPr>
+      </p:pic>
+      <p:sp>
+        <p:nvSpPr>
+          <p:cNvPr id="33" name="Rectangle 32"/>
+          <p:cNvSpPr/>
+          <p:nvPr/>
+        </p:nvSpPr>
+        <p:spPr>
+          <a:xfrm>
+            <a:off x="2465949" y="2960102"/>
+            <a:ext cx="1490114" cy="646331"/>
+          </a:xfrm>
+          <a:prstGeom prst="rect">
+            <a:avLst/>
+          </a:prstGeom>
+        </p:spPr>
+        <p:txBody>
+          <a:bodyPr wrap="square">
+            <a:spAutoFit/>
+          </a:bodyPr>
+          <a:lstStyle/>
+          <a:p>
+            <a:pPr algn="ctr"/>
+            <a:r>
+              <a:rPr lang="en-US" dirty="0"/>
+              <a:t>Untrusted local terminal</a:t>
+            </a:r>
+          </a:p>
+        </p:txBody>
+      </p:sp>
+      <p:pic>
+        <p:nvPicPr>
+          <p:cNvPr id="37" name="Picture 36"/>
+          <p:cNvPicPr>
+            <a:picLocks noChangeAspect="1"/>
+          </p:cNvPicPr>
+          <p:nvPr/>
+        </p:nvPicPr>
+        <p:blipFill rotWithShape="1">
+          <a:blip r:embed="rId9" cstate="print">
+            <a:extLst>
+              <a:ext uri="{28A0092B-C50C-407E-A947-70E740481C1C}">
+                <a14:useLocalDpi xmlns:a14="http://schemas.microsoft.com/office/drawing/2010/main" val="0"/>
+              </a:ext>
+            </a:extLst>
+          </a:blip>
+          <a:srcRect l="25696" r="25137"/>
+          <a:stretch/>
+        </p:blipFill>
+        <p:spPr>
+          <a:xfrm rot="1800000">
+            <a:off x="1725693" y="1484148"/>
+            <a:ext cx="420925" cy="856109"/>
+          </a:xfrm>
+          <a:prstGeom prst="rect">
+            <a:avLst/>
+          </a:prstGeom>
+        </p:spPr>
+      </p:pic>
+      <p:pic>
+        <p:nvPicPr>
+          <p:cNvPr id="49" name="Picture 48"/>
+          <p:cNvPicPr>
+            <a:picLocks noChangeAspect="1"/>
+          </p:cNvPicPr>
+          <p:nvPr/>
+        </p:nvPicPr>
+        <p:blipFill rotWithShape="1">
+          <a:blip r:embed="rId9" cstate="print">
+            <a:extLst>
+              <a:ext uri="{28A0092B-C50C-407E-A947-70E740481C1C}">
+                <a14:useLocalDpi xmlns:a14="http://schemas.microsoft.com/office/drawing/2010/main" val="0"/>
+              </a:ext>
+            </a:extLst>
+          </a:blip>
+          <a:srcRect l="25696" r="25137"/>
+          <a:stretch/>
+        </p:blipFill>
+        <p:spPr>
+          <a:xfrm rot="1800000">
+            <a:off x="5010672" y="9990"/>
+            <a:ext cx="420925" cy="856109"/>
+          </a:xfrm>
+          <a:prstGeom prst="rect">
+            <a:avLst/>
+          </a:prstGeom>
+        </p:spPr>
+      </p:pic>
+      <p:sp>
+        <p:nvSpPr>
+          <p:cNvPr id="61" name="Rectangle 60"/>
+          <p:cNvSpPr/>
+          <p:nvPr/>
+        </p:nvSpPr>
+        <p:spPr>
+          <a:xfrm>
+            <a:off x="1248423" y="2308744"/>
+            <a:ext cx="1209114" cy="646331"/>
+          </a:xfrm>
+          <a:prstGeom prst="rect">
+            <a:avLst/>
+          </a:prstGeom>
+        </p:spPr>
+        <p:txBody>
+          <a:bodyPr wrap="none">
+            <a:spAutoFit/>
+          </a:bodyPr>
+          <a:lstStyle/>
+          <a:p>
+            <a:pPr algn="ctr"/>
+            <a:r>
+              <a:rPr lang="en-US" dirty="0"/>
+              <a:t>Local</a:t>
+            </a:r>
+          </a:p>
+          <a:p>
+            <a:pPr algn="ctr"/>
+            <a:r>
+              <a:rPr lang="en-US" dirty="0"/>
+              <a:t>P</a:t>
+            </a:r>
+            <a:r>
+              <a:rPr lang="en-US" sz="1400" dirty="0"/>
+              <a:t>ROXIMI</a:t>
+            </a:r>
+            <a:r>
+              <a:rPr lang="en-US" dirty="0"/>
+              <a:t>K</a:t>
+            </a:r>
+            <a:r>
+              <a:rPr lang="en-US" sz="1600" dirty="0"/>
+              <a:t>EY</a:t>
+            </a:r>
+            <a:endParaRPr lang="en-US" dirty="0"/>
+          </a:p>
+        </p:txBody>
+      </p:sp>
+      <p:sp>
+        <p:nvSpPr>
+          <p:cNvPr id="62" name="Rectangle 61"/>
+          <p:cNvSpPr/>
+          <p:nvPr/>
+        </p:nvSpPr>
+        <p:spPr>
+          <a:xfrm>
+            <a:off x="5706122" y="-115994"/>
+            <a:ext cx="1169551" cy="646331"/>
+          </a:xfrm>
+          <a:prstGeom prst="rect">
+            <a:avLst/>
+          </a:prstGeom>
+        </p:spPr>
+        <p:txBody>
+          <a:bodyPr wrap="none">
+            <a:spAutoFit/>
+          </a:bodyPr>
+          <a:lstStyle/>
+          <a:p>
+            <a:pPr algn="ctr"/>
+            <a:r>
+              <a:rPr lang="en-US" dirty="0"/>
+              <a:t>Remote</a:t>
+            </a:r>
+          </a:p>
+          <a:p>
+            <a:pPr algn="ctr"/>
+            <a:r>
+              <a:rPr lang="en-US" dirty="0"/>
+              <a:t>P</a:t>
+            </a:r>
+            <a:r>
+              <a:rPr lang="en-US" sz="1400" dirty="0"/>
+              <a:t>ROXIMI</a:t>
+            </a:r>
+            <a:r>
+              <a:rPr lang="en-US" dirty="0"/>
+              <a:t>K</a:t>
+            </a:r>
+            <a:r>
+              <a:rPr lang="en-US" sz="1600" dirty="0"/>
+              <a:t>EY</a:t>
+            </a:r>
+            <a:endParaRPr lang="en-US" dirty="0"/>
+          </a:p>
+        </p:txBody>
+      </p:sp>
+      <p:grpSp>
+        <p:nvGrpSpPr>
+          <p:cNvPr id="63" name="Group 62"/>
+          <p:cNvGrpSpPr/>
+          <p:nvPr/>
+        </p:nvGrpSpPr>
+        <p:grpSpPr>
+          <a:xfrm>
+            <a:off x="5369554" y="571460"/>
+            <a:ext cx="2619884" cy="338554"/>
+            <a:chOff x="5620702" y="702509"/>
+            <a:chExt cx="2619884" cy="338554"/>
+          </a:xfrm>
+        </p:grpSpPr>
+        <p:sp>
+          <p:nvSpPr>
+            <p:cNvPr id="64" name="Oval 63"/>
+            <p:cNvSpPr/>
+            <p:nvPr/>
+          </p:nvSpPr>
+          <p:spPr>
+            <a:xfrm>
+              <a:off x="5620702" y="764132"/>
+              <a:ext cx="202025" cy="211031"/>
+            </a:xfrm>
+            <a:prstGeom prst="ellipse">
+              <a:avLst/>
+            </a:prstGeom>
+            <a:ln w="19050"/>
+          </p:spPr>
+          <p:style>
+            <a:lnRef idx="2">
+              <a:schemeClr val="dk1"/>
+            </a:lnRef>
+            <a:fillRef idx="1">
+              <a:schemeClr val="lt1"/>
+            </a:fillRef>
+            <a:effectRef idx="0">
+              <a:schemeClr val="dk1"/>
+            </a:effectRef>
+            <a:fontRef idx="minor">
+              <a:schemeClr val="dk1"/>
+            </a:fontRef>
+          </p:style>
+          <p:txBody>
+            <a:bodyPr rtlCol="0" anchor="ctr"/>
+            <a:lstStyle/>
+            <a:p>
+              <a:pPr algn="ctr"/>
+              <a:r>
+                <a:rPr lang="en-US" dirty="0"/>
+                <a:t>2</a:t>
+              </a:r>
+            </a:p>
+          </p:txBody>
+        </p:sp>
+        <p:sp>
+          <p:nvSpPr>
+            <p:cNvPr id="65" name="Rectangle 64"/>
+            <p:cNvSpPr/>
+            <p:nvPr/>
+          </p:nvSpPr>
+          <p:spPr>
+            <a:xfrm>
+              <a:off x="5772487" y="702509"/>
+              <a:ext cx="2468099" cy="338554"/>
+            </a:xfrm>
+            <a:prstGeom prst="rect">
+              <a:avLst/>
+            </a:prstGeom>
+          </p:spPr>
+          <p:txBody>
+            <a:bodyPr wrap="square">
+              <a:spAutoFit/>
+            </a:bodyPr>
+            <a:lstStyle/>
+            <a:p>
+              <a:r>
+                <a:rPr lang="en-US" sz="1600" dirty="0"/>
+                <a:t>P</a:t>
+              </a:r>
+              <a:r>
+                <a:rPr lang="en-US" sz="1400" dirty="0"/>
+                <a:t>ROXIMI</a:t>
+              </a:r>
+              <a:r>
+                <a:rPr lang="en-US" sz="1600" dirty="0"/>
+                <a:t>T</a:t>
+              </a:r>
+              <a:r>
+                <a:rPr lang="en-US" sz="1400" dirty="0"/>
+                <a:t>EE</a:t>
+              </a:r>
+              <a:r>
+                <a:rPr lang="en-US" sz="1600" dirty="0"/>
+                <a:t> protocol</a:t>
+              </a:r>
+            </a:p>
+          </p:txBody>
+        </p:sp>
+      </p:grpSp>
+      <p:grpSp>
+        <p:nvGrpSpPr>
+          <p:cNvPr id="72" name="Group 71"/>
+          <p:cNvGrpSpPr/>
+          <p:nvPr/>
+        </p:nvGrpSpPr>
+        <p:grpSpPr>
+          <a:xfrm>
+            <a:off x="-270733" y="301177"/>
+            <a:ext cx="1628377" cy="338554"/>
+            <a:chOff x="5470336" y="702509"/>
+            <a:chExt cx="1628377" cy="338554"/>
+          </a:xfrm>
+        </p:grpSpPr>
+        <p:sp>
+          <p:nvSpPr>
+            <p:cNvPr id="73" name="Oval 72"/>
+            <p:cNvSpPr/>
+            <p:nvPr/>
+          </p:nvSpPr>
+          <p:spPr>
+            <a:xfrm>
+              <a:off x="5847195" y="764132"/>
+              <a:ext cx="202025" cy="211031"/>
+            </a:xfrm>
+            <a:prstGeom prst="ellipse">
+              <a:avLst/>
+            </a:prstGeom>
+            <a:ln w="19050"/>
+          </p:spPr>
+          <p:style>
+            <a:lnRef idx="2">
+              <a:schemeClr val="dk1"/>
+            </a:lnRef>
+            <a:fillRef idx="1">
+              <a:schemeClr val="lt1"/>
+            </a:fillRef>
+            <a:effectRef idx="0">
+              <a:schemeClr val="dk1"/>
+            </a:effectRef>
+            <a:fontRef idx="minor">
+              <a:schemeClr val="dk1"/>
+            </a:fontRef>
+          </p:style>
+          <p:txBody>
+            <a:bodyPr rtlCol="0" anchor="ctr"/>
+            <a:lstStyle/>
+            <a:p>
+              <a:pPr algn="ctr"/>
+              <a:r>
+                <a:rPr lang="en-US" dirty="0"/>
+                <a:t>5</a:t>
+              </a:r>
+            </a:p>
+          </p:txBody>
+        </p:sp>
+        <p:sp>
+          <p:nvSpPr>
+            <p:cNvPr id="74" name="Rectangle 73"/>
+            <p:cNvSpPr/>
+            <p:nvPr/>
+          </p:nvSpPr>
+          <p:spPr>
+            <a:xfrm>
+              <a:off x="5470336" y="702509"/>
+              <a:ext cx="1628377" cy="338554"/>
+            </a:xfrm>
+            <a:prstGeom prst="rect">
+              <a:avLst/>
+            </a:prstGeom>
+          </p:spPr>
+          <p:txBody>
+            <a:bodyPr wrap="square">
+              <a:spAutoFit/>
+            </a:bodyPr>
+            <a:lstStyle/>
+            <a:p>
+              <a:pPr algn="ctr"/>
+              <a:r>
+                <a:rPr lang="en-US" sz="1600" dirty="0"/>
+                <a:t>I/O</a:t>
+              </a:r>
+            </a:p>
+          </p:txBody>
+        </p:sp>
+      </p:grpSp>
+      <p:grpSp>
+        <p:nvGrpSpPr>
+          <p:cNvPr id="75" name="Group 74"/>
+          <p:cNvGrpSpPr/>
+          <p:nvPr/>
+        </p:nvGrpSpPr>
+        <p:grpSpPr>
+          <a:xfrm>
+            <a:off x="3442733" y="2411274"/>
+            <a:ext cx="1628377" cy="338554"/>
+            <a:chOff x="5621379" y="702509"/>
+            <a:chExt cx="1628377" cy="338554"/>
+          </a:xfrm>
+        </p:grpSpPr>
+        <p:sp>
+          <p:nvSpPr>
+            <p:cNvPr id="76" name="Oval 75"/>
+            <p:cNvSpPr/>
+            <p:nvPr/>
+          </p:nvSpPr>
+          <p:spPr>
+            <a:xfrm>
+              <a:off x="5847195" y="764132"/>
+              <a:ext cx="202025" cy="211031"/>
+            </a:xfrm>
+            <a:prstGeom prst="ellipse">
+              <a:avLst/>
+            </a:prstGeom>
+            <a:ln w="19050"/>
+          </p:spPr>
+          <p:style>
+            <a:lnRef idx="2">
+              <a:schemeClr val="dk1"/>
+            </a:lnRef>
+            <a:fillRef idx="1">
+              <a:schemeClr val="lt1"/>
+            </a:fillRef>
+            <a:effectRef idx="0">
+              <a:schemeClr val="dk1"/>
+            </a:effectRef>
+            <a:fontRef idx="minor">
+              <a:schemeClr val="dk1"/>
+            </a:fontRef>
+          </p:style>
+          <p:txBody>
+            <a:bodyPr rtlCol="0" anchor="ctr"/>
+            <a:lstStyle/>
+            <a:p>
+              <a:pPr algn="ctr"/>
+              <a:r>
+                <a:rPr lang="en-US" dirty="0"/>
+                <a:t>6</a:t>
+              </a:r>
+            </a:p>
+          </p:txBody>
+        </p:sp>
+        <p:sp>
+          <p:nvSpPr>
+            <p:cNvPr id="77" name="Rectangle 76"/>
+            <p:cNvSpPr/>
+            <p:nvPr/>
+          </p:nvSpPr>
+          <p:spPr>
+            <a:xfrm>
+              <a:off x="5621379" y="702509"/>
+              <a:ext cx="1628377" cy="338554"/>
+            </a:xfrm>
+            <a:prstGeom prst="rect">
+              <a:avLst/>
+            </a:prstGeom>
+          </p:spPr>
+          <p:txBody>
+            <a:bodyPr wrap="square">
+              <a:spAutoFit/>
+            </a:bodyPr>
+            <a:lstStyle/>
+            <a:p>
+              <a:pPr algn="ctr"/>
+              <a:r>
+                <a:rPr lang="en-US" sz="1600" dirty="0"/>
+                <a:t>Transfer</a:t>
+              </a:r>
+            </a:p>
+          </p:txBody>
+        </p:sp>
+      </p:grpSp>
+      <p:grpSp>
+        <p:nvGrpSpPr>
+          <p:cNvPr id="104" name="Group 103"/>
+          <p:cNvGrpSpPr/>
+          <p:nvPr/>
+        </p:nvGrpSpPr>
+        <p:grpSpPr>
+          <a:xfrm>
+            <a:off x="1256632" y="846371"/>
+            <a:ext cx="3233038" cy="338554"/>
+            <a:chOff x="5847195" y="713208"/>
+            <a:chExt cx="3233038" cy="338554"/>
+          </a:xfrm>
+        </p:grpSpPr>
+        <p:sp>
+          <p:nvSpPr>
+            <p:cNvPr id="105" name="Oval 104"/>
+            <p:cNvSpPr/>
+            <p:nvPr/>
+          </p:nvSpPr>
+          <p:spPr>
+            <a:xfrm>
+              <a:off x="5847195" y="764132"/>
+              <a:ext cx="202025" cy="211031"/>
+            </a:xfrm>
+            <a:prstGeom prst="ellipse">
+              <a:avLst/>
+            </a:prstGeom>
+            <a:ln w="19050"/>
+          </p:spPr>
+          <p:style>
+            <a:lnRef idx="2">
+              <a:schemeClr val="dk1"/>
+            </a:lnRef>
+            <a:fillRef idx="1">
+              <a:schemeClr val="lt1"/>
+            </a:fillRef>
+            <a:effectRef idx="0">
+              <a:schemeClr val="dk1"/>
+            </a:effectRef>
+            <a:fontRef idx="minor">
+              <a:schemeClr val="dk1"/>
+            </a:fontRef>
+          </p:style>
+          <p:txBody>
+            <a:bodyPr rtlCol="0" anchor="ctr"/>
+            <a:lstStyle/>
+            <a:p>
+              <a:pPr algn="ctr"/>
+              <a:r>
+                <a:rPr lang="en-US" dirty="0"/>
+                <a:t>4</a:t>
+              </a:r>
+            </a:p>
+          </p:txBody>
+        </p:sp>
+        <p:sp>
+          <p:nvSpPr>
+            <p:cNvPr id="106" name="Rectangle 105"/>
+            <p:cNvSpPr/>
+            <p:nvPr/>
+          </p:nvSpPr>
+          <p:spPr>
+            <a:xfrm>
+              <a:off x="6001578" y="713208"/>
+              <a:ext cx="3078655" cy="338554"/>
+            </a:xfrm>
+            <a:prstGeom prst="rect">
+              <a:avLst/>
+            </a:prstGeom>
+          </p:spPr>
+          <p:txBody>
+            <a:bodyPr wrap="square">
+              <a:spAutoFit/>
+            </a:bodyPr>
+            <a:lstStyle/>
+            <a:p>
+              <a:r>
+                <a:rPr lang="en-US" sz="1600" dirty="0"/>
+                <a:t>Establish TLS with enclave</a:t>
+              </a:r>
+            </a:p>
+          </p:txBody>
+        </p:sp>
+      </p:grpSp>
+      <p:grpSp>
+        <p:nvGrpSpPr>
+          <p:cNvPr id="109" name="Group 108"/>
+          <p:cNvGrpSpPr/>
+          <p:nvPr/>
+        </p:nvGrpSpPr>
+        <p:grpSpPr>
+          <a:xfrm>
+            <a:off x="5375025" y="832568"/>
+            <a:ext cx="2619884" cy="338554"/>
+            <a:chOff x="5620702" y="702509"/>
+            <a:chExt cx="2619884" cy="338554"/>
+          </a:xfrm>
+        </p:grpSpPr>
+        <p:sp>
+          <p:nvSpPr>
+            <p:cNvPr id="110" name="Oval 109"/>
+            <p:cNvSpPr/>
+            <p:nvPr/>
+          </p:nvSpPr>
+          <p:spPr>
+            <a:xfrm>
+              <a:off x="5620702" y="764132"/>
+              <a:ext cx="202025" cy="211031"/>
+            </a:xfrm>
+            <a:prstGeom prst="ellipse">
+              <a:avLst/>
+            </a:prstGeom>
+            <a:ln w="19050"/>
+          </p:spPr>
+          <p:style>
+            <a:lnRef idx="2">
+              <a:schemeClr val="dk1"/>
+            </a:lnRef>
+            <a:fillRef idx="1">
+              <a:schemeClr val="lt1"/>
+            </a:fillRef>
+            <a:effectRef idx="0">
+              <a:schemeClr val="dk1"/>
+            </a:effectRef>
+            <a:fontRef idx="minor">
+              <a:schemeClr val="dk1"/>
+            </a:fontRef>
+          </p:style>
+          <p:txBody>
+            <a:bodyPr rtlCol="0" anchor="ctr"/>
+            <a:lstStyle/>
+            <a:p>
+              <a:pPr algn="ctr"/>
+              <a:r>
+                <a:rPr lang="en-US" dirty="0"/>
+                <a:t>3</a:t>
+              </a:r>
+            </a:p>
+          </p:txBody>
+        </p:sp>
+        <p:sp>
+          <p:nvSpPr>
+            <p:cNvPr id="111" name="Rectangle 110"/>
+            <p:cNvSpPr/>
+            <p:nvPr/>
+          </p:nvSpPr>
+          <p:spPr>
+            <a:xfrm>
+              <a:off x="5772487" y="702509"/>
+              <a:ext cx="2468099" cy="338554"/>
+            </a:xfrm>
+            <a:prstGeom prst="rect">
+              <a:avLst/>
+            </a:prstGeom>
+          </p:spPr>
+          <p:txBody>
+            <a:bodyPr wrap="square">
+              <a:spAutoFit/>
+            </a:bodyPr>
+            <a:lstStyle/>
+            <a:p>
+              <a:r>
+                <a:rPr lang="en-US" sz="1600" dirty="0"/>
+                <a:t>Send enclave PK + response</a:t>
+              </a:r>
+            </a:p>
+          </p:txBody>
+        </p:sp>
+      </p:grpSp>
+      <p:grpSp>
+        <p:nvGrpSpPr>
+          <p:cNvPr id="119" name="Group 118"/>
+          <p:cNvGrpSpPr/>
+          <p:nvPr/>
+        </p:nvGrpSpPr>
+        <p:grpSpPr>
+          <a:xfrm>
+            <a:off x="1263178" y="236591"/>
+            <a:ext cx="2619884" cy="861774"/>
+            <a:chOff x="5620702" y="702509"/>
+            <a:chExt cx="2619884" cy="861774"/>
+          </a:xfrm>
+        </p:grpSpPr>
+        <p:sp>
+          <p:nvSpPr>
+            <p:cNvPr id="120" name="Oval 119"/>
+            <p:cNvSpPr/>
+            <p:nvPr/>
+          </p:nvSpPr>
+          <p:spPr>
+            <a:xfrm>
+              <a:off x="5620702" y="764132"/>
+              <a:ext cx="202025" cy="211031"/>
+            </a:xfrm>
+            <a:prstGeom prst="ellipse">
+              <a:avLst/>
+            </a:prstGeom>
+            <a:ln w="19050"/>
+          </p:spPr>
+          <p:style>
+            <a:lnRef idx="2">
+              <a:schemeClr val="dk1"/>
+            </a:lnRef>
+            <a:fillRef idx="1">
+              <a:schemeClr val="lt1"/>
+            </a:fillRef>
+            <a:effectRef idx="0">
+              <a:schemeClr val="dk1"/>
+            </a:effectRef>
+            <a:fontRef idx="minor">
+              <a:schemeClr val="dk1"/>
+            </a:fontRef>
+          </p:style>
+          <p:txBody>
+            <a:bodyPr rtlCol="0" anchor="ctr"/>
+            <a:lstStyle/>
+            <a:p>
+              <a:pPr algn="ctr"/>
+              <a:r>
+                <a:rPr lang="en-US" dirty="0"/>
+                <a:t>1</a:t>
+              </a:r>
+            </a:p>
+          </p:txBody>
+        </p:sp>
+        <p:sp>
+          <p:nvSpPr>
+            <p:cNvPr id="121" name="Rectangle 120"/>
+            <p:cNvSpPr/>
+            <p:nvPr/>
+          </p:nvSpPr>
+          <p:spPr>
+            <a:xfrm>
+              <a:off x="5772487" y="702509"/>
+              <a:ext cx="2468099" cy="861774"/>
+            </a:xfrm>
+            <a:prstGeom prst="rect">
+              <a:avLst/>
+            </a:prstGeom>
+          </p:spPr>
+          <p:txBody>
+            <a:bodyPr wrap="square">
+              <a:spAutoFit/>
+            </a:bodyPr>
+            <a:lstStyle/>
+            <a:p>
+              <a:r>
+                <a:rPr lang="en-US" sz="1600" dirty="0"/>
+                <a:t>Establish TLS with remote P</a:t>
+              </a:r>
+              <a:r>
+                <a:rPr lang="en-US" sz="1400" dirty="0"/>
+                <a:t>ROXIMI</a:t>
+              </a:r>
+              <a:r>
+                <a:rPr lang="en-US" sz="1600" dirty="0"/>
+                <a:t>KEY</a:t>
+              </a:r>
+            </a:p>
+            <a:p>
+              <a:endParaRPr lang="en-US" sz="1600" dirty="0"/>
+            </a:p>
+          </p:txBody>
+        </p:sp>
+      </p:grpSp>
+      <p:pic>
+        <p:nvPicPr>
+          <p:cNvPr id="2" name="Picture 1"/>
+          <p:cNvPicPr>
+            <a:picLocks noChangeAspect="1"/>
+          </p:cNvPicPr>
+          <p:nvPr/>
+        </p:nvPicPr>
+        <p:blipFill rotWithShape="1">
+          <a:blip r:embed="rId10" cstate="print">
+            <a:extLst>
+              <a:ext uri="{28A0092B-C50C-407E-A947-70E740481C1C}">
+                <a14:useLocalDpi xmlns:a14="http://schemas.microsoft.com/office/drawing/2010/main" val="0"/>
+              </a:ext>
+            </a:extLst>
+          </a:blip>
+          <a:srcRect t="9223" b="8899"/>
+          <a:stretch/>
+        </p:blipFill>
+        <p:spPr>
+          <a:xfrm flipH="1">
+            <a:off x="14538" y="2648454"/>
+            <a:ext cx="796389" cy="652073"/>
+          </a:xfrm>
+          <a:prstGeom prst="rect">
+            <a:avLst/>
+          </a:prstGeom>
+        </p:spPr>
+      </p:pic>
+      <p:sp>
+        <p:nvSpPr>
+          <p:cNvPr id="3" name="Left-Up Arrow 2"/>
+          <p:cNvSpPr/>
+          <p:nvPr/>
+        </p:nvSpPr>
+        <p:spPr>
+          <a:xfrm flipH="1">
+            <a:off x="4965536" y="894191"/>
+            <a:ext cx="1508605" cy="1072108"/>
+          </a:xfrm>
+          <a:prstGeom prst="leftUpArrow">
+            <a:avLst>
+              <a:gd name="adj1" fmla="val 5051"/>
+              <a:gd name="adj2" fmla="val 5539"/>
+              <a:gd name="adj3" fmla="val 4566"/>
+            </a:avLst>
+          </a:prstGeom>
+          <a:solidFill>
+            <a:srgbClr val="92D050"/>
+          </a:solidFill>
+          <a:ln w="12700">
+            <a:solidFill>
+              <a:schemeClr val="tx1"/>
+            </a:solidFill>
+          </a:ln>
+        </p:spPr>
+        <p:style>
+          <a:lnRef idx="2">
+            <a:schemeClr val="accent1">
+              <a:shade val="50000"/>
+            </a:schemeClr>
+          </a:lnRef>
+          <a:fillRef idx="1">
+            <a:schemeClr val="accent1"/>
+          </a:fillRef>
+          <a:effectRef idx="0">
+            <a:schemeClr val="accent1"/>
+          </a:effectRef>
+          <a:fontRef idx="minor">
+            <a:schemeClr val="lt1"/>
+          </a:fontRef>
+        </p:style>
+        <p:txBody>
+          <a:bodyPr rtlCol="0" anchor="ctr"/>
+          <a:lstStyle/>
+          <a:p>
+            <a:pPr algn="ctr"/>
+            <a:endParaRPr lang="en-US"/>
+          </a:p>
+        </p:txBody>
+      </p:sp>
+      <p:pic>
+        <p:nvPicPr>
+          <p:cNvPr id="57" name="Picture 56">
+            <a:extLst>
+              <a:ext uri="{FF2B5EF4-FFF2-40B4-BE49-F238E27FC236}">
+                <a16:creationId xmlns:a16="http://schemas.microsoft.com/office/drawing/2014/main" id="{0BA6DDA7-F5C0-499C-9105-C0630042D43E}"/>
+              </a:ext>
+            </a:extLst>
+          </p:cNvPr>
+          <p:cNvPicPr>
+            <a:picLocks noChangeAspect="1"/>
+          </p:cNvPicPr>
+          <p:nvPr/>
+        </p:nvPicPr>
+        <p:blipFill>
+          <a:blip r:embed="rId11" cstate="print">
+            <a:extLst>
+              <a:ext uri="{28A0092B-C50C-407E-A947-70E740481C1C}">
+                <a14:useLocalDpi xmlns:a14="http://schemas.microsoft.com/office/drawing/2010/main" val="0"/>
+              </a:ext>
+            </a:extLst>
+          </a:blip>
+          <a:stretch>
+            <a:fillRect/>
+          </a:stretch>
+        </p:blipFill>
+        <p:spPr>
+          <a:xfrm>
+            <a:off x="5532698" y="1169000"/>
+            <a:ext cx="586407" cy="586407"/>
+          </a:xfrm>
+          <a:prstGeom prst="rect">
+            <a:avLst/>
+          </a:prstGeom>
+        </p:spPr>
+      </p:pic>
+      <p:pic>
+        <p:nvPicPr>
+          <p:cNvPr id="58" name="Picture 57">
+            <a:extLst>
+              <a:ext uri="{FF2B5EF4-FFF2-40B4-BE49-F238E27FC236}">
+                <a16:creationId xmlns:a16="http://schemas.microsoft.com/office/drawing/2014/main" id="{0C906DEB-0F21-4B7F-8C71-90BCA032248C}"/>
+              </a:ext>
+            </a:extLst>
+          </p:cNvPr>
+          <p:cNvPicPr>
+            <a:picLocks noChangeAspect="1"/>
+          </p:cNvPicPr>
+          <p:nvPr/>
+        </p:nvPicPr>
+        <p:blipFill>
+          <a:blip r:embed="rId11" cstate="print">
+            <a:extLst>
+              <a:ext uri="{28A0092B-C50C-407E-A947-70E740481C1C}">
+                <a14:useLocalDpi xmlns:a14="http://schemas.microsoft.com/office/drawing/2010/main" val="0"/>
+              </a:ext>
+            </a:extLst>
+          </a:blip>
+          <a:stretch>
+            <a:fillRect/>
+          </a:stretch>
+        </p:blipFill>
+        <p:spPr>
+          <a:xfrm>
+            <a:off x="2971058" y="1394414"/>
+            <a:ext cx="560712" cy="560712"/>
+          </a:xfrm>
+          <a:prstGeom prst="rect">
+            <a:avLst/>
+          </a:prstGeom>
+        </p:spPr>
+      </p:pic>
+      <p:pic>
+        <p:nvPicPr>
+          <p:cNvPr id="59" name="Picture 58">
+            <a:extLst>
+              <a:ext uri="{FF2B5EF4-FFF2-40B4-BE49-F238E27FC236}">
+                <a16:creationId xmlns:a16="http://schemas.microsoft.com/office/drawing/2014/main" id="{491A95E5-98CF-4CEC-87FE-367F2602DC97}"/>
+              </a:ext>
+            </a:extLst>
+          </p:cNvPr>
+          <p:cNvPicPr>
+            <a:picLocks noChangeAspect="1"/>
+          </p:cNvPicPr>
+          <p:nvPr/>
+        </p:nvPicPr>
+        <p:blipFill>
+          <a:blip r:embed="rId11" cstate="print">
+            <a:extLst>
+              <a:ext uri="{28A0092B-C50C-407E-A947-70E740481C1C}">
+                <a14:useLocalDpi xmlns:a14="http://schemas.microsoft.com/office/drawing/2010/main" val="0"/>
+              </a:ext>
+            </a:extLst>
+          </a:blip>
+          <a:stretch>
+            <a:fillRect/>
+          </a:stretch>
+        </p:blipFill>
+        <p:spPr>
+          <a:xfrm>
+            <a:off x="3853790" y="1562287"/>
+            <a:ext cx="405568" cy="405568"/>
+          </a:xfrm>
+          <a:prstGeom prst="rect">
+            <a:avLst/>
+          </a:prstGeom>
+        </p:spPr>
+      </p:pic>
+      <p:sp>
+        <p:nvSpPr>
+          <p:cNvPr id="71" name="Left-Right Arrow 70"/>
+          <p:cNvSpPr/>
+          <p:nvPr/>
+        </p:nvSpPr>
+        <p:spPr>
+          <a:xfrm>
+            <a:off x="2179002" y="1982814"/>
+            <a:ext cx="4295140" cy="122174"/>
+          </a:xfrm>
+          <a:prstGeom prst="leftRightArrow">
+            <a:avLst>
+              <a:gd name="adj1" fmla="val 48266"/>
+              <a:gd name="adj2" fmla="val 45214"/>
+            </a:avLst>
+          </a:prstGeom>
+          <a:solidFill>
+            <a:srgbClr val="92D050"/>
+          </a:solidFill>
+          <a:ln w="12700"/>
+        </p:spPr>
+        <p:style>
+          <a:lnRef idx="2">
+            <a:schemeClr val="dk1">
+              <a:shade val="50000"/>
+            </a:schemeClr>
+          </a:lnRef>
+          <a:fillRef idx="1">
+            <a:schemeClr val="dk1"/>
+          </a:fillRef>
+          <a:effectRef idx="0">
+            <a:schemeClr val="dk1"/>
+          </a:effectRef>
+          <a:fontRef idx="minor">
+            <a:schemeClr val="lt1"/>
+          </a:fontRef>
+        </p:style>
+        <p:txBody>
+          <a:bodyPr rtlCol="0" anchor="ctr"/>
+          <a:lstStyle/>
+          <a:p>
+            <a:pPr algn="ctr"/>
+            <a:endParaRPr lang="en-US"/>
+          </a:p>
+        </p:txBody>
+      </p:sp>
+    </p:spTree>
+    <p:extLst>
+      <p:ext uri="{BB962C8B-B14F-4D97-AF65-F5344CB8AC3E}">
+        <p14:creationId xmlns:p14="http://schemas.microsoft.com/office/powerpoint/2010/main" val="3861436761"/>
+      </p:ext>
+    </p:extLst>
+  </p:cSld>
+  <p:clrMapOvr>
+    <a:masterClrMapping/>
+  </p:clrMapOvr>
+  <p:timing>
+    <p:tnLst>
+      <p:par>
+        <p:cTn id="1" dur="indefinite" restart="never" nodeType="tmRoot">
+          <p:childTnLst>
+            <p:seq concurrent="1" nextAc="seek">
+              <p:cTn id="2" dur="indefinite" nodeType="mainSeq">
+                <p:childTnLst>
+                  <p:par>
+                    <p:cTn id="3" fill="hold">
+                      <p:stCondLst>
+                        <p:cond delay="indefinite"/>
+                        <p:cond evt="onBegin" delay="0">
+                          <p:tn val="2"/>
+                        </p:cond>
+                      </p:stCondLst>
+                      <p:childTnLst>
+                        <p:par>
+                          <p:cTn id="4" fill="hold">
+                            <p:stCondLst>
+                              <p:cond delay="0"/>
+                            </p:stCondLst>
+                            <p:childTnLst>
+                              <p:par>
+                                <p:cTn id="5" presetID="10" presetClass="entr" presetSubtype="0" fill="hold" nodeType="withEffect">
+                                  <p:stCondLst>
+                                    <p:cond delay="0"/>
+                                  </p:stCondLst>
+                                  <p:childTnLst>
+                                    <p:set>
+                                      <p:cBhvr>
+                                        <p:cTn id="6" dur="1" fill="hold">
+                                          <p:stCondLst>
+                                            <p:cond delay="0"/>
+                                          </p:stCondLst>
+                                        </p:cTn>
+                                        <p:tgtEl>
+                                          <p:spTgt spid="57"/>
+                                        </p:tgtEl>
+                                        <p:attrNameLst>
+                                          <p:attrName>style.visibility</p:attrName>
+                                        </p:attrNameLst>
+                                      </p:cBhvr>
+                                      <p:to>
+                                        <p:strVal val="visible"/>
+                                      </p:to>
+                                    </p:set>
+                                    <p:animEffect transition="in" filter="fade">
+                                      <p:cBhvr>
+                                        <p:cTn id="7" dur="500"/>
+                                        <p:tgtEl>
+                                          <p:spTgt spid="57"/>
+                                        </p:tgtEl>
+                                      </p:cBhvr>
+                                    </p:animEffect>
+                                  </p:childTnLst>
+                                </p:cTn>
+                              </p:par>
+                              <p:par>
+                                <p:cTn id="8" presetID="10" presetClass="entr" presetSubtype="0" fill="hold" nodeType="withEffect">
+                                  <p:stCondLst>
+                                    <p:cond delay="0"/>
+                                  </p:stCondLst>
+                                  <p:childTnLst>
+                                    <p:set>
+                                      <p:cBhvr>
+                                        <p:cTn id="9" dur="1" fill="hold">
+                                          <p:stCondLst>
+                                            <p:cond delay="0"/>
+                                          </p:stCondLst>
+                                        </p:cTn>
+                                        <p:tgtEl>
+                                          <p:spTgt spid="58"/>
+                                        </p:tgtEl>
+                                        <p:attrNameLst>
+                                          <p:attrName>style.visibility</p:attrName>
+                                        </p:attrNameLst>
+                                      </p:cBhvr>
+                                      <p:to>
+                                        <p:strVal val="visible"/>
+                                      </p:to>
+                                    </p:set>
+                                    <p:animEffect transition="in" filter="fade">
+                                      <p:cBhvr>
+                                        <p:cTn id="10" dur="500"/>
+                                        <p:tgtEl>
+                                          <p:spTgt spid="58"/>
+                                        </p:tgtEl>
+                                      </p:cBhvr>
+                                    </p:animEffect>
+                                  </p:childTnLst>
+                                </p:cTn>
+                              </p:par>
+                              <p:par>
+                                <p:cTn id="11" presetID="10" presetClass="entr" presetSubtype="0" fill="hold" nodeType="withEffect">
+                                  <p:stCondLst>
+                                    <p:cond delay="0"/>
+                                  </p:stCondLst>
+                                  <p:childTnLst>
+                                    <p:set>
+                                      <p:cBhvr>
+                                        <p:cTn id="12" dur="1" fill="hold">
+                                          <p:stCondLst>
+                                            <p:cond delay="0"/>
+                                          </p:stCondLst>
+                                        </p:cTn>
+                                        <p:tgtEl>
+                                          <p:spTgt spid="59"/>
+                                        </p:tgtEl>
+                                        <p:attrNameLst>
+                                          <p:attrName>style.visibility</p:attrName>
+                                        </p:attrNameLst>
+                                      </p:cBhvr>
+                                      <p:to>
+                                        <p:strVal val="visible"/>
+                                      </p:to>
+                                    </p:set>
+                                    <p:animEffect transition="in" filter="fade">
+                                      <p:cBhvr>
+                                        <p:cTn id="13" dur="500"/>
+                                        <p:tgtEl>
+                                          <p:spTgt spid="59"/>
+                                        </p:tgtEl>
+                                      </p:cBhvr>
+                                    </p:animEffect>
+                                  </p:childTnLst>
+                                </p:cTn>
+                              </p:par>
+                            </p:childTnLst>
+                          </p:cTn>
+                        </p:par>
+                      </p:childTnLst>
+                    </p:cTn>
+                  </p:par>
+                </p:childTnLst>
+              </p:cTn>
+              <p:prevCondLst>
+                <p:cond evt="onPrev" delay="0">
+                  <p:tgtEl>
+                    <p:sldTgt/>
+                  </p:tgtEl>
+                </p:cond>
+              </p:prevCondLst>
+              <p:nextCondLst>
+                <p:cond evt="onNext" delay="0">
+                  <p:tgtEl>
+                    <p:sldTgt/>
+                  </p:tgtEl>
+                </p:cond>
+              </p:nextCondLst>
+            </p:seq>
+          </p:childTnLst>
+        </p:cTn>
+      </p:par>
+    </p:tnLst>
+  </p:timing>
+</p:sld>
+</file>
+
+<file path=ppt/slides/slide7.xml><?xml version="1.0" encoding="utf-8"?>
 <p:sld xmlns:a="http://schemas.openxmlformats.org/drawingml/2006/main" xmlns:r="http://schemas.openxmlformats.org/officeDocument/2006/relationships" xmlns:p="http://schemas.openxmlformats.org/presentationml/2006/main">
   <p:cSld>
     <p:spTree>
@@ -16530,4 +20041,299 @@
     </a:ext>
   </a:extLst>
 </a:theme>
+</file>
+
+<file path=ppt/theme/theme2.xml><?xml version="1.0" encoding="utf-8"?>
+<a:theme xmlns:a="http://schemas.openxmlformats.org/drawingml/2006/main" name="Office Theme">
+  <a:themeElements>
+    <a:clrScheme name="Office">
+      <a:dk1>
+        <a:sysClr val="windowText" lastClr="000000"/>
+      </a:dk1>
+      <a:lt1>
+        <a:sysClr val="window" lastClr="FFFFFF"/>
+      </a:lt1>
+      <a:dk2>
+        <a:srgbClr val="44546A"/>
+      </a:dk2>
+      <a:lt2>
+        <a:srgbClr val="E7E6E6"/>
+      </a:lt2>
+      <a:accent1>
+        <a:srgbClr val="4472C4"/>
+      </a:accent1>
+      <a:accent2>
+        <a:srgbClr val="ED7D31"/>
+      </a:accent2>
+      <a:accent3>
+        <a:srgbClr val="A5A5A5"/>
+      </a:accent3>
+      <a:accent4>
+        <a:srgbClr val="FFC000"/>
+      </a:accent4>
+      <a:accent5>
+        <a:srgbClr val="5B9BD5"/>
+      </a:accent5>
+      <a:accent6>
+        <a:srgbClr val="70AD47"/>
+      </a:accent6>
+      <a:hlink>
+        <a:srgbClr val="0563C1"/>
+      </a:hlink>
+      <a:folHlink>
+        <a:srgbClr val="954F72"/>
+      </a:folHlink>
+    </a:clrScheme>
+    <a:fontScheme name="Office">
+      <a:majorFont>
+        <a:latin typeface="Calibri Light" panose="020F0302020204030204"/>
+        <a:ea typeface=""/>
+        <a:cs typeface=""/>
+        <a:font script="Jpan" typeface="游ゴシック Light"/>
+        <a:font script="Hang" typeface="맑은 고딕"/>
+        <a:font script="Hans" typeface="等线 Light"/>
+        <a:font script="Hant" typeface="新細明體"/>
+        <a:font script="Arab" typeface="Times New Roman"/>
+        <a:font script="Hebr" typeface="Times New Roman"/>
+        <a:font script="Thai" typeface="Angsana New"/>
+        <a:font script="Ethi" typeface="Nyala"/>
+        <a:font script="Beng" typeface="Vrinda"/>
+        <a:font script="Gujr" typeface="Shruti"/>
+        <a:font script="Khmr" typeface="MoolBoran"/>
+        <a:font script="Knda" typeface="Tunga"/>
+        <a:font script="Guru" typeface="Raavi"/>
+        <a:font script="Cans" typeface="Euphemia"/>
+        <a:font script="Cher" typeface="Plantagenet Cherokee"/>
+        <a:font script="Yiii" typeface="Microsoft Yi Baiti"/>
+        <a:font script="Tibt" typeface="Microsoft Himalaya"/>
+        <a:font script="Thaa" typeface="MV Boli"/>
+        <a:font script="Deva" typeface="Mangal"/>
+        <a:font script="Telu" typeface="Gautami"/>
+        <a:font script="Taml" typeface="Latha"/>
+        <a:font script="Syrc" typeface="Estrangelo Edessa"/>
+        <a:font script="Orya" typeface="Kalinga"/>
+        <a:font script="Mlym" typeface="Kartika"/>
+        <a:font script="Laoo" typeface="DokChampa"/>
+        <a:font script="Sinh" typeface="Iskoola Pota"/>
+        <a:font script="Mong" typeface="Mongolian Baiti"/>
+        <a:font script="Viet" typeface="Times New Roman"/>
+        <a:font script="Uigh" typeface="Microsoft Uighur"/>
+        <a:font script="Geor" typeface="Sylfaen"/>
+        <a:font script="Armn" typeface="Arial"/>
+        <a:font script="Bugi" typeface="Leelawadee UI"/>
+        <a:font script="Bopo" typeface="Microsoft JhengHei"/>
+        <a:font script="Java" typeface="Javanese Text"/>
+        <a:font script="Lisu" typeface="Segoe UI"/>
+        <a:font script="Mymr" typeface="Myanmar Text"/>
+        <a:font script="Nkoo" typeface="Ebrima"/>
+        <a:font script="Olck" typeface="Nirmala UI"/>
+        <a:font script="Osma" typeface="Ebrima"/>
+        <a:font script="Phag" typeface="Phagspa"/>
+        <a:font script="Syrn" typeface="Estrangelo Edessa"/>
+        <a:font script="Syrj" typeface="Estrangelo Edessa"/>
+        <a:font script="Syre" typeface="Estrangelo Edessa"/>
+        <a:font script="Sora" typeface="Nirmala UI"/>
+        <a:font script="Tale" typeface="Microsoft Tai Le"/>
+        <a:font script="Talu" typeface="Microsoft New Tai Lue"/>
+        <a:font script="Tfng" typeface="Ebrima"/>
+      </a:majorFont>
+      <a:minorFont>
+        <a:latin typeface="Calibri" panose="020F0502020204030204"/>
+        <a:ea typeface=""/>
+        <a:cs typeface=""/>
+        <a:font script="Jpan" typeface="游ゴシック"/>
+        <a:font script="Hang" typeface="맑은 고딕"/>
+        <a:font script="Hans" typeface="等线"/>
+        <a:font script="Hant" typeface="新細明體"/>
+        <a:font script="Arab" typeface="Arial"/>
+        <a:font script="Hebr" typeface="Arial"/>
+        <a:font script="Thai" typeface="Cordia New"/>
+        <a:font script="Ethi" typeface="Nyala"/>
+        <a:font script="Beng" typeface="Vrinda"/>
+        <a:font script="Gujr" typeface="Shruti"/>
+        <a:font script="Khmr" typeface="DaunPenh"/>
+        <a:font script="Knda" typeface="Tunga"/>
+        <a:font script="Guru" typeface="Raavi"/>
+        <a:font script="Cans" typeface="Euphemia"/>
+        <a:font script="Cher" typeface="Plantagenet Cherokee"/>
+        <a:font script="Yiii" typeface="Microsoft Yi Baiti"/>
+        <a:font script="Tibt" typeface="Microsoft Himalaya"/>
+        <a:font script="Thaa" typeface="MV Boli"/>
+        <a:font script="Deva" typeface="Mangal"/>
+        <a:font script="Telu" typeface="Gautami"/>
+        <a:font script="Taml" typeface="Latha"/>
+        <a:font script="Syrc" typeface="Estrangelo Edessa"/>
+        <a:font script="Orya" typeface="Kalinga"/>
+        <a:font script="Mlym" typeface="Kartika"/>
+        <a:font script="Laoo" typeface="DokChampa"/>
+        <a:font script="Sinh" typeface="Iskoola Pota"/>
+        <a:font script="Mong" typeface="Mongolian Baiti"/>
+        <a:font script="Viet" typeface="Arial"/>
+        <a:font script="Uigh" typeface="Microsoft Uighur"/>
+        <a:font script="Geor" typeface="Sylfaen"/>
+        <a:font script="Armn" typeface="Arial"/>
+        <a:font script="Bugi" typeface="Leelawadee UI"/>
+        <a:font script="Bopo" typeface="Microsoft JhengHei"/>
+        <a:font script="Java" typeface="Javanese Text"/>
+        <a:font script="Lisu" typeface="Segoe UI"/>
+        <a:font script="Mymr" typeface="Myanmar Text"/>
+        <a:font script="Nkoo" typeface="Ebrima"/>
+        <a:font script="Olck" typeface="Nirmala UI"/>
+        <a:font script="Osma" typeface="Ebrima"/>
+        <a:font script="Phag" typeface="Phagspa"/>
+        <a:font script="Syrn" typeface="Estrangelo Edessa"/>
+        <a:font script="Syrj" typeface="Estrangelo Edessa"/>
+        <a:font script="Syre" typeface="Estrangelo Edessa"/>
+        <a:font script="Sora" typeface="Nirmala UI"/>
+        <a:font script="Tale" typeface="Microsoft Tai Le"/>
+        <a:font script="Talu" typeface="Microsoft New Tai Lue"/>
+        <a:font script="Tfng" typeface="Ebrima"/>
+      </a:minorFont>
+    </a:fontScheme>
+    <a:fmtScheme name="Office">
+      <a:fillStyleLst>
+        <a:solidFill>
+          <a:schemeClr val="phClr"/>
+        </a:solidFill>
+        <a:gradFill rotWithShape="1">
+          <a:gsLst>
+            <a:gs pos="0">
+              <a:schemeClr val="phClr">
+                <a:lumMod val="110000"/>
+                <a:satMod val="105000"/>
+                <a:tint val="67000"/>
+              </a:schemeClr>
+            </a:gs>
+            <a:gs pos="50000">
+              <a:schemeClr val="phClr">
+                <a:lumMod val="105000"/>
+                <a:satMod val="103000"/>
+                <a:tint val="73000"/>
+              </a:schemeClr>
+            </a:gs>
+            <a:gs pos="100000">
+              <a:schemeClr val="phClr">
+                <a:lumMod val="105000"/>
+                <a:satMod val="109000"/>
+                <a:tint val="81000"/>
+              </a:schemeClr>
+            </a:gs>
+          </a:gsLst>
+          <a:lin ang="5400000" scaled="0"/>
+        </a:gradFill>
+        <a:gradFill rotWithShape="1">
+          <a:gsLst>
+            <a:gs pos="0">
+              <a:schemeClr val="phClr">
+                <a:satMod val="103000"/>
+                <a:lumMod val="102000"/>
+                <a:tint val="94000"/>
+              </a:schemeClr>
+            </a:gs>
+            <a:gs pos="50000">
+              <a:schemeClr val="phClr">
+                <a:satMod val="110000"/>
+                <a:lumMod val="100000"/>
+                <a:shade val="100000"/>
+              </a:schemeClr>
+            </a:gs>
+            <a:gs pos="100000">
+              <a:schemeClr val="phClr">
+                <a:lumMod val="99000"/>
+                <a:satMod val="120000"/>
+                <a:shade val="78000"/>
+              </a:schemeClr>
+            </a:gs>
+          </a:gsLst>
+          <a:lin ang="5400000" scaled="0"/>
+        </a:gradFill>
+      </a:fillStyleLst>
+      <a:lnStyleLst>
+        <a:ln w="6350" cap="flat" cmpd="sng" algn="ctr">
+          <a:solidFill>
+            <a:schemeClr val="phClr"/>
+          </a:solidFill>
+          <a:prstDash val="solid"/>
+          <a:miter lim="800000"/>
+        </a:ln>
+        <a:ln w="12700" cap="flat" cmpd="sng" algn="ctr">
+          <a:solidFill>
+            <a:schemeClr val="phClr"/>
+          </a:solidFill>
+          <a:prstDash val="solid"/>
+          <a:miter lim="800000"/>
+        </a:ln>
+        <a:ln w="19050" cap="flat" cmpd="sng" algn="ctr">
+          <a:solidFill>
+            <a:schemeClr val="phClr"/>
+          </a:solidFill>
+          <a:prstDash val="solid"/>
+          <a:miter lim="800000"/>
+        </a:ln>
+      </a:lnStyleLst>
+      <a:effectStyleLst>
+        <a:effectStyle>
+          <a:effectLst/>
+        </a:effectStyle>
+        <a:effectStyle>
+          <a:effectLst/>
+        </a:effectStyle>
+        <a:effectStyle>
+          <a:effectLst>
+            <a:outerShdw blurRad="57150" dist="19050" dir="5400000" algn="ctr" rotWithShape="0">
+              <a:srgbClr val="000000">
+                <a:alpha val="63000"/>
+              </a:srgbClr>
+            </a:outerShdw>
+          </a:effectLst>
+        </a:effectStyle>
+      </a:effectStyleLst>
+      <a:bgFillStyleLst>
+        <a:solidFill>
+          <a:schemeClr val="phClr"/>
+        </a:solidFill>
+        <a:solidFill>
+          <a:schemeClr val="phClr">
+            <a:tint val="95000"/>
+            <a:satMod val="170000"/>
+          </a:schemeClr>
+        </a:solidFill>
+        <a:gradFill rotWithShape="1">
+          <a:gsLst>
+            <a:gs pos="0">
+              <a:schemeClr val="phClr">
+                <a:tint val="93000"/>
+                <a:satMod val="150000"/>
+                <a:shade val="98000"/>
+                <a:lumMod val="102000"/>
+              </a:schemeClr>
+            </a:gs>
+            <a:gs pos="50000">
+              <a:schemeClr val="phClr">
+                <a:tint val="98000"/>
+                <a:satMod val="130000"/>
+                <a:shade val="90000"/>
+                <a:lumMod val="103000"/>
+              </a:schemeClr>
+            </a:gs>
+            <a:gs pos="100000">
+              <a:schemeClr val="phClr">
+                <a:shade val="63000"/>
+                <a:satMod val="120000"/>
+              </a:schemeClr>
+            </a:gs>
+          </a:gsLst>
+          <a:lin ang="5400000" scaled="0"/>
+        </a:gradFill>
+      </a:bgFillStyleLst>
+    </a:fmtScheme>
+  </a:themeElements>
+  <a:objectDefaults/>
+  <a:extraClrSchemeLst/>
+  <a:extLst>
+    <a:ext uri="{05A4C25C-085E-4340-85A3-A5531E510DB2}">
+      <thm15:themeFamily xmlns:thm15="http://schemas.microsoft.com/office/thememl/2012/main" name="Office Theme" id="{62F939B6-93AF-4DB8-9C6B-D6C7DFDC589F}" vid="{4A3C46E8-61CC-4603-A589-7422A47A8E4A}"/>
+    </a:ext>
+  </a:extLst>
+</a:theme>
 </file>
--- a/chapters/ProximiTEE/images_new/figs.pptx
+++ b/chapters/ProximiTEE/images_new/figs.pptx
@@ -203,7 +203,7 @@
           <a:p>
             <a:fld id="{1E3EFD5B-42B8-406D-BED0-9529F757B511}" type="datetimeFigureOut">
               <a:rPr lang="en-US" smtClean="0"/>
-              <a:t>4/2/2021</a:t>
+              <a:t>4/6/2021</a:t>
             </a:fld>
             <a:endParaRPr lang="en-US"/>
           </a:p>
@@ -805,7 +805,7 @@
           <a:p>
             <a:fld id="{4A6819D7-BF49-4B36-8485-C90B38BA0940}" type="datetimeFigureOut">
               <a:rPr lang="en-US" smtClean="0"/>
-              <a:t>4/2/2021</a:t>
+              <a:t>4/6/2021</a:t>
             </a:fld>
             <a:endParaRPr lang="en-US"/>
           </a:p>
@@ -1003,7 +1003,7 @@
           <a:p>
             <a:fld id="{4A6819D7-BF49-4B36-8485-C90B38BA0940}" type="datetimeFigureOut">
               <a:rPr lang="en-US" smtClean="0"/>
-              <a:t>4/2/2021</a:t>
+              <a:t>4/6/2021</a:t>
             </a:fld>
             <a:endParaRPr lang="en-US"/>
           </a:p>
@@ -1211,7 +1211,7 @@
           <a:p>
             <a:fld id="{4A6819D7-BF49-4B36-8485-C90B38BA0940}" type="datetimeFigureOut">
               <a:rPr lang="en-US" smtClean="0"/>
-              <a:t>4/2/2021</a:t>
+              <a:t>4/6/2021</a:t>
             </a:fld>
             <a:endParaRPr lang="en-US"/>
           </a:p>
@@ -1409,7 +1409,7 @@
           <a:p>
             <a:fld id="{4A6819D7-BF49-4B36-8485-C90B38BA0940}" type="datetimeFigureOut">
               <a:rPr lang="en-US" smtClean="0"/>
-              <a:t>4/2/2021</a:t>
+              <a:t>4/6/2021</a:t>
             </a:fld>
             <a:endParaRPr lang="en-US"/>
           </a:p>
@@ -1684,7 +1684,7 @@
           <a:p>
             <a:fld id="{4A6819D7-BF49-4B36-8485-C90B38BA0940}" type="datetimeFigureOut">
               <a:rPr lang="en-US" smtClean="0"/>
-              <a:t>4/2/2021</a:t>
+              <a:t>4/6/2021</a:t>
             </a:fld>
             <a:endParaRPr lang="en-US"/>
           </a:p>
@@ -1949,7 +1949,7 @@
           <a:p>
             <a:fld id="{4A6819D7-BF49-4B36-8485-C90B38BA0940}" type="datetimeFigureOut">
               <a:rPr lang="en-US" smtClean="0"/>
-              <a:t>4/2/2021</a:t>
+              <a:t>4/6/2021</a:t>
             </a:fld>
             <a:endParaRPr lang="en-US"/>
           </a:p>
@@ -2361,7 +2361,7 @@
           <a:p>
             <a:fld id="{4A6819D7-BF49-4B36-8485-C90B38BA0940}" type="datetimeFigureOut">
               <a:rPr lang="en-US" smtClean="0"/>
-              <a:t>4/2/2021</a:t>
+              <a:t>4/6/2021</a:t>
             </a:fld>
             <a:endParaRPr lang="en-US"/>
           </a:p>
@@ -2502,7 +2502,7 @@
           <a:p>
             <a:fld id="{4A6819D7-BF49-4B36-8485-C90B38BA0940}" type="datetimeFigureOut">
               <a:rPr lang="en-US" smtClean="0"/>
-              <a:t>4/2/2021</a:t>
+              <a:t>4/6/2021</a:t>
             </a:fld>
             <a:endParaRPr lang="en-US"/>
           </a:p>
@@ -2615,7 +2615,7 @@
           <a:p>
             <a:fld id="{4A6819D7-BF49-4B36-8485-C90B38BA0940}" type="datetimeFigureOut">
               <a:rPr lang="en-US" smtClean="0"/>
-              <a:t>4/2/2021</a:t>
+              <a:t>4/6/2021</a:t>
             </a:fld>
             <a:endParaRPr lang="en-US"/>
           </a:p>
@@ -2926,7 +2926,7 @@
           <a:p>
             <a:fld id="{4A6819D7-BF49-4B36-8485-C90B38BA0940}" type="datetimeFigureOut">
               <a:rPr lang="en-US" smtClean="0"/>
-              <a:t>4/2/2021</a:t>
+              <a:t>4/6/2021</a:t>
             </a:fld>
             <a:endParaRPr lang="en-US"/>
           </a:p>
@@ -3214,7 +3214,7 @@
           <a:p>
             <a:fld id="{4A6819D7-BF49-4B36-8485-C90B38BA0940}" type="datetimeFigureOut">
               <a:rPr lang="en-US" smtClean="0"/>
-              <a:t>4/2/2021</a:t>
+              <a:t>4/6/2021</a:t>
             </a:fld>
             <a:endParaRPr lang="en-US"/>
           </a:p>
@@ -3455,7 +3455,7 @@
           <a:p>
             <a:fld id="{4A6819D7-BF49-4B36-8485-C90B38BA0940}" type="datetimeFigureOut">
               <a:rPr lang="en-US" smtClean="0"/>
-              <a:t>4/2/2021</a:t>
+              <a:t>4/6/2021</a:t>
             </a:fld>
             <a:endParaRPr lang="en-US"/>
           </a:p>
@@ -15517,6 +15517,42 @@
           </a:prstGeom>
         </p:spPr>
       </p:pic>
+      <p:pic>
+        <p:nvPicPr>
+          <p:cNvPr id="56" name="Picture 55">
+            <a:extLst>
+              <a:ext uri="{FF2B5EF4-FFF2-40B4-BE49-F238E27FC236}">
+                <a16:creationId xmlns:a16="http://schemas.microsoft.com/office/drawing/2014/main" id="{94B31899-34C6-438B-B03B-950EE32469D9}"/>
+              </a:ext>
+            </a:extLst>
+          </p:cNvPr>
+          <p:cNvPicPr>
+            <a:picLocks noChangeAspect="1"/>
+          </p:cNvPicPr>
+          <p:nvPr/>
+        </p:nvPicPr>
+        <p:blipFill>
+          <a:blip r:embed="rId4" cstate="print">
+            <a:extLst>
+              <a:ext uri="{28A0092B-C50C-407E-A947-70E740481C1C}">
+                <a14:useLocalDpi xmlns:a14="http://schemas.microsoft.com/office/drawing/2010/main" val="0"/>
+              </a:ext>
+            </a:extLst>
+          </a:blip>
+          <a:stretch>
+            <a:fillRect/>
+          </a:stretch>
+        </p:blipFill>
+        <p:spPr>
+          <a:xfrm>
+            <a:off x="3858299" y="1590461"/>
+            <a:ext cx="377112" cy="377112"/>
+          </a:xfrm>
+          <a:prstGeom prst="rect">
+            <a:avLst/>
+          </a:prstGeom>
+        </p:spPr>
+      </p:pic>
       <p:sp>
         <p:nvSpPr>
           <p:cNvPr id="4" name="Rounded Rectangle 3"/>
@@ -15673,7 +15709,7 @@
           <p:nvPr/>
         </p:nvPicPr>
         <p:blipFill rotWithShape="1">
-          <a:blip r:embed="rId4" cstate="print">
+          <a:blip r:embed="rId5" cstate="print">
             <a:extLst>
               <a:ext uri="{28A0092B-C50C-407E-A947-70E740481C1C}">
                 <a14:useLocalDpi xmlns:a14="http://schemas.microsoft.com/office/drawing/2010/main" val="0"/>
@@ -15758,7 +15794,7 @@
           <p:nvPr/>
         </p:nvPicPr>
         <p:blipFill rotWithShape="1">
-          <a:blip r:embed="rId5" cstate="print">
+          <a:blip r:embed="rId6" cstate="print">
             <a:extLst>
               <a:ext uri="{28A0092B-C50C-407E-A947-70E740481C1C}">
                 <a14:useLocalDpi xmlns:a14="http://schemas.microsoft.com/office/drawing/2010/main" val="0"/>
@@ -15787,7 +15823,7 @@
           <p:nvPr/>
         </p:nvPicPr>
         <p:blipFill rotWithShape="1">
-          <a:blip r:embed="rId6" cstate="print">
+          <a:blip r:embed="rId7" cstate="print">
             <a:grayscl/>
             <a:extLst>
               <a:ext uri="{28A0092B-C50C-407E-A947-70E740481C1C}">
@@ -16006,7 +16042,7 @@
             <p:nvPr/>
           </p:nvPicPr>
           <p:blipFill>
-            <a:blip r:embed="rId7" cstate="print">
+            <a:blip r:embed="rId8" cstate="print">
               <a:extLst>
                 <a:ext uri="{28A0092B-C50C-407E-A947-70E740481C1C}">
                   <a14:useLocalDpi xmlns:a14="http://schemas.microsoft.com/office/drawing/2010/main" val="0"/>
@@ -16190,7 +16226,7 @@
           <p:nvPr/>
         </p:nvPicPr>
         <p:blipFill rotWithShape="1">
-          <a:blip r:embed="rId8" cstate="print">
+          <a:blip r:embed="rId9" cstate="print">
             <a:extLst>
               <a:ext uri="{28A0092B-C50C-407E-A947-70E740481C1C}">
                 <a14:useLocalDpi xmlns:a14="http://schemas.microsoft.com/office/drawing/2010/main" val="0"/>
@@ -16248,7 +16284,7 @@
           <p:nvPr/>
         </p:nvPicPr>
         <p:blipFill rotWithShape="1">
-          <a:blip r:embed="rId9" cstate="print">
+          <a:blip r:embed="rId10" cstate="print">
             <a:extLst>
               <a:ext uri="{28A0092B-C50C-407E-A947-70E740481C1C}">
                 <a14:useLocalDpi xmlns:a14="http://schemas.microsoft.com/office/drawing/2010/main" val="0"/>
@@ -16277,7 +16313,7 @@
           <p:nvPr/>
         </p:nvPicPr>
         <p:blipFill rotWithShape="1">
-          <a:blip r:embed="rId9" cstate="print">
+          <a:blip r:embed="rId10" cstate="print">
             <a:extLst>
               <a:ext uri="{28A0092B-C50C-407E-A947-70E740481C1C}">
                 <a14:useLocalDpi xmlns:a14="http://schemas.microsoft.com/office/drawing/2010/main" val="0"/>
@@ -16943,7 +16979,7 @@
           <p:nvPr/>
         </p:nvPicPr>
         <p:blipFill rotWithShape="1">
-          <a:blip r:embed="rId10" cstate="print">
+          <a:blip r:embed="rId11" cstate="print">
             <a:extLst>
               <a:ext uri="{28A0092B-C50C-407E-A947-70E740481C1C}">
                 <a14:useLocalDpi xmlns:a14="http://schemas.microsoft.com/office/drawing/2010/main" val="0"/>
@@ -17015,114 +17051,6 @@
           </a:p>
         </p:txBody>
       </p:sp>
-      <p:pic>
-        <p:nvPicPr>
-          <p:cNvPr id="57" name="Picture 56">
-            <a:extLst>
-              <a:ext uri="{FF2B5EF4-FFF2-40B4-BE49-F238E27FC236}">
-                <a16:creationId xmlns:a16="http://schemas.microsoft.com/office/drawing/2014/main" id="{0BA6DDA7-F5C0-499C-9105-C0630042D43E}"/>
-              </a:ext>
-            </a:extLst>
-          </p:cNvPr>
-          <p:cNvPicPr>
-            <a:picLocks noChangeAspect="1"/>
-          </p:cNvPicPr>
-          <p:nvPr/>
-        </p:nvPicPr>
-        <p:blipFill>
-          <a:blip r:embed="rId11" cstate="print">
-            <a:extLst>
-              <a:ext uri="{28A0092B-C50C-407E-A947-70E740481C1C}">
-                <a14:useLocalDpi xmlns:a14="http://schemas.microsoft.com/office/drawing/2010/main" val="0"/>
-              </a:ext>
-            </a:extLst>
-          </a:blip>
-          <a:stretch>
-            <a:fillRect/>
-          </a:stretch>
-        </p:blipFill>
-        <p:spPr>
-          <a:xfrm>
-            <a:off x="5532698" y="1169000"/>
-            <a:ext cx="586407" cy="586407"/>
-          </a:xfrm>
-          <a:prstGeom prst="rect">
-            <a:avLst/>
-          </a:prstGeom>
-        </p:spPr>
-      </p:pic>
-      <p:pic>
-        <p:nvPicPr>
-          <p:cNvPr id="58" name="Picture 57">
-            <a:extLst>
-              <a:ext uri="{FF2B5EF4-FFF2-40B4-BE49-F238E27FC236}">
-                <a16:creationId xmlns:a16="http://schemas.microsoft.com/office/drawing/2014/main" id="{0C906DEB-0F21-4B7F-8C71-90BCA032248C}"/>
-              </a:ext>
-            </a:extLst>
-          </p:cNvPr>
-          <p:cNvPicPr>
-            <a:picLocks noChangeAspect="1"/>
-          </p:cNvPicPr>
-          <p:nvPr/>
-        </p:nvPicPr>
-        <p:blipFill>
-          <a:blip r:embed="rId11" cstate="print">
-            <a:extLst>
-              <a:ext uri="{28A0092B-C50C-407E-A947-70E740481C1C}">
-                <a14:useLocalDpi xmlns:a14="http://schemas.microsoft.com/office/drawing/2010/main" val="0"/>
-              </a:ext>
-            </a:extLst>
-          </a:blip>
-          <a:stretch>
-            <a:fillRect/>
-          </a:stretch>
-        </p:blipFill>
-        <p:spPr>
-          <a:xfrm>
-            <a:off x="2971058" y="1394414"/>
-            <a:ext cx="560712" cy="560712"/>
-          </a:xfrm>
-          <a:prstGeom prst="rect">
-            <a:avLst/>
-          </a:prstGeom>
-        </p:spPr>
-      </p:pic>
-      <p:pic>
-        <p:nvPicPr>
-          <p:cNvPr id="59" name="Picture 58">
-            <a:extLst>
-              <a:ext uri="{FF2B5EF4-FFF2-40B4-BE49-F238E27FC236}">
-                <a16:creationId xmlns:a16="http://schemas.microsoft.com/office/drawing/2014/main" id="{491A95E5-98CF-4CEC-87FE-367F2602DC97}"/>
-              </a:ext>
-            </a:extLst>
-          </p:cNvPr>
-          <p:cNvPicPr>
-            <a:picLocks noChangeAspect="1"/>
-          </p:cNvPicPr>
-          <p:nvPr/>
-        </p:nvPicPr>
-        <p:blipFill>
-          <a:blip r:embed="rId11" cstate="print">
-            <a:extLst>
-              <a:ext uri="{28A0092B-C50C-407E-A947-70E740481C1C}">
-                <a14:useLocalDpi xmlns:a14="http://schemas.microsoft.com/office/drawing/2010/main" val="0"/>
-              </a:ext>
-            </a:extLst>
-          </a:blip>
-          <a:stretch>
-            <a:fillRect/>
-          </a:stretch>
-        </p:blipFill>
-        <p:spPr>
-          <a:xfrm>
-            <a:off x="3853790" y="1562287"/>
-            <a:ext cx="405568" cy="405568"/>
-          </a:xfrm>
-          <a:prstGeom prst="rect">
-            <a:avLst/>
-          </a:prstGeom>
-        </p:spPr>
-      </p:pic>
       <p:sp>
         <p:nvSpPr>
           <p:cNvPr id="71" name="Left-Right Arrow 70"/>
@@ -17170,6 +17098,78 @@
           </a:p>
         </p:txBody>
       </p:sp>
+      <p:pic>
+        <p:nvPicPr>
+          <p:cNvPr id="55" name="Picture 54">
+            <a:extLst>
+              <a:ext uri="{FF2B5EF4-FFF2-40B4-BE49-F238E27FC236}">
+                <a16:creationId xmlns:a16="http://schemas.microsoft.com/office/drawing/2014/main" id="{7C754B91-7B95-46ED-B044-EF59C3136387}"/>
+              </a:ext>
+            </a:extLst>
+          </p:cNvPr>
+          <p:cNvPicPr>
+            <a:picLocks noChangeAspect="1"/>
+          </p:cNvPicPr>
+          <p:nvPr/>
+        </p:nvPicPr>
+        <p:blipFill>
+          <a:blip r:embed="rId4" cstate="print">
+            <a:extLst>
+              <a:ext uri="{28A0092B-C50C-407E-A947-70E740481C1C}">
+                <a14:useLocalDpi xmlns:a14="http://schemas.microsoft.com/office/drawing/2010/main" val="0"/>
+              </a:ext>
+            </a:extLst>
+          </a:blip>
+          <a:stretch>
+            <a:fillRect/>
+          </a:stretch>
+        </p:blipFill>
+        <p:spPr>
+          <a:xfrm>
+            <a:off x="5706122" y="1197916"/>
+            <a:ext cx="497021" cy="497021"/>
+          </a:xfrm>
+          <a:prstGeom prst="rect">
+            <a:avLst/>
+          </a:prstGeom>
+        </p:spPr>
+      </p:pic>
+      <p:pic>
+        <p:nvPicPr>
+          <p:cNvPr id="60" name="Picture 59">
+            <a:extLst>
+              <a:ext uri="{FF2B5EF4-FFF2-40B4-BE49-F238E27FC236}">
+                <a16:creationId xmlns:a16="http://schemas.microsoft.com/office/drawing/2014/main" id="{B7696B46-A906-4F3B-AA01-39F8E26EB7A3}"/>
+              </a:ext>
+            </a:extLst>
+          </p:cNvPr>
+          <p:cNvPicPr>
+            <a:picLocks noChangeAspect="1"/>
+          </p:cNvPicPr>
+          <p:nvPr/>
+        </p:nvPicPr>
+        <p:blipFill>
+          <a:blip r:embed="rId4" cstate="print">
+            <a:extLst>
+              <a:ext uri="{28A0092B-C50C-407E-A947-70E740481C1C}">
+                <a14:useLocalDpi xmlns:a14="http://schemas.microsoft.com/office/drawing/2010/main" val="0"/>
+              </a:ext>
+            </a:extLst>
+          </a:blip>
+          <a:stretch>
+            <a:fillRect/>
+          </a:stretch>
+        </p:blipFill>
+        <p:spPr>
+          <a:xfrm>
+            <a:off x="2970327" y="1455994"/>
+            <a:ext cx="497021" cy="497021"/>
+          </a:xfrm>
+          <a:prstGeom prst="rect">
+            <a:avLst/>
+          </a:prstGeom>
+        </p:spPr>
+      </p:pic>
     </p:spTree>
     <p:extLst>
       <p:ext uri="{BB962C8B-B14F-4D97-AF65-F5344CB8AC3E}">
@@ -17180,162 +17180,6 @@
   <p:clrMapOvr>
     <a:masterClrMapping/>
   </p:clrMapOvr>
-  <p:timing>
-    <p:tnLst>
-      <p:par>
-        <p:cTn id="1" dur="indefinite" restart="never" nodeType="tmRoot">
-          <p:childTnLst>
-            <p:seq concurrent="1" nextAc="seek">
-              <p:cTn id="2" dur="indefinite" nodeType="mainSeq">
-                <p:childTnLst>
-                  <p:par>
-                    <p:cTn id="3" fill="hold">
-                      <p:stCondLst>
-                        <p:cond delay="indefinite"/>
-                        <p:cond evt="onBegin" delay="0">
-                          <p:tn val="2"/>
-                        </p:cond>
-                      </p:stCondLst>
-                      <p:childTnLst>
-                        <p:par>
-                          <p:cTn id="4" fill="hold">
-                            <p:stCondLst>
-                              <p:cond delay="0"/>
-                            </p:stCondLst>
-                            <p:childTnLst>
-                              <p:par>
-                                <p:cTn id="5" presetID="10" presetClass="entr" presetSubtype="0" fill="hold" nodeType="withEffect">
-                                  <p:stCondLst>
-                                    <p:cond delay="0"/>
-                                  </p:stCondLst>
-                                  <p:childTnLst>
-                                    <p:set>
-                                      <p:cBhvr>
-                                        <p:cTn id="6" dur="1" fill="hold">
-                                          <p:stCondLst>
-                                            <p:cond delay="0"/>
-                                          </p:stCondLst>
-                                        </p:cTn>
-                                        <p:tgtEl>
-                                          <p:spTgt spid="57"/>
-                                        </p:tgtEl>
-                                        <p:attrNameLst>
-                                          <p:attrName>style.visibility</p:attrName>
-                                        </p:attrNameLst>
-                                      </p:cBhvr>
-                                      <p:to>
-                                        <p:strVal val="visible"/>
-                                      </p:to>
-                                    </p:set>
-                                    <p:animEffect transition="in" filter="fade">
-                                      <p:cBhvr>
-                                        <p:cTn id="7" dur="500"/>
-                                        <p:tgtEl>
-                                          <p:spTgt spid="57"/>
-                                        </p:tgtEl>
-                                      </p:cBhvr>
-                                    </p:animEffect>
-                                  </p:childTnLst>
-                                </p:cTn>
-                              </p:par>
-                              <p:par>
-                                <p:cTn id="8" presetID="10" presetClass="entr" presetSubtype="0" fill="hold" nodeType="withEffect">
-                                  <p:stCondLst>
-                                    <p:cond delay="0"/>
-                                  </p:stCondLst>
-                                  <p:childTnLst>
-                                    <p:set>
-                                      <p:cBhvr>
-                                        <p:cTn id="9" dur="1" fill="hold">
-                                          <p:stCondLst>
-                                            <p:cond delay="0"/>
-                                          </p:stCondLst>
-                                        </p:cTn>
-                                        <p:tgtEl>
-                                          <p:spTgt spid="58"/>
-                                        </p:tgtEl>
-                                        <p:attrNameLst>
-                                          <p:attrName>style.visibility</p:attrName>
-                                        </p:attrNameLst>
-                                      </p:cBhvr>
-                                      <p:to>
-                                        <p:strVal val="visible"/>
-                                      </p:to>
-                                    </p:set>
-                                    <p:animEffect transition="in" filter="fade">
-                                      <p:cBhvr>
-                                        <p:cTn id="10" dur="500"/>
-                                        <p:tgtEl>
-                                          <p:spTgt spid="58"/>
-                                        </p:tgtEl>
-                                      </p:cBhvr>
-                                    </p:animEffect>
-                                  </p:childTnLst>
-                                </p:cTn>
-                              </p:par>
-                              <p:par>
-                                <p:cTn id="11" presetID="10" presetClass="entr" presetSubtype="0" fill="hold" nodeType="withEffect">
-                                  <p:stCondLst>
-                                    <p:cond delay="0"/>
-                                  </p:stCondLst>
-                                  <p:childTnLst>
-                                    <p:set>
-                                      <p:cBhvr>
-                                        <p:cTn id="12" dur="1" fill="hold">
-                                          <p:stCondLst>
-                                            <p:cond delay="0"/>
-                                          </p:stCondLst>
-                                        </p:cTn>
-                                        <p:tgtEl>
-                                          <p:spTgt spid="59"/>
-                                        </p:tgtEl>
-                                        <p:attrNameLst>
-                                          <p:attrName>style.visibility</p:attrName>
-                                        </p:attrNameLst>
-                                      </p:cBhvr>
-                                      <p:to>
-                                        <p:strVal val="visible"/>
-                                      </p:to>
-                                    </p:set>
-                                    <p:animEffect transition="in" filter="fade">
-                                      <p:cBhvr>
-                                        <p:cTn id="13" dur="500"/>
-                                        <p:tgtEl>
-                                          <p:spTgt spid="59"/>
-                                        </p:tgtEl>
-                                      </p:cBhvr>
-                                    </p:animEffect>
-                                  </p:childTnLst>
-                                </p:cTn>
-                              </p:par>
-                            </p:childTnLst>
-                          </p:cTn>
-                        </p:par>
-                      </p:childTnLst>
-                    </p:cTn>
-                  </p:par>
-                </p:childTnLst>
-              </p:cTn>
-              <p:prevCondLst>
-                <p:cond evt="onPrev" delay="0">
-                  <p:tgtEl>
-                    <p:sldTgt/>
-                  </p:tgtEl>
-                </p:cond>
-              </p:prevCondLst>
-              <p:nextCondLst>
-                <p:cond evt="onNext" delay="0">
-                  <p:tgtEl>
-                    <p:sldTgt/>
-                  </p:tgtEl>
-                </p:cond>
-              </p:nextCondLst>
-            </p:seq>
-          </p:childTnLst>
-        </p:cTn>
-      </p:par>
-    </p:tnLst>
-  </p:timing>
 </p:sld>
 </file>
 

--- a/chapters/ProximiTEE/images_new/figs.pptx
+++ b/chapters/ProximiTEE/images_new/figs.pptx
@@ -4350,42 +4350,6 @@
           </a:p>
         </p:txBody>
       </p:sp>
-      <p:pic>
-        <p:nvPicPr>
-          <p:cNvPr id="13" name="Picture 12">
-            <a:extLst>
-              <a:ext uri="{FF2B5EF4-FFF2-40B4-BE49-F238E27FC236}">
-                <a16:creationId xmlns:a16="http://schemas.microsoft.com/office/drawing/2014/main" id="{CABC0977-0C99-4677-A4E1-BF2680E9FF24}"/>
-              </a:ext>
-            </a:extLst>
-          </p:cNvPr>
-          <p:cNvPicPr>
-            <a:picLocks noChangeAspect="1"/>
-          </p:cNvPicPr>
-          <p:nvPr/>
-        </p:nvPicPr>
-        <p:blipFill>
-          <a:blip r:embed="rId4" cstate="print">
-            <a:extLst>
-              <a:ext uri="{28A0092B-C50C-407E-A947-70E740481C1C}">
-                <a14:useLocalDpi xmlns:a14="http://schemas.microsoft.com/office/drawing/2010/main" val="0"/>
-              </a:ext>
-            </a:extLst>
-          </a:blip>
-          <a:stretch>
-            <a:fillRect/>
-          </a:stretch>
-        </p:blipFill>
-        <p:spPr>
-          <a:xfrm>
-            <a:off x="3612421" y="782572"/>
-            <a:ext cx="583913" cy="583913"/>
-          </a:xfrm>
-          <a:prstGeom prst="rect">
-            <a:avLst/>
-          </a:prstGeom>
-        </p:spPr>
-      </p:pic>
       <p:grpSp>
         <p:nvGrpSpPr>
           <p:cNvPr id="14" name="Group 13">
@@ -4421,7 +4385,7 @@
             <p:nvPr/>
           </p:nvPicPr>
           <p:blipFill>
-            <a:blip r:embed="rId5" cstate="print">
+            <a:blip r:embed="rId4" cstate="print">
               <a:extLst>
                 <a:ext uri="{28A0092B-C50C-407E-A947-70E740481C1C}">
                   <a14:useLocalDpi xmlns:a14="http://schemas.microsoft.com/office/drawing/2010/main" val="0"/>
@@ -4552,138 +4516,81 @@
           </a:p>
         </p:txBody>
       </p:sp>
-      <p:grpSp>
-        <p:nvGrpSpPr>
-          <p:cNvPr id="18" name="Group 17">
-            <a:extLst>
-              <a:ext uri="{FF2B5EF4-FFF2-40B4-BE49-F238E27FC236}">
-                <a16:creationId xmlns:a16="http://schemas.microsoft.com/office/drawing/2014/main" id="{2A45D18B-F239-448A-BCEF-DF2262CE5825}"/>
-              </a:ext>
-            </a:extLst>
-          </p:cNvPr>
-          <p:cNvGrpSpPr/>
-          <p:nvPr/>
-        </p:nvGrpSpPr>
-        <p:grpSpPr>
+      <p:sp>
+        <p:nvSpPr>
+          <p:cNvPr id="19" name="Rounded Rectangle 33">
+            <a:extLst>
+              <a:ext uri="{FF2B5EF4-FFF2-40B4-BE49-F238E27FC236}">
+                <a16:creationId xmlns:a16="http://schemas.microsoft.com/office/drawing/2014/main" id="{CFCE7489-839B-4E7E-B83E-094A10A06D0B}"/>
+              </a:ext>
+            </a:extLst>
+          </p:cNvPr>
+          <p:cNvSpPr/>
+          <p:nvPr/>
+        </p:nvSpPr>
+        <p:spPr>
           <a:xfrm>
             <a:off x="1302242" y="139907"/>
-            <a:ext cx="1295284" cy="585294"/>
-            <a:chOff x="4041004" y="1427875"/>
-            <a:chExt cx="1295284" cy="585294"/>
-          </a:xfrm>
-        </p:grpSpPr>
-        <p:sp>
-          <p:nvSpPr>
-            <p:cNvPr id="19" name="Rounded Rectangle 33">
-              <a:extLst>
-                <a:ext uri="{FF2B5EF4-FFF2-40B4-BE49-F238E27FC236}">
-                  <a16:creationId xmlns:a16="http://schemas.microsoft.com/office/drawing/2014/main" id="{CFCE7489-839B-4E7E-B83E-094A10A06D0B}"/>
-                </a:ext>
-              </a:extLst>
-            </p:cNvPr>
-            <p:cNvSpPr/>
-            <p:nvPr/>
-          </p:nvSpPr>
-          <p:spPr>
-            <a:xfrm>
-              <a:off x="4041004" y="1427875"/>
-              <a:ext cx="1219199" cy="585294"/>
-            </a:xfrm>
-            <a:prstGeom prst="roundRect">
-              <a:avLst>
-                <a:gd name="adj" fmla="val 8333"/>
-              </a:avLst>
-            </a:prstGeom>
+            <a:ext cx="1219199" cy="585294"/>
+          </a:xfrm>
+          <a:prstGeom prst="roundRect">
+            <a:avLst>
+              <a:gd name="adj" fmla="val 8333"/>
+            </a:avLst>
+          </a:prstGeom>
+          <a:solidFill>
+            <a:srgbClr val="FDA1AC"/>
+          </a:solidFill>
+          <a:ln w="19050" cap="flat" cmpd="sng" algn="ctr">
             <a:solidFill>
-              <a:srgbClr val="FDA1AC"/>
+              <a:sysClr val="windowText" lastClr="000000"/>
             </a:solidFill>
-            <a:ln w="19050" cap="flat" cmpd="sng" algn="ctr">
-              <a:solidFill>
-                <a:sysClr val="windowText" lastClr="000000"/>
-              </a:solidFill>
-              <a:prstDash val="solid"/>
-              <a:miter lim="800000"/>
-            </a:ln>
-            <a:effectLst/>
-          </p:spPr>
-          <p:txBody>
-            <a:bodyPr rtlCol="0" anchor="ctr"/>
-            <a:lstStyle/>
-            <a:p>
-              <a:pPr marL="0" marR="0" lvl="0" indent="0" algn="ctr" defTabSz="914400" eaLnBrk="1" fontAlgn="auto" latinLnBrk="0" hangingPunct="1">
-                <a:lnSpc>
-                  <a:spcPct val="100000"/>
-                </a:lnSpc>
-                <a:spcBef>
-                  <a:spcPts val="0"/>
-                </a:spcBef>
-                <a:spcAft>
-                  <a:spcPts val="0"/>
-                </a:spcAft>
-                <a:buClrTx/>
-                <a:buSzTx/>
-                <a:buFontTx/>
-                <a:buNone/>
-                <a:tabLst/>
-                <a:defRPr/>
-              </a:pPr>
-              <a:r>
-                <a:rPr kumimoji="0" lang="en-US" sz="2400" b="0" i="0" u="none" strike="noStrike" kern="0" cap="none" spc="0" normalizeH="0" baseline="0" noProof="0" dirty="0">
-                  <a:ln>
-                    <a:noFill/>
-                  </a:ln>
-                  <a:solidFill>
-                    <a:prstClr val="black"/>
-                  </a:solidFill>
-                  <a:effectLst/>
-                  <a:uLnTx/>
-                  <a:uFillTx/>
-                  <a:latin typeface="Calibri" panose="020F0502020204030204"/>
-                  <a:ea typeface="+mn-ea"/>
-                  <a:cs typeface="+mn-cs"/>
-                </a:rPr>
-                <a:t>App</a:t>
-              </a:r>
-            </a:p>
-          </p:txBody>
-        </p:sp>
-        <p:pic>
-          <p:nvPicPr>
-            <p:cNvPr id="20" name="Picture 19">
-              <a:extLst>
-                <a:ext uri="{FF2B5EF4-FFF2-40B4-BE49-F238E27FC236}">
-                  <a16:creationId xmlns:a16="http://schemas.microsoft.com/office/drawing/2014/main" id="{630B5BEA-7D07-4BFD-AA5D-E99ABF2AA5D3}"/>
-                </a:ext>
-              </a:extLst>
-            </p:cNvPr>
-            <p:cNvPicPr>
-              <a:picLocks noChangeAspect="1"/>
-            </p:cNvPicPr>
-            <p:nvPr/>
-          </p:nvPicPr>
-          <p:blipFill>
-            <a:blip r:embed="rId6" cstate="print">
-              <a:extLst>
-                <a:ext uri="{28A0092B-C50C-407E-A947-70E740481C1C}">
-                  <a14:useLocalDpi xmlns:a14="http://schemas.microsoft.com/office/drawing/2010/main" val="0"/>
-                </a:ext>
-              </a:extLst>
-            </a:blip>
-            <a:stretch>
-              <a:fillRect/>
-            </a:stretch>
-          </p:blipFill>
-          <p:spPr>
-            <a:xfrm>
-              <a:off x="4934517" y="1519506"/>
-              <a:ext cx="401771" cy="401771"/>
-            </a:xfrm>
-            <a:prstGeom prst="rect">
-              <a:avLst/>
-            </a:prstGeom>
-          </p:spPr>
-        </p:pic>
-      </p:grpSp>
+            <a:prstDash val="solid"/>
+            <a:miter lim="800000"/>
+          </a:ln>
+          <a:effectLst/>
+        </p:spPr>
+        <p:txBody>
+          <a:bodyPr rtlCol="0" anchor="ctr"/>
+          <a:lstStyle/>
+          <a:p>
+            <a:pPr marL="0" marR="0" lvl="0" indent="0" algn="ctr" defTabSz="914400" eaLnBrk="1" fontAlgn="auto" latinLnBrk="0" hangingPunct="1">
+              <a:lnSpc>
+                <a:spcPct val="100000"/>
+              </a:lnSpc>
+              <a:spcBef>
+                <a:spcPts val="0"/>
+              </a:spcBef>
+              <a:spcAft>
+                <a:spcPts val="0"/>
+              </a:spcAft>
+              <a:buClrTx/>
+              <a:buSzTx/>
+              <a:buFontTx/>
+              <a:buNone/>
+              <a:tabLst/>
+              <a:defRPr/>
+            </a:pPr>
+            <a:r>
+              <a:rPr kumimoji="0" lang="en-US" sz="2400" b="0" i="0" u="none" strike="noStrike" kern="0" cap="none" spc="0" normalizeH="0" baseline="0" noProof="0" dirty="0">
+                <a:ln>
+                  <a:noFill/>
+                </a:ln>
+                <a:solidFill>
+                  <a:prstClr val="black"/>
+                </a:solidFill>
+                <a:effectLst/>
+                <a:uLnTx/>
+                <a:uFillTx/>
+                <a:latin typeface="Calibri" panose="020F0502020204030204"/>
+                <a:ea typeface="+mn-ea"/>
+                <a:cs typeface="+mn-cs"/>
+              </a:rPr>
+              <a:t>App</a:t>
+            </a:r>
+          </a:p>
+        </p:txBody>
+      </p:sp>
       <p:sp>
         <p:nvSpPr>
           <p:cNvPr id="21" name="Rounded Rectangle 37">
@@ -4904,42 +4811,6 @@
           </a:p>
         </p:txBody>
       </p:sp>
-      <p:pic>
-        <p:nvPicPr>
-          <p:cNvPr id="24" name="Picture 23">
-            <a:extLst>
-              <a:ext uri="{FF2B5EF4-FFF2-40B4-BE49-F238E27FC236}">
-                <a16:creationId xmlns:a16="http://schemas.microsoft.com/office/drawing/2014/main" id="{27E37261-8A83-4684-BDE5-7A963A635D5E}"/>
-              </a:ext>
-            </a:extLst>
-          </p:cNvPr>
-          <p:cNvPicPr>
-            <a:picLocks noChangeAspect="1"/>
-          </p:cNvPicPr>
-          <p:nvPr/>
-        </p:nvPicPr>
-        <p:blipFill>
-          <a:blip r:embed="rId4" cstate="print">
-            <a:extLst>
-              <a:ext uri="{28A0092B-C50C-407E-A947-70E740481C1C}">
-                <a14:useLocalDpi xmlns:a14="http://schemas.microsoft.com/office/drawing/2010/main" val="0"/>
-              </a:ext>
-            </a:extLst>
-          </a:blip>
-          <a:stretch>
-            <a:fillRect/>
-          </a:stretch>
-        </p:blipFill>
-        <p:spPr>
-          <a:xfrm>
-            <a:off x="3612421" y="3756528"/>
-            <a:ext cx="583913" cy="583913"/>
-          </a:xfrm>
-          <a:prstGeom prst="rect">
-            <a:avLst/>
-          </a:prstGeom>
-        </p:spPr>
-      </p:pic>
       <p:sp>
         <p:nvSpPr>
           <p:cNvPr id="25" name="Rounded Rectangle 41">
@@ -5015,138 +4886,81 @@
           </a:p>
         </p:txBody>
       </p:sp>
-      <p:grpSp>
-        <p:nvGrpSpPr>
-          <p:cNvPr id="26" name="Group 25">
-            <a:extLst>
-              <a:ext uri="{FF2B5EF4-FFF2-40B4-BE49-F238E27FC236}">
-                <a16:creationId xmlns:a16="http://schemas.microsoft.com/office/drawing/2014/main" id="{5993A636-8411-4E0B-9218-E98BCC16A5E1}"/>
-              </a:ext>
-            </a:extLst>
-          </p:cNvPr>
-          <p:cNvGrpSpPr/>
-          <p:nvPr/>
-        </p:nvGrpSpPr>
-        <p:grpSpPr>
+      <p:sp>
+        <p:nvSpPr>
+          <p:cNvPr id="27" name="Rounded Rectangle 42">
+            <a:extLst>
+              <a:ext uri="{FF2B5EF4-FFF2-40B4-BE49-F238E27FC236}">
+                <a16:creationId xmlns:a16="http://schemas.microsoft.com/office/drawing/2014/main" id="{4C6D79AB-E134-441A-8AEA-7D9EBCAFDBF9}"/>
+              </a:ext>
+            </a:extLst>
+          </p:cNvPr>
+          <p:cNvSpPr/>
+          <p:nvPr/>
+        </p:nvSpPr>
+        <p:spPr>
           <a:xfrm>
             <a:off x="1305340" y="3127082"/>
-            <a:ext cx="1295284" cy="585294"/>
-            <a:chOff x="4041004" y="4401831"/>
-            <a:chExt cx="1295284" cy="585294"/>
-          </a:xfrm>
-        </p:grpSpPr>
-        <p:sp>
-          <p:nvSpPr>
-            <p:cNvPr id="27" name="Rounded Rectangle 42">
-              <a:extLst>
-                <a:ext uri="{FF2B5EF4-FFF2-40B4-BE49-F238E27FC236}">
-                  <a16:creationId xmlns:a16="http://schemas.microsoft.com/office/drawing/2014/main" id="{4C6D79AB-E134-441A-8AEA-7D9EBCAFDBF9}"/>
-                </a:ext>
-              </a:extLst>
-            </p:cNvPr>
-            <p:cNvSpPr/>
-            <p:nvPr/>
-          </p:nvSpPr>
-          <p:spPr>
-            <a:xfrm>
-              <a:off x="4041004" y="4401831"/>
-              <a:ext cx="1219199" cy="585294"/>
-            </a:xfrm>
-            <a:prstGeom prst="roundRect">
-              <a:avLst>
-                <a:gd name="adj" fmla="val 8333"/>
-              </a:avLst>
-            </a:prstGeom>
+            <a:ext cx="1219199" cy="585294"/>
+          </a:xfrm>
+          <a:prstGeom prst="roundRect">
+            <a:avLst>
+              <a:gd name="adj" fmla="val 8333"/>
+            </a:avLst>
+          </a:prstGeom>
+          <a:solidFill>
+            <a:srgbClr val="FDA1AC"/>
+          </a:solidFill>
+          <a:ln w="19050" cap="flat" cmpd="sng" algn="ctr">
             <a:solidFill>
-              <a:srgbClr val="FDA1AC"/>
+              <a:sysClr val="windowText" lastClr="000000"/>
             </a:solidFill>
-            <a:ln w="19050" cap="flat" cmpd="sng" algn="ctr">
-              <a:solidFill>
-                <a:sysClr val="windowText" lastClr="000000"/>
-              </a:solidFill>
-              <a:prstDash val="solid"/>
-              <a:miter lim="800000"/>
-            </a:ln>
-            <a:effectLst/>
-          </p:spPr>
-          <p:txBody>
-            <a:bodyPr rtlCol="0" anchor="ctr"/>
-            <a:lstStyle/>
-            <a:p>
-              <a:pPr marL="0" marR="0" lvl="0" indent="0" algn="ctr" defTabSz="914400" eaLnBrk="1" fontAlgn="auto" latinLnBrk="0" hangingPunct="1">
-                <a:lnSpc>
-                  <a:spcPct val="100000"/>
-                </a:lnSpc>
-                <a:spcBef>
-                  <a:spcPts val="0"/>
-                </a:spcBef>
-                <a:spcAft>
-                  <a:spcPts val="0"/>
-                </a:spcAft>
-                <a:buClrTx/>
-                <a:buSzTx/>
-                <a:buFontTx/>
-                <a:buNone/>
-                <a:tabLst/>
-                <a:defRPr/>
-              </a:pPr>
-              <a:r>
-                <a:rPr kumimoji="0" lang="en-US" sz="2400" b="0" i="0" u="none" strike="noStrike" kern="0" cap="none" spc="0" normalizeH="0" baseline="0" noProof="0" dirty="0">
-                  <a:ln>
-                    <a:noFill/>
-                  </a:ln>
-                  <a:solidFill>
-                    <a:prstClr val="black"/>
-                  </a:solidFill>
-                  <a:effectLst/>
-                  <a:uLnTx/>
-                  <a:uFillTx/>
-                  <a:latin typeface="Calibri" panose="020F0502020204030204"/>
-                  <a:ea typeface="+mn-ea"/>
-                  <a:cs typeface="+mn-cs"/>
-                </a:rPr>
-                <a:t>App</a:t>
-              </a:r>
-            </a:p>
-          </p:txBody>
-        </p:sp>
-        <p:pic>
-          <p:nvPicPr>
-            <p:cNvPr id="28" name="Picture 27">
-              <a:extLst>
-                <a:ext uri="{FF2B5EF4-FFF2-40B4-BE49-F238E27FC236}">
-                  <a16:creationId xmlns:a16="http://schemas.microsoft.com/office/drawing/2014/main" id="{400B7805-E715-4385-A812-546EC0B10C01}"/>
-                </a:ext>
-              </a:extLst>
-            </p:cNvPr>
-            <p:cNvPicPr>
-              <a:picLocks noChangeAspect="1"/>
-            </p:cNvPicPr>
-            <p:nvPr/>
-          </p:nvPicPr>
-          <p:blipFill>
-            <a:blip r:embed="rId6" cstate="print">
-              <a:extLst>
-                <a:ext uri="{28A0092B-C50C-407E-A947-70E740481C1C}">
-                  <a14:useLocalDpi xmlns:a14="http://schemas.microsoft.com/office/drawing/2010/main" val="0"/>
-                </a:ext>
-              </a:extLst>
-            </a:blip>
-            <a:stretch>
-              <a:fillRect/>
-            </a:stretch>
-          </p:blipFill>
-          <p:spPr>
-            <a:xfrm>
-              <a:off x="4934517" y="4493462"/>
-              <a:ext cx="401771" cy="401771"/>
-            </a:xfrm>
-            <a:prstGeom prst="rect">
-              <a:avLst/>
-            </a:prstGeom>
-          </p:spPr>
-        </p:pic>
-      </p:grpSp>
+            <a:prstDash val="solid"/>
+            <a:miter lim="800000"/>
+          </a:ln>
+          <a:effectLst/>
+        </p:spPr>
+        <p:txBody>
+          <a:bodyPr rtlCol="0" anchor="ctr"/>
+          <a:lstStyle/>
+          <a:p>
+            <a:pPr marL="0" marR="0" lvl="0" indent="0" algn="ctr" defTabSz="914400" eaLnBrk="1" fontAlgn="auto" latinLnBrk="0" hangingPunct="1">
+              <a:lnSpc>
+                <a:spcPct val="100000"/>
+              </a:lnSpc>
+              <a:spcBef>
+                <a:spcPts val="0"/>
+              </a:spcBef>
+              <a:spcAft>
+                <a:spcPts val="0"/>
+              </a:spcAft>
+              <a:buClrTx/>
+              <a:buSzTx/>
+              <a:buFontTx/>
+              <a:buNone/>
+              <a:tabLst/>
+              <a:defRPr/>
+            </a:pPr>
+            <a:r>
+              <a:rPr kumimoji="0" lang="en-US" sz="2400" b="0" i="0" u="none" strike="noStrike" kern="0" cap="none" spc="0" normalizeH="0" baseline="0" noProof="0" dirty="0">
+                <a:ln>
+                  <a:noFill/>
+                </a:ln>
+                <a:solidFill>
+                  <a:prstClr val="black"/>
+                </a:solidFill>
+                <a:effectLst/>
+                <a:uLnTx/>
+                <a:uFillTx/>
+                <a:latin typeface="Calibri" panose="020F0502020204030204"/>
+                <a:ea typeface="+mn-ea"/>
+                <a:cs typeface="+mn-cs"/>
+              </a:rPr>
+              <a:t>App</a:t>
+            </a:r>
+          </a:p>
+        </p:txBody>
+      </p:sp>
       <p:sp>
         <p:nvSpPr>
           <p:cNvPr id="29" name="Down Arrow 45">
@@ -5523,7 +5337,7 @@
             <p:nvPr/>
           </p:nvPicPr>
           <p:blipFill>
-            <a:blip r:embed="rId7" cstate="print">
+            <a:blip r:embed="rId5" cstate="print">
               <a:extLst>
                 <a:ext uri="{28A0092B-C50C-407E-A947-70E740481C1C}">
                   <a14:useLocalDpi xmlns:a14="http://schemas.microsoft.com/office/drawing/2010/main" val="0"/>
@@ -5559,7 +5373,7 @@
             <p:nvPr/>
           </p:nvPicPr>
           <p:blipFill>
-            <a:blip r:embed="rId8" cstate="print">
+            <a:blip r:embed="rId6" cstate="print">
               <a:extLst>
                 <a:ext uri="{28A0092B-C50C-407E-A947-70E740481C1C}">
                   <a14:useLocalDpi xmlns:a14="http://schemas.microsoft.com/office/drawing/2010/main" val="0"/>
@@ -5715,7 +5529,7 @@
             <p:nvPr/>
           </p:nvPicPr>
           <p:blipFill>
-            <a:blip r:embed="rId9" cstate="print">
+            <a:blip r:embed="rId7" cstate="print">
               <a:extLst>
                 <a:ext uri="{28A0092B-C50C-407E-A947-70E740481C1C}">
                   <a14:useLocalDpi xmlns:a14="http://schemas.microsoft.com/office/drawing/2010/main" val="0"/>
@@ -5925,7 +5739,7 @@
             <p:nvPr/>
           </p:nvPicPr>
           <p:blipFill>
-            <a:blip r:embed="rId7" cstate="print">
+            <a:blip r:embed="rId5" cstate="print">
               <a:extLst>
                 <a:ext uri="{28A0092B-C50C-407E-A947-70E740481C1C}">
                   <a14:useLocalDpi xmlns:a14="http://schemas.microsoft.com/office/drawing/2010/main" val="0"/>
@@ -5961,7 +5775,7 @@
             <p:nvPr/>
           </p:nvPicPr>
           <p:blipFill>
-            <a:blip r:embed="rId8" cstate="print">
+            <a:blip r:embed="rId6" cstate="print">
               <a:extLst>
                 <a:ext uri="{28A0092B-C50C-407E-A947-70E740481C1C}">
                   <a14:useLocalDpi xmlns:a14="http://schemas.microsoft.com/office/drawing/2010/main" val="0"/>
@@ -6854,6 +6668,150 @@
           </a:fontRef>
         </p:style>
       </p:cxnSp>
+      <p:pic>
+        <p:nvPicPr>
+          <p:cNvPr id="68" name="Picture 67">
+            <a:extLst>
+              <a:ext uri="{FF2B5EF4-FFF2-40B4-BE49-F238E27FC236}">
+                <a16:creationId xmlns:a16="http://schemas.microsoft.com/office/drawing/2014/main" id="{77079F88-2DFF-4608-B044-F1D706A74B66}"/>
+              </a:ext>
+            </a:extLst>
+          </p:cNvPr>
+          <p:cNvPicPr>
+            <a:picLocks noChangeAspect="1"/>
+          </p:cNvPicPr>
+          <p:nvPr/>
+        </p:nvPicPr>
+        <p:blipFill>
+          <a:blip r:embed="rId8" cstate="print">
+            <a:extLst>
+              <a:ext uri="{28A0092B-C50C-407E-A947-70E740481C1C}">
+                <a14:useLocalDpi xmlns:a14="http://schemas.microsoft.com/office/drawing/2010/main" val="0"/>
+              </a:ext>
+            </a:extLst>
+          </a:blip>
+          <a:stretch>
+            <a:fillRect/>
+          </a:stretch>
+        </p:blipFill>
+        <p:spPr>
+          <a:xfrm>
+            <a:off x="3746664" y="801600"/>
+            <a:ext cx="497021" cy="497021"/>
+          </a:xfrm>
+          <a:prstGeom prst="rect">
+            <a:avLst/>
+          </a:prstGeom>
+        </p:spPr>
+      </p:pic>
+      <p:pic>
+        <p:nvPicPr>
+          <p:cNvPr id="69" name="Picture 68">
+            <a:extLst>
+              <a:ext uri="{FF2B5EF4-FFF2-40B4-BE49-F238E27FC236}">
+                <a16:creationId xmlns:a16="http://schemas.microsoft.com/office/drawing/2014/main" id="{D752D660-9538-4041-9C5F-9391083B6A32}"/>
+              </a:ext>
+            </a:extLst>
+          </p:cNvPr>
+          <p:cNvPicPr>
+            <a:picLocks noChangeAspect="1"/>
+          </p:cNvPicPr>
+          <p:nvPr/>
+        </p:nvPicPr>
+        <p:blipFill>
+          <a:blip r:embed="rId8" cstate="print">
+            <a:extLst>
+              <a:ext uri="{28A0092B-C50C-407E-A947-70E740481C1C}">
+                <a14:useLocalDpi xmlns:a14="http://schemas.microsoft.com/office/drawing/2010/main" val="0"/>
+              </a:ext>
+            </a:extLst>
+          </a:blip>
+          <a:stretch>
+            <a:fillRect/>
+          </a:stretch>
+        </p:blipFill>
+        <p:spPr>
+          <a:xfrm>
+            <a:off x="3746664" y="3758975"/>
+            <a:ext cx="497021" cy="497021"/>
+          </a:xfrm>
+          <a:prstGeom prst="rect">
+            <a:avLst/>
+          </a:prstGeom>
+        </p:spPr>
+      </p:pic>
+      <p:pic>
+        <p:nvPicPr>
+          <p:cNvPr id="70" name="Picture 69">
+            <a:extLst>
+              <a:ext uri="{FF2B5EF4-FFF2-40B4-BE49-F238E27FC236}">
+                <a16:creationId xmlns:a16="http://schemas.microsoft.com/office/drawing/2014/main" id="{A9C2F03E-1F21-48A2-B505-E9C01F89AE04}"/>
+              </a:ext>
+            </a:extLst>
+          </p:cNvPr>
+          <p:cNvPicPr>
+            <a:picLocks noChangeAspect="1"/>
+          </p:cNvPicPr>
+          <p:nvPr/>
+        </p:nvPicPr>
+        <p:blipFill>
+          <a:blip r:embed="rId8" cstate="print">
+            <a:extLst>
+              <a:ext uri="{28A0092B-C50C-407E-A947-70E740481C1C}">
+                <a14:useLocalDpi xmlns:a14="http://schemas.microsoft.com/office/drawing/2010/main" val="0"/>
+              </a:ext>
+            </a:extLst>
+          </a:blip>
+          <a:stretch>
+            <a:fillRect/>
+          </a:stretch>
+        </p:blipFill>
+        <p:spPr>
+          <a:xfrm>
+            <a:off x="2158748" y="3037553"/>
+            <a:ext cx="497021" cy="497021"/>
+          </a:xfrm>
+          <a:prstGeom prst="rect">
+            <a:avLst/>
+          </a:prstGeom>
+        </p:spPr>
+      </p:pic>
+      <p:pic>
+        <p:nvPicPr>
+          <p:cNvPr id="71" name="Picture 70">
+            <a:extLst>
+              <a:ext uri="{FF2B5EF4-FFF2-40B4-BE49-F238E27FC236}">
+                <a16:creationId xmlns:a16="http://schemas.microsoft.com/office/drawing/2014/main" id="{AEA64F4B-1483-4E48-A794-1B6A60652855}"/>
+              </a:ext>
+            </a:extLst>
+          </p:cNvPr>
+          <p:cNvPicPr>
+            <a:picLocks noChangeAspect="1"/>
+          </p:cNvPicPr>
+          <p:nvPr/>
+        </p:nvPicPr>
+        <p:blipFill>
+          <a:blip r:embed="rId8" cstate="print">
+            <a:extLst>
+              <a:ext uri="{28A0092B-C50C-407E-A947-70E740481C1C}">
+                <a14:useLocalDpi xmlns:a14="http://schemas.microsoft.com/office/drawing/2010/main" val="0"/>
+              </a:ext>
+            </a:extLst>
+          </a:blip>
+          <a:stretch>
+            <a:fillRect/>
+          </a:stretch>
+        </p:blipFill>
+        <p:spPr>
+          <a:xfrm>
+            <a:off x="2158748" y="48237"/>
+            <a:ext cx="497021" cy="497021"/>
+          </a:xfrm>
+          <a:prstGeom prst="rect">
+            <a:avLst/>
+          </a:prstGeom>
+        </p:spPr>
+      </p:pic>
     </p:spTree>
     <p:extLst>
       <p:ext uri="{BB962C8B-B14F-4D97-AF65-F5344CB8AC3E}">
@@ -7025,7 +6983,7 @@
                                 </p:cTn>
                               </p:par>
                               <p:par>
-                                <p:cTn id="17" presetID="10" presetClass="entr" presetSubtype="0" fill="hold" nodeType="withEffect">
+                                <p:cTn id="17" presetID="10" presetClass="entr" presetSubtype="0" fill="hold" grpId="0" nodeType="withEffect">
                                   <p:stCondLst>
                                     <p:cond delay="0"/>
                                   </p:stCondLst>
@@ -7038,7 +6996,7 @@
                                           </p:stCondLst>
                                         </p:cTn>
                                         <p:tgtEl>
-                                          <p:spTgt spid="24"/>
+                                          <p:spTgt spid="25"/>
                                         </p:tgtEl>
                                         <p:attrNameLst>
                                           <p:attrName>style.visibility</p:attrName>
@@ -7052,7 +7010,7 @@
                                       <p:cBhvr>
                                         <p:cTn id="19" dur="500"/>
                                         <p:tgtEl>
-                                          <p:spTgt spid="24"/>
+                                          <p:spTgt spid="25"/>
                                         </p:tgtEl>
                                       </p:cBhvr>
                                     </p:animEffect>
@@ -7073,7 +7031,7 @@
                                           </p:stCondLst>
                                         </p:cTn>
                                         <p:tgtEl>
-                                          <p:spTgt spid="25"/>
+                                          <p:spTgt spid="48"/>
                                         </p:tgtEl>
                                         <p:attrNameLst>
                                           <p:attrName>style.visibility</p:attrName>
@@ -7087,77 +7045,7 @@
                                       <p:cBhvr>
                                         <p:cTn id="22" dur="500"/>
                                         <p:tgtEl>
-                                          <p:spTgt spid="25"/>
-                                        </p:tgtEl>
-                                      </p:cBhvr>
-                                    </p:animEffect>
-                                  </p:childTnLst>
-                                </p:cTn>
-                              </p:par>
-                              <p:par>
-                                <p:cTn id="23" presetID="10" presetClass="entr" presetSubtype="0" fill="hold" grpId="0" nodeType="withEffect">
-                                  <p:stCondLst>
-                                    <p:cond delay="0"/>
-                                  </p:stCondLst>
-                                  <p:childTnLst>
-                                    <p:set>
-                                      <p:cBhvr>
-                                        <p:cTn id="24" dur="1" fill="hold">
-                                          <p:stCondLst>
-                                            <p:cond delay="0"/>
-                                          </p:stCondLst>
-                                        </p:cTn>
-                                        <p:tgtEl>
                                           <p:spTgt spid="48"/>
-                                        </p:tgtEl>
-                                        <p:attrNameLst>
-                                          <p:attrName>style.visibility</p:attrName>
-                                        </p:attrNameLst>
-                                      </p:cBhvr>
-                                      <p:to>
-                                        <p:strVal val="visible"/>
-                                      </p:to>
-                                    </p:set>
-                                    <p:animEffect transition="in" filter="fade">
-                                      <p:cBhvr>
-                                        <p:cTn id="25" dur="500"/>
-                                        <p:tgtEl>
-                                          <p:spTgt spid="48"/>
-                                        </p:tgtEl>
-                                      </p:cBhvr>
-                                    </p:animEffect>
-                                  </p:childTnLst>
-                                </p:cTn>
-                              </p:par>
-                              <p:par>
-                                <p:cTn id="26" presetID="10" presetClass="entr" presetSubtype="0" fill="hold" nodeType="withEffect">
-                                  <p:stCondLst>
-                                    <p:cond delay="0"/>
-                                  </p:stCondLst>
-                                  <p:childTnLst>
-                                    <p:set>
-                                      <p:cBhvr>
-                                        <p:cTn id="27" dur="1" fill="hold">
-                                          <p:stCondLst>
-                                            <p:cond delay="0"/>
-                                          </p:stCondLst>
-                                        </p:cTn>
-                                        <p:tgtEl>
-                                          <p:spTgt spid="26"/>
-                                        </p:tgtEl>
-                                        <p:attrNameLst>
-                                          <p:attrName>style.visibility</p:attrName>
-                                        </p:attrNameLst>
-                                      </p:cBhvr>
-                                      <p:to>
-                                        <p:strVal val="visible"/>
-                                      </p:to>
-                                    </p:set>
-                                    <p:animEffect transition="in" filter="fade">
-                                      <p:cBhvr>
-                                        <p:cTn id="28" dur="500"/>
-                                        <p:tgtEl>
-                                          <p:spTgt spid="26"/>
                                         </p:tgtEl>
                                       </p:cBhvr>
                                     </p:animEffect>
@@ -7171,26 +7059,26 @@
                     </p:cTn>
                   </p:par>
                   <p:par>
-                    <p:cTn id="29" fill="hold">
+                    <p:cTn id="23" fill="hold">
                       <p:stCondLst>
                         <p:cond delay="indefinite"/>
                       </p:stCondLst>
                       <p:childTnLst>
                         <p:par>
-                          <p:cTn id="30" fill="hold">
+                          <p:cTn id="24" fill="hold">
                             <p:stCondLst>
                               <p:cond delay="0"/>
                             </p:stCondLst>
                             <p:childTnLst>
                               <p:par>
-                                <p:cTn id="31" presetID="10" presetClass="entr" presetSubtype="0" fill="hold" nodeType="clickEffect">
+                                <p:cTn id="25" presetID="10" presetClass="entr" presetSubtype="0" fill="hold" nodeType="clickEffect">
                                   <p:stCondLst>
                                     <p:cond delay="0"/>
                                   </p:stCondLst>
                                   <p:childTnLst>
                                     <p:set>
                                       <p:cBhvr>
-                                        <p:cTn id="32" dur="1" fill="hold">
+                                        <p:cTn id="26" dur="1" fill="hold">
                                           <p:stCondLst>
                                             <p:cond delay="0"/>
                                           </p:stCondLst>
@@ -7208,7 +7096,7 @@
                                     </p:set>
                                     <p:animEffect transition="in" filter="fade">
                                       <p:cBhvr>
-                                        <p:cTn id="33" dur="500"/>
+                                        <p:cTn id="27" dur="500"/>
                                         <p:tgtEl>
                                           <p:spTgt spid="14"/>
                                         </p:tgtEl>
@@ -7224,26 +7112,26 @@
                     </p:cTn>
                   </p:par>
                   <p:par>
-                    <p:cTn id="34" fill="hold">
+                    <p:cTn id="28" fill="hold">
                       <p:stCondLst>
                         <p:cond delay="indefinite"/>
                       </p:stCondLst>
                       <p:childTnLst>
                         <p:par>
-                          <p:cTn id="35" fill="hold">
+                          <p:cTn id="29" fill="hold">
                             <p:stCondLst>
                               <p:cond delay="0"/>
                             </p:stCondLst>
                             <p:childTnLst>
                               <p:par>
-                                <p:cTn id="36" presetID="22" presetClass="entr" presetSubtype="2" fill="hold" grpId="0" nodeType="clickEffect">
+                                <p:cTn id="30" presetID="22" presetClass="entr" presetSubtype="2" fill="hold" grpId="0" nodeType="clickEffect">
                                   <p:stCondLst>
                                     <p:cond delay="0"/>
                                   </p:stCondLst>
                                   <p:childTnLst>
                                     <p:set>
                                       <p:cBhvr>
-                                        <p:cTn id="37" dur="1" fill="hold">
+                                        <p:cTn id="31" dur="1" fill="hold">
                                           <p:stCondLst>
                                             <p:cond delay="0"/>
                                           </p:stCondLst>
@@ -7261,7 +7149,7 @@
                                     </p:set>
                                     <p:animEffect transition="in" filter="wipe(right)">
                                       <p:cBhvr>
-                                        <p:cTn id="38" dur="500"/>
+                                        <p:cTn id="32" dur="500"/>
                                         <p:tgtEl>
                                           <p:spTgt spid="29"/>
                                         </p:tgtEl>
@@ -7271,14 +7159,14 @@
                                 </p:cTn>
                               </p:par>
                               <p:par>
-                                <p:cTn id="39" presetID="10" presetClass="entr" presetSubtype="0" fill="hold" grpId="0" nodeType="withEffect">
+                                <p:cTn id="33" presetID="10" presetClass="entr" presetSubtype="0" fill="hold" grpId="0" nodeType="withEffect">
                                   <p:stCondLst>
                                     <p:cond delay="0"/>
                                   </p:stCondLst>
                                   <p:childTnLst>
                                     <p:set>
                                       <p:cBhvr>
-                                        <p:cTn id="40" dur="1" fill="hold">
+                                        <p:cTn id="34" dur="1" fill="hold">
                                           <p:stCondLst>
                                             <p:cond delay="0"/>
                                           </p:stCondLst>
@@ -7296,7 +7184,7 @@
                                     </p:set>
                                     <p:animEffect transition="in" filter="fade">
                                       <p:cBhvr>
-                                        <p:cTn id="41" dur="500"/>
+                                        <p:cTn id="35" dur="500"/>
                                         <p:tgtEl>
                                           <p:spTgt spid="30"/>
                                         </p:tgtEl>
@@ -7312,26 +7200,26 @@
                     </p:cTn>
                   </p:par>
                   <p:par>
-                    <p:cTn id="42" fill="hold">
+                    <p:cTn id="36" fill="hold">
                       <p:stCondLst>
                         <p:cond delay="indefinite"/>
                       </p:stCondLst>
                       <p:childTnLst>
                         <p:par>
-                          <p:cTn id="43" fill="hold">
+                          <p:cTn id="37" fill="hold">
                             <p:stCondLst>
                               <p:cond delay="0"/>
                             </p:stCondLst>
                             <p:childTnLst>
                               <p:par>
-                                <p:cTn id="44" presetID="22" presetClass="entr" presetSubtype="1" fill="hold" grpId="0" nodeType="clickEffect">
+                                <p:cTn id="38" presetID="22" presetClass="entr" presetSubtype="1" fill="hold" grpId="0" nodeType="clickEffect">
                                   <p:stCondLst>
                                     <p:cond delay="0"/>
                                   </p:stCondLst>
                                   <p:childTnLst>
                                     <p:set>
                                       <p:cBhvr>
-                                        <p:cTn id="45" dur="1" fill="hold">
+                                        <p:cTn id="39" dur="1" fill="hold">
                                           <p:stCondLst>
                                             <p:cond delay="0"/>
                                           </p:stCondLst>
@@ -7349,7 +7237,7 @@
                                     </p:set>
                                     <p:animEffect transition="in" filter="wipe(up)">
                                       <p:cBhvr>
-                                        <p:cTn id="46" dur="500"/>
+                                        <p:cTn id="40" dur="500"/>
                                         <p:tgtEl>
                                           <p:spTgt spid="31"/>
                                         </p:tgtEl>
@@ -7359,14 +7247,14 @@
                                 </p:cTn>
                               </p:par>
                               <p:par>
-                                <p:cTn id="47" presetID="10" presetClass="entr" presetSubtype="0" fill="hold" grpId="0" nodeType="withEffect">
+                                <p:cTn id="41" presetID="10" presetClass="entr" presetSubtype="0" fill="hold" grpId="0" nodeType="withEffect">
                                   <p:stCondLst>
                                     <p:cond delay="0"/>
                                   </p:stCondLst>
                                   <p:childTnLst>
                                     <p:set>
                                       <p:cBhvr>
-                                        <p:cTn id="48" dur="1" fill="hold">
+                                        <p:cTn id="42" dur="1" fill="hold">
                                           <p:stCondLst>
                                             <p:cond delay="0"/>
                                           </p:stCondLst>
@@ -7384,7 +7272,7 @@
                                     </p:set>
                                     <p:animEffect transition="in" filter="fade">
                                       <p:cBhvr>
-                                        <p:cTn id="49" dur="500"/>
+                                        <p:cTn id="43" dur="500"/>
                                         <p:tgtEl>
                                           <p:spTgt spid="32"/>
                                         </p:tgtEl>
@@ -7400,26 +7288,26 @@
                     </p:cTn>
                   </p:par>
                   <p:par>
-                    <p:cTn id="50" fill="hold">
+                    <p:cTn id="44" fill="hold">
                       <p:stCondLst>
                         <p:cond delay="indefinite"/>
                       </p:stCondLst>
                       <p:childTnLst>
                         <p:par>
-                          <p:cTn id="51" fill="hold">
+                          <p:cTn id="45" fill="hold">
                             <p:stCondLst>
                               <p:cond delay="0"/>
                             </p:stCondLst>
                             <p:childTnLst>
                               <p:par>
-                                <p:cTn id="52" presetID="22" presetClass="entr" presetSubtype="4" fill="hold" grpId="0" nodeType="clickEffect">
+                                <p:cTn id="46" presetID="22" presetClass="entr" presetSubtype="4" fill="hold" grpId="0" nodeType="clickEffect">
                                   <p:stCondLst>
                                     <p:cond delay="0"/>
                                   </p:stCondLst>
                                   <p:childTnLst>
                                     <p:set>
                                       <p:cBhvr>
-                                        <p:cTn id="53" dur="1" fill="hold">
+                                        <p:cTn id="47" dur="1" fill="hold">
                                           <p:stCondLst>
                                             <p:cond delay="0"/>
                                           </p:stCondLst>
@@ -7437,7 +7325,7 @@
                                     </p:set>
                                     <p:animEffect transition="in" filter="wipe(down)">
                                       <p:cBhvr>
-                                        <p:cTn id="54" dur="500"/>
+                                        <p:cTn id="48" dur="500"/>
                                         <p:tgtEl>
                                           <p:spTgt spid="33"/>
                                         </p:tgtEl>
@@ -7447,14 +7335,14 @@
                                 </p:cTn>
                               </p:par>
                               <p:par>
-                                <p:cTn id="55" presetID="10" presetClass="entr" presetSubtype="0" fill="hold" nodeType="withEffect">
+                                <p:cTn id="49" presetID="10" presetClass="entr" presetSubtype="0" fill="hold" nodeType="withEffect">
                                   <p:stCondLst>
                                     <p:cond delay="0"/>
                                   </p:stCondLst>
                                   <p:childTnLst>
                                     <p:set>
                                       <p:cBhvr>
-                                        <p:cTn id="56" dur="1" fill="hold">
+                                        <p:cTn id="50" dur="1" fill="hold">
                                           <p:stCondLst>
                                             <p:cond delay="0"/>
                                           </p:stCondLst>
@@ -7472,7 +7360,7 @@
                                     </p:set>
                                     <p:animEffect transition="in" filter="fade">
                                       <p:cBhvr>
-                                        <p:cTn id="57" dur="500"/>
+                                        <p:cTn id="51" dur="500"/>
                                         <p:tgtEl>
                                           <p:spTgt spid="34"/>
                                         </p:tgtEl>
@@ -7482,14 +7370,14 @@
                                 </p:cTn>
                               </p:par>
                               <p:par>
-                                <p:cTn id="58" presetID="10" presetClass="entr" presetSubtype="0" fill="hold" grpId="0" nodeType="withEffect">
+                                <p:cTn id="52" presetID="10" presetClass="entr" presetSubtype="0" fill="hold" grpId="0" nodeType="withEffect">
                                   <p:stCondLst>
                                     <p:cond delay="0"/>
                                   </p:stCondLst>
                                   <p:childTnLst>
                                     <p:set>
                                       <p:cBhvr>
-                                        <p:cTn id="59" dur="1" fill="hold">
+                                        <p:cTn id="53" dur="1" fill="hold">
                                           <p:stCondLst>
                                             <p:cond delay="0"/>
                                           </p:stCondLst>
@@ -7507,7 +7395,7 @@
                                     </p:set>
                                     <p:animEffect transition="in" filter="fade">
                                       <p:cBhvr>
-                                        <p:cTn id="60" dur="500"/>
+                                        <p:cTn id="54" dur="500"/>
                                         <p:tgtEl>
                                           <p:spTgt spid="37"/>
                                         </p:tgtEl>
@@ -7523,26 +7411,26 @@
                     </p:cTn>
                   </p:par>
                   <p:par>
-                    <p:cTn id="61" fill="hold">
+                    <p:cTn id="55" fill="hold">
                       <p:stCondLst>
                         <p:cond delay="indefinite"/>
                       </p:stCondLst>
                       <p:childTnLst>
                         <p:par>
-                          <p:cTn id="62" fill="hold">
+                          <p:cTn id="56" fill="hold">
                             <p:stCondLst>
                               <p:cond delay="0"/>
                             </p:stCondLst>
                             <p:childTnLst>
                               <p:par>
-                                <p:cTn id="63" presetID="22" presetClass="entr" presetSubtype="8" fill="hold" grpId="0" nodeType="clickEffect">
+                                <p:cTn id="57" presetID="22" presetClass="entr" presetSubtype="8" fill="hold" grpId="0" nodeType="clickEffect">
                                   <p:stCondLst>
                                     <p:cond delay="0"/>
                                   </p:stCondLst>
                                   <p:childTnLst>
                                     <p:set>
                                       <p:cBhvr>
-                                        <p:cTn id="64" dur="1" fill="hold">
+                                        <p:cTn id="58" dur="1" fill="hold">
                                           <p:stCondLst>
                                             <p:cond delay="0"/>
                                           </p:stCondLst>
@@ -7560,7 +7448,7 @@
                                     </p:set>
                                     <p:animEffect transition="in" filter="wipe(left)">
                                       <p:cBhvr>
-                                        <p:cTn id="65" dur="500"/>
+                                        <p:cTn id="59" dur="500"/>
                                         <p:tgtEl>
                                           <p:spTgt spid="38"/>
                                         </p:tgtEl>
@@ -7570,14 +7458,14 @@
                                 </p:cTn>
                               </p:par>
                               <p:par>
-                                <p:cTn id="66" presetID="10" presetClass="entr" presetSubtype="0" fill="hold" nodeType="withEffect">
+                                <p:cTn id="60" presetID="10" presetClass="entr" presetSubtype="0" fill="hold" nodeType="withEffect">
                                   <p:stCondLst>
                                     <p:cond delay="0"/>
                                   </p:stCondLst>
                                   <p:childTnLst>
                                     <p:set>
                                       <p:cBhvr>
-                                        <p:cTn id="67" dur="1" fill="hold">
+                                        <p:cTn id="61" dur="1" fill="hold">
                                           <p:stCondLst>
                                             <p:cond delay="0"/>
                                           </p:stCondLst>
@@ -7595,7 +7483,7 @@
                                     </p:set>
                                     <p:animEffect transition="in" filter="fade">
                                       <p:cBhvr>
-                                        <p:cTn id="68" dur="500"/>
+                                        <p:cTn id="62" dur="500"/>
                                         <p:tgtEl>
                                           <p:spTgt spid="39"/>
                                         </p:tgtEl>
@@ -7605,14 +7493,14 @@
                                 </p:cTn>
                               </p:par>
                               <p:par>
-                                <p:cTn id="69" presetID="10" presetClass="entr" presetSubtype="0" fill="hold" grpId="0" nodeType="withEffect">
+                                <p:cTn id="63" presetID="10" presetClass="entr" presetSubtype="0" fill="hold" grpId="0" nodeType="withEffect">
                                   <p:stCondLst>
                                     <p:cond delay="0"/>
                                   </p:stCondLst>
                                   <p:childTnLst>
                                     <p:set>
                                       <p:cBhvr>
-                                        <p:cTn id="70" dur="1" fill="hold">
+                                        <p:cTn id="64" dur="1" fill="hold">
                                           <p:stCondLst>
                                             <p:cond delay="0"/>
                                           </p:stCondLst>
@@ -7630,7 +7518,7 @@
                                     </p:set>
                                     <p:animEffect transition="in" filter="fade">
                                       <p:cBhvr>
-                                        <p:cTn id="71" dur="500"/>
+                                        <p:cTn id="65" dur="500"/>
                                         <p:tgtEl>
                                           <p:spTgt spid="42"/>
                                         </p:tgtEl>
@@ -7646,26 +7534,26 @@
                     </p:cTn>
                   </p:par>
                   <p:par>
-                    <p:cTn id="72" fill="hold">
+                    <p:cTn id="66" fill="hold">
                       <p:stCondLst>
                         <p:cond delay="indefinite"/>
                       </p:stCondLst>
                       <p:childTnLst>
                         <p:par>
-                          <p:cTn id="73" fill="hold">
+                          <p:cTn id="67" fill="hold">
                             <p:stCondLst>
                               <p:cond delay="0"/>
                             </p:stCondLst>
                             <p:childTnLst>
                               <p:par>
-                                <p:cTn id="74" presetID="22" presetClass="entr" presetSubtype="2" fill="hold" grpId="0" nodeType="clickEffect">
+                                <p:cTn id="68" presetID="22" presetClass="entr" presetSubtype="2" fill="hold" grpId="0" nodeType="clickEffect">
                                   <p:stCondLst>
                                     <p:cond delay="0"/>
                                   </p:stCondLst>
                                   <p:childTnLst>
                                     <p:set>
                                       <p:cBhvr>
-                                        <p:cTn id="75" dur="1" fill="hold">
+                                        <p:cTn id="69" dur="1" fill="hold">
                                           <p:stCondLst>
                                             <p:cond delay="0"/>
                                           </p:stCondLst>
@@ -7683,7 +7571,7 @@
                                     </p:set>
                                     <p:animEffect transition="in" filter="wipe(right)">
                                       <p:cBhvr>
-                                        <p:cTn id="76" dur="500"/>
+                                        <p:cTn id="70" dur="500"/>
                                         <p:tgtEl>
                                           <p:spTgt spid="43"/>
                                         </p:tgtEl>
@@ -7696,20 +7584,20 @@
                           </p:cTn>
                         </p:par>
                         <p:par>
-                          <p:cTn id="77" fill="hold">
+                          <p:cTn id="71" fill="hold">
                             <p:stCondLst>
                               <p:cond delay="500"/>
                             </p:stCondLst>
                             <p:childTnLst>
                               <p:par>
-                                <p:cTn id="78" presetID="10" presetClass="entr" presetSubtype="0" fill="hold" nodeType="afterEffect">
+                                <p:cTn id="72" presetID="10" presetClass="entr" presetSubtype="0" fill="hold" nodeType="afterEffect">
                                   <p:stCondLst>
                                     <p:cond delay="0"/>
                                   </p:stCondLst>
                                   <p:childTnLst>
                                     <p:set>
                                       <p:cBhvr>
-                                        <p:cTn id="79" dur="1" fill="hold">
+                                        <p:cTn id="73" dur="1" fill="hold">
                                           <p:stCondLst>
                                             <p:cond delay="0"/>
                                           </p:stCondLst>
@@ -7727,9 +7615,79 @@
                                     </p:set>
                                     <p:animEffect transition="in" filter="fade">
                                       <p:cBhvr>
+                                        <p:cTn id="74" dur="500"/>
+                                        <p:tgtEl>
+                                          <p:spTgt spid="44"/>
+                                        </p:tgtEl>
+                                      </p:cBhvr>
+                                    </p:animEffect>
+                                  </p:childTnLst>
+                                </p:cTn>
+                              </p:par>
+                              <p:par>
+                                <p:cTn id="75" presetID="10" presetClass="entr" presetSubtype="0" fill="hold" grpId="0" nodeType="withEffect">
+                                  <p:stCondLst>
+                                    <p:cond delay="0"/>
+                                  </p:stCondLst>
+                                  <p:childTnLst>
+                                    <p:set>
+                                      <p:cBhvr>
+                                        <p:cTn id="76" dur="1" fill="hold">
+                                          <p:stCondLst>
+                                            <p:cond delay="0"/>
+                                          </p:stCondLst>
+                                        </p:cTn>
+                                        <p:tgtEl>
+                                          <p:spTgt spid="57"/>
+                                        </p:tgtEl>
+                                        <p:attrNameLst>
+                                          <p:attrName>style.visibility</p:attrName>
+                                        </p:attrNameLst>
+                                      </p:cBhvr>
+                                      <p:to>
+                                        <p:strVal val="visible"/>
+                                      </p:to>
+                                    </p:set>
+                                    <p:animEffect transition="in" filter="fade">
+                                      <p:cBhvr>
+                                        <p:cTn id="77" dur="500"/>
+                                        <p:tgtEl>
+                                          <p:spTgt spid="57"/>
+                                        </p:tgtEl>
+                                      </p:cBhvr>
+                                    </p:animEffect>
+                                  </p:childTnLst>
+                                </p:cTn>
+                              </p:par>
+                              <p:par>
+                                <p:cTn id="78" presetID="10" presetClass="entr" presetSubtype="0" fill="hold" grpId="0" nodeType="withEffect">
+                                  <p:stCondLst>
+                                    <p:cond delay="0"/>
+                                  </p:stCondLst>
+                                  <p:childTnLst>
+                                    <p:set>
+                                      <p:cBhvr>
+                                        <p:cTn id="79" dur="1" fill="hold">
+                                          <p:stCondLst>
+                                            <p:cond delay="0"/>
+                                          </p:stCondLst>
+                                        </p:cTn>
+                                        <p:tgtEl>
+                                          <p:spTgt spid="58"/>
+                                        </p:tgtEl>
+                                        <p:attrNameLst>
+                                          <p:attrName>style.visibility</p:attrName>
+                                        </p:attrNameLst>
+                                      </p:cBhvr>
+                                      <p:to>
+                                        <p:strVal val="visible"/>
+                                      </p:to>
+                                    </p:set>
+                                    <p:animEffect transition="in" filter="fade">
+                                      <p:cBhvr>
                                         <p:cTn id="80" dur="500"/>
                                         <p:tgtEl>
-                                          <p:spTgt spid="44"/>
+                                          <p:spTgt spid="58"/>
                                         </p:tgtEl>
                                       </p:cBhvr>
                                     </p:animEffect>
@@ -7750,7 +7708,7 @@
                                           </p:stCondLst>
                                         </p:cTn>
                                         <p:tgtEl>
-                                          <p:spTgt spid="57"/>
+                                          <p:spTgt spid="59"/>
                                         </p:tgtEl>
                                         <p:attrNameLst>
                                           <p:attrName>style.visibility</p:attrName>
@@ -7764,7 +7722,7 @@
                                       <p:cBhvr>
                                         <p:cTn id="83" dur="500"/>
                                         <p:tgtEl>
-                                          <p:spTgt spid="57"/>
+                                          <p:spTgt spid="59"/>
                                         </p:tgtEl>
                                       </p:cBhvr>
                                     </p:animEffect>
@@ -7785,7 +7743,7 @@
                                           </p:stCondLst>
                                         </p:cTn>
                                         <p:tgtEl>
-                                          <p:spTgt spid="58"/>
+                                          <p:spTgt spid="64"/>
                                         </p:tgtEl>
                                         <p:attrNameLst>
                                           <p:attrName>style.visibility</p:attrName>
@@ -7799,7 +7757,7 @@
                                       <p:cBhvr>
                                         <p:cTn id="86" dur="500"/>
                                         <p:tgtEl>
-                                          <p:spTgt spid="58"/>
+                                          <p:spTgt spid="64"/>
                                         </p:tgtEl>
                                       </p:cBhvr>
                                     </p:animEffect>
@@ -7820,7 +7778,7 @@
                                           </p:stCondLst>
                                         </p:cTn>
                                         <p:tgtEl>
-                                          <p:spTgt spid="59"/>
+                                          <p:spTgt spid="66"/>
                                         </p:tgtEl>
                                         <p:attrNameLst>
                                           <p:attrName>style.visibility</p:attrName>
@@ -7834,7 +7792,7 @@
                                       <p:cBhvr>
                                         <p:cTn id="89" dur="500"/>
                                         <p:tgtEl>
-                                          <p:spTgt spid="59"/>
+                                          <p:spTgt spid="66"/>
                                         </p:tgtEl>
                                       </p:cBhvr>
                                     </p:animEffect>
@@ -7855,7 +7813,7 @@
                                           </p:stCondLst>
                                         </p:cTn>
                                         <p:tgtEl>
-                                          <p:spTgt spid="64"/>
+                                          <p:spTgt spid="67"/>
                                         </p:tgtEl>
                                         <p:attrNameLst>
                                           <p:attrName>style.visibility</p:attrName>
@@ -7868,76 +7826,6 @@
                                     <p:animEffect transition="in" filter="fade">
                                       <p:cBhvr>
                                         <p:cTn id="92" dur="500"/>
-                                        <p:tgtEl>
-                                          <p:spTgt spid="64"/>
-                                        </p:tgtEl>
-                                      </p:cBhvr>
-                                    </p:animEffect>
-                                  </p:childTnLst>
-                                </p:cTn>
-                              </p:par>
-                              <p:par>
-                                <p:cTn id="93" presetID="10" presetClass="entr" presetSubtype="0" fill="hold" grpId="0" nodeType="withEffect">
-                                  <p:stCondLst>
-                                    <p:cond delay="0"/>
-                                  </p:stCondLst>
-                                  <p:childTnLst>
-                                    <p:set>
-                                      <p:cBhvr>
-                                        <p:cTn id="94" dur="1" fill="hold">
-                                          <p:stCondLst>
-                                            <p:cond delay="0"/>
-                                          </p:stCondLst>
-                                        </p:cTn>
-                                        <p:tgtEl>
-                                          <p:spTgt spid="66"/>
-                                        </p:tgtEl>
-                                        <p:attrNameLst>
-                                          <p:attrName>style.visibility</p:attrName>
-                                        </p:attrNameLst>
-                                      </p:cBhvr>
-                                      <p:to>
-                                        <p:strVal val="visible"/>
-                                      </p:to>
-                                    </p:set>
-                                    <p:animEffect transition="in" filter="fade">
-                                      <p:cBhvr>
-                                        <p:cTn id="95" dur="500"/>
-                                        <p:tgtEl>
-                                          <p:spTgt spid="66"/>
-                                        </p:tgtEl>
-                                      </p:cBhvr>
-                                    </p:animEffect>
-                                  </p:childTnLst>
-                                </p:cTn>
-                              </p:par>
-                              <p:par>
-                                <p:cTn id="96" presetID="10" presetClass="entr" presetSubtype="0" fill="hold" grpId="0" nodeType="withEffect">
-                                  <p:stCondLst>
-                                    <p:cond delay="0"/>
-                                  </p:stCondLst>
-                                  <p:childTnLst>
-                                    <p:set>
-                                      <p:cBhvr>
-                                        <p:cTn id="97" dur="1" fill="hold">
-                                          <p:stCondLst>
-                                            <p:cond delay="0"/>
-                                          </p:stCondLst>
-                                        </p:cTn>
-                                        <p:tgtEl>
-                                          <p:spTgt spid="67"/>
-                                        </p:tgtEl>
-                                        <p:attrNameLst>
-                                          <p:attrName>style.visibility</p:attrName>
-                                        </p:attrNameLst>
-                                      </p:cBhvr>
-                                      <p:to>
-                                        <p:strVal val="visible"/>
-                                      </p:to>
-                                    </p:set>
-                                    <p:animEffect transition="in" filter="fade">
-                                      <p:cBhvr>
-                                        <p:cTn id="98" dur="500"/>
                                         <p:tgtEl>
                                           <p:spTgt spid="67"/>
                                         </p:tgtEl>
@@ -10028,12 +9916,165 @@
           </a:fontRef>
         </p:style>
       </p:cxnSp>
+      <p:sp>
+        <p:nvSpPr>
+          <p:cNvPr id="91" name="Oval 90">
+            <a:extLst>
+              <a:ext uri="{FF2B5EF4-FFF2-40B4-BE49-F238E27FC236}">
+                <a16:creationId xmlns:a16="http://schemas.microsoft.com/office/drawing/2014/main" id="{4C0CE4F6-11A3-4E88-A79C-5B2C87AB72BA}"/>
+              </a:ext>
+            </a:extLst>
+          </p:cNvPr>
+          <p:cNvSpPr/>
+          <p:nvPr/>
+        </p:nvSpPr>
+        <p:spPr>
+          <a:xfrm>
+            <a:off x="3607939" y="2684232"/>
+            <a:ext cx="202025" cy="211031"/>
+          </a:xfrm>
+          <a:prstGeom prst="ellipse">
+            <a:avLst/>
+          </a:prstGeom>
+          <a:solidFill>
+            <a:schemeClr val="bg1"/>
+          </a:solidFill>
+          <a:ln w="19050"/>
+        </p:spPr>
+        <p:style>
+          <a:lnRef idx="2">
+            <a:schemeClr val="dk1"/>
+          </a:lnRef>
+          <a:fillRef idx="1">
+            <a:schemeClr val="lt1"/>
+          </a:fillRef>
+          <a:effectRef idx="0">
+            <a:schemeClr val="dk1"/>
+          </a:effectRef>
+          <a:fontRef idx="minor">
+            <a:schemeClr val="dk1"/>
+          </a:fontRef>
+        </p:style>
+        <p:txBody>
+          <a:bodyPr rtlCol="0" anchor="ctr"/>
+          <a:lstStyle/>
+          <a:p>
+            <a:pPr algn="ctr"/>
+            <a:r>
+              <a:rPr lang="en-US" b="1" dirty="0"/>
+              <a:t>7</a:t>
+            </a:r>
+          </a:p>
+        </p:txBody>
+      </p:sp>
+      <p:sp>
+        <p:nvSpPr>
+          <p:cNvPr id="92" name="Oval 91">
+            <a:extLst>
+              <a:ext uri="{FF2B5EF4-FFF2-40B4-BE49-F238E27FC236}">
+                <a16:creationId xmlns:a16="http://schemas.microsoft.com/office/drawing/2014/main" id="{05BEEC87-9C15-4F06-B2BB-D413A945BE4B}"/>
+              </a:ext>
+            </a:extLst>
+          </p:cNvPr>
+          <p:cNvSpPr/>
+          <p:nvPr/>
+        </p:nvSpPr>
+        <p:spPr>
+          <a:xfrm>
+            <a:off x="3611612" y="2362176"/>
+            <a:ext cx="202025" cy="211031"/>
+          </a:xfrm>
+          <a:prstGeom prst="ellipse">
+            <a:avLst/>
+          </a:prstGeom>
+          <a:solidFill>
+            <a:schemeClr val="bg1"/>
+          </a:solidFill>
+          <a:ln w="19050"/>
+        </p:spPr>
+        <p:style>
+          <a:lnRef idx="2">
+            <a:schemeClr val="dk1"/>
+          </a:lnRef>
+          <a:fillRef idx="1">
+            <a:schemeClr val="lt1"/>
+          </a:fillRef>
+          <a:effectRef idx="0">
+            <a:schemeClr val="dk1"/>
+          </a:effectRef>
+          <a:fontRef idx="minor">
+            <a:schemeClr val="dk1"/>
+          </a:fontRef>
+        </p:style>
+        <p:txBody>
+          <a:bodyPr rtlCol="0" anchor="ctr"/>
+          <a:lstStyle/>
+          <a:p>
+            <a:pPr algn="ctr"/>
+            <a:r>
+              <a:rPr lang="en-US" b="1" dirty="0"/>
+              <a:t>5</a:t>
+            </a:r>
+          </a:p>
+        </p:txBody>
+      </p:sp>
+      <p:sp>
+        <p:nvSpPr>
+          <p:cNvPr id="93" name="Oval 92">
+            <a:extLst>
+              <a:ext uri="{FF2B5EF4-FFF2-40B4-BE49-F238E27FC236}">
+                <a16:creationId xmlns:a16="http://schemas.microsoft.com/office/drawing/2014/main" id="{618B708F-2B4F-4E87-B778-34B4FA48ED72}"/>
+              </a:ext>
+            </a:extLst>
+          </p:cNvPr>
+          <p:cNvSpPr/>
+          <p:nvPr/>
+        </p:nvSpPr>
+        <p:spPr>
+          <a:xfrm>
+            <a:off x="3597489" y="2070177"/>
+            <a:ext cx="202025" cy="211031"/>
+          </a:xfrm>
+          <a:prstGeom prst="ellipse">
+            <a:avLst/>
+          </a:prstGeom>
+          <a:solidFill>
+            <a:schemeClr val="bg1"/>
+          </a:solidFill>
+          <a:ln w="19050"/>
+        </p:spPr>
+        <p:style>
+          <a:lnRef idx="2">
+            <a:schemeClr val="dk1"/>
+          </a:lnRef>
+          <a:fillRef idx="1">
+            <a:schemeClr val="lt1"/>
+          </a:fillRef>
+          <a:effectRef idx="0">
+            <a:schemeClr val="dk1"/>
+          </a:effectRef>
+          <a:fontRef idx="minor">
+            <a:schemeClr val="dk1"/>
+          </a:fontRef>
+        </p:style>
+        <p:txBody>
+          <a:bodyPr rtlCol="0" anchor="ctr"/>
+          <a:lstStyle/>
+          <a:p>
+            <a:pPr algn="ctr"/>
+            <a:r>
+              <a:rPr lang="en-US" b="1" dirty="0"/>
+              <a:t>4</a:t>
+            </a:r>
+          </a:p>
+        </p:txBody>
+      </p:sp>
       <p:pic>
         <p:nvPicPr>
-          <p:cNvPr id="79" name="Picture 78">
-            <a:extLst>
-              <a:ext uri="{FF2B5EF4-FFF2-40B4-BE49-F238E27FC236}">
-                <a16:creationId xmlns:a16="http://schemas.microsoft.com/office/drawing/2014/main" id="{5D7AC9EF-B568-4AD7-9102-81D8CC379CC5}"/>
+          <p:cNvPr id="67" name="Picture 66">
+            <a:extLst>
+              <a:ext uri="{FF2B5EF4-FFF2-40B4-BE49-F238E27FC236}">
+                <a16:creationId xmlns:a16="http://schemas.microsoft.com/office/drawing/2014/main" id="{AB9468F0-06A1-40CE-AD40-674755D1F3EB}"/>
               </a:ext>
             </a:extLst>
           </p:cNvPr>
@@ -10056,8 +10097,8 @@
         </p:blipFill>
         <p:spPr>
           <a:xfrm>
-            <a:off x="4814744" y="2893634"/>
-            <a:ext cx="583913" cy="583913"/>
+            <a:off x="5004088" y="3001561"/>
+            <a:ext cx="497021" cy="497021"/>
           </a:xfrm>
           <a:prstGeom prst="rect">
             <a:avLst/>
@@ -10066,10 +10107,10 @@
       </p:pic>
       <p:pic>
         <p:nvPicPr>
-          <p:cNvPr id="80" name="Picture 79">
-            <a:extLst>
-              <a:ext uri="{FF2B5EF4-FFF2-40B4-BE49-F238E27FC236}">
-                <a16:creationId xmlns:a16="http://schemas.microsoft.com/office/drawing/2014/main" id="{9746BFBE-A51C-4FDD-9EB0-EBC30A270A7F}"/>
+          <p:cNvPr id="69" name="Picture 68">
+            <a:extLst>
+              <a:ext uri="{FF2B5EF4-FFF2-40B4-BE49-F238E27FC236}">
+                <a16:creationId xmlns:a16="http://schemas.microsoft.com/office/drawing/2014/main" id="{11ED3B16-AC6A-4876-A15D-4F3BEC471495}"/>
               </a:ext>
             </a:extLst>
           </p:cNvPr>
@@ -10092,167 +10133,14 @@
         </p:blipFill>
         <p:spPr>
           <a:xfrm>
-            <a:off x="2863800" y="588739"/>
-            <a:ext cx="358262" cy="358262"/>
+            <a:off x="2871772" y="576345"/>
+            <a:ext cx="416846" cy="416846"/>
           </a:xfrm>
           <a:prstGeom prst="rect">
             <a:avLst/>
           </a:prstGeom>
         </p:spPr>
       </p:pic>
-      <p:sp>
-        <p:nvSpPr>
-          <p:cNvPr id="91" name="Oval 90">
-            <a:extLst>
-              <a:ext uri="{FF2B5EF4-FFF2-40B4-BE49-F238E27FC236}">
-                <a16:creationId xmlns:a16="http://schemas.microsoft.com/office/drawing/2014/main" id="{4C0CE4F6-11A3-4E88-A79C-5B2C87AB72BA}"/>
-              </a:ext>
-            </a:extLst>
-          </p:cNvPr>
-          <p:cNvSpPr/>
-          <p:nvPr/>
-        </p:nvSpPr>
-        <p:spPr>
-          <a:xfrm>
-            <a:off x="3607939" y="2684232"/>
-            <a:ext cx="202025" cy="211031"/>
-          </a:xfrm>
-          <a:prstGeom prst="ellipse">
-            <a:avLst/>
-          </a:prstGeom>
-          <a:solidFill>
-            <a:schemeClr val="bg1"/>
-          </a:solidFill>
-          <a:ln w="19050"/>
-        </p:spPr>
-        <p:style>
-          <a:lnRef idx="2">
-            <a:schemeClr val="dk1"/>
-          </a:lnRef>
-          <a:fillRef idx="1">
-            <a:schemeClr val="lt1"/>
-          </a:fillRef>
-          <a:effectRef idx="0">
-            <a:schemeClr val="dk1"/>
-          </a:effectRef>
-          <a:fontRef idx="minor">
-            <a:schemeClr val="dk1"/>
-          </a:fontRef>
-        </p:style>
-        <p:txBody>
-          <a:bodyPr rtlCol="0" anchor="ctr"/>
-          <a:lstStyle/>
-          <a:p>
-            <a:pPr algn="ctr"/>
-            <a:r>
-              <a:rPr lang="en-US" b="1" dirty="0"/>
-              <a:t>7</a:t>
-            </a:r>
-          </a:p>
-        </p:txBody>
-      </p:sp>
-      <p:sp>
-        <p:nvSpPr>
-          <p:cNvPr id="92" name="Oval 91">
-            <a:extLst>
-              <a:ext uri="{FF2B5EF4-FFF2-40B4-BE49-F238E27FC236}">
-                <a16:creationId xmlns:a16="http://schemas.microsoft.com/office/drawing/2014/main" id="{05BEEC87-9C15-4F06-B2BB-D413A945BE4B}"/>
-              </a:ext>
-            </a:extLst>
-          </p:cNvPr>
-          <p:cNvSpPr/>
-          <p:nvPr/>
-        </p:nvSpPr>
-        <p:spPr>
-          <a:xfrm>
-            <a:off x="3611612" y="2362176"/>
-            <a:ext cx="202025" cy="211031"/>
-          </a:xfrm>
-          <a:prstGeom prst="ellipse">
-            <a:avLst/>
-          </a:prstGeom>
-          <a:solidFill>
-            <a:schemeClr val="bg1"/>
-          </a:solidFill>
-          <a:ln w="19050"/>
-        </p:spPr>
-        <p:style>
-          <a:lnRef idx="2">
-            <a:schemeClr val="dk1"/>
-          </a:lnRef>
-          <a:fillRef idx="1">
-            <a:schemeClr val="lt1"/>
-          </a:fillRef>
-          <a:effectRef idx="0">
-            <a:schemeClr val="dk1"/>
-          </a:effectRef>
-          <a:fontRef idx="minor">
-            <a:schemeClr val="dk1"/>
-          </a:fontRef>
-        </p:style>
-        <p:txBody>
-          <a:bodyPr rtlCol="0" anchor="ctr"/>
-          <a:lstStyle/>
-          <a:p>
-            <a:pPr algn="ctr"/>
-            <a:r>
-              <a:rPr lang="en-US" b="1" dirty="0"/>
-              <a:t>5</a:t>
-            </a:r>
-          </a:p>
-        </p:txBody>
-      </p:sp>
-      <p:sp>
-        <p:nvSpPr>
-          <p:cNvPr id="93" name="Oval 92">
-            <a:extLst>
-              <a:ext uri="{FF2B5EF4-FFF2-40B4-BE49-F238E27FC236}">
-                <a16:creationId xmlns:a16="http://schemas.microsoft.com/office/drawing/2014/main" id="{618B708F-2B4F-4E87-B778-34B4FA48ED72}"/>
-              </a:ext>
-            </a:extLst>
-          </p:cNvPr>
-          <p:cNvSpPr/>
-          <p:nvPr/>
-        </p:nvSpPr>
-        <p:spPr>
-          <a:xfrm>
-            <a:off x="3597489" y="2070177"/>
-            <a:ext cx="202025" cy="211031"/>
-          </a:xfrm>
-          <a:prstGeom prst="ellipse">
-            <a:avLst/>
-          </a:prstGeom>
-          <a:solidFill>
-            <a:schemeClr val="bg1"/>
-          </a:solidFill>
-          <a:ln w="19050"/>
-        </p:spPr>
-        <p:style>
-          <a:lnRef idx="2">
-            <a:schemeClr val="dk1"/>
-          </a:lnRef>
-          <a:fillRef idx="1">
-            <a:schemeClr val="lt1"/>
-          </a:fillRef>
-          <a:effectRef idx="0">
-            <a:schemeClr val="dk1"/>
-          </a:effectRef>
-          <a:fontRef idx="minor">
-            <a:schemeClr val="dk1"/>
-          </a:fontRef>
-        </p:style>
-        <p:txBody>
-          <a:bodyPr rtlCol="0" anchor="ctr"/>
-          <a:lstStyle/>
-          <a:p>
-            <a:pPr algn="ctr"/>
-            <a:r>
-              <a:rPr lang="en-US" b="1" dirty="0"/>
-              <a:t>4</a:t>
-            </a:r>
-          </a:p>
-        </p:txBody>
-      </p:sp>
     </p:spTree>
     <p:extLst>
       <p:ext uri="{BB962C8B-B14F-4D97-AF65-F5344CB8AC3E}">
@@ -11593,10 +11481,10 @@
       </p:grpSp>
       <p:pic>
         <p:nvPicPr>
-          <p:cNvPr id="39" name="Picture 38">
-            <a:extLst>
-              <a:ext uri="{FF2B5EF4-FFF2-40B4-BE49-F238E27FC236}">
-                <a16:creationId xmlns:a16="http://schemas.microsoft.com/office/drawing/2014/main" id="{D293BF81-FAF0-425A-BC31-75E975B8EB21}"/>
+          <p:cNvPr id="40" name="Picture 39">
+            <a:extLst>
+              <a:ext uri="{FF2B5EF4-FFF2-40B4-BE49-F238E27FC236}">
+                <a16:creationId xmlns:a16="http://schemas.microsoft.com/office/drawing/2014/main" id="{A7820B89-E668-421C-A745-F792386B750E}"/>
               </a:ext>
             </a:extLst>
           </p:cNvPr>
@@ -11619,8 +11507,8 @@
         </p:blipFill>
         <p:spPr>
           <a:xfrm>
-            <a:off x="5526040" y="646978"/>
-            <a:ext cx="502756" cy="502756"/>
+            <a:off x="5582827" y="652713"/>
+            <a:ext cx="497021" cy="497021"/>
           </a:xfrm>
           <a:prstGeom prst="rect">
             <a:avLst/>
@@ -11637,92 +11525,6 @@
   <p:clrMapOvr>
     <a:masterClrMapping/>
   </p:clrMapOvr>
-  <p:timing>
-    <p:tnLst>
-      <p:par>
-        <p:cTn id="1" dur="indefinite" restart="never" nodeType="tmRoot">
-          <p:childTnLst>
-            <p:seq concurrent="1" nextAc="seek">
-              <p:cTn id="2" dur="indefinite" nodeType="mainSeq">
-                <p:childTnLst>
-                  <p:par>
-                    <p:cTn id="3" fill="hold">
-                      <p:stCondLst>
-                        <p:cond delay="indefinite"/>
-                        <p:cond evt="onBegin" delay="0">
-                          <p:tn val="2"/>
-                        </p:cond>
-                      </p:stCondLst>
-                      <p:childTnLst>
-                        <p:par>
-                          <p:cTn id="4" fill="hold">
-                            <p:stCondLst>
-                              <p:cond delay="0"/>
-                            </p:stCondLst>
-                            <p:childTnLst>
-                              <p:par>
-                                <p:cTn id="5" presetID="10" presetClass="entr" presetSubtype="0" fill="hold" nodeType="withEffect">
-                                  <p:stCondLst>
-                                    <p:cond delay="0"/>
-                                  </p:stCondLst>
-                                  <p:childTnLst>
-                                    <p:set>
-                                      <p:cBhvr>
-                                        <p:cTn id="6" dur="1" fill="hold">
-                                          <p:stCondLst>
-                                            <p:cond delay="0"/>
-                                          </p:stCondLst>
-                                        </p:cTn>
-                                        <p:tgtEl>
-                                          <p:spTgt spid="39"/>
-                                        </p:tgtEl>
-                                        <p:attrNameLst>
-                                          <p:attrName>style.visibility</p:attrName>
-                                        </p:attrNameLst>
-                                      </p:cBhvr>
-                                      <p:to>
-                                        <p:strVal val="visible"/>
-                                      </p:to>
-                                    </p:set>
-                                    <p:animEffect transition="in" filter="fade">
-                                      <p:cBhvr>
-                                        <p:cTn id="7" dur="500"/>
-                                        <p:tgtEl>
-                                          <p:spTgt spid="39"/>
-                                        </p:tgtEl>
-                                      </p:cBhvr>
-                                    </p:animEffect>
-                                  </p:childTnLst>
-                                </p:cTn>
-                              </p:par>
-                            </p:childTnLst>
-                          </p:cTn>
-                        </p:par>
-                      </p:childTnLst>
-                    </p:cTn>
-                  </p:par>
-                </p:childTnLst>
-              </p:cTn>
-              <p:prevCondLst>
-                <p:cond evt="onPrev" delay="0">
-                  <p:tgtEl>
-                    <p:sldTgt/>
-                  </p:tgtEl>
-                </p:cond>
-              </p:prevCondLst>
-              <p:nextCondLst>
-                <p:cond evt="onNext" delay="0">
-                  <p:tgtEl>
-                    <p:sldTgt/>
-                  </p:tgtEl>
-                </p:cond>
-              </p:nextCondLst>
-            </p:seq>
-          </p:childTnLst>
-        </p:cTn>
-      </p:par>
-    </p:tnLst>
-  </p:timing>
 </p:sld>
 </file>
 
@@ -12694,10 +12496,10 @@
       </p:grpSp>
       <p:pic>
         <p:nvPicPr>
-          <p:cNvPr id="34" name="Picture 33">
-            <a:extLst>
-              <a:ext uri="{FF2B5EF4-FFF2-40B4-BE49-F238E27FC236}">
-                <a16:creationId xmlns:a16="http://schemas.microsoft.com/office/drawing/2014/main" id="{07D6C13B-6CF6-46D4-A64F-BA23FDDEA4E9}"/>
+          <p:cNvPr id="35" name="Picture 34">
+            <a:extLst>
+              <a:ext uri="{FF2B5EF4-FFF2-40B4-BE49-F238E27FC236}">
+                <a16:creationId xmlns:a16="http://schemas.microsoft.com/office/drawing/2014/main" id="{EAB63916-522E-4919-B4A6-85A7103F277A}"/>
               </a:ext>
             </a:extLst>
           </p:cNvPr>
@@ -12720,8 +12522,8 @@
         </p:blipFill>
         <p:spPr>
           <a:xfrm>
-            <a:off x="3259938" y="229566"/>
-            <a:ext cx="614937" cy="614937"/>
+            <a:off x="2815443" y="454921"/>
+            <a:ext cx="497021" cy="497021"/>
           </a:xfrm>
           <a:prstGeom prst="rect">
             <a:avLst/>
@@ -12738,92 +12540,6 @@
   <p:clrMapOvr>
     <a:masterClrMapping/>
   </p:clrMapOvr>
-  <p:timing>
-    <p:tnLst>
-      <p:par>
-        <p:cTn id="1" dur="indefinite" restart="never" nodeType="tmRoot">
-          <p:childTnLst>
-            <p:seq concurrent="1" nextAc="seek">
-              <p:cTn id="2" dur="indefinite" nodeType="mainSeq">
-                <p:childTnLst>
-                  <p:par>
-                    <p:cTn id="3" fill="hold">
-                      <p:stCondLst>
-                        <p:cond delay="indefinite"/>
-                        <p:cond evt="onBegin" delay="0">
-                          <p:tn val="2"/>
-                        </p:cond>
-                      </p:stCondLst>
-                      <p:childTnLst>
-                        <p:par>
-                          <p:cTn id="4" fill="hold">
-                            <p:stCondLst>
-                              <p:cond delay="0"/>
-                            </p:stCondLst>
-                            <p:childTnLst>
-                              <p:par>
-                                <p:cTn id="5" presetID="10" presetClass="entr" presetSubtype="0" fill="hold" nodeType="withEffect">
-                                  <p:stCondLst>
-                                    <p:cond delay="0"/>
-                                  </p:stCondLst>
-                                  <p:childTnLst>
-                                    <p:set>
-                                      <p:cBhvr>
-                                        <p:cTn id="6" dur="1" fill="hold">
-                                          <p:stCondLst>
-                                            <p:cond delay="0"/>
-                                          </p:stCondLst>
-                                        </p:cTn>
-                                        <p:tgtEl>
-                                          <p:spTgt spid="34"/>
-                                        </p:tgtEl>
-                                        <p:attrNameLst>
-                                          <p:attrName>style.visibility</p:attrName>
-                                        </p:attrNameLst>
-                                      </p:cBhvr>
-                                      <p:to>
-                                        <p:strVal val="visible"/>
-                                      </p:to>
-                                    </p:set>
-                                    <p:animEffect transition="in" filter="fade">
-                                      <p:cBhvr>
-                                        <p:cTn id="7" dur="500"/>
-                                        <p:tgtEl>
-                                          <p:spTgt spid="34"/>
-                                        </p:tgtEl>
-                                      </p:cBhvr>
-                                    </p:animEffect>
-                                  </p:childTnLst>
-                                </p:cTn>
-                              </p:par>
-                            </p:childTnLst>
-                          </p:cTn>
-                        </p:par>
-                      </p:childTnLst>
-                    </p:cTn>
-                  </p:par>
-                </p:childTnLst>
-              </p:cTn>
-              <p:prevCondLst>
-                <p:cond evt="onPrev" delay="0">
-                  <p:tgtEl>
-                    <p:sldTgt/>
-                  </p:tgtEl>
-                </p:cond>
-              </p:prevCondLst>
-              <p:nextCondLst>
-                <p:cond evt="onNext" delay="0">
-                  <p:tgtEl>
-                    <p:sldTgt/>
-                  </p:tgtEl>
-                </p:cond>
-              </p:nextCondLst>
-            </p:seq>
-          </p:childTnLst>
-        </p:cTn>
-      </p:par>
-    </p:tnLst>
-  </p:timing>
 </p:sld>
 </file>
 
